--- a/Resume.pptx
+++ b/Resume.pptx
@@ -1956,7 +1956,7 @@
 <dgm:dataModel xmlns:dgm="http://schemas.openxmlformats.org/drawingml/2006/diagram" xmlns:a="http://schemas.openxmlformats.org/drawingml/2006/main">
   <dgm:ptLst>
     <dgm:pt modelId="{5A05B034-9B6B-441B-BF6B-B3FC87ED9AE4}" type="doc">
-      <dgm:prSet loTypeId="urn:microsoft.com/office/officeart/2008/layout/HalfCircleOrganizationChart" loCatId="hierarchy" qsTypeId="urn:microsoft.com/office/officeart/2005/8/quickstyle/3d6" qsCatId="3D" csTypeId="urn:microsoft.com/office/officeart/2005/8/colors/accent1_2" csCatId="accent1" phldr="1"/>
+      <dgm:prSet loTypeId="urn:microsoft.com/office/officeart/2008/layout/HalfCircleOrganizationChart" loCatId="hierarchy" qsTypeId="urn:microsoft.com/office/officeart/2005/8/quickstyle/simple1" qsCatId="simple" csTypeId="urn:microsoft.com/office/officeart/2005/8/colors/accent1_2" csCatId="accent1" phldr="1"/>
       <dgm:spPr/>
       <dgm:t>
         <a:bodyPr/>
@@ -2017,7 +2017,7 @@
               <a:latin typeface="Times New Roman" panose="02020603050405020304" pitchFamily="18" charset="0"/>
               <a:cs typeface="Times New Roman" panose="02020603050405020304" pitchFamily="18" charset="0"/>
             </a:rPr>
-            <a:t>Path gain</a:t>
+            <a:t>Path loss</a:t>
           </a:r>
         </a:p>
       </dgm:t>
@@ -3219,7 +3219,6 @@
           <a:miter lim="800000"/>
         </a:ln>
         <a:effectLst/>
-        <a:sp3d z="-25400" prstMaterial="plastic"/>
       </dsp:spPr>
       <dsp:style>
         <a:lnRef idx="2">
@@ -3231,9 +3230,7 @@
         <a:effectRef idx="0">
           <a:scrgbClr r="0" g="0" b="0"/>
         </a:effectRef>
-        <a:fontRef idx="minor">
-          <a:schemeClr val="tx1"/>
-        </a:fontRef>
+        <a:fontRef idx="minor"/>
       </dsp:style>
     </dsp:sp>
     <dsp:sp modelId="{7478464A-13A1-4CA7-A71F-18CB3211A564}">
@@ -3281,7 +3278,6 @@
           <a:miter lim="800000"/>
         </a:ln>
         <a:effectLst/>
-        <a:sp3d z="-25400" prstMaterial="plastic"/>
       </dsp:spPr>
       <dsp:style>
         <a:lnRef idx="2">
@@ -3293,9 +3289,7 @@
         <a:effectRef idx="0">
           <a:scrgbClr r="0" g="0" b="0"/>
         </a:effectRef>
-        <a:fontRef idx="minor">
-          <a:schemeClr val="tx1"/>
-        </a:fontRef>
+        <a:fontRef idx="minor"/>
       </dsp:style>
     </dsp:sp>
     <dsp:sp modelId="{20E304D9-69B9-4D0F-B58E-5639804D3092}">
@@ -3343,7 +3337,6 @@
           <a:miter lim="800000"/>
         </a:ln>
         <a:effectLst/>
-        <a:sp3d z="-25400" prstMaterial="plastic"/>
       </dsp:spPr>
       <dsp:style>
         <a:lnRef idx="2">
@@ -3355,9 +3348,7 @@
         <a:effectRef idx="0">
           <a:scrgbClr r="0" g="0" b="0"/>
         </a:effectRef>
-        <a:fontRef idx="minor">
-          <a:schemeClr val="tx1"/>
-        </a:fontRef>
+        <a:fontRef idx="minor"/>
       </dsp:style>
     </dsp:sp>
     <dsp:sp modelId="{46E304B5-FDD4-4ACE-B777-11C15B7F54EA}">
@@ -3405,7 +3396,6 @@
           <a:miter lim="800000"/>
         </a:ln>
         <a:effectLst/>
-        <a:sp3d z="-25400" prstMaterial="plastic"/>
       </dsp:spPr>
       <dsp:style>
         <a:lnRef idx="2">
@@ -3417,9 +3407,7 @@
         <a:effectRef idx="0">
           <a:scrgbClr r="0" g="0" b="0"/>
         </a:effectRef>
-        <a:fontRef idx="minor">
-          <a:schemeClr val="tx1"/>
-        </a:fontRef>
+        <a:fontRef idx="minor"/>
       </dsp:style>
     </dsp:sp>
     <dsp:sp modelId="{07D29253-939A-4A7C-BFEF-7B786B31E45C}">
@@ -3467,7 +3455,6 @@
           <a:miter lim="800000"/>
         </a:ln>
         <a:effectLst/>
-        <a:sp3d z="-25400" prstMaterial="plastic"/>
       </dsp:spPr>
       <dsp:style>
         <a:lnRef idx="2">
@@ -3479,9 +3466,7 @@
         <a:effectRef idx="0">
           <a:scrgbClr r="0" g="0" b="0"/>
         </a:effectRef>
-        <a:fontRef idx="minor">
-          <a:schemeClr val="tx1"/>
-        </a:fontRef>
+        <a:fontRef idx="minor"/>
       </dsp:style>
     </dsp:sp>
     <dsp:sp modelId="{F411A7CF-5644-4E61-BA16-2B13C63FABC6}">
@@ -3529,7 +3514,6 @@
           <a:miter lim="800000"/>
         </a:ln>
         <a:effectLst/>
-        <a:sp3d z="-25400" prstMaterial="plastic"/>
       </dsp:spPr>
       <dsp:style>
         <a:lnRef idx="2">
@@ -3541,9 +3525,7 @@
         <a:effectRef idx="0">
           <a:scrgbClr r="0" g="0" b="0"/>
         </a:effectRef>
-        <a:fontRef idx="minor">
-          <a:schemeClr val="tx1"/>
-        </a:fontRef>
+        <a:fontRef idx="minor"/>
       </dsp:style>
     </dsp:sp>
     <dsp:sp modelId="{B538C0A3-4F34-4034-AE07-F47D0776AC7D}">
@@ -3577,7 +3559,6 @@
           <a:miter lim="800000"/>
         </a:ln>
         <a:effectLst/>
-        <a:sp3d z="-25400" prstMaterial="plastic"/>
       </dsp:spPr>
       <dsp:style>
         <a:lnRef idx="2">
@@ -3589,9 +3570,7 @@
         <a:effectRef idx="0">
           <a:scrgbClr r="0" g="0" b="0"/>
         </a:effectRef>
-        <a:fontRef idx="minor">
-          <a:schemeClr val="tx1"/>
-        </a:fontRef>
+        <a:fontRef idx="minor"/>
       </dsp:style>
     </dsp:sp>
     <dsp:sp modelId="{B9A9C7B3-8247-4B3B-9D04-ED1B007DAF91}">
@@ -3625,7 +3604,6 @@
           <a:miter lim="800000"/>
         </a:ln>
         <a:effectLst/>
-        <a:sp3d z="-25400" prstMaterial="plastic"/>
       </dsp:spPr>
       <dsp:style>
         <a:lnRef idx="2">
@@ -3637,9 +3615,7 @@
         <a:effectRef idx="0">
           <a:scrgbClr r="0" g="0" b="0"/>
         </a:effectRef>
-        <a:fontRef idx="minor">
-          <a:schemeClr val="tx1"/>
-        </a:fontRef>
+        <a:fontRef idx="minor"/>
       </dsp:style>
     </dsp:sp>
     <dsp:sp modelId="{930C3CCA-F276-4653-823E-A89DD732468D}">
@@ -3656,7 +3632,7 @@
           <a:avLst/>
         </a:prstGeom>
         <a:noFill/>
-        <a:ln w="6350" cap="flat" cmpd="sng" algn="ctr">
+        <a:ln w="12700" cap="flat" cmpd="sng" algn="ctr">
           <a:noFill/>
           <a:prstDash val="solid"/>
           <a:miter lim="800000"/>
@@ -3665,13 +3641,13 @@
         <a:sp3d/>
       </dsp:spPr>
       <dsp:style>
-        <a:lnRef idx="1">
+        <a:lnRef idx="2">
           <a:scrgbClr r="0" g="0" b="0"/>
         </a:lnRef>
         <a:fillRef idx="1">
           <a:scrgbClr r="0" g="0" b="0"/>
         </a:fillRef>
-        <a:effectRef idx="2">
+        <a:effectRef idx="0">
           <a:scrgbClr r="0" g="0" b="0"/>
         </a:effectRef>
         <a:fontRef idx="minor"/>
@@ -3739,7 +3715,6 @@
           <a:miter lim="800000"/>
         </a:ln>
         <a:effectLst/>
-        <a:sp3d z="-25400" prstMaterial="plastic"/>
       </dsp:spPr>
       <dsp:style>
         <a:lnRef idx="2">
@@ -3751,9 +3726,7 @@
         <a:effectRef idx="0">
           <a:scrgbClr r="0" g="0" b="0"/>
         </a:effectRef>
-        <a:fontRef idx="minor">
-          <a:schemeClr val="tx1"/>
-        </a:fontRef>
+        <a:fontRef idx="minor"/>
       </dsp:style>
     </dsp:sp>
     <dsp:sp modelId="{C5209CBF-A04A-4FE4-8374-E3677B778683}">
@@ -3787,7 +3760,6 @@
           <a:miter lim="800000"/>
         </a:ln>
         <a:effectLst/>
-        <a:sp3d z="-25400" prstMaterial="plastic"/>
       </dsp:spPr>
       <dsp:style>
         <a:lnRef idx="2">
@@ -3799,9 +3771,7 @@
         <a:effectRef idx="0">
           <a:scrgbClr r="0" g="0" b="0"/>
         </a:effectRef>
-        <a:fontRef idx="minor">
-          <a:schemeClr val="tx1"/>
-        </a:fontRef>
+        <a:fontRef idx="minor"/>
       </dsp:style>
     </dsp:sp>
     <dsp:sp modelId="{81D67B8B-4F6F-49D3-BFCC-B7CF6D00AC25}">
@@ -3818,7 +3788,7 @@
           <a:avLst/>
         </a:prstGeom>
         <a:noFill/>
-        <a:ln w="6350" cap="flat" cmpd="sng" algn="ctr">
+        <a:ln w="12700" cap="flat" cmpd="sng" algn="ctr">
           <a:noFill/>
           <a:prstDash val="solid"/>
           <a:miter lim="800000"/>
@@ -3827,13 +3797,13 @@
         <a:sp3d/>
       </dsp:spPr>
       <dsp:style>
-        <a:lnRef idx="1">
+        <a:lnRef idx="2">
           <a:scrgbClr r="0" g="0" b="0"/>
         </a:lnRef>
         <a:fillRef idx="1">
           <a:scrgbClr r="0" g="0" b="0"/>
         </a:fillRef>
-        <a:effectRef idx="2">
+        <a:effectRef idx="0">
           <a:scrgbClr r="0" g="0" b="0"/>
         </a:effectRef>
         <a:fontRef idx="minor"/>
@@ -3861,7 +3831,7 @@
               <a:latin typeface="Times New Roman" panose="02020603050405020304" pitchFamily="18" charset="0"/>
               <a:cs typeface="Times New Roman" panose="02020603050405020304" pitchFamily="18" charset="0"/>
             </a:rPr>
-            <a:t>Path gain</a:t>
+            <a:t>Path loss</a:t>
           </a:r>
         </a:p>
       </dsp:txBody>
@@ -3901,7 +3871,6 @@
           <a:miter lim="800000"/>
         </a:ln>
         <a:effectLst/>
-        <a:sp3d z="-25400" prstMaterial="plastic"/>
       </dsp:spPr>
       <dsp:style>
         <a:lnRef idx="2">
@@ -3913,9 +3882,7 @@
         <a:effectRef idx="0">
           <a:scrgbClr r="0" g="0" b="0"/>
         </a:effectRef>
-        <a:fontRef idx="minor">
-          <a:schemeClr val="tx1"/>
-        </a:fontRef>
+        <a:fontRef idx="minor"/>
       </dsp:style>
     </dsp:sp>
     <dsp:sp modelId="{CEACA0E6-4EC6-4691-9B90-D5FB4B40B02D}">
@@ -3949,7 +3916,6 @@
           <a:miter lim="800000"/>
         </a:ln>
         <a:effectLst/>
-        <a:sp3d z="-25400" prstMaterial="plastic"/>
       </dsp:spPr>
       <dsp:style>
         <a:lnRef idx="2">
@@ -3961,9 +3927,7 @@
         <a:effectRef idx="0">
           <a:scrgbClr r="0" g="0" b="0"/>
         </a:effectRef>
-        <a:fontRef idx="minor">
-          <a:schemeClr val="tx1"/>
-        </a:fontRef>
+        <a:fontRef idx="minor"/>
       </dsp:style>
     </dsp:sp>
     <dsp:sp modelId="{E6A116D2-DA01-4CCC-B9FB-3DC4A1DC1D55}">
@@ -3980,7 +3944,7 @@
           <a:avLst/>
         </a:prstGeom>
         <a:noFill/>
-        <a:ln w="6350" cap="flat" cmpd="sng" algn="ctr">
+        <a:ln w="12700" cap="flat" cmpd="sng" algn="ctr">
           <a:noFill/>
           <a:prstDash val="solid"/>
           <a:miter lim="800000"/>
@@ -3989,13 +3953,13 @@
         <a:sp3d/>
       </dsp:spPr>
       <dsp:style>
-        <a:lnRef idx="1">
+        <a:lnRef idx="2">
           <a:scrgbClr r="0" g="0" b="0"/>
         </a:lnRef>
         <a:fillRef idx="1">
           <a:scrgbClr r="0" g="0" b="0"/>
         </a:fillRef>
-        <a:effectRef idx="2">
+        <a:effectRef idx="0">
           <a:scrgbClr r="0" g="0" b="0"/>
         </a:effectRef>
         <a:fontRef idx="minor"/>
@@ -4063,7 +4027,6 @@
           <a:miter lim="800000"/>
         </a:ln>
         <a:effectLst/>
-        <a:sp3d z="-25400" prstMaterial="plastic"/>
       </dsp:spPr>
       <dsp:style>
         <a:lnRef idx="2">
@@ -4075,9 +4038,7 @@
         <a:effectRef idx="0">
           <a:scrgbClr r="0" g="0" b="0"/>
         </a:effectRef>
-        <a:fontRef idx="minor">
-          <a:schemeClr val="tx1"/>
-        </a:fontRef>
+        <a:fontRef idx="minor"/>
       </dsp:style>
     </dsp:sp>
     <dsp:sp modelId="{7EE2BDA0-6E3A-47C4-B507-B455BAB3F4F9}">
@@ -4111,7 +4072,6 @@
           <a:miter lim="800000"/>
         </a:ln>
         <a:effectLst/>
-        <a:sp3d z="-25400" prstMaterial="plastic"/>
       </dsp:spPr>
       <dsp:style>
         <a:lnRef idx="2">
@@ -4123,9 +4083,7 @@
         <a:effectRef idx="0">
           <a:scrgbClr r="0" g="0" b="0"/>
         </a:effectRef>
-        <a:fontRef idx="minor">
-          <a:schemeClr val="tx1"/>
-        </a:fontRef>
+        <a:fontRef idx="minor"/>
       </dsp:style>
     </dsp:sp>
     <dsp:sp modelId="{0C6A32FF-DD5E-4DBE-9DF8-305B39BA8985}">
@@ -4142,7 +4100,7 @@
           <a:avLst/>
         </a:prstGeom>
         <a:noFill/>
-        <a:ln w="6350" cap="flat" cmpd="sng" algn="ctr">
+        <a:ln w="12700" cap="flat" cmpd="sng" algn="ctr">
           <a:noFill/>
           <a:prstDash val="solid"/>
           <a:miter lim="800000"/>
@@ -4151,13 +4109,13 @@
         <a:sp3d/>
       </dsp:spPr>
       <dsp:style>
-        <a:lnRef idx="1">
+        <a:lnRef idx="2">
           <a:scrgbClr r="0" g="0" b="0"/>
         </a:lnRef>
         <a:fillRef idx="1">
           <a:scrgbClr r="0" g="0" b="0"/>
         </a:fillRef>
-        <a:effectRef idx="2">
+        <a:effectRef idx="0">
           <a:scrgbClr r="0" g="0" b="0"/>
         </a:effectRef>
         <a:fontRef idx="minor"/>
@@ -4225,7 +4183,6 @@
           <a:miter lim="800000"/>
         </a:ln>
         <a:effectLst/>
-        <a:sp3d z="-25400" prstMaterial="plastic"/>
       </dsp:spPr>
       <dsp:style>
         <a:lnRef idx="2">
@@ -4237,9 +4194,7 @@
         <a:effectRef idx="0">
           <a:scrgbClr r="0" g="0" b="0"/>
         </a:effectRef>
-        <a:fontRef idx="minor">
-          <a:schemeClr val="tx1"/>
-        </a:fontRef>
+        <a:fontRef idx="minor"/>
       </dsp:style>
     </dsp:sp>
     <dsp:sp modelId="{8C4BBB58-165A-4D1E-9D83-883578BDC3FC}">
@@ -4273,7 +4228,6 @@
           <a:miter lim="800000"/>
         </a:ln>
         <a:effectLst/>
-        <a:sp3d z="-25400" prstMaterial="plastic"/>
       </dsp:spPr>
       <dsp:style>
         <a:lnRef idx="2">
@@ -4285,9 +4239,7 @@
         <a:effectRef idx="0">
           <a:scrgbClr r="0" g="0" b="0"/>
         </a:effectRef>
-        <a:fontRef idx="minor">
-          <a:schemeClr val="tx1"/>
-        </a:fontRef>
+        <a:fontRef idx="minor"/>
       </dsp:style>
     </dsp:sp>
     <dsp:sp modelId="{2CACC6EE-C0EA-4C69-9BA7-3A8014922AD7}">
@@ -4304,7 +4256,7 @@
           <a:avLst/>
         </a:prstGeom>
         <a:noFill/>
-        <a:ln w="6350" cap="flat" cmpd="sng" algn="ctr">
+        <a:ln w="12700" cap="flat" cmpd="sng" algn="ctr">
           <a:noFill/>
           <a:prstDash val="solid"/>
           <a:miter lim="800000"/>
@@ -4313,13 +4265,13 @@
         <a:sp3d/>
       </dsp:spPr>
       <dsp:style>
-        <a:lnRef idx="1">
+        <a:lnRef idx="2">
           <a:scrgbClr r="0" g="0" b="0"/>
         </a:lnRef>
         <a:fillRef idx="1">
           <a:scrgbClr r="0" g="0" b="0"/>
         </a:fillRef>
-        <a:effectRef idx="2">
+        <a:effectRef idx="0">
           <a:scrgbClr r="0" g="0" b="0"/>
         </a:effectRef>
         <a:fontRef idx="minor"/>
@@ -4387,7 +4339,6 @@
           <a:miter lim="800000"/>
         </a:ln>
         <a:effectLst/>
-        <a:sp3d z="-25400" prstMaterial="plastic"/>
       </dsp:spPr>
       <dsp:style>
         <a:lnRef idx="2">
@@ -4399,9 +4350,7 @@
         <a:effectRef idx="0">
           <a:scrgbClr r="0" g="0" b="0"/>
         </a:effectRef>
-        <a:fontRef idx="minor">
-          <a:schemeClr val="tx1"/>
-        </a:fontRef>
+        <a:fontRef idx="minor"/>
       </dsp:style>
     </dsp:sp>
     <dsp:sp modelId="{021787B1-B5E9-494B-90BF-E644A2E3CE32}">
@@ -4435,7 +4384,6 @@
           <a:miter lim="800000"/>
         </a:ln>
         <a:effectLst/>
-        <a:sp3d z="-25400" prstMaterial="plastic"/>
       </dsp:spPr>
       <dsp:style>
         <a:lnRef idx="2">
@@ -4447,9 +4395,7 @@
         <a:effectRef idx="0">
           <a:scrgbClr r="0" g="0" b="0"/>
         </a:effectRef>
-        <a:fontRef idx="minor">
-          <a:schemeClr val="tx1"/>
-        </a:fontRef>
+        <a:fontRef idx="minor"/>
       </dsp:style>
     </dsp:sp>
     <dsp:sp modelId="{C6283DFC-1FDA-4BAB-8C7F-CC7A5797465B}">
@@ -4466,7 +4412,7 @@
           <a:avLst/>
         </a:prstGeom>
         <a:noFill/>
-        <a:ln w="6350" cap="flat" cmpd="sng" algn="ctr">
+        <a:ln w="12700" cap="flat" cmpd="sng" algn="ctr">
           <a:noFill/>
           <a:prstDash val="solid"/>
           <a:miter lim="800000"/>
@@ -4475,13 +4421,13 @@
         <a:sp3d/>
       </dsp:spPr>
       <dsp:style>
-        <a:lnRef idx="1">
+        <a:lnRef idx="2">
           <a:scrgbClr r="0" g="0" b="0"/>
         </a:lnRef>
         <a:fillRef idx="1">
           <a:scrgbClr r="0" g="0" b="0"/>
         </a:fillRef>
-        <a:effectRef idx="2">
+        <a:effectRef idx="0">
           <a:scrgbClr r="0" g="0" b="0"/>
         </a:effectRef>
         <a:fontRef idx="minor"/>
@@ -4549,7 +4495,6 @@
           <a:miter lim="800000"/>
         </a:ln>
         <a:effectLst/>
-        <a:sp3d z="-25400" prstMaterial="plastic"/>
       </dsp:spPr>
       <dsp:style>
         <a:lnRef idx="2">
@@ -4561,9 +4506,7 @@
         <a:effectRef idx="0">
           <a:scrgbClr r="0" g="0" b="0"/>
         </a:effectRef>
-        <a:fontRef idx="minor">
-          <a:schemeClr val="tx1"/>
-        </a:fontRef>
+        <a:fontRef idx="minor"/>
       </dsp:style>
     </dsp:sp>
     <dsp:sp modelId="{1D2786ED-0379-404C-91A6-EADAC544E494}">
@@ -4597,7 +4540,6 @@
           <a:miter lim="800000"/>
         </a:ln>
         <a:effectLst/>
-        <a:sp3d z="-25400" prstMaterial="plastic"/>
       </dsp:spPr>
       <dsp:style>
         <a:lnRef idx="2">
@@ -4609,9 +4551,7 @@
         <a:effectRef idx="0">
           <a:scrgbClr r="0" g="0" b="0"/>
         </a:effectRef>
-        <a:fontRef idx="minor">
-          <a:schemeClr val="tx1"/>
-        </a:fontRef>
+        <a:fontRef idx="minor"/>
       </dsp:style>
     </dsp:sp>
     <dsp:sp modelId="{DCEE3BCE-DA2C-46C7-883B-F77C02BA1CD4}">
@@ -4628,7 +4568,7 @@
           <a:avLst/>
         </a:prstGeom>
         <a:noFill/>
-        <a:ln w="6350" cap="flat" cmpd="sng" algn="ctr">
+        <a:ln w="12700" cap="flat" cmpd="sng" algn="ctr">
           <a:noFill/>
           <a:prstDash val="solid"/>
           <a:miter lim="800000"/>
@@ -4637,13 +4577,13 @@
         <a:sp3d/>
       </dsp:spPr>
       <dsp:style>
-        <a:lnRef idx="1">
+        <a:lnRef idx="2">
           <a:scrgbClr r="0" g="0" b="0"/>
         </a:lnRef>
         <a:fillRef idx="1">
           <a:scrgbClr r="0" g="0" b="0"/>
         </a:fillRef>
-        <a:effectRef idx="2">
+        <a:effectRef idx="0">
           <a:scrgbClr r="0" g="0" b="0"/>
         </a:effectRef>
         <a:fontRef idx="minor"/>
@@ -7265,36 +7205,31 @@
 </file>
 
 <file path=ppt/diagrams/quickStyle2.xml><?xml version="1.0" encoding="utf-8"?>
-<dgm:styleDef xmlns:dgm="http://schemas.openxmlformats.org/drawingml/2006/diagram" xmlns:a="http://schemas.openxmlformats.org/drawingml/2006/main" uniqueId="urn:microsoft.com/office/officeart/2005/8/quickstyle/3d6">
+<dgm:styleDef xmlns:dgm="http://schemas.openxmlformats.org/drawingml/2006/diagram" xmlns:a="http://schemas.openxmlformats.org/drawingml/2006/main" uniqueId="urn:microsoft.com/office/officeart/2005/8/quickstyle/simple1">
   <dgm:title val=""/>
   <dgm:desc val=""/>
   <dgm:catLst>
-    <dgm:cat type="3D" pri="11600"/>
+    <dgm:cat type="simple" pri="10100"/>
   </dgm:catLst>
   <dgm:scene3d>
-    <a:camera prst="perspectiveRelaxedModerately" zoom="92000"/>
-    <a:lightRig rig="balanced" dir="t">
-      <a:rot lat="0" lon="0" rev="12700000"/>
-    </a:lightRig>
+    <a:camera prst="orthographicFront"/>
+    <a:lightRig rig="threePt" dir="t"/>
   </dgm:scene3d>
   <dgm:styleLbl name="node0">
     <dgm:scene3d>
       <a:camera prst="orthographicFront"/>
       <a:lightRig rig="threePt" dir="t"/>
     </dgm:scene3d>
-    <dgm:sp3d prstMaterial="plastic">
-      <a:bevelT w="50800" h="50800"/>
-      <a:bevelB w="50800" h="50800"/>
-    </dgm:sp3d>
+    <dgm:sp3d/>
     <dgm:txPr/>
     <dgm:style>
-      <a:lnRef idx="0">
+      <a:lnRef idx="2">
         <a:scrgbClr r="0" g="0" b="0"/>
       </a:lnRef>
       <a:fillRef idx="1">
         <a:scrgbClr r="0" g="0" b="0"/>
       </a:fillRef>
-      <a:effectRef idx="2">
+      <a:effectRef idx="0">
         <a:scrgbClr r="0" g="0" b="0"/>
       </a:effectRef>
       <a:fontRef idx="minor">
@@ -7307,19 +7242,16 @@
       <a:camera prst="orthographicFront"/>
       <a:lightRig rig="threePt" dir="t"/>
     </dgm:scene3d>
-    <dgm:sp3d prstMaterial="plastic">
-      <a:bevelT w="50800" h="50800"/>
-      <a:bevelB w="50800" h="50800"/>
-    </dgm:sp3d>
+    <dgm:sp3d/>
     <dgm:txPr/>
     <dgm:style>
-      <a:lnRef idx="0">
+      <a:lnRef idx="2">
         <a:scrgbClr r="0" g="0" b="0"/>
       </a:lnRef>
       <a:fillRef idx="1">
         <a:scrgbClr r="0" g="0" b="0"/>
       </a:fillRef>
-      <a:effectRef idx="2">
+      <a:effectRef idx="0">
         <a:scrgbClr r="0" g="0" b="0"/>
       </a:effectRef>
       <a:fontRef idx="minor">
@@ -7332,19 +7264,16 @@
       <a:camera prst="orthographicFront"/>
       <a:lightRig rig="threePt" dir="t"/>
     </dgm:scene3d>
-    <dgm:sp3d prstMaterial="plastic">
-      <a:bevelT w="50800" h="50800"/>
-      <a:bevelB w="50800" h="50800"/>
-    </dgm:sp3d>
+    <dgm:sp3d/>
     <dgm:txPr/>
     <dgm:style>
-      <a:lnRef idx="0">
+      <a:lnRef idx="2">
         <a:scrgbClr r="0" g="0" b="0"/>
       </a:lnRef>
       <a:fillRef idx="1">
         <a:scrgbClr r="0" g="0" b="0"/>
       </a:fillRef>
-      <a:effectRef idx="2">
+      <a:effectRef idx="0">
         <a:scrgbClr r="0" g="0" b="0"/>
       </a:effectRef>
       <a:fontRef idx="minor">
@@ -7357,19 +7286,16 @@
       <a:camera prst="orthographicFront"/>
       <a:lightRig rig="threePt" dir="t"/>
     </dgm:scene3d>
-    <dgm:sp3d prstMaterial="plastic">
-      <a:bevelT w="50800" h="50800"/>
-      <a:bevelB w="50800" h="50800"/>
-    </dgm:sp3d>
+    <dgm:sp3d/>
     <dgm:txPr/>
     <dgm:style>
-      <a:lnRef idx="1">
+      <a:lnRef idx="2">
         <a:scrgbClr r="0" g="0" b="0"/>
       </a:lnRef>
       <a:fillRef idx="1">
         <a:scrgbClr r="0" g="0" b="0"/>
       </a:fillRef>
-      <a:effectRef idx="2">
+      <a:effectRef idx="0">
         <a:scrgbClr r="0" g="0" b="0"/>
       </a:effectRef>
       <a:fontRef idx="minor">
@@ -7382,19 +7308,16 @@
       <a:camera prst="orthographicFront"/>
       <a:lightRig rig="threePt" dir="t"/>
     </dgm:scene3d>
-    <dgm:sp3d prstMaterial="plastic">
-      <a:bevelT w="50800" h="50800"/>
-      <a:bevelB w="50800" h="50800"/>
-    </dgm:sp3d>
+    <dgm:sp3d/>
     <dgm:txPr/>
     <dgm:style>
-      <a:lnRef idx="0">
+      <a:lnRef idx="2">
         <a:scrgbClr r="0" g="0" b="0"/>
       </a:lnRef>
       <a:fillRef idx="1">
         <a:scrgbClr r="0" g="0" b="0"/>
       </a:fillRef>
-      <a:effectRef idx="2">
+      <a:effectRef idx="0">
         <a:scrgbClr r="0" g="0" b="0"/>
       </a:effectRef>
       <a:fontRef idx="minor">
@@ -7407,19 +7330,16 @@
       <a:camera prst="orthographicFront"/>
       <a:lightRig rig="threePt" dir="t"/>
     </dgm:scene3d>
-    <dgm:sp3d prstMaterial="plastic">
-      <a:bevelT w="50800" h="50800"/>
-      <a:bevelB w="50800" h="50800"/>
-    </dgm:sp3d>
+    <dgm:sp3d/>
     <dgm:txPr/>
     <dgm:style>
-      <a:lnRef idx="0">
+      <a:lnRef idx="2">
         <a:scrgbClr r="0" g="0" b="0"/>
       </a:lnRef>
       <a:fillRef idx="1">
         <a:scrgbClr r="0" g="0" b="0"/>
       </a:fillRef>
-      <a:effectRef idx="2">
+      <a:effectRef idx="0">
         <a:scrgbClr r="0" g="0" b="0"/>
       </a:effectRef>
       <a:fontRef idx="minor">
@@ -7432,19 +7352,16 @@
       <a:camera prst="orthographicFront"/>
       <a:lightRig rig="threePt" dir="t"/>
     </dgm:scene3d>
-    <dgm:sp3d prstMaterial="plastic">
-      <a:bevelT w="50800" h="50800"/>
-      <a:bevelB w="50800" h="50800"/>
-    </dgm:sp3d>
+    <dgm:sp3d/>
     <dgm:txPr/>
     <dgm:style>
-      <a:lnRef idx="0">
+      <a:lnRef idx="2">
         <a:scrgbClr r="0" g="0" b="0"/>
       </a:lnRef>
       <a:fillRef idx="1">
         <a:scrgbClr r="0" g="0" b="0"/>
       </a:fillRef>
-      <a:effectRef idx="2">
+      <a:effectRef idx="0">
         <a:scrgbClr r="0" g="0" b="0"/>
       </a:effectRef>
       <a:fontRef idx="minor">
@@ -7457,19 +7374,16 @@
       <a:camera prst="orthographicFront"/>
       <a:lightRig rig="threePt" dir="t"/>
     </dgm:scene3d>
-    <dgm:sp3d prstMaterial="plastic">
-      <a:bevelT w="50800" h="50800"/>
-      <a:bevelB w="50800" h="50800"/>
-    </dgm:sp3d>
+    <dgm:sp3d/>
     <dgm:txPr/>
     <dgm:style>
-      <a:lnRef idx="0">
+      <a:lnRef idx="2">
         <a:scrgbClr r="0" g="0" b="0"/>
       </a:lnRef>
       <a:fillRef idx="1">
         <a:scrgbClr r="0" g="0" b="0"/>
       </a:fillRef>
-      <a:effectRef idx="2">
+      <a:effectRef idx="0">
         <a:scrgbClr r="0" g="0" b="0"/>
       </a:effectRef>
       <a:fontRef idx="minor">
@@ -7482,19 +7396,16 @@
       <a:camera prst="orthographicFront"/>
       <a:lightRig rig="threePt" dir="t"/>
     </dgm:scene3d>
-    <dgm:sp3d z="50080" prstMaterial="plastic">
-      <a:bevelT w="50800" h="50800"/>
-      <a:bevelB w="50800" h="50800"/>
-    </dgm:sp3d>
+    <dgm:sp3d/>
     <dgm:txPr/>
     <dgm:style>
-      <a:lnRef idx="0">
+      <a:lnRef idx="2">
         <a:scrgbClr r="0" g="0" b="0"/>
       </a:lnRef>
       <a:fillRef idx="1">
         <a:scrgbClr r="0" g="0" b="0"/>
       </a:fillRef>
-      <a:effectRef idx="2">
+      <a:effectRef idx="0">
         <a:scrgbClr r="0" g="0" b="0"/>
       </a:effectRef>
       <a:fontRef idx="minor"/>
@@ -7505,19 +7416,16 @@
       <a:camera prst="orthographicFront"/>
       <a:lightRig rig="threePt" dir="t"/>
     </dgm:scene3d>
-    <dgm:sp3d prstMaterial="plastic">
-      <a:bevelT w="50800" h="50800"/>
-      <a:bevelB w="50800" h="50800"/>
-    </dgm:sp3d>
+    <dgm:sp3d/>
     <dgm:txPr/>
     <dgm:style>
-      <a:lnRef idx="0">
+      <a:lnRef idx="2">
         <a:scrgbClr r="0" g="0" b="0"/>
       </a:lnRef>
       <a:fillRef idx="1">
         <a:scrgbClr r="0" g="0" b="0"/>
       </a:fillRef>
-      <a:effectRef idx="2">
+      <a:effectRef idx="0">
         <a:scrgbClr r="0" g="0" b="0"/>
       </a:effectRef>
       <a:fontRef idx="minor"/>
@@ -7528,19 +7436,16 @@
       <a:camera prst="orthographicFront"/>
       <a:lightRig rig="threePt" dir="t"/>
     </dgm:scene3d>
-    <dgm:sp3d z="-54000" prstMaterial="plastic">
-      <a:bevelT w="50800" h="50800"/>
-      <a:bevelB w="50800" h="50800"/>
-    </dgm:sp3d>
+    <dgm:sp3d/>
     <dgm:txPr/>
     <dgm:style>
-      <a:lnRef idx="0">
+      <a:lnRef idx="2">
         <a:scrgbClr r="0" g="0" b="0"/>
       </a:lnRef>
       <a:fillRef idx="1">
         <a:scrgbClr r="0" g="0" b="0"/>
       </a:fillRef>
-      <a:effectRef idx="2">
+      <a:effectRef idx="0">
         <a:scrgbClr r="0" g="0" b="0"/>
       </a:effectRef>
       <a:fontRef idx="minor"/>
@@ -7551,19 +7456,16 @@
       <a:camera prst="orthographicFront"/>
       <a:lightRig rig="threePt" dir="t"/>
     </dgm:scene3d>
-    <dgm:sp3d z="-25400" prstMaterial="plastic">
-      <a:bevelT w="25400" h="25400"/>
-      <a:bevelB w="25400" h="25400"/>
-    </dgm:sp3d>
+    <dgm:sp3d/>
     <dgm:txPr/>
     <dgm:style>
-      <a:lnRef idx="1">
+      <a:lnRef idx="0">
         <a:scrgbClr r="0" g="0" b="0"/>
       </a:lnRef>
       <a:fillRef idx="1">
         <a:scrgbClr r="0" g="0" b="0"/>
       </a:fillRef>
-      <a:effectRef idx="2">
+      <a:effectRef idx="0">
         <a:scrgbClr r="0" g="0" b="0"/>
       </a:effectRef>
       <a:fontRef idx="minor">
@@ -7576,19 +7478,16 @@
       <a:camera prst="orthographicFront"/>
       <a:lightRig rig="threePt" dir="t"/>
     </dgm:scene3d>
-    <dgm:sp3d z="50080" prstMaterial="plastic">
-      <a:bevelT w="25400" h="25400"/>
-      <a:bevelB w="25400" h="25400"/>
-    </dgm:sp3d>
+    <dgm:sp3d/>
     <dgm:txPr/>
     <dgm:style>
-      <a:lnRef idx="1">
+      <a:lnRef idx="0">
         <a:scrgbClr r="0" g="0" b="0"/>
       </a:lnRef>
       <a:fillRef idx="1">
         <a:scrgbClr r="0" g="0" b="0"/>
       </a:fillRef>
-      <a:effectRef idx="2">
+      <a:effectRef idx="0">
         <a:scrgbClr r="0" g="0" b="0"/>
       </a:effectRef>
       <a:fontRef idx="minor">
@@ -7601,19 +7500,16 @@
       <a:camera prst="orthographicFront"/>
       <a:lightRig rig="threePt" dir="t"/>
     </dgm:scene3d>
-    <dgm:sp3d z="-54080" prstMaterial="plastic">
-      <a:bevelT w="25400" h="25400"/>
-      <a:bevelB w="25400" h="25400"/>
-    </dgm:sp3d>
+    <dgm:sp3d/>
     <dgm:txPr/>
     <dgm:style>
-      <a:lnRef idx="1">
+      <a:lnRef idx="0">
         <a:scrgbClr r="0" g="0" b="0"/>
       </a:lnRef>
       <a:fillRef idx="1">
         <a:scrgbClr r="0" g="0" b="0"/>
       </a:fillRef>
-      <a:effectRef idx="2">
+      <a:effectRef idx="0">
         <a:scrgbClr r="0" g="0" b="0"/>
       </a:effectRef>
       <a:fontRef idx="minor">
@@ -7626,7 +7522,7 @@
       <a:camera prst="orthographicFront"/>
       <a:lightRig rig="threePt" dir="t"/>
     </dgm:scene3d>
-    <dgm:sp3d z="-25400" prstMaterial="plastic"/>
+    <dgm:sp3d/>
     <dgm:txPr/>
     <dgm:style>
       <a:lnRef idx="1">
@@ -7646,7 +7542,7 @@
       <a:camera prst="orthographicFront"/>
       <a:lightRig rig="threePt" dir="t"/>
     </dgm:scene3d>
-    <dgm:sp3d z="75000" prstMaterial="plastic"/>
+    <dgm:sp3d/>
     <dgm:txPr/>
     <dgm:style>
       <a:lnRef idx="2">
@@ -7666,19 +7562,16 @@
       <a:camera prst="orthographicFront"/>
       <a:lightRig rig="threePt" dir="t"/>
     </dgm:scene3d>
-    <dgm:sp3d prstMaterial="plastic">
-      <a:bevelT w="50800" h="50800"/>
-      <a:bevelB w="50800" h="50800"/>
-    </dgm:sp3d>
+    <dgm:sp3d/>
     <dgm:txPr/>
     <dgm:style>
-      <a:lnRef idx="0">
+      <a:lnRef idx="2">
         <a:scrgbClr r="0" g="0" b="0"/>
       </a:lnRef>
       <a:fillRef idx="1">
         <a:scrgbClr r="0" g="0" b="0"/>
       </a:fillRef>
-      <a:effectRef idx="2">
+      <a:effectRef idx="0">
         <a:scrgbClr r="0" g="0" b="0"/>
       </a:effectRef>
       <a:fontRef idx="minor">
@@ -7691,19 +7584,16 @@
       <a:camera prst="orthographicFront"/>
       <a:lightRig rig="threePt" dir="t"/>
     </dgm:scene3d>
-    <dgm:sp3d prstMaterial="plastic">
-      <a:bevelT w="50800" h="50800"/>
-      <a:bevelB w="50800" h="50800"/>
-    </dgm:sp3d>
+    <dgm:sp3d/>
     <dgm:txPr/>
     <dgm:style>
-      <a:lnRef idx="0">
+      <a:lnRef idx="2">
         <a:scrgbClr r="0" g="0" b="0"/>
       </a:lnRef>
       <a:fillRef idx="1">
         <a:scrgbClr r="0" g="0" b="0"/>
       </a:fillRef>
-      <a:effectRef idx="2">
+      <a:effectRef idx="0">
         <a:scrgbClr r="0" g="0" b="0"/>
       </a:effectRef>
       <a:fontRef idx="minor">
@@ -7716,19 +7606,16 @@
       <a:camera prst="orthographicFront"/>
       <a:lightRig rig="threePt" dir="t"/>
     </dgm:scene3d>
-    <dgm:sp3d prstMaterial="plastic">
-      <a:bevelT w="50800" h="50800"/>
-      <a:bevelB w="50800" h="50800"/>
-    </dgm:sp3d>
+    <dgm:sp3d/>
     <dgm:txPr/>
     <dgm:style>
-      <a:lnRef idx="0">
+      <a:lnRef idx="2">
         <a:scrgbClr r="0" g="0" b="0"/>
       </a:lnRef>
       <a:fillRef idx="1">
         <a:scrgbClr r="0" g="0" b="0"/>
       </a:fillRef>
-      <a:effectRef idx="2">
+      <a:effectRef idx="0">
         <a:scrgbClr r="0" g="0" b="0"/>
       </a:effectRef>
       <a:fontRef idx="minor">
@@ -7741,19 +7628,16 @@
       <a:camera prst="orthographicFront"/>
       <a:lightRig rig="threePt" dir="t"/>
     </dgm:scene3d>
-    <dgm:sp3d prstMaterial="plastic">
-      <a:bevelT w="50800" h="50800"/>
-      <a:bevelB w="50800" h="50800"/>
-    </dgm:sp3d>
+    <dgm:sp3d/>
     <dgm:txPr/>
     <dgm:style>
-      <a:lnRef idx="0">
+      <a:lnRef idx="2">
         <a:scrgbClr r="0" g="0" b="0"/>
       </a:lnRef>
       <a:fillRef idx="1">
         <a:scrgbClr r="0" g="0" b="0"/>
       </a:fillRef>
-      <a:effectRef idx="2">
+      <a:effectRef idx="0">
         <a:scrgbClr r="0" g="0" b="0"/>
       </a:effectRef>
       <a:fontRef idx="minor">
@@ -7761,24 +7645,43 @@
       </a:fontRef>
     </dgm:style>
   </dgm:styleLbl>
+  <dgm:styleLbl name="asst4">
+    <dgm:scene3d>
+      <a:camera prst="orthographicFront"/>
+      <a:lightRig rig="threePt" dir="t"/>
+    </dgm:scene3d>
+    <dgm:sp3d/>
+    <dgm:txPr/>
+    <dgm:style>
+      <a:lnRef idx="2">
+        <a:scrgbClr r="0" g="0" b="0"/>
+      </a:lnRef>
+      <a:fillRef idx="1">
+        <a:scrgbClr r="0" g="0" b="0"/>
+      </a:fillRef>
+      <a:effectRef idx="0">
+        <a:scrgbClr r="0" g="0" b="0"/>
+      </a:effectRef>
+      <a:fontRef idx="minor">
+        <a:schemeClr val="lt1"/>
+      </a:fontRef>
+    </dgm:style>
+  </dgm:styleLbl>
   <dgm:styleLbl name="parChTrans2D1">
     <dgm:scene3d>
       <a:camera prst="orthographicFront"/>
       <a:lightRig rig="threePt" dir="t"/>
     </dgm:scene3d>
-    <dgm:sp3d z="-25400" prstMaterial="plastic">
-      <a:bevelT w="25400" h="25400"/>
-      <a:bevelB w="25400" h="25400"/>
-    </dgm:sp3d>
+    <dgm:sp3d/>
     <dgm:txPr/>
     <dgm:style>
-      <a:lnRef idx="0">
+      <a:lnRef idx="2">
         <a:scrgbClr r="0" g="0" b="0"/>
       </a:lnRef>
       <a:fillRef idx="1">
         <a:scrgbClr r="0" g="0" b="0"/>
       </a:fillRef>
-      <a:effectRef idx="2">
+      <a:effectRef idx="0">
         <a:scrgbClr r="0" g="0" b="0"/>
       </a:effectRef>
       <a:fontRef idx="minor">
@@ -7791,19 +7694,16 @@
       <a:camera prst="orthographicFront"/>
       <a:lightRig rig="threePt" dir="t"/>
     </dgm:scene3d>
-    <dgm:sp3d z="-25400" prstMaterial="plastic">
-      <a:bevelT w="25400" h="25400"/>
-      <a:bevelB w="25400" h="25400"/>
-    </dgm:sp3d>
+    <dgm:sp3d/>
     <dgm:txPr/>
     <dgm:style>
-      <a:lnRef idx="0">
+      <a:lnRef idx="2">
         <a:scrgbClr r="0" g="0" b="0"/>
       </a:lnRef>
       <a:fillRef idx="1">
         <a:scrgbClr r="0" g="0" b="0"/>
       </a:fillRef>
-      <a:effectRef idx="2">
+      <a:effectRef idx="0">
         <a:scrgbClr r="0" g="0" b="0"/>
       </a:effectRef>
       <a:fontRef idx="minor">
@@ -7816,19 +7716,16 @@
       <a:camera prst="orthographicFront"/>
       <a:lightRig rig="threePt" dir="t"/>
     </dgm:scene3d>
-    <dgm:sp3d z="-25400" prstMaterial="plastic">
-      <a:bevelT w="25400" h="25400"/>
-      <a:bevelB w="25400" h="25400"/>
-    </dgm:sp3d>
+    <dgm:sp3d/>
     <dgm:txPr/>
     <dgm:style>
-      <a:lnRef idx="0">
+      <a:lnRef idx="2">
         <a:scrgbClr r="0" g="0" b="0"/>
       </a:lnRef>
       <a:fillRef idx="1">
         <a:scrgbClr r="0" g="0" b="0"/>
       </a:fillRef>
-      <a:effectRef idx="2">
+      <a:effectRef idx="0">
         <a:scrgbClr r="0" g="0" b="0"/>
       </a:effectRef>
       <a:fontRef idx="minor">
@@ -7841,19 +7738,16 @@
       <a:camera prst="orthographicFront"/>
       <a:lightRig rig="threePt" dir="t"/>
     </dgm:scene3d>
-    <dgm:sp3d z="-25400" prstMaterial="plastic">
-      <a:bevelT w="25400" h="25400"/>
-      <a:bevelB w="25400" h="25400"/>
-    </dgm:sp3d>
+    <dgm:sp3d/>
     <dgm:txPr/>
     <dgm:style>
-      <a:lnRef idx="0">
+      <a:lnRef idx="2">
         <a:scrgbClr r="0" g="0" b="0"/>
       </a:lnRef>
       <a:fillRef idx="1">
         <a:scrgbClr r="0" g="0" b="0"/>
       </a:fillRef>
-      <a:effectRef idx="2">
+      <a:effectRef idx="0">
         <a:scrgbClr r="0" g="0" b="0"/>
       </a:effectRef>
       <a:fontRef idx="minor">
@@ -7866,7 +7760,7 @@
       <a:camera prst="orthographicFront"/>
       <a:lightRig rig="threePt" dir="t"/>
     </dgm:scene3d>
-    <dgm:sp3d z="-25400" prstMaterial="plastic"/>
+    <dgm:sp3d/>
     <dgm:txPr/>
     <dgm:style>
       <a:lnRef idx="2">
@@ -7878,9 +7772,7 @@
       <a:effectRef idx="0">
         <a:scrgbClr r="0" g="0" b="0"/>
       </a:effectRef>
-      <a:fontRef idx="minor">
-        <a:schemeClr val="tx1"/>
-      </a:fontRef>
+      <a:fontRef idx="minor"/>
     </dgm:style>
   </dgm:styleLbl>
   <dgm:styleLbl name="parChTrans1D2">
@@ -7888,7 +7780,7 @@
       <a:camera prst="orthographicFront"/>
       <a:lightRig rig="threePt" dir="t"/>
     </dgm:scene3d>
-    <dgm:sp3d z="-25400" prstMaterial="plastic"/>
+    <dgm:sp3d/>
     <dgm:txPr/>
     <dgm:style>
       <a:lnRef idx="2">
@@ -7900,9 +7792,7 @@
       <a:effectRef idx="0">
         <a:scrgbClr r="0" g="0" b="0"/>
       </a:effectRef>
-      <a:fontRef idx="minor">
-        <a:schemeClr val="tx1"/>
-      </a:fontRef>
+      <a:fontRef idx="minor"/>
     </dgm:style>
   </dgm:styleLbl>
   <dgm:styleLbl name="parChTrans1D3">
@@ -7910,7 +7800,7 @@
       <a:camera prst="orthographicFront"/>
       <a:lightRig rig="threePt" dir="t"/>
     </dgm:scene3d>
-    <dgm:sp3d z="-25400" prstMaterial="plastic"/>
+    <dgm:sp3d/>
     <dgm:txPr/>
     <dgm:style>
       <a:lnRef idx="2">
@@ -7922,9 +7812,7 @@
       <a:effectRef idx="0">
         <a:scrgbClr r="0" g="0" b="0"/>
       </a:effectRef>
-      <a:fontRef idx="minor">
-        <a:schemeClr val="tx1"/>
-      </a:fontRef>
+      <a:fontRef idx="minor"/>
     </dgm:style>
   </dgm:styleLbl>
   <dgm:styleLbl name="parChTrans1D4">
@@ -7932,7 +7820,7 @@
       <a:camera prst="orthographicFront"/>
       <a:lightRig rig="threePt" dir="t"/>
     </dgm:scene3d>
-    <dgm:sp3d z="-25400" prstMaterial="plastic"/>
+    <dgm:sp3d/>
     <dgm:txPr/>
     <dgm:style>
       <a:lnRef idx="2">
@@ -7944,9 +7832,7 @@
       <a:effectRef idx="0">
         <a:scrgbClr r="0" g="0" b="0"/>
       </a:effectRef>
-      <a:fontRef idx="minor">
-        <a:schemeClr val="tx1"/>
-      </a:fontRef>
+      <a:fontRef idx="minor"/>
     </dgm:style>
   </dgm:styleLbl>
   <dgm:styleLbl name="fgAcc1">
@@ -7954,19 +7840,16 @@
       <a:camera prst="orthographicFront"/>
       <a:lightRig rig="threePt" dir="t"/>
     </dgm:scene3d>
-    <dgm:sp3d z="50080" prstMaterial="plastic">
-      <a:bevelT w="25400" h="25400"/>
-      <a:bevelB w="25400" h="25400"/>
-    </dgm:sp3d>
+    <dgm:sp3d/>
     <dgm:txPr/>
     <dgm:style>
-      <a:lnRef idx="1">
+      <a:lnRef idx="2">
         <a:scrgbClr r="0" g="0" b="0"/>
       </a:lnRef>
       <a:fillRef idx="1">
         <a:scrgbClr r="0" g="0" b="0"/>
       </a:fillRef>
-      <a:effectRef idx="2">
+      <a:effectRef idx="0">
         <a:scrgbClr r="0" g="0" b="0"/>
       </a:effectRef>
       <a:fontRef idx="minor"/>
@@ -7977,19 +7860,16 @@
       <a:camera prst="orthographicFront"/>
       <a:lightRig rig="threePt" dir="t"/>
     </dgm:scene3d>
-    <dgm:sp3d z="-152400" prstMaterial="plastic">
-      <a:bevelT w="25400" h="25400"/>
-      <a:bevelB w="25400" h="25400"/>
-    </dgm:sp3d>
+    <dgm:sp3d/>
     <dgm:txPr/>
     <dgm:style>
-      <a:lnRef idx="1">
+      <a:lnRef idx="2">
         <a:scrgbClr r="0" g="0" b="0"/>
       </a:lnRef>
       <a:fillRef idx="1">
         <a:scrgbClr r="0" g="0" b="0"/>
       </a:fillRef>
-      <a:effectRef idx="2">
+      <a:effectRef idx="0">
         <a:scrgbClr r="0" g="0" b="0"/>
       </a:effectRef>
       <a:fontRef idx="minor"/>
@@ -8000,19 +7880,16 @@
       <a:camera prst="orthographicFront"/>
       <a:lightRig rig="threePt" dir="t"/>
     </dgm:scene3d>
-    <dgm:sp3d prstMaterial="plastic">
-      <a:bevelT w="25400" h="25400"/>
-      <a:bevelB w="25400" h="25400"/>
-    </dgm:sp3d>
+    <dgm:sp3d/>
     <dgm:txPr/>
     <dgm:style>
-      <a:lnRef idx="1">
+      <a:lnRef idx="2">
         <a:scrgbClr r="0" g="0" b="0"/>
       </a:lnRef>
       <a:fillRef idx="1">
         <a:scrgbClr r="0" g="0" b="0"/>
       </a:fillRef>
-      <a:effectRef idx="2">
+      <a:effectRef idx="0">
         <a:scrgbClr r="0" g="0" b="0"/>
       </a:effectRef>
       <a:fontRef idx="minor"/>
@@ -8023,10 +7900,7 @@
       <a:camera prst="orthographicFront"/>
       <a:lightRig rig="threePt" dir="t"/>
     </dgm:scene3d>
-    <dgm:sp3d prstMaterial="plastic">
-      <a:bevelT w="50800" h="50800"/>
-      <a:bevelB w="50800" h="50800"/>
-    </dgm:sp3d>
+    <dgm:sp3d/>
     <dgm:txPr/>
     <dgm:style>
       <a:lnRef idx="1">
@@ -8035,7 +7909,7 @@
       <a:fillRef idx="1">
         <a:scrgbClr r="0" g="0" b="0"/>
       </a:fillRef>
-      <a:effectRef idx="2">
+      <a:effectRef idx="0">
         <a:scrgbClr r="0" g="0" b="0"/>
       </a:effectRef>
       <a:fontRef idx="minor"/>
@@ -8046,19 +7920,16 @@
       <a:camera prst="orthographicFront"/>
       <a:lightRig rig="threePt" dir="t"/>
     </dgm:scene3d>
-    <dgm:sp3d z="-152400" prstMaterial="plastic">
-      <a:bevelT w="25400" h="25400"/>
-      <a:bevelB w="25400" h="25400"/>
-    </dgm:sp3d>
+    <dgm:sp3d/>
     <dgm:txPr/>
     <dgm:style>
-      <a:lnRef idx="1">
+      <a:lnRef idx="2">
         <a:scrgbClr r="0" g="0" b="0"/>
       </a:lnRef>
       <a:fillRef idx="1">
         <a:scrgbClr r="0" g="0" b="0"/>
       </a:fillRef>
-      <a:effectRef idx="2">
+      <a:effectRef idx="0">
         <a:scrgbClr r="0" g="0" b="0"/>
       </a:effectRef>
       <a:fontRef idx="minor"/>
@@ -8069,19 +7940,16 @@
       <a:camera prst="orthographicFront"/>
       <a:lightRig rig="threePt" dir="t"/>
     </dgm:scene3d>
-    <dgm:sp3d z="152400" prstMaterial="plastic">
-      <a:bevelT w="25400" h="25400"/>
-      <a:bevelB w="25400" h="25400"/>
-    </dgm:sp3d>
+    <dgm:sp3d/>
     <dgm:txPr/>
     <dgm:style>
-      <a:lnRef idx="1">
+      <a:lnRef idx="2">
         <a:scrgbClr r="0" g="0" b="0"/>
       </a:lnRef>
       <a:fillRef idx="1">
         <a:scrgbClr r="0" g="0" b="0"/>
       </a:fillRef>
-      <a:effectRef idx="2">
+      <a:effectRef idx="0">
         <a:scrgbClr r="0" g="0" b="0"/>
       </a:effectRef>
       <a:fontRef idx="minor"/>
@@ -8092,19 +7960,16 @@
       <a:camera prst="orthographicFront"/>
       <a:lightRig rig="threePt" dir="t"/>
     </dgm:scene3d>
-    <dgm:sp3d prstMaterial="plastic">
-      <a:bevelT w="25400" h="25400"/>
-      <a:bevelB w="25400" h="25400"/>
-    </dgm:sp3d>
+    <dgm:sp3d/>
     <dgm:txPr/>
     <dgm:style>
-      <a:lnRef idx="1">
+      <a:lnRef idx="2">
         <a:scrgbClr r="0" g="0" b="0"/>
       </a:lnRef>
       <a:fillRef idx="1">
         <a:scrgbClr r="0" g="0" b="0"/>
       </a:fillRef>
-      <a:effectRef idx="2">
+      <a:effectRef idx="0">
         <a:scrgbClr r="0" g="0" b="0"/>
       </a:effectRef>
       <a:fontRef idx="minor"/>
@@ -8115,19 +7980,16 @@
       <a:camera prst="orthographicFront"/>
       <a:lightRig rig="threePt" dir="t"/>
     </dgm:scene3d>
-    <dgm:sp3d z="-152400" prstMaterial="plastic">
-      <a:bevelT w="25400" h="25400"/>
-      <a:bevelB w="25400" h="25400"/>
-    </dgm:sp3d>
+    <dgm:sp3d/>
     <dgm:txPr/>
     <dgm:style>
-      <a:lnRef idx="1">
+      <a:lnRef idx="2">
         <a:scrgbClr r="0" g="0" b="0"/>
       </a:lnRef>
       <a:fillRef idx="1">
         <a:scrgbClr r="0" g="0" b="0"/>
       </a:fillRef>
-      <a:effectRef idx="2">
+      <a:effectRef idx="0">
         <a:scrgbClr r="0" g="0" b="0"/>
       </a:effectRef>
       <a:fontRef idx="minor"/>
@@ -8138,19 +8000,16 @@
       <a:camera prst="orthographicFront"/>
       <a:lightRig rig="threePt" dir="t"/>
     </dgm:scene3d>
-    <dgm:sp3d z="50080" prstMaterial="plastic">
-      <a:bevelT w="25400" h="25400"/>
-      <a:bevelB w="25400" h="25400"/>
-    </dgm:sp3d>
+    <dgm:sp3d/>
     <dgm:txPr/>
     <dgm:style>
-      <a:lnRef idx="0">
+      <a:lnRef idx="2">
         <a:scrgbClr r="0" g="0" b="0"/>
       </a:lnRef>
       <a:fillRef idx="1">
         <a:scrgbClr r="0" g="0" b="0"/>
       </a:fillRef>
-      <a:effectRef idx="2">
+      <a:effectRef idx="0">
         <a:scrgbClr r="0" g="0" b="0"/>
       </a:effectRef>
       <a:fontRef idx="minor"/>
@@ -8161,19 +8020,16 @@
       <a:camera prst="orthographicFront"/>
       <a:lightRig rig="threePt" dir="t"/>
     </dgm:scene3d>
-    <dgm:sp3d prstMaterial="plastic">
-      <a:bevelT w="25400" h="25400"/>
-      <a:bevelB w="25400" h="25400"/>
-    </dgm:sp3d>
+    <dgm:sp3d/>
     <dgm:txPr/>
     <dgm:style>
-      <a:lnRef idx="0">
+      <a:lnRef idx="2">
         <a:scrgbClr r="0" g="0" b="0"/>
       </a:lnRef>
       <a:fillRef idx="1">
         <a:scrgbClr r="0" g="0" b="0"/>
       </a:fillRef>
-      <a:effectRef idx="2">
+      <a:effectRef idx="0">
         <a:scrgbClr r="0" g="0" b="0"/>
       </a:effectRef>
       <a:fontRef idx="minor"/>
@@ -8184,19 +8040,16 @@
       <a:camera prst="orthographicFront"/>
       <a:lightRig rig="threePt" dir="t"/>
     </dgm:scene3d>
-    <dgm:sp3d z="-152400" prstMaterial="plastic">
-      <a:bevelT w="25400" h="25400"/>
-      <a:bevelB w="25400" h="25400"/>
-    </dgm:sp3d>
+    <dgm:sp3d/>
     <dgm:txPr/>
     <dgm:style>
-      <a:lnRef idx="0">
+      <a:lnRef idx="2">
         <a:scrgbClr r="0" g="0" b="0"/>
       </a:lnRef>
       <a:fillRef idx="1">
         <a:scrgbClr r="0" g="0" b="0"/>
       </a:fillRef>
-      <a:effectRef idx="2">
+      <a:effectRef idx="0">
         <a:scrgbClr r="0" g="0" b="0"/>
       </a:effectRef>
       <a:fontRef idx="minor"/>
@@ -8207,13 +8060,10 @@
       <a:camera prst="orthographicFront"/>
       <a:lightRig rig="threePt" dir="t"/>
     </dgm:scene3d>
-    <dgm:sp3d z="50080" prstMaterial="plastic">
-      <a:bevelT w="25400" h="25400"/>
-      <a:bevelB w="25400" h="25400"/>
-    </dgm:sp3d>
+    <dgm:sp3d/>
     <dgm:txPr/>
     <dgm:style>
-      <a:lnRef idx="1">
+      <a:lnRef idx="2">
         <a:scrgbClr r="0" g="0" b="0"/>
       </a:lnRef>
       <a:fillRef idx="1">
@@ -8230,13 +8080,10 @@
       <a:camera prst="orthographicFront"/>
       <a:lightRig rig="threePt" dir="t"/>
     </dgm:scene3d>
-    <dgm:sp3d z="50080" prstMaterial="plastic">
-      <a:bevelT w="25400" h="25400"/>
-      <a:bevelB w="25400" h="25400"/>
-    </dgm:sp3d>
+    <dgm:sp3d/>
     <dgm:txPr/>
     <dgm:style>
-      <a:lnRef idx="1">
+      <a:lnRef idx="2">
         <a:scrgbClr r="0" g="0" b="0"/>
       </a:lnRef>
       <a:fillRef idx="1">
@@ -8253,13 +8100,10 @@
       <a:camera prst="orthographicFront"/>
       <a:lightRig rig="threePt" dir="t"/>
     </dgm:scene3d>
-    <dgm:sp3d z="50080" prstMaterial="plastic">
-      <a:bevelT w="25400" h="25400"/>
-      <a:bevelB w="25400" h="25400"/>
-    </dgm:sp3d>
+    <dgm:sp3d/>
     <dgm:txPr/>
     <dgm:style>
-      <a:lnRef idx="1">
+      <a:lnRef idx="2">
         <a:scrgbClr r="0" g="0" b="0"/>
       </a:lnRef>
       <a:fillRef idx="1">
@@ -8276,13 +8120,10 @@
       <a:camera prst="orthographicFront"/>
       <a:lightRig rig="threePt" dir="t"/>
     </dgm:scene3d>
-    <dgm:sp3d z="50080" prstMaterial="plastic">
-      <a:bevelT w="25400" h="25400"/>
-      <a:bevelB w="25400" h="25400"/>
-    </dgm:sp3d>
+    <dgm:sp3d/>
     <dgm:txPr/>
     <dgm:style>
-      <a:lnRef idx="1">
+      <a:lnRef idx="2">
         <a:scrgbClr r="0" g="0" b="0"/>
       </a:lnRef>
       <a:fillRef idx="1">
@@ -8299,10 +8140,7 @@
       <a:camera prst="orthographicFront"/>
       <a:lightRig rig="threePt" dir="t"/>
     </dgm:scene3d>
-    <dgm:sp3d z="-152400" prstMaterial="plastic">
-      <a:bevelT w="25400" h="25400"/>
-      <a:bevelB w="25400" h="25400"/>
-    </dgm:sp3d>
+    <dgm:sp3d/>
     <dgm:txPr/>
     <dgm:style>
       <a:lnRef idx="0">
@@ -8322,10 +8160,7 @@
       <a:camera prst="orthographicFront"/>
       <a:lightRig rig="threePt" dir="t"/>
     </dgm:scene3d>
-    <dgm:sp3d prstMaterial="plastic">
-      <a:bevelT w="50800" h="50800"/>
-      <a:bevelB w="50800" h="50800"/>
-    </dgm:sp3d>
+    <dgm:sp3d/>
     <dgm:txPr/>
     <dgm:style>
       <a:lnRef idx="0">
@@ -8334,7 +8169,7 @@
       <a:fillRef idx="1">
         <a:scrgbClr r="0" g="0" b="0"/>
       </a:fillRef>
-      <a:effectRef idx="2">
+      <a:effectRef idx="0">
         <a:scrgbClr r="0" g="0" b="0"/>
       </a:effectRef>
       <a:fontRef idx="minor"/>
@@ -8345,7 +8180,7 @@
       <a:camera prst="orthographicFront"/>
       <a:lightRig rig="threePt" dir="t"/>
     </dgm:scene3d>
-    <dgm:sp3d z="-10400" extrusionH="12700" prstMaterial="plastic"/>
+    <dgm:sp3d/>
     <dgm:txPr/>
     <dgm:style>
       <a:lnRef idx="0">
@@ -8365,19 +8200,16 @@
       <a:camera prst="orthographicFront"/>
       <a:lightRig rig="threePt" dir="t"/>
     </dgm:scene3d>
-    <dgm:sp3d z="50080" prstMaterial="plastic">
-      <a:bevelT w="50800" h="50800"/>
-      <a:bevelB w="50800" h="50800"/>
-    </dgm:sp3d>
+    <dgm:sp3d/>
     <dgm:txPr/>
     <dgm:style>
-      <a:lnRef idx="0">
+      <a:lnRef idx="2">
         <a:scrgbClr r="0" g="0" b="0"/>
       </a:lnRef>
       <a:fillRef idx="1">
         <a:scrgbClr r="0" g="0" b="0"/>
       </a:fillRef>
-      <a:effectRef idx="2">
+      <a:effectRef idx="0">
         <a:scrgbClr r="0" g="0" b="0"/>
       </a:effectRef>
       <a:fontRef idx="minor"/>
@@ -8394,7 +8226,7 @@
       <a:lnRef idx="0">
         <a:scrgbClr r="0" g="0" b="0"/>
       </a:lnRef>
-      <a:fillRef idx="1">
+      <a:fillRef idx="0">
         <a:scrgbClr r="0" g="0" b="0"/>
       </a:fillRef>
       <a:effectRef idx="0">
@@ -13072,13 +12904,13 @@
           <p:nvPr>
             <p:extLst>
               <p:ext uri="{D42A27DB-BD31-4B8C-83A1-F6EECF244321}">
-                <p14:modId xmlns:p14="http://schemas.microsoft.com/office/powerpoint/2010/main" val="2305060237"/>
+                <p14:modId xmlns:p14="http://schemas.microsoft.com/office/powerpoint/2010/main" val="66996621"/>
               </p:ext>
             </p:extLst>
           </p:nvPr>
         </p:nvGraphicFramePr>
         <p:xfrm>
-          <a:off x="-1599842" y="719666"/>
+          <a:off x="3793793" y="719313"/>
           <a:ext cx="10447628" cy="5418667"/>
         </p:xfrm>
         <a:graphic>
@@ -13142,7 +12974,7 @@
         </p:blipFill>
         <p:spPr>
           <a:xfrm>
-            <a:off x="1215926" y="5812938"/>
+            <a:off x="705718" y="5972051"/>
             <a:ext cx="8459381" cy="885949"/>
           </a:xfrm>
           <a:prstGeom prst="rect">
@@ -13150,6 +12982,71 @@
           </a:prstGeom>
         </p:spPr>
       </p:pic>
+      <p:sp>
+        <p:nvSpPr>
+          <p:cNvPr id="4" name="文本框 3">
+            <a:extLst>
+              <a:ext uri="{FF2B5EF4-FFF2-40B4-BE49-F238E27FC236}">
+                <a16:creationId xmlns:a16="http://schemas.microsoft.com/office/drawing/2014/main" id="{3F83A826-91C6-D88E-16E8-265F6904AF9A}"/>
+              </a:ext>
+            </a:extLst>
+          </p:cNvPr>
+          <p:cNvSpPr txBox="1"/>
+          <p:nvPr/>
+        </p:nvSpPr>
+        <p:spPr>
+          <a:xfrm>
+            <a:off x="1749287" y="2344994"/>
+            <a:ext cx="2418521" cy="646331"/>
+          </a:xfrm>
+          <a:prstGeom prst="rect">
+            <a:avLst/>
+          </a:prstGeom>
+          <a:noFill/>
+        </p:spPr>
+        <p:txBody>
+          <a:bodyPr wrap="square" rtlCol="0">
+            <a:spAutoFit/>
+          </a:bodyPr>
+          <a:lstStyle/>
+          <a:p>
+            <a:r>
+              <a:rPr lang="fr-CA" dirty="0">
+                <a:latin typeface="Times New Roman" panose="02020603050405020304" pitchFamily="18" charset="0"/>
+                <a:cs typeface="Times New Roman" panose="02020603050405020304" pitchFamily="18" charset="0"/>
+              </a:rPr>
+              <a:t>L</a:t>
+            </a:r>
+            <a:r>
+              <a:rPr lang="en-US" altLang="zh-CN" dirty="0" err="1">
+                <a:latin typeface="Times New Roman" panose="02020603050405020304" pitchFamily="18" charset="0"/>
+                <a:cs typeface="Times New Roman" panose="02020603050405020304" pitchFamily="18" charset="0"/>
+              </a:rPr>
+              <a:t>ine</a:t>
+            </a:r>
+            <a:r>
+              <a:rPr lang="en-US" altLang="zh-CN" dirty="0">
+                <a:latin typeface="Times New Roman" panose="02020603050405020304" pitchFamily="18" charset="0"/>
+                <a:cs typeface="Times New Roman" panose="02020603050405020304" pitchFamily="18" charset="0"/>
+              </a:rPr>
+              <a:t>  of Sight: LOS</a:t>
+            </a:r>
+          </a:p>
+          <a:p>
+            <a:r>
+              <a:rPr lang="en-US" dirty="0">
+                <a:latin typeface="Times New Roman" panose="02020603050405020304" pitchFamily="18" charset="0"/>
+                <a:cs typeface="Times New Roman" panose="02020603050405020304" pitchFamily="18" charset="0"/>
+              </a:rPr>
+              <a:t>No line of sight: NLOS</a:t>
+            </a:r>
+            <a:endParaRPr lang="fr-CA" dirty="0">
+              <a:latin typeface="Times New Roman" panose="02020603050405020304" pitchFamily="18" charset="0"/>
+              <a:cs typeface="Times New Roman" panose="02020603050405020304" pitchFamily="18" charset="0"/>
+            </a:endParaRPr>
+          </a:p>
+        </p:txBody>
+      </p:sp>
     </p:spTree>
     <p:extLst>
       <p:ext uri="{BB962C8B-B14F-4D97-AF65-F5344CB8AC3E}">
@@ -13230,7 +13127,7 @@
         </p:blipFill>
         <p:spPr>
           <a:xfrm>
-            <a:off x="1926315" y="3438659"/>
+            <a:off x="2042225" y="4314422"/>
             <a:ext cx="5982535" cy="562053"/>
           </a:xfrm>
           <a:prstGeom prst="rect">
@@ -13238,6 +13135,373 @@
           </a:prstGeom>
         </p:spPr>
       </p:pic>
+      <p:sp>
+        <p:nvSpPr>
+          <p:cNvPr id="3" name="文本框 2">
+            <a:extLst>
+              <a:ext uri="{FF2B5EF4-FFF2-40B4-BE49-F238E27FC236}">
+                <a16:creationId xmlns:a16="http://schemas.microsoft.com/office/drawing/2014/main" id="{DBB3B957-B60A-E396-B212-873AEDF09629}"/>
+              </a:ext>
+            </a:extLst>
+          </p:cNvPr>
+          <p:cNvSpPr txBox="1"/>
+          <p:nvPr/>
+        </p:nvSpPr>
+        <p:spPr>
+          <a:xfrm flipH="1">
+            <a:off x="838200" y="1690688"/>
+            <a:ext cx="4777419" cy="646331"/>
+          </a:xfrm>
+          <a:prstGeom prst="rect">
+            <a:avLst/>
+          </a:prstGeom>
+          <a:noFill/>
+        </p:spPr>
+        <p:txBody>
+          <a:bodyPr wrap="square" rtlCol="0">
+            <a:spAutoFit/>
+          </a:bodyPr>
+          <a:lstStyle/>
+          <a:p>
+            <a:r>
+              <a:rPr lang="fr-CA" dirty="0">
+                <a:latin typeface="Times New Roman" panose="02020603050405020304" pitchFamily="18" charset="0"/>
+                <a:cs typeface="Times New Roman" panose="02020603050405020304" pitchFamily="18" charset="0"/>
+              </a:rPr>
+              <a:t>Inverse fast fourier transform (IFFT)</a:t>
+            </a:r>
+          </a:p>
+          <a:p>
+            <a:r>
+              <a:rPr lang="fr-CA" dirty="0">
+                <a:latin typeface="Times New Roman" panose="02020603050405020304" pitchFamily="18" charset="0"/>
+                <a:cs typeface="Times New Roman" panose="02020603050405020304" pitchFamily="18" charset="0"/>
+              </a:rPr>
+              <a:t>Denoising</a:t>
+            </a:r>
+          </a:p>
+        </p:txBody>
+      </p:sp>
+      <p:sp>
+        <p:nvSpPr>
+          <p:cNvPr id="5" name="矩形: 圆角 4">
+            <a:extLst>
+              <a:ext uri="{FF2B5EF4-FFF2-40B4-BE49-F238E27FC236}">
+                <a16:creationId xmlns:a16="http://schemas.microsoft.com/office/drawing/2014/main" id="{3933BC14-9904-7210-6BCE-EB8CBAC0E6EC}"/>
+              </a:ext>
+            </a:extLst>
+          </p:cNvPr>
+          <p:cNvSpPr/>
+          <p:nvPr/>
+        </p:nvSpPr>
+        <p:spPr>
+          <a:xfrm>
+            <a:off x="3702668" y="3142444"/>
+            <a:ext cx="1036749" cy="405685"/>
+          </a:xfrm>
+          <a:prstGeom prst="roundRect">
+            <a:avLst/>
+          </a:prstGeom>
+        </p:spPr>
+        <p:style>
+          <a:lnRef idx="2">
+            <a:schemeClr val="accent1">
+              <a:shade val="50000"/>
+            </a:schemeClr>
+          </a:lnRef>
+          <a:fillRef idx="1">
+            <a:schemeClr val="accent1"/>
+          </a:fillRef>
+          <a:effectRef idx="0">
+            <a:schemeClr val="accent1"/>
+          </a:effectRef>
+          <a:fontRef idx="minor">
+            <a:schemeClr val="lt1"/>
+          </a:fontRef>
+        </p:style>
+        <p:txBody>
+          <a:bodyPr rtlCol="0" anchor="ctr"/>
+          <a:lstStyle/>
+          <a:p>
+            <a:pPr algn="ctr"/>
+            <a:r>
+              <a:rPr lang="fr-CA" dirty="0"/>
+              <a:t>Precode</a:t>
+            </a:r>
+          </a:p>
+        </p:txBody>
+      </p:sp>
+      <p:sp>
+        <p:nvSpPr>
+          <p:cNvPr id="9" name="矩形: 圆角 8">
+            <a:extLst>
+              <a:ext uri="{FF2B5EF4-FFF2-40B4-BE49-F238E27FC236}">
+                <a16:creationId xmlns:a16="http://schemas.microsoft.com/office/drawing/2014/main" id="{166AC449-EBDC-058C-9C9B-5EBE52167C96}"/>
+              </a:ext>
+            </a:extLst>
+          </p:cNvPr>
+          <p:cNvSpPr/>
+          <p:nvPr/>
+        </p:nvSpPr>
+        <p:spPr>
+          <a:xfrm>
+            <a:off x="5323259" y="3142444"/>
+            <a:ext cx="1036749" cy="405685"/>
+          </a:xfrm>
+          <a:prstGeom prst="roundRect">
+            <a:avLst/>
+          </a:prstGeom>
+        </p:spPr>
+        <p:style>
+          <a:lnRef idx="2">
+            <a:schemeClr val="accent1">
+              <a:shade val="50000"/>
+            </a:schemeClr>
+          </a:lnRef>
+          <a:fillRef idx="1">
+            <a:schemeClr val="accent1"/>
+          </a:fillRef>
+          <a:effectRef idx="0">
+            <a:schemeClr val="accent1"/>
+          </a:effectRef>
+          <a:fontRef idx="minor">
+            <a:schemeClr val="lt1"/>
+          </a:fontRef>
+        </p:style>
+        <p:txBody>
+          <a:bodyPr rtlCol="0" anchor="ctr"/>
+          <a:lstStyle/>
+          <a:p>
+            <a:pPr algn="ctr"/>
+            <a:r>
+              <a:rPr lang="fr-CA" dirty="0"/>
+              <a:t>Channel</a:t>
+            </a:r>
+          </a:p>
+        </p:txBody>
+      </p:sp>
+      <p:sp>
+        <p:nvSpPr>
+          <p:cNvPr id="11" name="矩形: 圆角 10">
+            <a:extLst>
+              <a:ext uri="{FF2B5EF4-FFF2-40B4-BE49-F238E27FC236}">
+                <a16:creationId xmlns:a16="http://schemas.microsoft.com/office/drawing/2014/main" id="{E2C8424D-BE01-3C40-913D-E93C7B729358}"/>
+              </a:ext>
+            </a:extLst>
+          </p:cNvPr>
+          <p:cNvSpPr/>
+          <p:nvPr/>
+        </p:nvSpPr>
+        <p:spPr>
+          <a:xfrm>
+            <a:off x="6943850" y="3142443"/>
+            <a:ext cx="1036749" cy="405685"/>
+          </a:xfrm>
+          <a:prstGeom prst="roundRect">
+            <a:avLst/>
+          </a:prstGeom>
+        </p:spPr>
+        <p:style>
+          <a:lnRef idx="2">
+            <a:schemeClr val="accent1">
+              <a:shade val="50000"/>
+            </a:schemeClr>
+          </a:lnRef>
+          <a:fillRef idx="1">
+            <a:schemeClr val="accent1"/>
+          </a:fillRef>
+          <a:effectRef idx="0">
+            <a:schemeClr val="accent1"/>
+          </a:effectRef>
+          <a:fontRef idx="minor">
+            <a:schemeClr val="lt1"/>
+          </a:fontRef>
+        </p:style>
+        <p:txBody>
+          <a:bodyPr rtlCol="0" anchor="ctr"/>
+          <a:lstStyle/>
+          <a:p>
+            <a:pPr algn="ctr"/>
+            <a:r>
+              <a:rPr lang="fr-CA" dirty="0"/>
+              <a:t>Decode</a:t>
+            </a:r>
+          </a:p>
+        </p:txBody>
+      </p:sp>
+      <p:cxnSp>
+        <p:nvCxnSpPr>
+          <p:cNvPr id="13" name="直接箭头连接符 12">
+            <a:extLst>
+              <a:ext uri="{FF2B5EF4-FFF2-40B4-BE49-F238E27FC236}">
+                <a16:creationId xmlns:a16="http://schemas.microsoft.com/office/drawing/2014/main" id="{923AC372-640F-D1B7-1F12-A924CDAC47F8}"/>
+              </a:ext>
+            </a:extLst>
+          </p:cNvPr>
+          <p:cNvCxnSpPr>
+            <a:stCxn id="5" idx="3"/>
+            <a:endCxn id="9" idx="1"/>
+          </p:cNvCxnSpPr>
+          <p:nvPr/>
+        </p:nvCxnSpPr>
+        <p:spPr>
+          <a:xfrm>
+            <a:off x="4739417" y="3345287"/>
+            <a:ext cx="583842" cy="0"/>
+          </a:xfrm>
+          <a:prstGeom prst="straightConnector1">
+            <a:avLst/>
+          </a:prstGeom>
+          <a:ln>
+            <a:tailEnd type="triangle"/>
+          </a:ln>
+        </p:spPr>
+        <p:style>
+          <a:lnRef idx="1">
+            <a:schemeClr val="accent1"/>
+          </a:lnRef>
+          <a:fillRef idx="0">
+            <a:schemeClr val="accent1"/>
+          </a:fillRef>
+          <a:effectRef idx="0">
+            <a:schemeClr val="accent1"/>
+          </a:effectRef>
+          <a:fontRef idx="minor">
+            <a:schemeClr val="tx1"/>
+          </a:fontRef>
+        </p:style>
+      </p:cxnSp>
+      <p:cxnSp>
+        <p:nvCxnSpPr>
+          <p:cNvPr id="15" name="直接箭头连接符 14">
+            <a:extLst>
+              <a:ext uri="{FF2B5EF4-FFF2-40B4-BE49-F238E27FC236}">
+                <a16:creationId xmlns:a16="http://schemas.microsoft.com/office/drawing/2014/main" id="{81333CDD-B90A-A12F-C81B-9F109E6D5721}"/>
+              </a:ext>
+            </a:extLst>
+          </p:cNvPr>
+          <p:cNvCxnSpPr>
+            <a:stCxn id="9" idx="3"/>
+            <a:endCxn id="11" idx="1"/>
+          </p:cNvCxnSpPr>
+          <p:nvPr/>
+        </p:nvCxnSpPr>
+        <p:spPr>
+          <a:xfrm flipV="1">
+            <a:off x="6360008" y="3345286"/>
+            <a:ext cx="583842" cy="1"/>
+          </a:xfrm>
+          <a:prstGeom prst="straightConnector1">
+            <a:avLst/>
+          </a:prstGeom>
+          <a:ln>
+            <a:tailEnd type="triangle"/>
+          </a:ln>
+        </p:spPr>
+        <p:style>
+          <a:lnRef idx="1">
+            <a:schemeClr val="accent1"/>
+          </a:lnRef>
+          <a:fillRef idx="0">
+            <a:schemeClr val="accent1"/>
+          </a:fillRef>
+          <a:effectRef idx="0">
+            <a:schemeClr val="accent1"/>
+          </a:effectRef>
+          <a:fontRef idx="minor">
+            <a:schemeClr val="tx1"/>
+          </a:fontRef>
+        </p:style>
+      </p:cxnSp>
+      <p:pic>
+        <p:nvPicPr>
+          <p:cNvPr id="1026" name="Picture 2" descr="Radio Wave or Sound Wave Icon Vector Isolated, Electric Signal Wave Icon,  Sound Wave Vector Icon Stock Vector - Illustration of electronic,  frequency: 171471461">
+            <a:extLst>
+              <a:ext uri="{FF2B5EF4-FFF2-40B4-BE49-F238E27FC236}">
+                <a16:creationId xmlns:a16="http://schemas.microsoft.com/office/drawing/2014/main" id="{1CEB3AF2-1013-BFAB-F8FE-7320FF7F878B}"/>
+              </a:ext>
+            </a:extLst>
+          </p:cNvPr>
+          <p:cNvPicPr>
+            <a:picLocks noChangeAspect="1" noChangeArrowheads="1"/>
+          </p:cNvPicPr>
+          <p:nvPr/>
+        </p:nvPicPr>
+        <p:blipFill>
+          <a:blip r:embed="rId3">
+            <a:extLst>
+              <a:ext uri="{28A0092B-C50C-407E-A947-70E740481C1C}">
+                <a14:useLocalDpi xmlns:a14="http://schemas.microsoft.com/office/drawing/2010/main" val="0"/>
+              </a:ext>
+            </a:extLst>
+          </a:blip>
+          <a:srcRect/>
+          <a:stretch>
+            <a:fillRect/>
+          </a:stretch>
+        </p:blipFill>
+        <p:spPr bwMode="auto">
+          <a:xfrm>
+            <a:off x="2534984" y="3055512"/>
+            <a:ext cx="583842" cy="583842"/>
+          </a:xfrm>
+          <a:prstGeom prst="rect">
+            <a:avLst/>
+          </a:prstGeom>
+          <a:noFill/>
+          <a:extLst>
+            <a:ext uri="{909E8E84-426E-40DD-AFC4-6F175D3DCCD1}">
+              <a14:hiddenFill xmlns:a14="http://schemas.microsoft.com/office/drawing/2010/main">
+                <a:solidFill>
+                  <a:srgbClr val="FFFFFF"/>
+                </a:solidFill>
+              </a14:hiddenFill>
+            </a:ext>
+          </a:extLst>
+        </p:spPr>
+      </p:pic>
+      <p:cxnSp>
+        <p:nvCxnSpPr>
+          <p:cNvPr id="22" name="直接箭头连接符 21">
+            <a:extLst>
+              <a:ext uri="{FF2B5EF4-FFF2-40B4-BE49-F238E27FC236}">
+                <a16:creationId xmlns:a16="http://schemas.microsoft.com/office/drawing/2014/main" id="{379EE6AB-DFD2-26D7-2DAF-8DEBD27D5C7F}"/>
+              </a:ext>
+            </a:extLst>
+          </p:cNvPr>
+          <p:cNvCxnSpPr>
+            <a:stCxn id="1026" idx="3"/>
+            <a:endCxn id="5" idx="1"/>
+          </p:cNvCxnSpPr>
+          <p:nvPr/>
+        </p:nvCxnSpPr>
+        <p:spPr>
+          <a:xfrm flipV="1">
+            <a:off x="3118826" y="3345287"/>
+            <a:ext cx="583842" cy="2146"/>
+          </a:xfrm>
+          <a:prstGeom prst="straightConnector1">
+            <a:avLst/>
+          </a:prstGeom>
+          <a:ln>
+            <a:tailEnd type="triangle"/>
+          </a:ln>
+        </p:spPr>
+        <p:style>
+          <a:lnRef idx="1">
+            <a:schemeClr val="accent1"/>
+          </a:lnRef>
+          <a:fillRef idx="0">
+            <a:schemeClr val="accent1"/>
+          </a:fillRef>
+          <a:effectRef idx="0">
+            <a:schemeClr val="accent1"/>
+          </a:effectRef>
+          <a:fontRef idx="minor">
+            <a:schemeClr val="tx1"/>
+          </a:fontRef>
+        </p:style>
+      </p:cxnSp>
     </p:spTree>
     <p:extLst>
       <p:ext uri="{BB962C8B-B14F-4D97-AF65-F5344CB8AC3E}">

--- a/Resume.pptx
+++ b/Resume.pptx
@@ -5,17 +5,19 @@
     <p:sldMasterId id="2147483648" r:id="rId1"/>
   </p:sldMasterIdLst>
   <p:notesMasterIdLst>
-    <p:notesMasterId r:id="rId10"/>
+    <p:notesMasterId r:id="rId12"/>
   </p:notesMasterIdLst>
   <p:sldIdLst>
     <p:sldId id="264" r:id="rId2"/>
     <p:sldId id="258" r:id="rId3"/>
-    <p:sldId id="259" r:id="rId4"/>
-    <p:sldId id="261" r:id="rId5"/>
-    <p:sldId id="263" r:id="rId6"/>
-    <p:sldId id="256" r:id="rId7"/>
-    <p:sldId id="257" r:id="rId8"/>
-    <p:sldId id="260" r:id="rId9"/>
+    <p:sldId id="265" r:id="rId4"/>
+    <p:sldId id="266" r:id="rId5"/>
+    <p:sldId id="259" r:id="rId6"/>
+    <p:sldId id="261" r:id="rId7"/>
+    <p:sldId id="263" r:id="rId8"/>
+    <p:sldId id="256" r:id="rId9"/>
+    <p:sldId id="257" r:id="rId10"/>
+    <p:sldId id="260" r:id="rId11"/>
   </p:sldIdLst>
   <p:sldSz cx="12192000" cy="6858000"/>
   <p:notesSz cx="6858000" cy="9144000"/>
@@ -8320,7 +8322,7 @@
           <a:p>
             <a:fld id="{4479E248-4FB6-463A-B781-DB70B2EFA031}" type="datetimeFigureOut">
               <a:rPr lang="fr-CA" smtClean="0"/>
-              <a:t>2022-09-05</a:t>
+              <a:t>2022-09-06</a:t>
             </a:fld>
             <a:endParaRPr lang="fr-CA"/>
           </a:p>
@@ -8656,7 +8658,7 @@
           <a:p>
             <a:fld id="{9EA69430-0490-4C6B-BBDC-55AA27B0AF20}" type="slidenum">
               <a:rPr lang="fr-CA" smtClean="0"/>
-              <a:t>4</a:t>
+              <a:t>6</a:t>
             </a:fld>
             <a:endParaRPr lang="fr-CA"/>
           </a:p>
@@ -8928,7 +8930,7 @@
           <a:p>
             <a:fld id="{9EA69430-0490-4C6B-BBDC-55AA27B0AF20}" type="slidenum">
               <a:rPr lang="fr-CA" smtClean="0"/>
-              <a:t>6</a:t>
+              <a:t>8</a:t>
             </a:fld>
             <a:endParaRPr lang="fr-CA"/>
           </a:p>
@@ -9096,7 +9098,7 @@
           <a:p>
             <a:fld id="{66CEC84B-D40F-472B-9E0C-04975A0B5CE2}" type="datetimeFigureOut">
               <a:rPr lang="fr-CA" smtClean="0"/>
-              <a:t>2022-09-05</a:t>
+              <a:t>2022-09-06</a:t>
             </a:fld>
             <a:endParaRPr lang="fr-CA"/>
           </a:p>
@@ -9296,7 +9298,7 @@
           <a:p>
             <a:fld id="{66CEC84B-D40F-472B-9E0C-04975A0B5CE2}" type="datetimeFigureOut">
               <a:rPr lang="fr-CA" smtClean="0"/>
-              <a:t>2022-09-05</a:t>
+              <a:t>2022-09-06</a:t>
             </a:fld>
             <a:endParaRPr lang="fr-CA"/>
           </a:p>
@@ -9506,7 +9508,7 @@
           <a:p>
             <a:fld id="{66CEC84B-D40F-472B-9E0C-04975A0B5CE2}" type="datetimeFigureOut">
               <a:rPr lang="fr-CA" smtClean="0"/>
-              <a:t>2022-09-05</a:t>
+              <a:t>2022-09-06</a:t>
             </a:fld>
             <a:endParaRPr lang="fr-CA"/>
           </a:p>
@@ -9706,7 +9708,7 @@
           <a:p>
             <a:fld id="{66CEC84B-D40F-472B-9E0C-04975A0B5CE2}" type="datetimeFigureOut">
               <a:rPr lang="fr-CA" smtClean="0"/>
-              <a:t>2022-09-05</a:t>
+              <a:t>2022-09-06</a:t>
             </a:fld>
             <a:endParaRPr lang="fr-CA"/>
           </a:p>
@@ -9982,7 +9984,7 @@
           <a:p>
             <a:fld id="{66CEC84B-D40F-472B-9E0C-04975A0B5CE2}" type="datetimeFigureOut">
               <a:rPr lang="fr-CA" smtClean="0"/>
-              <a:t>2022-09-05</a:t>
+              <a:t>2022-09-06</a:t>
             </a:fld>
             <a:endParaRPr lang="fr-CA"/>
           </a:p>
@@ -10250,7 +10252,7 @@
           <a:p>
             <a:fld id="{66CEC84B-D40F-472B-9E0C-04975A0B5CE2}" type="datetimeFigureOut">
               <a:rPr lang="fr-CA" smtClean="0"/>
-              <a:t>2022-09-05</a:t>
+              <a:t>2022-09-06</a:t>
             </a:fld>
             <a:endParaRPr lang="fr-CA"/>
           </a:p>
@@ -10665,7 +10667,7 @@
           <a:p>
             <a:fld id="{66CEC84B-D40F-472B-9E0C-04975A0B5CE2}" type="datetimeFigureOut">
               <a:rPr lang="fr-CA" smtClean="0"/>
-              <a:t>2022-09-05</a:t>
+              <a:t>2022-09-06</a:t>
             </a:fld>
             <a:endParaRPr lang="fr-CA"/>
           </a:p>
@@ -10822,7 +10824,7 @@
             <a:fld id="{66CEC84B-D40F-472B-9E0C-04975A0B5CE2}" type="datetimeFigureOut">
               <a:rPr lang="fr-CA" smtClean="0"/>
               <a:pPr/>
-              <a:t>2022-09-05</a:t>
+              <a:t>2022-09-06</a:t>
             </a:fld>
             <a:endParaRPr lang="fr-CA" dirty="0"/>
           </a:p>
@@ -10958,7 +10960,7 @@
             <a:fld id="{66CEC84B-D40F-472B-9E0C-04975A0B5CE2}" type="datetimeFigureOut">
               <a:rPr lang="fr-CA" smtClean="0"/>
               <a:pPr/>
-              <a:t>2022-09-05</a:t>
+              <a:t>2022-09-06</a:t>
             </a:fld>
             <a:endParaRPr lang="fr-CA"/>
           </a:p>
@@ -11286,7 +11288,7 @@
           <a:p>
             <a:fld id="{66CEC84B-D40F-472B-9E0C-04975A0B5CE2}" type="datetimeFigureOut">
               <a:rPr lang="fr-CA" smtClean="0"/>
-              <a:t>2022-09-05</a:t>
+              <a:t>2022-09-06</a:t>
             </a:fld>
             <a:endParaRPr lang="fr-CA"/>
           </a:p>
@@ -11575,7 +11577,7 @@
           <a:p>
             <a:fld id="{66CEC84B-D40F-472B-9E0C-04975A0B5CE2}" type="datetimeFigureOut">
               <a:rPr lang="fr-CA" smtClean="0"/>
-              <a:t>2022-09-05</a:t>
+              <a:t>2022-09-06</a:t>
             </a:fld>
             <a:endParaRPr lang="fr-CA"/>
           </a:p>
@@ -11818,7 +11820,7 @@
           <a:p>
             <a:fld id="{66CEC84B-D40F-472B-9E0C-04975A0B5CE2}" type="datetimeFigureOut">
               <a:rPr lang="fr-CA" smtClean="0"/>
-              <a:t>2022-09-05</a:t>
+              <a:t>2022-09-06</a:t>
             </a:fld>
             <a:endParaRPr lang="fr-CA"/>
           </a:p>
@@ -12328,6 +12330,137 @@
 </p:sld>
 </file>
 
+<file path=ppt/slides/slide10.xml><?xml version="1.0" encoding="utf-8"?>
+<p:sld xmlns:a="http://schemas.openxmlformats.org/drawingml/2006/main" xmlns:r="http://schemas.openxmlformats.org/officeDocument/2006/relationships" xmlns:p="http://schemas.openxmlformats.org/presentationml/2006/main">
+  <p:cSld>
+    <p:spTree>
+      <p:nvGrpSpPr>
+        <p:cNvPr id="1" name=""/>
+        <p:cNvGrpSpPr/>
+        <p:nvPr/>
+      </p:nvGrpSpPr>
+      <p:grpSpPr>
+        <a:xfrm>
+          <a:off x="0" y="0"/>
+          <a:ext cx="0" cy="0"/>
+          <a:chOff x="0" y="0"/>
+          <a:chExt cx="0" cy="0"/>
+        </a:xfrm>
+      </p:grpSpPr>
+      <p:sp>
+        <p:nvSpPr>
+          <p:cNvPr id="3" name="标题 2">
+            <a:extLst>
+              <a:ext uri="{FF2B5EF4-FFF2-40B4-BE49-F238E27FC236}">
+                <a16:creationId xmlns:a16="http://schemas.microsoft.com/office/drawing/2014/main" id="{42060328-8CC3-3A9C-18D8-5B56709D5630}"/>
+              </a:ext>
+            </a:extLst>
+          </p:cNvPr>
+          <p:cNvSpPr>
+            <a:spLocks noGrp="1"/>
+          </p:cNvSpPr>
+          <p:nvPr>
+            <p:ph type="title"/>
+          </p:nvPr>
+        </p:nvSpPr>
+        <p:spPr/>
+        <p:txBody>
+          <a:bodyPr/>
+          <a:lstStyle/>
+          <a:p>
+            <a:r>
+              <a:rPr lang="fr-CA" dirty="0">
+                <a:latin typeface="Times New Roman" panose="02020603050405020304" pitchFamily="18" charset="0"/>
+                <a:cs typeface="Times New Roman" panose="02020603050405020304" pitchFamily="18" charset="0"/>
+              </a:rPr>
+              <a:t>Reference</a:t>
+            </a:r>
+          </a:p>
+        </p:txBody>
+      </p:sp>
+      <p:sp>
+        <p:nvSpPr>
+          <p:cNvPr id="4" name="内容占位符 3">
+            <a:extLst>
+              <a:ext uri="{FF2B5EF4-FFF2-40B4-BE49-F238E27FC236}">
+                <a16:creationId xmlns:a16="http://schemas.microsoft.com/office/drawing/2014/main" id="{49D0F2FE-859F-4C79-5A11-6F1778E6A3CA}"/>
+              </a:ext>
+            </a:extLst>
+          </p:cNvPr>
+          <p:cNvSpPr>
+            <a:spLocks noGrp="1"/>
+          </p:cNvSpPr>
+          <p:nvPr>
+            <p:ph idx="1"/>
+          </p:nvPr>
+        </p:nvSpPr>
+        <p:spPr/>
+        <p:txBody>
+          <a:bodyPr/>
+          <a:lstStyle/>
+          <a:p>
+            <a:pPr marL="0" indent="0">
+              <a:buNone/>
+            </a:pPr>
+            <a:r>
+              <a:rPr lang="fr-CA" dirty="0">
+                <a:latin typeface="Times New Roman" panose="02020603050405020304" pitchFamily="18" charset="0"/>
+                <a:cs typeface="Times New Roman" panose="02020603050405020304" pitchFamily="18" charset="0"/>
+              </a:rPr>
+              <a:t>[1] Hui Chen, Hadi Sarieddeen, Tarig Ballal, Henk Wymeersch, Mohamed-Slim Alouini, and Tareq Y Al-Naffouri. A tutorial on terahertz-band localization for 6g communication systems. arXiv preprint arXiv:2110.08581, 2021.</a:t>
+            </a:r>
+          </a:p>
+          <a:p>
+            <a:pPr marL="0" indent="0">
+              <a:buNone/>
+            </a:pPr>
+            <a:r>
+              <a:rPr lang="fr-CA" dirty="0">
+                <a:latin typeface="Times New Roman" panose="02020603050405020304" pitchFamily="18" charset="0"/>
+                <a:cs typeface="Times New Roman" panose="02020603050405020304" pitchFamily="18" charset="0"/>
+              </a:rPr>
+              <a:t>[2] A. Shahmansoori, G. E. Garcia, G. Destino, G. Seco-Granados,</a:t>
+            </a:r>
+          </a:p>
+          <a:p>
+            <a:pPr marL="0" indent="0">
+              <a:buNone/>
+            </a:pPr>
+            <a:r>
+              <a:rPr lang="fr-CA" dirty="0">
+                <a:latin typeface="Times New Roman" panose="02020603050405020304" pitchFamily="18" charset="0"/>
+                <a:cs typeface="Times New Roman" panose="02020603050405020304" pitchFamily="18" charset="0"/>
+              </a:rPr>
+              <a:t>and H. Wymeersch, “Position and orientation estimation through</a:t>
+            </a:r>
+          </a:p>
+          <a:p>
+            <a:pPr marL="0" indent="0">
+              <a:buNone/>
+            </a:pPr>
+            <a:r>
+              <a:rPr lang="fr-CA" dirty="0">
+                <a:latin typeface="Times New Roman" panose="02020603050405020304" pitchFamily="18" charset="0"/>
+                <a:cs typeface="Times New Roman" panose="02020603050405020304" pitchFamily="18" charset="0"/>
+              </a:rPr>
+              <a:t>millimeter-wave MIMO in 5G systems,” IEEE Trans. Wireless Commun., vol. 17, no. 3, pp. 1822–1835, Dec. 2017.</a:t>
+            </a:r>
+          </a:p>
+        </p:txBody>
+      </p:sp>
+    </p:spTree>
+    <p:extLst>
+      <p:ext uri="{BB962C8B-B14F-4D97-AF65-F5344CB8AC3E}">
+        <p14:creationId xmlns:p14="http://schemas.microsoft.com/office/powerpoint/2010/main" val="1224187230"/>
+      </p:ext>
+    </p:extLst>
+  </p:cSld>
+  <p:clrMapOvr>
+    <a:masterClrMapping/>
+  </p:clrMapOvr>
+</p:sld>
+</file>
+
 <file path=ppt/slides/slide2.xml><?xml version="1.0" encoding="utf-8"?>
 <p:sld xmlns:a="http://schemas.openxmlformats.org/drawingml/2006/main" xmlns:r="http://schemas.openxmlformats.org/officeDocument/2006/relationships" xmlns:p="http://schemas.openxmlformats.org/presentationml/2006/main">
   <p:cSld>
@@ -12800,6 +12933,2645 @@
       </p:grpSpPr>
       <p:sp>
         <p:nvSpPr>
+          <p:cNvPr id="45" name="标题 44">
+            <a:extLst>
+              <a:ext uri="{FF2B5EF4-FFF2-40B4-BE49-F238E27FC236}">
+                <a16:creationId xmlns:a16="http://schemas.microsoft.com/office/drawing/2014/main" id="{92B8D1DF-9368-E465-E0B7-AF2E9E23C578}"/>
+              </a:ext>
+            </a:extLst>
+          </p:cNvPr>
+          <p:cNvSpPr>
+            <a:spLocks noGrp="1"/>
+          </p:cNvSpPr>
+          <p:nvPr>
+            <p:ph type="title"/>
+          </p:nvPr>
+        </p:nvSpPr>
+        <p:spPr/>
+        <p:txBody>
+          <a:bodyPr/>
+          <a:lstStyle/>
+          <a:p>
+            <a:r>
+              <a:rPr lang="fr-CA" dirty="0"/>
+              <a:t>S</a:t>
+            </a:r>
+            <a:r>
+              <a:rPr lang="en-US" altLang="zh-CN" dirty="0" err="1"/>
+              <a:t>ystem</a:t>
+            </a:r>
+            <a:r>
+              <a:rPr lang="en-US" altLang="zh-CN" dirty="0"/>
+              <a:t> Model</a:t>
+            </a:r>
+            <a:endParaRPr lang="fr-CA" dirty="0"/>
+          </a:p>
+        </p:txBody>
+      </p:sp>
+      <p:grpSp>
+        <p:nvGrpSpPr>
+          <p:cNvPr id="51" name="组合 50">
+            <a:extLst>
+              <a:ext uri="{FF2B5EF4-FFF2-40B4-BE49-F238E27FC236}">
+                <a16:creationId xmlns:a16="http://schemas.microsoft.com/office/drawing/2014/main" id="{6373AE6E-6DBD-4B98-3680-17F1BF8A7C8F}"/>
+              </a:ext>
+            </a:extLst>
+          </p:cNvPr>
+          <p:cNvGrpSpPr/>
+          <p:nvPr/>
+        </p:nvGrpSpPr>
+        <p:grpSpPr>
+          <a:xfrm>
+            <a:off x="235720" y="1472657"/>
+            <a:ext cx="11867795" cy="3419712"/>
+            <a:chOff x="235720" y="1472657"/>
+            <a:chExt cx="11867795" cy="3419712"/>
+          </a:xfrm>
+        </p:grpSpPr>
+        <p:grpSp>
+          <p:nvGrpSpPr>
+            <p:cNvPr id="44" name="组合 43">
+              <a:extLst>
+                <a:ext uri="{FF2B5EF4-FFF2-40B4-BE49-F238E27FC236}">
+                  <a16:creationId xmlns:a16="http://schemas.microsoft.com/office/drawing/2014/main" id="{DE19DEE4-0980-FC78-0593-4530EF51223C}"/>
+                </a:ext>
+              </a:extLst>
+            </p:cNvPr>
+            <p:cNvGrpSpPr/>
+            <p:nvPr/>
+          </p:nvGrpSpPr>
+          <p:grpSpPr>
+            <a:xfrm>
+              <a:off x="235720" y="1472657"/>
+              <a:ext cx="11867795" cy="3419712"/>
+              <a:chOff x="258580" y="596357"/>
+              <a:chExt cx="11867795" cy="3419712"/>
+            </a:xfrm>
+          </p:grpSpPr>
+          <p:pic>
+            <p:nvPicPr>
+              <p:cNvPr id="19" name="图形 18" descr="智能手机">
+                <a:extLst>
+                  <a:ext uri="{FF2B5EF4-FFF2-40B4-BE49-F238E27FC236}">
+                    <a16:creationId xmlns:a16="http://schemas.microsoft.com/office/drawing/2014/main" id="{FF8DD6DA-845C-B108-ED86-E5D6614EBBDC}"/>
+                  </a:ext>
+                </a:extLst>
+              </p:cNvPr>
+              <p:cNvPicPr>
+                <a:picLocks noChangeAspect="1"/>
+              </p:cNvPicPr>
+              <p:nvPr/>
+            </p:nvPicPr>
+            <p:blipFill>
+              <a:blip r:embed="rId2">
+                <a:extLst>
+                  <a:ext uri="{28A0092B-C50C-407E-A947-70E740481C1C}">
+                    <a14:useLocalDpi xmlns:a14="http://schemas.microsoft.com/office/drawing/2010/main" val="0"/>
+                  </a:ext>
+                  <a:ext uri="{96DAC541-7B7A-43D3-8B79-37D633B846F1}">
+                    <asvg:svgBlip xmlns:asvg="http://schemas.microsoft.com/office/drawing/2016/SVG/main" r:embed="rId3"/>
+                  </a:ext>
+                </a:extLst>
+              </a:blip>
+              <a:stretch>
+                <a:fillRect/>
+              </a:stretch>
+            </p:blipFill>
+            <p:spPr>
+              <a:xfrm>
+                <a:off x="9251535" y="2169289"/>
+                <a:ext cx="1238186" cy="1238186"/>
+              </a:xfrm>
+              <a:prstGeom prst="rect">
+                <a:avLst/>
+              </a:prstGeom>
+            </p:spPr>
+          </p:pic>
+          <p:pic>
+            <p:nvPicPr>
+              <p:cNvPr id="43" name="图形 42" descr="v 形箭头">
+                <a:extLst>
+                  <a:ext uri="{FF2B5EF4-FFF2-40B4-BE49-F238E27FC236}">
+                    <a16:creationId xmlns:a16="http://schemas.microsoft.com/office/drawing/2014/main" id="{A9A1E0E9-FB67-5267-D8DD-7A09C952FBD9}"/>
+                  </a:ext>
+                </a:extLst>
+              </p:cNvPr>
+              <p:cNvPicPr>
+                <a:picLocks noChangeAspect="1"/>
+              </p:cNvPicPr>
+              <p:nvPr/>
+            </p:nvPicPr>
+            <p:blipFill>
+              <a:blip r:embed="rId4">
+                <a:extLst>
+                  <a:ext uri="{28A0092B-C50C-407E-A947-70E740481C1C}">
+                    <a14:useLocalDpi xmlns:a14="http://schemas.microsoft.com/office/drawing/2010/main" val="0"/>
+                  </a:ext>
+                  <a:ext uri="{96DAC541-7B7A-43D3-8B79-37D633B846F1}">
+                    <asvg:svgBlip xmlns:asvg="http://schemas.microsoft.com/office/drawing/2016/SVG/main" r:embed="rId5"/>
+                  </a:ext>
+                </a:extLst>
+              </a:blip>
+              <a:stretch>
+                <a:fillRect/>
+              </a:stretch>
+            </p:blipFill>
+            <p:spPr>
+              <a:xfrm>
+                <a:off x="5656835" y="2139235"/>
+                <a:ext cx="1273342" cy="1273342"/>
+              </a:xfrm>
+              <a:prstGeom prst="rect">
+                <a:avLst/>
+              </a:prstGeom>
+            </p:spPr>
+          </p:pic>
+          <p:sp>
+            <p:nvSpPr>
+              <p:cNvPr id="7" name="矩形: 圆角 6">
+                <a:extLst>
+                  <a:ext uri="{FF2B5EF4-FFF2-40B4-BE49-F238E27FC236}">
+                    <a16:creationId xmlns:a16="http://schemas.microsoft.com/office/drawing/2014/main" id="{5EC8CA9E-4B23-3E8A-BE9E-EE4C6E147433}"/>
+                  </a:ext>
+                </a:extLst>
+              </p:cNvPr>
+              <p:cNvSpPr/>
+              <p:nvPr/>
+            </p:nvSpPr>
+            <p:spPr>
+              <a:xfrm>
+                <a:off x="7959251" y="1938377"/>
+                <a:ext cx="2401910" cy="1700011"/>
+              </a:xfrm>
+              <a:prstGeom prst="roundRect">
+                <a:avLst/>
+              </a:prstGeom>
+              <a:solidFill>
+                <a:schemeClr val="accent6">
+                  <a:lumMod val="75000"/>
+                  <a:alpha val="50000"/>
+                </a:schemeClr>
+              </a:solidFill>
+              <a:ln>
+                <a:noFill/>
+              </a:ln>
+            </p:spPr>
+            <p:style>
+              <a:lnRef idx="2">
+                <a:schemeClr val="accent1">
+                  <a:shade val="50000"/>
+                </a:schemeClr>
+              </a:lnRef>
+              <a:fillRef idx="1">
+                <a:schemeClr val="accent1"/>
+              </a:fillRef>
+              <a:effectRef idx="0">
+                <a:schemeClr val="accent1"/>
+              </a:effectRef>
+              <a:fontRef idx="minor">
+                <a:schemeClr val="lt1"/>
+              </a:fontRef>
+            </p:style>
+            <p:txBody>
+              <a:bodyPr rtlCol="0" anchor="ctr"/>
+              <a:lstStyle/>
+              <a:p>
+                <a:pPr algn="ctr"/>
+                <a:endParaRPr lang="fr-CA">
+                  <a:latin typeface="Times New Roman" panose="02020603050405020304" pitchFamily="18" charset="0"/>
+                  <a:cs typeface="Times New Roman" panose="02020603050405020304" pitchFamily="18" charset="0"/>
+                </a:endParaRPr>
+              </a:p>
+            </p:txBody>
+          </p:sp>
+          <p:pic>
+            <p:nvPicPr>
+              <p:cNvPr id="17" name="图形 16" descr="信号塔">
+                <a:extLst>
+                  <a:ext uri="{FF2B5EF4-FFF2-40B4-BE49-F238E27FC236}">
+                    <a16:creationId xmlns:a16="http://schemas.microsoft.com/office/drawing/2014/main" id="{1D456A8D-E6D5-8194-6732-B69AC95727C0}"/>
+                  </a:ext>
+                </a:extLst>
+              </p:cNvPr>
+              <p:cNvPicPr>
+                <a:picLocks noChangeAspect="1"/>
+              </p:cNvPicPr>
+              <p:nvPr/>
+            </p:nvPicPr>
+            <p:blipFill>
+              <a:blip r:embed="rId6">
+                <a:extLst>
+                  <a:ext uri="{28A0092B-C50C-407E-A947-70E740481C1C}">
+                    <a14:useLocalDpi xmlns:a14="http://schemas.microsoft.com/office/drawing/2010/main" val="0"/>
+                  </a:ext>
+                  <a:ext uri="{96DAC541-7B7A-43D3-8B79-37D633B846F1}">
+                    <asvg:svgBlip xmlns:asvg="http://schemas.microsoft.com/office/drawing/2016/SVG/main" r:embed="rId7"/>
+                  </a:ext>
+                </a:extLst>
+              </a:blip>
+              <a:stretch>
+                <a:fillRect/>
+              </a:stretch>
+            </p:blipFill>
+            <p:spPr>
+              <a:xfrm>
+                <a:off x="2294598" y="596357"/>
+                <a:ext cx="2128811" cy="2499370"/>
+              </a:xfrm>
+              <a:prstGeom prst="rect">
+                <a:avLst/>
+              </a:prstGeom>
+            </p:spPr>
+          </p:pic>
+          <p:sp>
+            <p:nvSpPr>
+              <p:cNvPr id="3" name="矩形: 圆角 2">
+                <a:extLst>
+                  <a:ext uri="{FF2B5EF4-FFF2-40B4-BE49-F238E27FC236}">
+                    <a16:creationId xmlns:a16="http://schemas.microsoft.com/office/drawing/2014/main" id="{0DDA84C1-B84F-0017-5E80-072E4ED9B222}"/>
+                  </a:ext>
+                </a:extLst>
+              </p:cNvPr>
+              <p:cNvSpPr/>
+              <p:nvPr/>
+            </p:nvSpPr>
+            <p:spPr>
+              <a:xfrm>
+                <a:off x="2057776" y="1940347"/>
+                <a:ext cx="2561639" cy="1700011"/>
+              </a:xfrm>
+              <a:prstGeom prst="roundRect">
+                <a:avLst/>
+              </a:prstGeom>
+              <a:solidFill>
+                <a:schemeClr val="accent1">
+                  <a:alpha val="50000"/>
+                </a:schemeClr>
+              </a:solidFill>
+              <a:ln>
+                <a:noFill/>
+              </a:ln>
+            </p:spPr>
+            <p:style>
+              <a:lnRef idx="2">
+                <a:schemeClr val="accent1">
+                  <a:shade val="50000"/>
+                </a:schemeClr>
+              </a:lnRef>
+              <a:fillRef idx="1">
+                <a:schemeClr val="accent1"/>
+              </a:fillRef>
+              <a:effectRef idx="0">
+                <a:schemeClr val="accent1"/>
+              </a:effectRef>
+              <a:fontRef idx="minor">
+                <a:schemeClr val="lt1"/>
+              </a:fontRef>
+            </p:style>
+            <p:txBody>
+              <a:bodyPr rtlCol="0" anchor="ctr"/>
+              <a:lstStyle/>
+              <a:p>
+                <a:pPr algn="ctr"/>
+                <a:endParaRPr lang="fr-CA" dirty="0">
+                  <a:latin typeface="Times New Roman" panose="02020603050405020304" pitchFamily="18" charset="0"/>
+                  <a:cs typeface="Times New Roman" panose="02020603050405020304" pitchFamily="18" charset="0"/>
+                </a:endParaRPr>
+              </a:p>
+            </p:txBody>
+          </p:sp>
+          <p:sp>
+            <p:nvSpPr>
+              <p:cNvPr id="5" name="矩形: 圆角 4">
+                <a:extLst>
+                  <a:ext uri="{FF2B5EF4-FFF2-40B4-BE49-F238E27FC236}">
+                    <a16:creationId xmlns:a16="http://schemas.microsoft.com/office/drawing/2014/main" id="{A81542FF-9B2B-969F-2A1F-0A7AB945AC06}"/>
+                  </a:ext>
+                </a:extLst>
+              </p:cNvPr>
+              <p:cNvSpPr/>
+              <p:nvPr/>
+            </p:nvSpPr>
+            <p:spPr>
+              <a:xfrm>
+                <a:off x="5066808" y="1938377"/>
+                <a:ext cx="2401910" cy="1700011"/>
+              </a:xfrm>
+              <a:prstGeom prst="roundRect">
+                <a:avLst/>
+              </a:prstGeom>
+              <a:solidFill>
+                <a:schemeClr val="accent2">
+                  <a:alpha val="50000"/>
+                </a:schemeClr>
+              </a:solidFill>
+              <a:ln>
+                <a:noFill/>
+              </a:ln>
+            </p:spPr>
+            <p:style>
+              <a:lnRef idx="2">
+                <a:schemeClr val="accent1">
+                  <a:shade val="50000"/>
+                </a:schemeClr>
+              </a:lnRef>
+              <a:fillRef idx="1">
+                <a:schemeClr val="accent1"/>
+              </a:fillRef>
+              <a:effectRef idx="0">
+                <a:schemeClr val="accent1"/>
+              </a:effectRef>
+              <a:fontRef idx="minor">
+                <a:schemeClr val="lt1"/>
+              </a:fontRef>
+            </p:style>
+            <p:txBody>
+              <a:bodyPr rtlCol="0" anchor="ctr"/>
+              <a:lstStyle/>
+              <a:p>
+                <a:pPr algn="ctr"/>
+                <a:endParaRPr lang="fr-CA" dirty="0">
+                  <a:latin typeface="Times New Roman" panose="02020603050405020304" pitchFamily="18" charset="0"/>
+                  <a:cs typeface="Times New Roman" panose="02020603050405020304" pitchFamily="18" charset="0"/>
+                </a:endParaRPr>
+              </a:p>
+            </p:txBody>
+          </p:sp>
+          <p:sp>
+            <p:nvSpPr>
+              <p:cNvPr id="8" name="文本框 7">
+                <a:extLst>
+                  <a:ext uri="{FF2B5EF4-FFF2-40B4-BE49-F238E27FC236}">
+                    <a16:creationId xmlns:a16="http://schemas.microsoft.com/office/drawing/2014/main" id="{B3162AEF-D62D-8821-D8C8-4A7EC54FCC18}"/>
+                  </a:ext>
+                </a:extLst>
+              </p:cNvPr>
+              <p:cNvSpPr txBox="1"/>
+              <p:nvPr/>
+            </p:nvSpPr>
+            <p:spPr>
+              <a:xfrm>
+                <a:off x="258580" y="2544726"/>
+                <a:ext cx="3490175" cy="369332"/>
+              </a:xfrm>
+              <a:prstGeom prst="rect">
+                <a:avLst/>
+              </a:prstGeom>
+              <a:noFill/>
+            </p:spPr>
+            <p:txBody>
+              <a:bodyPr wrap="square" rtlCol="0">
+                <a:spAutoFit/>
+              </a:bodyPr>
+              <a:lstStyle/>
+              <a:p>
+                <a:r>
+                  <a:rPr lang="fr-CA" b="1" i="1" dirty="0">
+                    <a:latin typeface="Times New Roman" panose="02020603050405020304" pitchFamily="18" charset="0"/>
+                    <a:cs typeface="Times New Roman" panose="02020603050405020304" pitchFamily="18" charset="0"/>
+                  </a:rPr>
+                  <a:t>...01010001...</a:t>
+                </a:r>
+              </a:p>
+            </p:txBody>
+          </p:sp>
+          <p:sp>
+            <p:nvSpPr>
+              <p:cNvPr id="9" name="矩形 8">
+                <a:extLst>
+                  <a:ext uri="{FF2B5EF4-FFF2-40B4-BE49-F238E27FC236}">
+                    <a16:creationId xmlns:a16="http://schemas.microsoft.com/office/drawing/2014/main" id="{64265C65-55F4-7AD8-5979-3316CDF5DF7A}"/>
+                  </a:ext>
+                </a:extLst>
+              </p:cNvPr>
+              <p:cNvSpPr/>
+              <p:nvPr/>
+            </p:nvSpPr>
+            <p:spPr>
+              <a:xfrm>
+                <a:off x="2190675" y="2250551"/>
+                <a:ext cx="412124" cy="1004552"/>
+              </a:xfrm>
+              <a:prstGeom prst="rect">
+                <a:avLst/>
+              </a:prstGeom>
+              <a:solidFill>
+                <a:schemeClr val="accent1">
+                  <a:alpha val="60000"/>
+                </a:schemeClr>
+              </a:solidFill>
+              <a:ln>
+                <a:noFill/>
+              </a:ln>
+            </p:spPr>
+            <p:style>
+              <a:lnRef idx="2">
+                <a:schemeClr val="accent1">
+                  <a:shade val="50000"/>
+                </a:schemeClr>
+              </a:lnRef>
+              <a:fillRef idx="1">
+                <a:schemeClr val="accent1"/>
+              </a:fillRef>
+              <a:effectRef idx="0">
+                <a:schemeClr val="accent1"/>
+              </a:effectRef>
+              <a:fontRef idx="minor">
+                <a:schemeClr val="lt1"/>
+              </a:fontRef>
+            </p:style>
+            <p:txBody>
+              <a:bodyPr rtlCol="0" anchor="ctr"/>
+              <a:lstStyle/>
+              <a:p>
+                <a:pPr algn="ctr"/>
+                <a:r>
+                  <a:rPr lang="fr-CA" dirty="0">
+                    <a:latin typeface="Times New Roman" panose="02020603050405020304" pitchFamily="18" charset="0"/>
+                    <a:cs typeface="Times New Roman" panose="02020603050405020304" pitchFamily="18" charset="0"/>
+                  </a:rPr>
+                  <a:t>QAM</a:t>
+                </a:r>
+              </a:p>
+            </p:txBody>
+          </p:sp>
+          <p:sp>
+            <p:nvSpPr>
+              <p:cNvPr id="11" name="矩形 10">
+                <a:extLst>
+                  <a:ext uri="{FF2B5EF4-FFF2-40B4-BE49-F238E27FC236}">
+                    <a16:creationId xmlns:a16="http://schemas.microsoft.com/office/drawing/2014/main" id="{01563D2D-0FA0-DBD7-098D-73C94CABA340}"/>
+                  </a:ext>
+                </a:extLst>
+              </p:cNvPr>
+              <p:cNvSpPr/>
+              <p:nvPr/>
+            </p:nvSpPr>
+            <p:spPr>
+              <a:xfrm>
+                <a:off x="2680440" y="2240924"/>
+                <a:ext cx="548425" cy="1004552"/>
+              </a:xfrm>
+              <a:prstGeom prst="rect">
+                <a:avLst/>
+              </a:prstGeom>
+              <a:solidFill>
+                <a:schemeClr val="accent1">
+                  <a:alpha val="60000"/>
+                </a:schemeClr>
+              </a:solidFill>
+              <a:ln>
+                <a:noFill/>
+              </a:ln>
+            </p:spPr>
+            <p:style>
+              <a:lnRef idx="2">
+                <a:schemeClr val="accent1">
+                  <a:shade val="50000"/>
+                </a:schemeClr>
+              </a:lnRef>
+              <a:fillRef idx="1">
+                <a:schemeClr val="accent1"/>
+              </a:fillRef>
+              <a:effectRef idx="0">
+                <a:schemeClr val="accent1"/>
+              </a:effectRef>
+              <a:fontRef idx="minor">
+                <a:schemeClr val="lt1"/>
+              </a:fontRef>
+            </p:style>
+            <p:txBody>
+              <a:bodyPr rtlCol="0" anchor="ctr"/>
+              <a:lstStyle/>
+              <a:p>
+                <a:pPr algn="ctr"/>
+                <a:r>
+                  <a:rPr lang="fr-CA" dirty="0">
+                    <a:latin typeface="Times New Roman" panose="02020603050405020304" pitchFamily="18" charset="0"/>
+                    <a:cs typeface="Times New Roman" panose="02020603050405020304" pitchFamily="18" charset="0"/>
+                  </a:rPr>
+                  <a:t>S/P</a:t>
+                </a:r>
+              </a:p>
+            </p:txBody>
+          </p:sp>
+          <p:sp>
+            <p:nvSpPr>
+              <p:cNvPr id="13" name="矩形 12">
+                <a:extLst>
+                  <a:ext uri="{FF2B5EF4-FFF2-40B4-BE49-F238E27FC236}">
+                    <a16:creationId xmlns:a16="http://schemas.microsoft.com/office/drawing/2014/main" id="{ACC81A33-7309-B35B-A61B-B2F5BF122F16}"/>
+                  </a:ext>
+                </a:extLst>
+              </p:cNvPr>
+              <p:cNvSpPr/>
+              <p:nvPr/>
+            </p:nvSpPr>
+            <p:spPr>
+              <a:xfrm>
+                <a:off x="3343171" y="2240924"/>
+                <a:ext cx="548425" cy="1004552"/>
+              </a:xfrm>
+              <a:prstGeom prst="rect">
+                <a:avLst/>
+              </a:prstGeom>
+              <a:solidFill>
+                <a:schemeClr val="accent1">
+                  <a:alpha val="60000"/>
+                </a:schemeClr>
+              </a:solidFill>
+              <a:ln>
+                <a:noFill/>
+              </a:ln>
+            </p:spPr>
+            <p:style>
+              <a:lnRef idx="2">
+                <a:schemeClr val="accent1">
+                  <a:shade val="50000"/>
+                </a:schemeClr>
+              </a:lnRef>
+              <a:fillRef idx="1">
+                <a:schemeClr val="accent1"/>
+              </a:fillRef>
+              <a:effectRef idx="0">
+                <a:schemeClr val="accent1"/>
+              </a:effectRef>
+              <a:fontRef idx="minor">
+                <a:schemeClr val="lt1"/>
+              </a:fontRef>
+            </p:style>
+            <p:txBody>
+              <a:bodyPr rtlCol="0" anchor="ctr"/>
+              <a:lstStyle/>
+              <a:p>
+                <a:pPr algn="ctr"/>
+                <a:r>
+                  <a:rPr lang="fr-CA" dirty="0">
+                    <a:latin typeface="Times New Roman" panose="02020603050405020304" pitchFamily="18" charset="0"/>
+                    <a:cs typeface="Times New Roman" panose="02020603050405020304" pitchFamily="18" charset="0"/>
+                  </a:rPr>
+                  <a:t>ifft</a:t>
+                </a:r>
+              </a:p>
+            </p:txBody>
+          </p:sp>
+          <p:cxnSp>
+            <p:nvCxnSpPr>
+              <p:cNvPr id="15" name="直接箭头连接符 14">
+                <a:extLst>
+                  <a:ext uri="{FF2B5EF4-FFF2-40B4-BE49-F238E27FC236}">
+                    <a16:creationId xmlns:a16="http://schemas.microsoft.com/office/drawing/2014/main" id="{2782FA12-1695-DB47-5E3A-67F432C5751C}"/>
+                  </a:ext>
+                </a:extLst>
+              </p:cNvPr>
+              <p:cNvCxnSpPr/>
+              <p:nvPr/>
+            </p:nvCxnSpPr>
+            <p:spPr>
+              <a:xfrm>
+                <a:off x="1676400" y="2743200"/>
+                <a:ext cx="381377" cy="0"/>
+              </a:xfrm>
+              <a:prstGeom prst="straightConnector1">
+                <a:avLst/>
+              </a:prstGeom>
+              <a:ln w="19050">
+                <a:tailEnd type="triangle"/>
+              </a:ln>
+            </p:spPr>
+            <p:style>
+              <a:lnRef idx="1">
+                <a:schemeClr val="accent1"/>
+              </a:lnRef>
+              <a:fillRef idx="0">
+                <a:schemeClr val="accent1"/>
+              </a:fillRef>
+              <a:effectRef idx="0">
+                <a:schemeClr val="accent1"/>
+              </a:effectRef>
+              <a:fontRef idx="minor">
+                <a:schemeClr val="tx1"/>
+              </a:fontRef>
+            </p:style>
+          </p:cxnSp>
+          <p:sp>
+            <p:nvSpPr>
+              <p:cNvPr id="21" name="矩形 20">
+                <a:extLst>
+                  <a:ext uri="{FF2B5EF4-FFF2-40B4-BE49-F238E27FC236}">
+                    <a16:creationId xmlns:a16="http://schemas.microsoft.com/office/drawing/2014/main" id="{A9E2BDE4-5759-B949-F8C4-4275A6B0E2D6}"/>
+                  </a:ext>
+                </a:extLst>
+              </p:cNvPr>
+              <p:cNvSpPr/>
+              <p:nvPr/>
+            </p:nvSpPr>
+            <p:spPr>
+              <a:xfrm>
+                <a:off x="4005902" y="2240924"/>
+                <a:ext cx="472097" cy="1004552"/>
+              </a:xfrm>
+              <a:prstGeom prst="rect">
+                <a:avLst/>
+              </a:prstGeom>
+              <a:solidFill>
+                <a:schemeClr val="accent1">
+                  <a:alpha val="60000"/>
+                </a:schemeClr>
+              </a:solidFill>
+              <a:ln>
+                <a:noFill/>
+              </a:ln>
+            </p:spPr>
+            <p:style>
+              <a:lnRef idx="2">
+                <a:schemeClr val="accent1">
+                  <a:shade val="50000"/>
+                </a:schemeClr>
+              </a:lnRef>
+              <a:fillRef idx="1">
+                <a:schemeClr val="accent1"/>
+              </a:fillRef>
+              <a:effectRef idx="0">
+                <a:schemeClr val="accent1"/>
+              </a:effectRef>
+              <a:fontRef idx="minor">
+                <a:schemeClr val="lt1"/>
+              </a:fontRef>
+            </p:style>
+            <p:txBody>
+              <a:bodyPr rtlCol="0" anchor="ctr"/>
+              <a:lstStyle/>
+              <a:p>
+                <a:pPr algn="ctr"/>
+                <a:r>
+                  <a:rPr lang="fr-CA" dirty="0">
+                    <a:latin typeface="Times New Roman" panose="02020603050405020304" pitchFamily="18" charset="0"/>
+                    <a:cs typeface="Times New Roman" panose="02020603050405020304" pitchFamily="18" charset="0"/>
+                  </a:rPr>
+                  <a:t>CP</a:t>
+                </a:r>
+              </a:p>
+            </p:txBody>
+          </p:sp>
+          <p:sp>
+            <p:nvSpPr>
+              <p:cNvPr id="23" name="文本框 22">
+                <a:extLst>
+                  <a:ext uri="{FF2B5EF4-FFF2-40B4-BE49-F238E27FC236}">
+                    <a16:creationId xmlns:a16="http://schemas.microsoft.com/office/drawing/2014/main" id="{FD97FD3E-3328-2AD6-AA62-EA9D0B9D5E60}"/>
+                  </a:ext>
+                </a:extLst>
+              </p:cNvPr>
+              <p:cNvSpPr txBox="1"/>
+              <p:nvPr/>
+            </p:nvSpPr>
+            <p:spPr>
+              <a:xfrm>
+                <a:off x="2678321" y="3553994"/>
+                <a:ext cx="3490175" cy="369332"/>
+              </a:xfrm>
+              <a:prstGeom prst="rect">
+                <a:avLst/>
+              </a:prstGeom>
+              <a:noFill/>
+            </p:spPr>
+            <p:txBody>
+              <a:bodyPr wrap="square" rtlCol="0">
+                <a:spAutoFit/>
+              </a:bodyPr>
+              <a:lstStyle/>
+              <a:p>
+                <a:r>
+                  <a:rPr lang="fr-CA" b="1" i="1" dirty="0">
+                    <a:latin typeface="Times New Roman" panose="02020603050405020304" pitchFamily="18" charset="0"/>
+                    <a:cs typeface="Times New Roman" panose="02020603050405020304" pitchFamily="18" charset="0"/>
+                  </a:rPr>
+                  <a:t>T</a:t>
+                </a:r>
+                <a:r>
+                  <a:rPr lang="en-US" altLang="zh-CN" b="1" i="1" dirty="0" err="1">
+                    <a:latin typeface="Times New Roman" panose="02020603050405020304" pitchFamily="18" charset="0"/>
+                    <a:cs typeface="Times New Roman" panose="02020603050405020304" pitchFamily="18" charset="0"/>
+                  </a:rPr>
+                  <a:t>ransmitter</a:t>
+                </a:r>
+                <a:endParaRPr lang="fr-CA" b="1" i="1" dirty="0">
+                  <a:latin typeface="Times New Roman" panose="02020603050405020304" pitchFamily="18" charset="0"/>
+                  <a:cs typeface="Times New Roman" panose="02020603050405020304" pitchFamily="18" charset="0"/>
+                </a:endParaRPr>
+              </a:p>
+            </p:txBody>
+          </p:sp>
+          <p:sp>
+            <p:nvSpPr>
+              <p:cNvPr id="25" name="文本框 24">
+                <a:extLst>
+                  <a:ext uri="{FF2B5EF4-FFF2-40B4-BE49-F238E27FC236}">
+                    <a16:creationId xmlns:a16="http://schemas.microsoft.com/office/drawing/2014/main" id="{2EE671FE-2549-F76A-8DF4-EC65A235F8CA}"/>
+                  </a:ext>
+                </a:extLst>
+              </p:cNvPr>
+              <p:cNvSpPr txBox="1"/>
+              <p:nvPr/>
+            </p:nvSpPr>
+            <p:spPr>
+              <a:xfrm>
+                <a:off x="5787911" y="3564963"/>
+                <a:ext cx="3490175" cy="369332"/>
+              </a:xfrm>
+              <a:prstGeom prst="rect">
+                <a:avLst/>
+              </a:prstGeom>
+              <a:noFill/>
+            </p:spPr>
+            <p:txBody>
+              <a:bodyPr wrap="square" rtlCol="0">
+                <a:spAutoFit/>
+              </a:bodyPr>
+              <a:lstStyle/>
+              <a:p>
+                <a:r>
+                  <a:rPr lang="en-US" b="1" i="1" dirty="0">
+                    <a:latin typeface="Times New Roman" panose="02020603050405020304" pitchFamily="18" charset="0"/>
+                    <a:cs typeface="Times New Roman" panose="02020603050405020304" pitchFamily="18" charset="0"/>
+                  </a:rPr>
+                  <a:t>Channel</a:t>
+                </a:r>
+                <a:endParaRPr lang="fr-CA" b="1" i="1" dirty="0">
+                  <a:latin typeface="Times New Roman" panose="02020603050405020304" pitchFamily="18" charset="0"/>
+                  <a:cs typeface="Times New Roman" panose="02020603050405020304" pitchFamily="18" charset="0"/>
+                </a:endParaRPr>
+              </a:p>
+            </p:txBody>
+          </p:sp>
+          <p:sp>
+            <p:nvSpPr>
+              <p:cNvPr id="27" name="文本框 26">
+                <a:extLst>
+                  <a:ext uri="{FF2B5EF4-FFF2-40B4-BE49-F238E27FC236}">
+                    <a16:creationId xmlns:a16="http://schemas.microsoft.com/office/drawing/2014/main" id="{585FA3B3-D41B-E380-97D0-D5A457BF79D6}"/>
+                  </a:ext>
+                </a:extLst>
+              </p:cNvPr>
+              <p:cNvSpPr txBox="1"/>
+              <p:nvPr/>
+            </p:nvSpPr>
+            <p:spPr>
+              <a:xfrm>
+                <a:off x="8636200" y="3646737"/>
+                <a:ext cx="3490175" cy="369332"/>
+              </a:xfrm>
+              <a:prstGeom prst="rect">
+                <a:avLst/>
+              </a:prstGeom>
+              <a:noFill/>
+            </p:spPr>
+            <p:txBody>
+              <a:bodyPr wrap="square" rtlCol="0">
+                <a:spAutoFit/>
+              </a:bodyPr>
+              <a:lstStyle/>
+              <a:p>
+                <a:r>
+                  <a:rPr lang="en-US" b="1" i="1" dirty="0" err="1">
+                    <a:latin typeface="Times New Roman" panose="02020603050405020304" pitchFamily="18" charset="0"/>
+                    <a:cs typeface="Times New Roman" panose="02020603050405020304" pitchFamily="18" charset="0"/>
+                  </a:rPr>
+                  <a:t>Reveiver</a:t>
+                </a:r>
+                <a:endParaRPr lang="fr-CA" b="1" i="1" dirty="0">
+                  <a:latin typeface="Times New Roman" panose="02020603050405020304" pitchFamily="18" charset="0"/>
+                  <a:cs typeface="Times New Roman" panose="02020603050405020304" pitchFamily="18" charset="0"/>
+                </a:endParaRPr>
+              </a:p>
+            </p:txBody>
+          </p:sp>
+          <p:sp>
+            <p:nvSpPr>
+              <p:cNvPr id="29" name="矩形 28">
+                <a:extLst>
+                  <a:ext uri="{FF2B5EF4-FFF2-40B4-BE49-F238E27FC236}">
+                    <a16:creationId xmlns:a16="http://schemas.microsoft.com/office/drawing/2014/main" id="{696C3EA5-0B6F-DE8C-FE16-520A990735A8}"/>
+                  </a:ext>
+                </a:extLst>
+              </p:cNvPr>
+              <p:cNvSpPr/>
+              <p:nvPr/>
+            </p:nvSpPr>
+            <p:spPr>
+              <a:xfrm>
+                <a:off x="8210475" y="2362305"/>
+                <a:ext cx="412124" cy="1004552"/>
+              </a:xfrm>
+              <a:prstGeom prst="rect">
+                <a:avLst/>
+              </a:prstGeom>
+              <a:solidFill>
+                <a:schemeClr val="accent6">
+                  <a:lumMod val="75000"/>
+                  <a:alpha val="60000"/>
+                </a:schemeClr>
+              </a:solidFill>
+              <a:ln>
+                <a:noFill/>
+              </a:ln>
+            </p:spPr>
+            <p:style>
+              <a:lnRef idx="2">
+                <a:schemeClr val="accent1">
+                  <a:shade val="50000"/>
+                </a:schemeClr>
+              </a:lnRef>
+              <a:fillRef idx="1">
+                <a:schemeClr val="accent1"/>
+              </a:fillRef>
+              <a:effectRef idx="0">
+                <a:schemeClr val="accent1"/>
+              </a:effectRef>
+              <a:fontRef idx="minor">
+                <a:schemeClr val="lt1"/>
+              </a:fontRef>
+            </p:style>
+            <p:txBody>
+              <a:bodyPr rtlCol="0" anchor="ctr"/>
+              <a:lstStyle/>
+              <a:p>
+                <a:pPr algn="ctr"/>
+                <a:r>
+                  <a:rPr lang="fr-CA" dirty="0">
+                    <a:latin typeface="Times New Roman" panose="02020603050405020304" pitchFamily="18" charset="0"/>
+                    <a:cs typeface="Times New Roman" panose="02020603050405020304" pitchFamily="18" charset="0"/>
+                  </a:rPr>
+                  <a:t>DM</a:t>
+                </a:r>
+              </a:p>
+            </p:txBody>
+          </p:sp>
+          <p:sp>
+            <p:nvSpPr>
+              <p:cNvPr id="31" name="矩形 30">
+                <a:extLst>
+                  <a:ext uri="{FF2B5EF4-FFF2-40B4-BE49-F238E27FC236}">
+                    <a16:creationId xmlns:a16="http://schemas.microsoft.com/office/drawing/2014/main" id="{0C6BD5EC-FD50-B061-31BA-5B5F55BF86DF}"/>
+                  </a:ext>
+                </a:extLst>
+              </p:cNvPr>
+              <p:cNvSpPr/>
+              <p:nvPr/>
+            </p:nvSpPr>
+            <p:spPr>
+              <a:xfrm>
+                <a:off x="8783577" y="2362305"/>
+                <a:ext cx="412124" cy="1004552"/>
+              </a:xfrm>
+              <a:prstGeom prst="rect">
+                <a:avLst/>
+              </a:prstGeom>
+              <a:solidFill>
+                <a:schemeClr val="accent6">
+                  <a:lumMod val="75000"/>
+                  <a:alpha val="60000"/>
+                </a:schemeClr>
+              </a:solidFill>
+              <a:ln>
+                <a:noFill/>
+              </a:ln>
+            </p:spPr>
+            <p:style>
+              <a:lnRef idx="2">
+                <a:schemeClr val="accent1">
+                  <a:shade val="50000"/>
+                </a:schemeClr>
+              </a:lnRef>
+              <a:fillRef idx="1">
+                <a:schemeClr val="accent1"/>
+              </a:fillRef>
+              <a:effectRef idx="0">
+                <a:schemeClr val="accent1"/>
+              </a:effectRef>
+              <a:fontRef idx="minor">
+                <a:schemeClr val="lt1"/>
+              </a:fontRef>
+            </p:style>
+            <p:txBody>
+              <a:bodyPr rtlCol="0" anchor="ctr"/>
+              <a:lstStyle/>
+              <a:p>
+                <a:pPr algn="ctr"/>
+                <a:r>
+                  <a:rPr lang="fr-CA" dirty="0">
+                    <a:latin typeface="Times New Roman" panose="02020603050405020304" pitchFamily="18" charset="0"/>
+                    <a:cs typeface="Times New Roman" panose="02020603050405020304" pitchFamily="18" charset="0"/>
+                  </a:rPr>
+                  <a:t>fft</a:t>
+                </a:r>
+              </a:p>
+            </p:txBody>
+          </p:sp>
+          <p:cxnSp>
+            <p:nvCxnSpPr>
+              <p:cNvPr id="33" name="直接箭头连接符 32">
+                <a:extLst>
+                  <a:ext uri="{FF2B5EF4-FFF2-40B4-BE49-F238E27FC236}">
+                    <a16:creationId xmlns:a16="http://schemas.microsoft.com/office/drawing/2014/main" id="{0C6CAD9B-F728-A9ED-0A94-987ADB910529}"/>
+                  </a:ext>
+                </a:extLst>
+              </p:cNvPr>
+              <p:cNvCxnSpPr>
+                <a:stCxn id="3" idx="3"/>
+                <a:endCxn id="5" idx="1"/>
+              </p:cNvCxnSpPr>
+              <p:nvPr/>
+            </p:nvCxnSpPr>
+            <p:spPr>
+              <a:xfrm flipV="1">
+                <a:off x="4619415" y="2788383"/>
+                <a:ext cx="447393" cy="1970"/>
+              </a:xfrm>
+              <a:prstGeom prst="straightConnector1">
+                <a:avLst/>
+              </a:prstGeom>
+              <a:ln w="19050">
+                <a:tailEnd type="triangle"/>
+              </a:ln>
+            </p:spPr>
+            <p:style>
+              <a:lnRef idx="1">
+                <a:schemeClr val="accent2"/>
+              </a:lnRef>
+              <a:fillRef idx="0">
+                <a:schemeClr val="accent2"/>
+              </a:fillRef>
+              <a:effectRef idx="0">
+                <a:schemeClr val="accent2"/>
+              </a:effectRef>
+              <a:fontRef idx="minor">
+                <a:schemeClr val="tx1"/>
+              </a:fontRef>
+            </p:style>
+          </p:cxnSp>
+          <p:cxnSp>
+            <p:nvCxnSpPr>
+              <p:cNvPr id="37" name="直接箭头连接符 36">
+                <a:extLst>
+                  <a:ext uri="{FF2B5EF4-FFF2-40B4-BE49-F238E27FC236}">
+                    <a16:creationId xmlns:a16="http://schemas.microsoft.com/office/drawing/2014/main" id="{18E88B85-D3C4-2F73-3E34-2F8C5C099D2D}"/>
+                  </a:ext>
+                </a:extLst>
+              </p:cNvPr>
+              <p:cNvCxnSpPr>
+                <a:cxnSpLocks/>
+                <a:stCxn id="5" idx="3"/>
+                <a:endCxn id="7" idx="1"/>
+              </p:cNvCxnSpPr>
+              <p:nvPr/>
+            </p:nvCxnSpPr>
+            <p:spPr>
+              <a:xfrm>
+                <a:off x="7468718" y="2788383"/>
+                <a:ext cx="490533" cy="0"/>
+              </a:xfrm>
+              <a:prstGeom prst="straightConnector1">
+                <a:avLst/>
+              </a:prstGeom>
+              <a:ln w="19050">
+                <a:solidFill>
+                  <a:schemeClr val="accent6">
+                    <a:lumMod val="75000"/>
+                  </a:schemeClr>
+                </a:solidFill>
+                <a:tailEnd type="triangle"/>
+              </a:ln>
+            </p:spPr>
+            <p:style>
+              <a:lnRef idx="1">
+                <a:schemeClr val="accent2"/>
+              </a:lnRef>
+              <a:fillRef idx="0">
+                <a:schemeClr val="accent2"/>
+              </a:fillRef>
+              <a:effectRef idx="0">
+                <a:schemeClr val="accent2"/>
+              </a:effectRef>
+              <a:fontRef idx="minor">
+                <a:schemeClr val="tx1"/>
+              </a:fontRef>
+            </p:style>
+          </p:cxnSp>
+        </p:grpSp>
+        <p:sp>
+          <p:nvSpPr>
+            <p:cNvPr id="46" name="矩形 45">
+              <a:extLst>
+                <a:ext uri="{FF2B5EF4-FFF2-40B4-BE49-F238E27FC236}">
+                  <a16:creationId xmlns:a16="http://schemas.microsoft.com/office/drawing/2014/main" id="{D822FD74-0E2B-99AF-4647-B9043DF99614}"/>
+                </a:ext>
+              </a:extLst>
+            </p:cNvPr>
+            <p:cNvSpPr/>
+            <p:nvPr/>
+          </p:nvSpPr>
+          <p:spPr>
+            <a:xfrm>
+              <a:off x="5550490" y="2959466"/>
+              <a:ext cx="1280160" cy="487680"/>
+            </a:xfrm>
+            <a:prstGeom prst="rect">
+              <a:avLst/>
+            </a:prstGeom>
+            <a:solidFill>
+              <a:schemeClr val="accent2">
+                <a:alpha val="60000"/>
+              </a:schemeClr>
+            </a:solidFill>
+            <a:ln>
+              <a:noFill/>
+            </a:ln>
+          </p:spPr>
+          <p:style>
+            <a:lnRef idx="2">
+              <a:schemeClr val="accent1">
+                <a:shade val="50000"/>
+              </a:schemeClr>
+            </a:lnRef>
+            <a:fillRef idx="1">
+              <a:schemeClr val="accent1"/>
+            </a:fillRef>
+            <a:effectRef idx="0">
+              <a:schemeClr val="accent1"/>
+            </a:effectRef>
+            <a:fontRef idx="minor">
+              <a:schemeClr val="lt1"/>
+            </a:fontRef>
+          </p:style>
+          <p:txBody>
+            <a:bodyPr rtlCol="0" anchor="ctr"/>
+            <a:lstStyle/>
+            <a:p>
+              <a:pPr algn="ctr"/>
+              <a:r>
+                <a:rPr lang="fr-CA" dirty="0">
+                  <a:latin typeface="Times New Roman" panose="02020603050405020304" pitchFamily="18" charset="0"/>
+                  <a:cs typeface="Times New Roman" panose="02020603050405020304" pitchFamily="18" charset="0"/>
+                </a:rPr>
+                <a:t>Geometry</a:t>
+              </a:r>
+            </a:p>
+          </p:txBody>
+        </p:sp>
+        <p:sp>
+          <p:nvSpPr>
+            <p:cNvPr id="48" name="矩形 47">
+              <a:extLst>
+                <a:ext uri="{FF2B5EF4-FFF2-40B4-BE49-F238E27FC236}">
+                  <a16:creationId xmlns:a16="http://schemas.microsoft.com/office/drawing/2014/main" id="{DD5F9AA6-3CB9-1BE3-DFDD-DD6E868334A6}"/>
+                </a:ext>
+              </a:extLst>
+            </p:cNvPr>
+            <p:cNvSpPr/>
+            <p:nvPr/>
+          </p:nvSpPr>
+          <p:spPr>
+            <a:xfrm>
+              <a:off x="5402580" y="3878757"/>
+              <a:ext cx="1554480" cy="487680"/>
+            </a:xfrm>
+            <a:prstGeom prst="rect">
+              <a:avLst/>
+            </a:prstGeom>
+            <a:solidFill>
+              <a:schemeClr val="accent2">
+                <a:alpha val="60000"/>
+              </a:schemeClr>
+            </a:solidFill>
+            <a:ln>
+              <a:noFill/>
+            </a:ln>
+          </p:spPr>
+          <p:style>
+            <a:lnRef idx="2">
+              <a:schemeClr val="accent1">
+                <a:shade val="50000"/>
+              </a:schemeClr>
+            </a:lnRef>
+            <a:fillRef idx="1">
+              <a:schemeClr val="accent1"/>
+            </a:fillRef>
+            <a:effectRef idx="0">
+              <a:schemeClr val="accent1"/>
+            </a:effectRef>
+            <a:fontRef idx="minor">
+              <a:schemeClr val="lt1"/>
+            </a:fontRef>
+          </p:style>
+          <p:txBody>
+            <a:bodyPr rtlCol="0" anchor="ctr"/>
+            <a:lstStyle/>
+            <a:p>
+              <a:pPr algn="ctr"/>
+              <a:r>
+                <a:rPr lang="fr-CA" dirty="0">
+                  <a:latin typeface="Times New Roman" panose="02020603050405020304" pitchFamily="18" charset="0"/>
+                  <a:cs typeface="Times New Roman" panose="02020603050405020304" pitchFamily="18" charset="0"/>
+                </a:rPr>
+                <a:t>Configuration</a:t>
+              </a:r>
+            </a:p>
+          </p:txBody>
+        </p:sp>
+      </p:grpSp>
+    </p:spTree>
+    <p:extLst>
+      <p:ext uri="{BB962C8B-B14F-4D97-AF65-F5344CB8AC3E}">
+        <p14:creationId xmlns:p14="http://schemas.microsoft.com/office/powerpoint/2010/main" val="2279456377"/>
+      </p:ext>
+    </p:extLst>
+  </p:cSld>
+  <p:clrMapOvr>
+    <a:masterClrMapping/>
+  </p:clrMapOvr>
+</p:sld>
+</file>
+
+<file path=ppt/slides/slide4.xml><?xml version="1.0" encoding="utf-8"?>
+<p:sld xmlns:a="http://schemas.openxmlformats.org/drawingml/2006/main" xmlns:r="http://schemas.openxmlformats.org/officeDocument/2006/relationships" xmlns:p="http://schemas.openxmlformats.org/presentationml/2006/main">
+  <p:cSld>
+    <p:spTree>
+      <p:nvGrpSpPr>
+        <p:cNvPr id="1" name=""/>
+        <p:cNvGrpSpPr/>
+        <p:nvPr/>
+      </p:nvGrpSpPr>
+      <p:grpSpPr>
+        <a:xfrm>
+          <a:off x="0" y="0"/>
+          <a:ext cx="0" cy="0"/>
+          <a:chOff x="0" y="0"/>
+          <a:chExt cx="0" cy="0"/>
+        </a:xfrm>
+      </p:grpSpPr>
+      <p:sp>
+        <p:nvSpPr>
+          <p:cNvPr id="4" name="文本框 3">
+            <a:extLst>
+              <a:ext uri="{FF2B5EF4-FFF2-40B4-BE49-F238E27FC236}">
+                <a16:creationId xmlns:a16="http://schemas.microsoft.com/office/drawing/2014/main" id="{615993A5-FF50-50C7-991B-6650B8CDF77E}"/>
+              </a:ext>
+            </a:extLst>
+          </p:cNvPr>
+          <p:cNvSpPr txBox="1"/>
+          <p:nvPr/>
+        </p:nvSpPr>
+        <p:spPr>
+          <a:xfrm>
+            <a:off x="388120" y="3413879"/>
+            <a:ext cx="3490175" cy="369332"/>
+          </a:xfrm>
+          <a:prstGeom prst="rect">
+            <a:avLst/>
+          </a:prstGeom>
+          <a:noFill/>
+        </p:spPr>
+        <p:txBody>
+          <a:bodyPr wrap="square" rtlCol="0">
+            <a:spAutoFit/>
+          </a:bodyPr>
+          <a:lstStyle/>
+          <a:p>
+            <a:r>
+              <a:rPr lang="fr-CA" b="1" i="1" dirty="0">
+                <a:latin typeface="Times New Roman" panose="02020603050405020304" pitchFamily="18" charset="0"/>
+                <a:cs typeface="Times New Roman" panose="02020603050405020304" pitchFamily="18" charset="0"/>
+              </a:rPr>
+              <a:t>...01010001...</a:t>
+            </a:r>
+          </a:p>
+        </p:txBody>
+      </p:sp>
+      <p:pic>
+        <p:nvPicPr>
+          <p:cNvPr id="2052" name="Picture 4" descr="ECE 489 - Communications System Laboratory: Lab 5 16 QAM Modulation">
+            <a:extLst>
+              <a:ext uri="{FF2B5EF4-FFF2-40B4-BE49-F238E27FC236}">
+                <a16:creationId xmlns:a16="http://schemas.microsoft.com/office/drawing/2014/main" id="{AD64B2B0-8981-88F8-DD99-910370494F2F}"/>
+              </a:ext>
+            </a:extLst>
+          </p:cNvPr>
+          <p:cNvPicPr>
+            <a:picLocks noChangeAspect="1" noChangeArrowheads="1"/>
+          </p:cNvPicPr>
+          <p:nvPr/>
+        </p:nvPicPr>
+        <p:blipFill>
+          <a:blip r:embed="rId2">
+            <a:extLst>
+              <a:ext uri="{28A0092B-C50C-407E-A947-70E740481C1C}">
+                <a14:useLocalDpi xmlns:a14="http://schemas.microsoft.com/office/drawing/2010/main" val="0"/>
+              </a:ext>
+            </a:extLst>
+          </a:blip>
+          <a:srcRect/>
+          <a:stretch>
+            <a:fillRect/>
+          </a:stretch>
+        </p:blipFill>
+        <p:spPr bwMode="auto">
+          <a:xfrm>
+            <a:off x="3211830" y="2551628"/>
+            <a:ext cx="2152650" cy="2124075"/>
+          </a:xfrm>
+          <a:prstGeom prst="rect">
+            <a:avLst/>
+          </a:prstGeom>
+          <a:noFill/>
+          <a:extLst>
+            <a:ext uri="{909E8E84-426E-40DD-AFC4-6F175D3DCCD1}">
+              <a14:hiddenFill xmlns:a14="http://schemas.microsoft.com/office/drawing/2010/main">
+                <a:solidFill>
+                  <a:srgbClr val="FFFFFF"/>
+                </a:solidFill>
+              </a14:hiddenFill>
+            </a:ext>
+          </a:extLst>
+        </p:spPr>
+      </p:pic>
+      <p:sp>
+        <p:nvSpPr>
+          <p:cNvPr id="2" name="标题 1">
+            <a:extLst>
+              <a:ext uri="{FF2B5EF4-FFF2-40B4-BE49-F238E27FC236}">
+                <a16:creationId xmlns:a16="http://schemas.microsoft.com/office/drawing/2014/main" id="{949833A1-F2FE-A906-7D15-534DCC98B412}"/>
+              </a:ext>
+            </a:extLst>
+          </p:cNvPr>
+          <p:cNvSpPr>
+            <a:spLocks noGrp="1"/>
+          </p:cNvSpPr>
+          <p:nvPr>
+            <p:ph type="title"/>
+          </p:nvPr>
+        </p:nvSpPr>
+        <p:spPr/>
+        <p:txBody>
+          <a:bodyPr/>
+          <a:lstStyle/>
+          <a:p>
+            <a:r>
+              <a:rPr lang="fr-CA" dirty="0"/>
+              <a:t>Transmitter</a:t>
+            </a:r>
+          </a:p>
+        </p:txBody>
+      </p:sp>
+      <p:grpSp>
+        <p:nvGrpSpPr>
+          <p:cNvPr id="27" name="组合 26">
+            <a:extLst>
+              <a:ext uri="{FF2B5EF4-FFF2-40B4-BE49-F238E27FC236}">
+                <a16:creationId xmlns:a16="http://schemas.microsoft.com/office/drawing/2014/main" id="{5D02A60A-96BA-26A4-085D-C1D32291CA61}"/>
+              </a:ext>
+            </a:extLst>
+          </p:cNvPr>
+          <p:cNvGrpSpPr/>
+          <p:nvPr/>
+        </p:nvGrpSpPr>
+        <p:grpSpPr>
+          <a:xfrm>
+            <a:off x="2007870" y="3136881"/>
+            <a:ext cx="1303020" cy="461664"/>
+            <a:chOff x="2007870" y="3136881"/>
+            <a:chExt cx="1303020" cy="461664"/>
+          </a:xfrm>
+        </p:grpSpPr>
+        <p:cxnSp>
+          <p:nvCxnSpPr>
+            <p:cNvPr id="6" name="直接箭头连接符 5">
+              <a:extLst>
+                <a:ext uri="{FF2B5EF4-FFF2-40B4-BE49-F238E27FC236}">
+                  <a16:creationId xmlns:a16="http://schemas.microsoft.com/office/drawing/2014/main" id="{63FB7E66-A0A9-4942-B75D-490DD3BE35A4}"/>
+                </a:ext>
+              </a:extLst>
+            </p:cNvPr>
+            <p:cNvCxnSpPr/>
+            <p:nvPr/>
+          </p:nvCxnSpPr>
+          <p:spPr>
+            <a:xfrm>
+              <a:off x="2255520" y="3598545"/>
+              <a:ext cx="807720" cy="0"/>
+            </a:xfrm>
+            <a:prstGeom prst="straightConnector1">
+              <a:avLst/>
+            </a:prstGeom>
+            <a:ln w="19050">
+              <a:tailEnd type="triangle"/>
+            </a:ln>
+          </p:spPr>
+          <p:style>
+            <a:lnRef idx="1">
+              <a:schemeClr val="accent1"/>
+            </a:lnRef>
+            <a:fillRef idx="0">
+              <a:schemeClr val="accent1"/>
+            </a:fillRef>
+            <a:effectRef idx="0">
+              <a:schemeClr val="accent1"/>
+            </a:effectRef>
+            <a:fontRef idx="minor">
+              <a:schemeClr val="tx1"/>
+            </a:fontRef>
+          </p:style>
+        </p:cxnSp>
+        <p:sp>
+          <p:nvSpPr>
+            <p:cNvPr id="7" name="文本框 6">
+              <a:extLst>
+                <a:ext uri="{FF2B5EF4-FFF2-40B4-BE49-F238E27FC236}">
+                  <a16:creationId xmlns:a16="http://schemas.microsoft.com/office/drawing/2014/main" id="{C789C610-DF89-33EF-D41C-EF289D4C85CC}"/>
+                </a:ext>
+              </a:extLst>
+            </p:cNvPr>
+            <p:cNvSpPr txBox="1"/>
+            <p:nvPr/>
+          </p:nvSpPr>
+          <p:spPr>
+            <a:xfrm>
+              <a:off x="2007870" y="3136881"/>
+              <a:ext cx="1303020" cy="369332"/>
+            </a:xfrm>
+            <a:prstGeom prst="rect">
+              <a:avLst/>
+            </a:prstGeom>
+            <a:noFill/>
+          </p:spPr>
+          <p:txBody>
+            <a:bodyPr wrap="square" rtlCol="0">
+              <a:spAutoFit/>
+            </a:bodyPr>
+            <a:lstStyle/>
+            <a:p>
+              <a:r>
+                <a:rPr lang="fr-CA" dirty="0">
+                  <a:latin typeface="Times New Roman" panose="02020603050405020304" pitchFamily="18" charset="0"/>
+                  <a:cs typeface="Times New Roman" panose="02020603050405020304" pitchFamily="18" charset="0"/>
+                </a:rPr>
+                <a:t>Mapping to</a:t>
+              </a:r>
+            </a:p>
+          </p:txBody>
+        </p:sp>
+      </p:grpSp>
+      <p:sp>
+        <p:nvSpPr>
+          <p:cNvPr id="8" name="矩形 7">
+            <a:extLst>
+              <a:ext uri="{FF2B5EF4-FFF2-40B4-BE49-F238E27FC236}">
+                <a16:creationId xmlns:a16="http://schemas.microsoft.com/office/drawing/2014/main" id="{C2F49244-F42A-6495-FDF0-8B78B2D385E3}"/>
+              </a:ext>
+            </a:extLst>
+          </p:cNvPr>
+          <p:cNvSpPr/>
+          <p:nvPr/>
+        </p:nvSpPr>
+        <p:spPr>
+          <a:xfrm>
+            <a:off x="7822572" y="2660867"/>
+            <a:ext cx="818507" cy="1875355"/>
+          </a:xfrm>
+          <a:prstGeom prst="rect">
+            <a:avLst/>
+          </a:prstGeom>
+          <a:ln>
+            <a:noFill/>
+          </a:ln>
+        </p:spPr>
+        <p:style>
+          <a:lnRef idx="2">
+            <a:schemeClr val="accent1">
+              <a:shade val="50000"/>
+            </a:schemeClr>
+          </a:lnRef>
+          <a:fillRef idx="1">
+            <a:schemeClr val="accent1"/>
+          </a:fillRef>
+          <a:effectRef idx="0">
+            <a:schemeClr val="accent1"/>
+          </a:effectRef>
+          <a:fontRef idx="minor">
+            <a:schemeClr val="lt1"/>
+          </a:fontRef>
+        </p:style>
+        <p:txBody>
+          <a:bodyPr rtlCol="0" anchor="ctr"/>
+          <a:lstStyle/>
+          <a:p>
+            <a:pPr algn="ctr"/>
+            <a:r>
+              <a:rPr lang="fr-CA" dirty="0">
+                <a:latin typeface="Times New Roman" panose="02020603050405020304" pitchFamily="18" charset="0"/>
+                <a:cs typeface="Times New Roman" panose="02020603050405020304" pitchFamily="18" charset="0"/>
+              </a:rPr>
+              <a:t>IFFT</a:t>
+            </a:r>
+          </a:p>
+        </p:txBody>
+      </p:sp>
+      <p:grpSp>
+        <p:nvGrpSpPr>
+          <p:cNvPr id="31" name="组合 30">
+            <a:extLst>
+              <a:ext uri="{FF2B5EF4-FFF2-40B4-BE49-F238E27FC236}">
+                <a16:creationId xmlns:a16="http://schemas.microsoft.com/office/drawing/2014/main" id="{8F59A359-49B9-1AD1-0DB4-0922AD0A175B}"/>
+              </a:ext>
+            </a:extLst>
+          </p:cNvPr>
+          <p:cNvGrpSpPr/>
+          <p:nvPr/>
+        </p:nvGrpSpPr>
+        <p:grpSpPr>
+          <a:xfrm>
+            <a:off x="6336244" y="2660867"/>
+            <a:ext cx="731522" cy="1875355"/>
+            <a:chOff x="6035396" y="2633126"/>
+            <a:chExt cx="731522" cy="1875355"/>
+          </a:xfrm>
+        </p:grpSpPr>
+        <p:grpSp>
+          <p:nvGrpSpPr>
+            <p:cNvPr id="24" name="组合 23">
+              <a:extLst>
+                <a:ext uri="{FF2B5EF4-FFF2-40B4-BE49-F238E27FC236}">
+                  <a16:creationId xmlns:a16="http://schemas.microsoft.com/office/drawing/2014/main" id="{921765AD-9DE0-85AB-7825-E979C9DE2302}"/>
+                </a:ext>
+              </a:extLst>
+            </p:cNvPr>
+            <p:cNvGrpSpPr/>
+            <p:nvPr/>
+          </p:nvGrpSpPr>
+          <p:grpSpPr>
+            <a:xfrm>
+              <a:off x="6035396" y="2633126"/>
+              <a:ext cx="731522" cy="1875355"/>
+              <a:chOff x="6035396" y="2633126"/>
+              <a:chExt cx="731522" cy="1875355"/>
+            </a:xfrm>
+          </p:grpSpPr>
+          <p:grpSp>
+            <p:nvGrpSpPr>
+              <p:cNvPr id="14" name="组合 13">
+                <a:extLst>
+                  <a:ext uri="{FF2B5EF4-FFF2-40B4-BE49-F238E27FC236}">
+                    <a16:creationId xmlns:a16="http://schemas.microsoft.com/office/drawing/2014/main" id="{FB8C75E9-3E24-C96A-2A92-101451BDEB83}"/>
+                  </a:ext>
+                </a:extLst>
+              </p:cNvPr>
+              <p:cNvGrpSpPr/>
+              <p:nvPr/>
+            </p:nvGrpSpPr>
+            <p:grpSpPr>
+              <a:xfrm>
+                <a:off x="6035396" y="2633126"/>
+                <a:ext cx="731522" cy="275155"/>
+                <a:chOff x="6096000" y="2308860"/>
+                <a:chExt cx="731522" cy="275155"/>
+              </a:xfrm>
+            </p:grpSpPr>
+            <p:sp>
+              <p:nvSpPr>
+                <p:cNvPr id="9" name="矩形 8">
+                  <a:extLst>
+                    <a:ext uri="{FF2B5EF4-FFF2-40B4-BE49-F238E27FC236}">
+                      <a16:creationId xmlns:a16="http://schemas.microsoft.com/office/drawing/2014/main" id="{4055993C-C69D-EDAC-4A12-6CC48783582D}"/>
+                    </a:ext>
+                  </a:extLst>
+                </p:cNvPr>
+                <p:cNvSpPr/>
+                <p:nvPr/>
+              </p:nvSpPr>
+              <p:spPr>
+                <a:xfrm>
+                  <a:off x="6096000" y="2308860"/>
+                  <a:ext cx="731522" cy="242768"/>
+                </a:xfrm>
+                <a:prstGeom prst="rect">
+                  <a:avLst/>
+                </a:prstGeom>
+                <a:ln>
+                  <a:noFill/>
+                </a:ln>
+              </p:spPr>
+              <p:style>
+                <a:lnRef idx="2">
+                  <a:schemeClr val="accent1">
+                    <a:shade val="50000"/>
+                  </a:schemeClr>
+                </a:lnRef>
+                <a:fillRef idx="1">
+                  <a:schemeClr val="accent1"/>
+                </a:fillRef>
+                <a:effectRef idx="0">
+                  <a:schemeClr val="accent1"/>
+                </a:effectRef>
+                <a:fontRef idx="minor">
+                  <a:schemeClr val="lt1"/>
+                </a:fontRef>
+              </p:style>
+              <p:txBody>
+                <a:bodyPr rtlCol="0" anchor="ctr"/>
+                <a:lstStyle/>
+                <a:p>
+                  <a:pPr algn="ctr"/>
+                  <a:r>
+                    <a:rPr lang="fr-CA" dirty="0"/>
+                    <a:t>Sym</a:t>
+                  </a:r>
+                  <a:r>
+                    <a:rPr lang="fr-CA" baseline="-25000" dirty="0"/>
+                    <a:t>1</a:t>
+                  </a:r>
+                </a:p>
+              </p:txBody>
+            </p:sp>
+            <p:sp>
+              <p:nvSpPr>
+                <p:cNvPr id="19" name="矩形 18">
+                  <a:extLst>
+                    <a:ext uri="{FF2B5EF4-FFF2-40B4-BE49-F238E27FC236}">
+                      <a16:creationId xmlns:a16="http://schemas.microsoft.com/office/drawing/2014/main" id="{28D745EB-9497-EFCF-D8D6-94DF4B26E76E}"/>
+                    </a:ext>
+                  </a:extLst>
+                </p:cNvPr>
+                <p:cNvSpPr/>
+                <p:nvPr/>
+              </p:nvSpPr>
+              <p:spPr>
+                <a:xfrm>
+                  <a:off x="6096000" y="2341247"/>
+                  <a:ext cx="731522" cy="242768"/>
+                </a:xfrm>
+                <a:prstGeom prst="rect">
+                  <a:avLst/>
+                </a:prstGeom>
+                <a:ln>
+                  <a:noFill/>
+                </a:ln>
+              </p:spPr>
+              <p:style>
+                <a:lnRef idx="2">
+                  <a:schemeClr val="accent1">
+                    <a:shade val="50000"/>
+                  </a:schemeClr>
+                </a:lnRef>
+                <a:fillRef idx="1">
+                  <a:schemeClr val="accent1"/>
+                </a:fillRef>
+                <a:effectRef idx="0">
+                  <a:schemeClr val="accent1"/>
+                </a:effectRef>
+                <a:fontRef idx="minor">
+                  <a:schemeClr val="lt1"/>
+                </a:fontRef>
+              </p:style>
+              <p:txBody>
+                <a:bodyPr rtlCol="0" anchor="ctr"/>
+                <a:lstStyle/>
+                <a:p>
+                  <a:pPr algn="ctr"/>
+                  <a:r>
+                    <a:rPr lang="fr-CA" dirty="0"/>
+                    <a:t>Sym</a:t>
+                  </a:r>
+                  <a:r>
+                    <a:rPr lang="fr-CA" baseline="-25000" dirty="0"/>
+                    <a:t>1</a:t>
+                  </a:r>
+                </a:p>
+              </p:txBody>
+            </p:sp>
+          </p:grpSp>
+          <p:sp>
+            <p:nvSpPr>
+              <p:cNvPr id="21" name="矩形 20">
+                <a:extLst>
+                  <a:ext uri="{FF2B5EF4-FFF2-40B4-BE49-F238E27FC236}">
+                    <a16:creationId xmlns:a16="http://schemas.microsoft.com/office/drawing/2014/main" id="{2096D8F2-46F9-4A22-274F-9CFD64BD03B5}"/>
+                  </a:ext>
+                </a:extLst>
+              </p:cNvPr>
+              <p:cNvSpPr/>
+              <p:nvPr/>
+            </p:nvSpPr>
+            <p:spPr>
+              <a:xfrm>
+                <a:off x="6035396" y="3122950"/>
+                <a:ext cx="731522" cy="242768"/>
+              </a:xfrm>
+              <a:prstGeom prst="rect">
+                <a:avLst/>
+              </a:prstGeom>
+              <a:ln>
+                <a:noFill/>
+              </a:ln>
+            </p:spPr>
+            <p:style>
+              <a:lnRef idx="2">
+                <a:schemeClr val="accent1">
+                  <a:shade val="50000"/>
+                </a:schemeClr>
+              </a:lnRef>
+              <a:fillRef idx="1">
+                <a:schemeClr val="accent1"/>
+              </a:fillRef>
+              <a:effectRef idx="0">
+                <a:schemeClr val="accent1"/>
+              </a:effectRef>
+              <a:fontRef idx="minor">
+                <a:schemeClr val="lt1"/>
+              </a:fontRef>
+            </p:style>
+            <p:txBody>
+              <a:bodyPr rtlCol="0" anchor="ctr"/>
+              <a:lstStyle/>
+              <a:p>
+                <a:pPr algn="ctr"/>
+                <a:r>
+                  <a:rPr lang="fr-CA" dirty="0"/>
+                  <a:t>Sym</a:t>
+                </a:r>
+                <a:r>
+                  <a:rPr lang="fr-CA" baseline="-25000" dirty="0"/>
+                  <a:t>2</a:t>
+                </a:r>
+              </a:p>
+            </p:txBody>
+          </p:sp>
+          <p:sp>
+            <p:nvSpPr>
+              <p:cNvPr id="23" name="矩形 22">
+                <a:extLst>
+                  <a:ext uri="{FF2B5EF4-FFF2-40B4-BE49-F238E27FC236}">
+                    <a16:creationId xmlns:a16="http://schemas.microsoft.com/office/drawing/2014/main" id="{B52B0DBC-4F92-E325-E391-711AB97E41CA}"/>
+                  </a:ext>
+                </a:extLst>
+              </p:cNvPr>
+              <p:cNvSpPr/>
+              <p:nvPr/>
+            </p:nvSpPr>
+            <p:spPr>
+              <a:xfrm>
+                <a:off x="6035396" y="4265713"/>
+                <a:ext cx="731522" cy="242768"/>
+              </a:xfrm>
+              <a:prstGeom prst="rect">
+                <a:avLst/>
+              </a:prstGeom>
+              <a:ln>
+                <a:noFill/>
+              </a:ln>
+            </p:spPr>
+            <p:style>
+              <a:lnRef idx="2">
+                <a:schemeClr val="accent1">
+                  <a:shade val="50000"/>
+                </a:schemeClr>
+              </a:lnRef>
+              <a:fillRef idx="1">
+                <a:schemeClr val="accent1"/>
+              </a:fillRef>
+              <a:effectRef idx="0">
+                <a:schemeClr val="accent1"/>
+              </a:effectRef>
+              <a:fontRef idx="minor">
+                <a:schemeClr val="lt1"/>
+              </a:fontRef>
+            </p:style>
+            <p:txBody>
+              <a:bodyPr rtlCol="0" anchor="ctr"/>
+              <a:lstStyle/>
+              <a:p>
+                <a:pPr algn="ctr"/>
+                <a:r>
+                  <a:rPr lang="fr-CA" dirty="0"/>
+                  <a:t>Sym</a:t>
+                </a:r>
+                <a:r>
+                  <a:rPr lang="fr-CA" baseline="-25000" dirty="0"/>
+                  <a:t>N</a:t>
+                </a:r>
+              </a:p>
+            </p:txBody>
+          </p:sp>
+        </p:grpSp>
+        <p:sp>
+          <p:nvSpPr>
+            <p:cNvPr id="25" name="文本框 24">
+              <a:extLst>
+                <a:ext uri="{FF2B5EF4-FFF2-40B4-BE49-F238E27FC236}">
+                  <a16:creationId xmlns:a16="http://schemas.microsoft.com/office/drawing/2014/main" id="{7AE12FEA-2005-DF9E-A7AB-748097C1ACCD}"/>
+                </a:ext>
+              </a:extLst>
+            </p:cNvPr>
+            <p:cNvSpPr txBox="1"/>
+            <p:nvPr/>
+          </p:nvSpPr>
+          <p:spPr>
+            <a:xfrm>
+              <a:off x="6385916" y="3487348"/>
+              <a:ext cx="45719" cy="577081"/>
+            </a:xfrm>
+            <a:prstGeom prst="rect">
+              <a:avLst/>
+            </a:prstGeom>
+            <a:noFill/>
+          </p:spPr>
+          <p:txBody>
+            <a:bodyPr wrap="square" rtlCol="0">
+              <a:spAutoFit/>
+            </a:bodyPr>
+            <a:lstStyle/>
+            <a:p>
+              <a:r>
+                <a:rPr lang="fr-CA" sz="1050" b="1" dirty="0">
+                  <a:latin typeface="Times New Roman" panose="02020603050405020304" pitchFamily="18" charset="0"/>
+                  <a:cs typeface="Times New Roman" panose="02020603050405020304" pitchFamily="18" charset="0"/>
+                </a:rPr>
+                <a:t>...</a:t>
+              </a:r>
+            </a:p>
+          </p:txBody>
+        </p:sp>
+      </p:grpSp>
+      <p:grpSp>
+        <p:nvGrpSpPr>
+          <p:cNvPr id="28" name="组合 27">
+            <a:extLst>
+              <a:ext uri="{FF2B5EF4-FFF2-40B4-BE49-F238E27FC236}">
+                <a16:creationId xmlns:a16="http://schemas.microsoft.com/office/drawing/2014/main" id="{E80153B3-638A-2753-CB0A-F85D86AE101D}"/>
+              </a:ext>
+            </a:extLst>
+          </p:cNvPr>
+          <p:cNvGrpSpPr/>
+          <p:nvPr/>
+        </p:nvGrpSpPr>
+        <p:grpSpPr>
+          <a:xfrm>
+            <a:off x="5364837" y="3300650"/>
+            <a:ext cx="1436228" cy="369332"/>
+            <a:chOff x="2255520" y="3239363"/>
+            <a:chExt cx="1436228" cy="369332"/>
+          </a:xfrm>
+        </p:grpSpPr>
+        <p:cxnSp>
+          <p:nvCxnSpPr>
+            <p:cNvPr id="29" name="直接箭头连接符 28">
+              <a:extLst>
+                <a:ext uri="{FF2B5EF4-FFF2-40B4-BE49-F238E27FC236}">
+                  <a16:creationId xmlns:a16="http://schemas.microsoft.com/office/drawing/2014/main" id="{E687A70A-9493-A558-2AB8-1BFA7653E11F}"/>
+                </a:ext>
+              </a:extLst>
+            </p:cNvPr>
+            <p:cNvCxnSpPr/>
+            <p:nvPr/>
+          </p:nvCxnSpPr>
+          <p:spPr>
+            <a:xfrm>
+              <a:off x="2255520" y="3598545"/>
+              <a:ext cx="807720" cy="0"/>
+            </a:xfrm>
+            <a:prstGeom prst="straightConnector1">
+              <a:avLst/>
+            </a:prstGeom>
+            <a:ln w="19050">
+              <a:tailEnd type="triangle"/>
+            </a:ln>
+          </p:spPr>
+          <p:style>
+            <a:lnRef idx="1">
+              <a:schemeClr val="accent1"/>
+            </a:lnRef>
+            <a:fillRef idx="0">
+              <a:schemeClr val="accent1"/>
+            </a:fillRef>
+            <a:effectRef idx="0">
+              <a:schemeClr val="accent1"/>
+            </a:effectRef>
+            <a:fontRef idx="minor">
+              <a:schemeClr val="tx1"/>
+            </a:fontRef>
+          </p:style>
+        </p:cxnSp>
+        <p:sp>
+          <p:nvSpPr>
+            <p:cNvPr id="30" name="文本框 29">
+              <a:extLst>
+                <a:ext uri="{FF2B5EF4-FFF2-40B4-BE49-F238E27FC236}">
+                  <a16:creationId xmlns:a16="http://schemas.microsoft.com/office/drawing/2014/main" id="{47283E44-CB11-8190-660C-3AF6F7536ADF}"/>
+                </a:ext>
+              </a:extLst>
+            </p:cNvPr>
+            <p:cNvSpPr txBox="1"/>
+            <p:nvPr/>
+          </p:nvSpPr>
+          <p:spPr>
+            <a:xfrm>
+              <a:off x="2388728" y="3239363"/>
+              <a:ext cx="1303020" cy="369332"/>
+            </a:xfrm>
+            <a:prstGeom prst="rect">
+              <a:avLst/>
+            </a:prstGeom>
+            <a:noFill/>
+          </p:spPr>
+          <p:txBody>
+            <a:bodyPr wrap="square" rtlCol="0">
+              <a:spAutoFit/>
+            </a:bodyPr>
+            <a:lstStyle/>
+            <a:p>
+              <a:r>
+                <a:rPr lang="fr-CA" dirty="0">
+                  <a:latin typeface="Times New Roman" panose="02020603050405020304" pitchFamily="18" charset="0"/>
+                  <a:cs typeface="Times New Roman" panose="02020603050405020304" pitchFamily="18" charset="0"/>
+                </a:rPr>
+                <a:t>S/P</a:t>
+              </a:r>
+            </a:p>
+          </p:txBody>
+        </p:sp>
+      </p:grpSp>
+      <p:sp>
+        <p:nvSpPr>
+          <p:cNvPr id="32" name="文本框 31">
+            <a:extLst>
+              <a:ext uri="{FF2B5EF4-FFF2-40B4-BE49-F238E27FC236}">
+                <a16:creationId xmlns:a16="http://schemas.microsoft.com/office/drawing/2014/main" id="{344BA955-78CF-E5C2-6575-29B3FF9263FA}"/>
+              </a:ext>
+            </a:extLst>
+          </p:cNvPr>
+          <p:cNvSpPr txBox="1"/>
+          <p:nvPr/>
+        </p:nvSpPr>
+        <p:spPr>
+          <a:xfrm flipH="1">
+            <a:off x="838200" y="1659136"/>
+            <a:ext cx="9585960" cy="707886"/>
+          </a:xfrm>
+          <a:prstGeom prst="rect">
+            <a:avLst/>
+          </a:prstGeom>
+          <a:noFill/>
+        </p:spPr>
+        <p:txBody>
+          <a:bodyPr wrap="square" rtlCol="0">
+            <a:spAutoFit/>
+          </a:bodyPr>
+          <a:lstStyle/>
+          <a:p>
+            <a:r>
+              <a:rPr lang="fr-CA" sz="2000" dirty="0">
+                <a:latin typeface="Times New Roman" panose="02020603050405020304" pitchFamily="18" charset="0"/>
+                <a:cs typeface="Times New Roman" panose="02020603050405020304" pitchFamily="18" charset="0"/>
+              </a:rPr>
+              <a:t>The transmitter is modeled under orthogonal frequency division multiplexing (OFDM) framework.</a:t>
+            </a:r>
+          </a:p>
+        </p:txBody>
+      </p:sp>
+      <p:cxnSp>
+        <p:nvCxnSpPr>
+          <p:cNvPr id="34" name="直接箭头连接符 33">
+            <a:extLst>
+              <a:ext uri="{FF2B5EF4-FFF2-40B4-BE49-F238E27FC236}">
+                <a16:creationId xmlns:a16="http://schemas.microsoft.com/office/drawing/2014/main" id="{6571B6FF-9326-6E8D-D875-FE4AF0DECEDA}"/>
+              </a:ext>
+            </a:extLst>
+          </p:cNvPr>
+          <p:cNvCxnSpPr/>
+          <p:nvPr/>
+        </p:nvCxnSpPr>
+        <p:spPr>
+          <a:xfrm>
+            <a:off x="7315272" y="2794396"/>
+            <a:ext cx="343827" cy="0"/>
+          </a:xfrm>
+          <a:prstGeom prst="straightConnector1">
+            <a:avLst/>
+          </a:prstGeom>
+          <a:ln w="19050">
+            <a:tailEnd type="triangle"/>
+          </a:ln>
+        </p:spPr>
+        <p:style>
+          <a:lnRef idx="1">
+            <a:schemeClr val="accent1"/>
+          </a:lnRef>
+          <a:fillRef idx="0">
+            <a:schemeClr val="accent1"/>
+          </a:fillRef>
+          <a:effectRef idx="0">
+            <a:schemeClr val="accent1"/>
+          </a:effectRef>
+          <a:fontRef idx="minor">
+            <a:schemeClr val="tx1"/>
+          </a:fontRef>
+        </p:style>
+      </p:cxnSp>
+      <p:cxnSp>
+        <p:nvCxnSpPr>
+          <p:cNvPr id="35" name="直接箭头连接符 34">
+            <a:extLst>
+              <a:ext uri="{FF2B5EF4-FFF2-40B4-BE49-F238E27FC236}">
+                <a16:creationId xmlns:a16="http://schemas.microsoft.com/office/drawing/2014/main" id="{8CC24F2A-9A66-0806-E61D-3A806D1588EF}"/>
+              </a:ext>
+            </a:extLst>
+          </p:cNvPr>
+          <p:cNvCxnSpPr/>
+          <p:nvPr/>
+        </p:nvCxnSpPr>
+        <p:spPr>
+          <a:xfrm>
+            <a:off x="7315272" y="3300650"/>
+            <a:ext cx="343827" cy="0"/>
+          </a:xfrm>
+          <a:prstGeom prst="straightConnector1">
+            <a:avLst/>
+          </a:prstGeom>
+          <a:ln w="19050">
+            <a:tailEnd type="triangle"/>
+          </a:ln>
+        </p:spPr>
+        <p:style>
+          <a:lnRef idx="1">
+            <a:schemeClr val="accent1"/>
+          </a:lnRef>
+          <a:fillRef idx="0">
+            <a:schemeClr val="accent1"/>
+          </a:fillRef>
+          <a:effectRef idx="0">
+            <a:schemeClr val="accent1"/>
+          </a:effectRef>
+          <a:fontRef idx="minor">
+            <a:schemeClr val="tx1"/>
+          </a:fontRef>
+        </p:style>
+      </p:cxnSp>
+      <p:cxnSp>
+        <p:nvCxnSpPr>
+          <p:cNvPr id="36" name="直接箭头连接符 35">
+            <a:extLst>
+              <a:ext uri="{FF2B5EF4-FFF2-40B4-BE49-F238E27FC236}">
+                <a16:creationId xmlns:a16="http://schemas.microsoft.com/office/drawing/2014/main" id="{C7EFEF09-121B-698D-46BF-9DAEBBD647E0}"/>
+              </a:ext>
+            </a:extLst>
+          </p:cNvPr>
+          <p:cNvCxnSpPr/>
+          <p:nvPr/>
+        </p:nvCxnSpPr>
+        <p:spPr>
+          <a:xfrm>
+            <a:off x="7315272" y="4457878"/>
+            <a:ext cx="343827" cy="0"/>
+          </a:xfrm>
+          <a:prstGeom prst="straightConnector1">
+            <a:avLst/>
+          </a:prstGeom>
+          <a:ln w="19050">
+            <a:tailEnd type="triangle"/>
+          </a:ln>
+        </p:spPr>
+        <p:style>
+          <a:lnRef idx="1">
+            <a:schemeClr val="accent1"/>
+          </a:lnRef>
+          <a:fillRef idx="0">
+            <a:schemeClr val="accent1"/>
+          </a:fillRef>
+          <a:effectRef idx="0">
+            <a:schemeClr val="accent1"/>
+          </a:effectRef>
+          <a:fontRef idx="minor">
+            <a:schemeClr val="tx1"/>
+          </a:fontRef>
+        </p:style>
+      </p:cxnSp>
+      <p:grpSp>
+        <p:nvGrpSpPr>
+          <p:cNvPr id="54" name="组合 53">
+            <a:extLst>
+              <a:ext uri="{FF2B5EF4-FFF2-40B4-BE49-F238E27FC236}">
+                <a16:creationId xmlns:a16="http://schemas.microsoft.com/office/drawing/2014/main" id="{3E541B84-D8E7-2E2B-EDF7-A6C4128AE27A}"/>
+              </a:ext>
+            </a:extLst>
+          </p:cNvPr>
+          <p:cNvGrpSpPr/>
+          <p:nvPr/>
+        </p:nvGrpSpPr>
+        <p:grpSpPr>
+          <a:xfrm>
+            <a:off x="9160097" y="2693254"/>
+            <a:ext cx="957095" cy="1875355"/>
+            <a:chOff x="9160097" y="2693254"/>
+            <a:chExt cx="957095" cy="1875355"/>
+          </a:xfrm>
+        </p:grpSpPr>
+        <p:grpSp>
+          <p:nvGrpSpPr>
+            <p:cNvPr id="37" name="组合 36">
+              <a:extLst>
+                <a:ext uri="{FF2B5EF4-FFF2-40B4-BE49-F238E27FC236}">
+                  <a16:creationId xmlns:a16="http://schemas.microsoft.com/office/drawing/2014/main" id="{44358578-23DA-353A-2591-E512274812EE}"/>
+                </a:ext>
+              </a:extLst>
+            </p:cNvPr>
+            <p:cNvGrpSpPr/>
+            <p:nvPr/>
+          </p:nvGrpSpPr>
+          <p:grpSpPr>
+            <a:xfrm>
+              <a:off x="9160097" y="2693254"/>
+              <a:ext cx="731522" cy="1875355"/>
+              <a:chOff x="6035396" y="2633126"/>
+              <a:chExt cx="731522" cy="1875355"/>
+            </a:xfrm>
+          </p:grpSpPr>
+          <p:grpSp>
+            <p:nvGrpSpPr>
+              <p:cNvPr id="38" name="组合 37">
+                <a:extLst>
+                  <a:ext uri="{FF2B5EF4-FFF2-40B4-BE49-F238E27FC236}">
+                    <a16:creationId xmlns:a16="http://schemas.microsoft.com/office/drawing/2014/main" id="{B22A48BD-0C76-F6E4-CC37-D0D3AA5F5849}"/>
+                  </a:ext>
+                </a:extLst>
+              </p:cNvPr>
+              <p:cNvGrpSpPr/>
+              <p:nvPr/>
+            </p:nvGrpSpPr>
+            <p:grpSpPr>
+              <a:xfrm>
+                <a:off x="6035396" y="2633126"/>
+                <a:ext cx="731522" cy="1875355"/>
+                <a:chOff x="6035396" y="2633126"/>
+                <a:chExt cx="731522" cy="1875355"/>
+              </a:xfrm>
+            </p:grpSpPr>
+            <p:grpSp>
+              <p:nvGrpSpPr>
+                <p:cNvPr id="40" name="组合 39">
+                  <a:extLst>
+                    <a:ext uri="{FF2B5EF4-FFF2-40B4-BE49-F238E27FC236}">
+                      <a16:creationId xmlns:a16="http://schemas.microsoft.com/office/drawing/2014/main" id="{FCA7C045-DD64-BCE3-F83E-9F8103E51319}"/>
+                    </a:ext>
+                  </a:extLst>
+                </p:cNvPr>
+                <p:cNvGrpSpPr/>
+                <p:nvPr/>
+              </p:nvGrpSpPr>
+              <p:grpSpPr>
+                <a:xfrm>
+                  <a:off x="6035396" y="2633126"/>
+                  <a:ext cx="731522" cy="275155"/>
+                  <a:chOff x="6096000" y="2308860"/>
+                  <a:chExt cx="731522" cy="275155"/>
+                </a:xfrm>
+              </p:grpSpPr>
+              <p:sp>
+                <p:nvSpPr>
+                  <p:cNvPr id="43" name="矩形 42">
+                    <a:extLst>
+                      <a:ext uri="{FF2B5EF4-FFF2-40B4-BE49-F238E27FC236}">
+                        <a16:creationId xmlns:a16="http://schemas.microsoft.com/office/drawing/2014/main" id="{89C6830B-49B4-A4BC-B636-AE19A81649BE}"/>
+                      </a:ext>
+                    </a:extLst>
+                  </p:cNvPr>
+                  <p:cNvSpPr/>
+                  <p:nvPr/>
+                </p:nvSpPr>
+                <p:spPr>
+                  <a:xfrm>
+                    <a:off x="6096000" y="2308860"/>
+                    <a:ext cx="731522" cy="242768"/>
+                  </a:xfrm>
+                  <a:prstGeom prst="rect">
+                    <a:avLst/>
+                  </a:prstGeom>
+                  <a:ln>
+                    <a:noFill/>
+                  </a:ln>
+                </p:spPr>
+                <p:style>
+                  <a:lnRef idx="2">
+                    <a:schemeClr val="accent1">
+                      <a:shade val="50000"/>
+                    </a:schemeClr>
+                  </a:lnRef>
+                  <a:fillRef idx="1">
+                    <a:schemeClr val="accent1"/>
+                  </a:fillRef>
+                  <a:effectRef idx="0">
+                    <a:schemeClr val="accent1"/>
+                  </a:effectRef>
+                  <a:fontRef idx="minor">
+                    <a:schemeClr val="lt1"/>
+                  </a:fontRef>
+                </p:style>
+                <p:txBody>
+                  <a:bodyPr rtlCol="0" anchor="ctr"/>
+                  <a:lstStyle/>
+                  <a:p>
+                    <a:pPr algn="ctr"/>
+                    <a:r>
+                      <a:rPr lang="fr-CA" dirty="0"/>
+                      <a:t>Sym</a:t>
+                    </a:r>
+                    <a:r>
+                      <a:rPr lang="fr-CA" baseline="-25000" dirty="0"/>
+                      <a:t>1</a:t>
+                    </a:r>
+                  </a:p>
+                </p:txBody>
+              </p:sp>
+              <p:sp>
+                <p:nvSpPr>
+                  <p:cNvPr id="44" name="矩形 43">
+                    <a:extLst>
+                      <a:ext uri="{FF2B5EF4-FFF2-40B4-BE49-F238E27FC236}">
+                        <a16:creationId xmlns:a16="http://schemas.microsoft.com/office/drawing/2014/main" id="{14636538-99F1-3230-72AA-1574C5D5E430}"/>
+                      </a:ext>
+                    </a:extLst>
+                  </p:cNvPr>
+                  <p:cNvSpPr/>
+                  <p:nvPr/>
+                </p:nvSpPr>
+                <p:spPr>
+                  <a:xfrm>
+                    <a:off x="6096000" y="2341247"/>
+                    <a:ext cx="731522" cy="242768"/>
+                  </a:xfrm>
+                  <a:prstGeom prst="rect">
+                    <a:avLst/>
+                  </a:prstGeom>
+                  <a:ln>
+                    <a:noFill/>
+                  </a:ln>
+                </p:spPr>
+                <p:style>
+                  <a:lnRef idx="2">
+                    <a:schemeClr val="accent1">
+                      <a:shade val="50000"/>
+                    </a:schemeClr>
+                  </a:lnRef>
+                  <a:fillRef idx="1">
+                    <a:schemeClr val="accent1"/>
+                  </a:fillRef>
+                  <a:effectRef idx="0">
+                    <a:schemeClr val="accent1"/>
+                  </a:effectRef>
+                  <a:fontRef idx="minor">
+                    <a:schemeClr val="lt1"/>
+                  </a:fontRef>
+                </p:style>
+                <p:txBody>
+                  <a:bodyPr rtlCol="0" anchor="ctr"/>
+                  <a:lstStyle/>
+                  <a:p>
+                    <a:pPr algn="ctr"/>
+                    <a:r>
+                      <a:rPr lang="fr-CA" dirty="0"/>
+                      <a:t>Sym</a:t>
+                    </a:r>
+                    <a:r>
+                      <a:rPr lang="fr-CA" baseline="-25000" dirty="0"/>
+                      <a:t>1</a:t>
+                    </a:r>
+                  </a:p>
+                </p:txBody>
+              </p:sp>
+            </p:grpSp>
+            <p:sp>
+              <p:nvSpPr>
+                <p:cNvPr id="41" name="矩形 40">
+                  <a:extLst>
+                    <a:ext uri="{FF2B5EF4-FFF2-40B4-BE49-F238E27FC236}">
+                      <a16:creationId xmlns:a16="http://schemas.microsoft.com/office/drawing/2014/main" id="{B2642687-3D80-E30B-2083-4E4447CB5451}"/>
+                    </a:ext>
+                  </a:extLst>
+                </p:cNvPr>
+                <p:cNvSpPr/>
+                <p:nvPr/>
+              </p:nvSpPr>
+              <p:spPr>
+                <a:xfrm>
+                  <a:off x="6035396" y="3122950"/>
+                  <a:ext cx="731522" cy="242768"/>
+                </a:xfrm>
+                <a:prstGeom prst="rect">
+                  <a:avLst/>
+                </a:prstGeom>
+                <a:ln>
+                  <a:noFill/>
+                </a:ln>
+              </p:spPr>
+              <p:style>
+                <a:lnRef idx="2">
+                  <a:schemeClr val="accent1">
+                    <a:shade val="50000"/>
+                  </a:schemeClr>
+                </a:lnRef>
+                <a:fillRef idx="1">
+                  <a:schemeClr val="accent1"/>
+                </a:fillRef>
+                <a:effectRef idx="0">
+                  <a:schemeClr val="accent1"/>
+                </a:effectRef>
+                <a:fontRef idx="minor">
+                  <a:schemeClr val="lt1"/>
+                </a:fontRef>
+              </p:style>
+              <p:txBody>
+                <a:bodyPr rtlCol="0" anchor="ctr"/>
+                <a:lstStyle/>
+                <a:p>
+                  <a:pPr algn="ctr"/>
+                  <a:r>
+                    <a:rPr lang="fr-CA" dirty="0"/>
+                    <a:t>Sym</a:t>
+                  </a:r>
+                  <a:r>
+                    <a:rPr lang="fr-CA" baseline="-25000" dirty="0"/>
+                    <a:t>2</a:t>
+                  </a:r>
+                </a:p>
+              </p:txBody>
+            </p:sp>
+            <p:sp>
+              <p:nvSpPr>
+                <p:cNvPr id="42" name="矩形 41">
+                  <a:extLst>
+                    <a:ext uri="{FF2B5EF4-FFF2-40B4-BE49-F238E27FC236}">
+                      <a16:creationId xmlns:a16="http://schemas.microsoft.com/office/drawing/2014/main" id="{F7FEF447-7DEF-BD90-C397-633A7251F93E}"/>
+                    </a:ext>
+                  </a:extLst>
+                </p:cNvPr>
+                <p:cNvSpPr/>
+                <p:nvPr/>
+              </p:nvSpPr>
+              <p:spPr>
+                <a:xfrm>
+                  <a:off x="6035396" y="4265713"/>
+                  <a:ext cx="731522" cy="242768"/>
+                </a:xfrm>
+                <a:prstGeom prst="rect">
+                  <a:avLst/>
+                </a:prstGeom>
+                <a:ln>
+                  <a:noFill/>
+                </a:ln>
+              </p:spPr>
+              <p:style>
+                <a:lnRef idx="2">
+                  <a:schemeClr val="accent1">
+                    <a:shade val="50000"/>
+                  </a:schemeClr>
+                </a:lnRef>
+                <a:fillRef idx="1">
+                  <a:schemeClr val="accent1"/>
+                </a:fillRef>
+                <a:effectRef idx="0">
+                  <a:schemeClr val="accent1"/>
+                </a:effectRef>
+                <a:fontRef idx="minor">
+                  <a:schemeClr val="lt1"/>
+                </a:fontRef>
+              </p:style>
+              <p:txBody>
+                <a:bodyPr rtlCol="0" anchor="ctr"/>
+                <a:lstStyle/>
+                <a:p>
+                  <a:pPr algn="ctr"/>
+                  <a:r>
+                    <a:rPr lang="fr-CA" dirty="0"/>
+                    <a:t>Sym</a:t>
+                  </a:r>
+                  <a:r>
+                    <a:rPr lang="fr-CA" baseline="-25000" dirty="0"/>
+                    <a:t>N</a:t>
+                  </a:r>
+                </a:p>
+              </p:txBody>
+            </p:sp>
+          </p:grpSp>
+          <p:sp>
+            <p:nvSpPr>
+              <p:cNvPr id="39" name="文本框 38">
+                <a:extLst>
+                  <a:ext uri="{FF2B5EF4-FFF2-40B4-BE49-F238E27FC236}">
+                    <a16:creationId xmlns:a16="http://schemas.microsoft.com/office/drawing/2014/main" id="{2725F172-B871-664A-ECBC-91903D53C740}"/>
+                  </a:ext>
+                </a:extLst>
+              </p:cNvPr>
+              <p:cNvSpPr txBox="1"/>
+              <p:nvPr/>
+            </p:nvSpPr>
+            <p:spPr>
+              <a:xfrm>
+                <a:off x="6385916" y="3487348"/>
+                <a:ext cx="45719" cy="577081"/>
+              </a:xfrm>
+              <a:prstGeom prst="rect">
+                <a:avLst/>
+              </a:prstGeom>
+              <a:noFill/>
+            </p:spPr>
+            <p:txBody>
+              <a:bodyPr wrap="square" rtlCol="0">
+                <a:spAutoFit/>
+              </a:bodyPr>
+              <a:lstStyle/>
+              <a:p>
+                <a:r>
+                  <a:rPr lang="fr-CA" sz="1050" b="1" dirty="0">
+                    <a:latin typeface="Times New Roman" panose="02020603050405020304" pitchFamily="18" charset="0"/>
+                    <a:cs typeface="Times New Roman" panose="02020603050405020304" pitchFamily="18" charset="0"/>
+                  </a:rPr>
+                  <a:t>...</a:t>
+                </a:r>
+              </a:p>
+            </p:txBody>
+          </p:sp>
+        </p:grpSp>
+        <p:sp>
+          <p:nvSpPr>
+            <p:cNvPr id="46" name="矩形 45">
+              <a:extLst>
+                <a:ext uri="{FF2B5EF4-FFF2-40B4-BE49-F238E27FC236}">
+                  <a16:creationId xmlns:a16="http://schemas.microsoft.com/office/drawing/2014/main" id="{B7F6779F-B93A-175F-1DD0-B4A668C8BC23}"/>
+                </a:ext>
+              </a:extLst>
+            </p:cNvPr>
+            <p:cNvSpPr/>
+            <p:nvPr/>
+          </p:nvSpPr>
+          <p:spPr>
+            <a:xfrm>
+              <a:off x="9891620" y="2693254"/>
+              <a:ext cx="225572" cy="275155"/>
+            </a:xfrm>
+            <a:prstGeom prst="rect">
+              <a:avLst/>
+            </a:prstGeom>
+            <a:solidFill>
+              <a:schemeClr val="accent1">
+                <a:alpha val="50000"/>
+              </a:schemeClr>
+            </a:solidFill>
+            <a:ln>
+              <a:noFill/>
+            </a:ln>
+          </p:spPr>
+          <p:style>
+            <a:lnRef idx="2">
+              <a:schemeClr val="accent1">
+                <a:shade val="50000"/>
+              </a:schemeClr>
+            </a:lnRef>
+            <a:fillRef idx="1">
+              <a:schemeClr val="accent1"/>
+            </a:fillRef>
+            <a:effectRef idx="0">
+              <a:schemeClr val="accent1"/>
+            </a:effectRef>
+            <a:fontRef idx="minor">
+              <a:schemeClr val="lt1"/>
+            </a:fontRef>
+          </p:style>
+          <p:txBody>
+            <a:bodyPr rtlCol="0" anchor="ctr"/>
+            <a:lstStyle/>
+            <a:p>
+              <a:pPr algn="ctr"/>
+              <a:endParaRPr lang="fr-CA" baseline="-25000" dirty="0"/>
+            </a:p>
+          </p:txBody>
+        </p:sp>
+        <p:sp>
+          <p:nvSpPr>
+            <p:cNvPr id="48" name="矩形 47">
+              <a:extLst>
+                <a:ext uri="{FF2B5EF4-FFF2-40B4-BE49-F238E27FC236}">
+                  <a16:creationId xmlns:a16="http://schemas.microsoft.com/office/drawing/2014/main" id="{1AB0226A-4469-41AB-B226-7E8D32820667}"/>
+                </a:ext>
+              </a:extLst>
+            </p:cNvPr>
+            <p:cNvSpPr/>
+            <p:nvPr/>
+          </p:nvSpPr>
+          <p:spPr>
+            <a:xfrm>
+              <a:off x="9891618" y="3183309"/>
+              <a:ext cx="225572" cy="242537"/>
+            </a:xfrm>
+            <a:prstGeom prst="rect">
+              <a:avLst/>
+            </a:prstGeom>
+            <a:solidFill>
+              <a:schemeClr val="accent1">
+                <a:alpha val="50000"/>
+              </a:schemeClr>
+            </a:solidFill>
+            <a:ln>
+              <a:noFill/>
+            </a:ln>
+          </p:spPr>
+          <p:style>
+            <a:lnRef idx="2">
+              <a:schemeClr val="accent1">
+                <a:shade val="50000"/>
+              </a:schemeClr>
+            </a:lnRef>
+            <a:fillRef idx="1">
+              <a:schemeClr val="accent1"/>
+            </a:fillRef>
+            <a:effectRef idx="0">
+              <a:schemeClr val="accent1"/>
+            </a:effectRef>
+            <a:fontRef idx="minor">
+              <a:schemeClr val="lt1"/>
+            </a:fontRef>
+          </p:style>
+          <p:txBody>
+            <a:bodyPr rtlCol="0" anchor="ctr"/>
+            <a:lstStyle/>
+            <a:p>
+              <a:pPr algn="ctr"/>
+              <a:endParaRPr lang="fr-CA" baseline="-25000" dirty="0"/>
+            </a:p>
+          </p:txBody>
+        </p:sp>
+        <p:sp>
+          <p:nvSpPr>
+            <p:cNvPr id="50" name="矩形 49">
+              <a:extLst>
+                <a:ext uri="{FF2B5EF4-FFF2-40B4-BE49-F238E27FC236}">
+                  <a16:creationId xmlns:a16="http://schemas.microsoft.com/office/drawing/2014/main" id="{B51C9313-E5D7-EDEB-5700-1431C5AF1493}"/>
+                </a:ext>
+              </a:extLst>
+            </p:cNvPr>
+            <p:cNvSpPr/>
+            <p:nvPr/>
+          </p:nvSpPr>
+          <p:spPr>
+            <a:xfrm>
+              <a:off x="9822180" y="4325841"/>
+              <a:ext cx="295010" cy="242768"/>
+            </a:xfrm>
+            <a:prstGeom prst="rect">
+              <a:avLst/>
+            </a:prstGeom>
+            <a:solidFill>
+              <a:schemeClr val="accent1">
+                <a:alpha val="50000"/>
+              </a:schemeClr>
+            </a:solidFill>
+            <a:ln>
+              <a:noFill/>
+            </a:ln>
+          </p:spPr>
+          <p:style>
+            <a:lnRef idx="2">
+              <a:schemeClr val="accent1">
+                <a:shade val="50000"/>
+              </a:schemeClr>
+            </a:lnRef>
+            <a:fillRef idx="1">
+              <a:schemeClr val="accent1"/>
+            </a:fillRef>
+            <a:effectRef idx="0">
+              <a:schemeClr val="accent1"/>
+            </a:effectRef>
+            <a:fontRef idx="minor">
+              <a:schemeClr val="lt1"/>
+            </a:fontRef>
+          </p:style>
+          <p:txBody>
+            <a:bodyPr rtlCol="0" anchor="ctr"/>
+            <a:lstStyle/>
+            <a:p>
+              <a:pPr algn="ctr"/>
+              <a:endParaRPr lang="fr-CA" baseline="-25000" dirty="0"/>
+            </a:p>
+          </p:txBody>
+        </p:sp>
+      </p:grpSp>
+      <p:cxnSp>
+        <p:nvCxnSpPr>
+          <p:cNvPr id="51" name="直接箭头连接符 50">
+            <a:extLst>
+              <a:ext uri="{FF2B5EF4-FFF2-40B4-BE49-F238E27FC236}">
+                <a16:creationId xmlns:a16="http://schemas.microsoft.com/office/drawing/2014/main" id="{1FF5484D-57C2-9DB3-4451-F73A55191C70}"/>
+              </a:ext>
+            </a:extLst>
+          </p:cNvPr>
+          <p:cNvCxnSpPr/>
+          <p:nvPr/>
+        </p:nvCxnSpPr>
+        <p:spPr>
+          <a:xfrm>
+            <a:off x="8740212" y="3686412"/>
+            <a:ext cx="343827" cy="0"/>
+          </a:xfrm>
+          <a:prstGeom prst="straightConnector1">
+            <a:avLst/>
+          </a:prstGeom>
+          <a:ln w="19050">
+            <a:tailEnd type="triangle"/>
+          </a:ln>
+        </p:spPr>
+        <p:style>
+          <a:lnRef idx="1">
+            <a:schemeClr val="accent1"/>
+          </a:lnRef>
+          <a:fillRef idx="0">
+            <a:schemeClr val="accent1"/>
+          </a:fillRef>
+          <a:effectRef idx="0">
+            <a:schemeClr val="accent1"/>
+          </a:effectRef>
+          <a:fontRef idx="minor">
+            <a:schemeClr val="tx1"/>
+          </a:fontRef>
+        </p:style>
+      </p:cxnSp>
+      <p:sp>
+        <p:nvSpPr>
+          <p:cNvPr id="53" name="文本框 52">
+            <a:extLst>
+              <a:ext uri="{FF2B5EF4-FFF2-40B4-BE49-F238E27FC236}">
+                <a16:creationId xmlns:a16="http://schemas.microsoft.com/office/drawing/2014/main" id="{14C2637B-E202-5294-EBD3-C4AEA945CBAD}"/>
+              </a:ext>
+            </a:extLst>
+          </p:cNvPr>
+          <p:cNvSpPr txBox="1"/>
+          <p:nvPr/>
+        </p:nvSpPr>
+        <p:spPr>
+          <a:xfrm>
+            <a:off x="8666665" y="3353257"/>
+            <a:ext cx="1303020" cy="369332"/>
+          </a:xfrm>
+          <a:prstGeom prst="rect">
+            <a:avLst/>
+          </a:prstGeom>
+          <a:noFill/>
+        </p:spPr>
+        <p:txBody>
+          <a:bodyPr wrap="square" rtlCol="0">
+            <a:spAutoFit/>
+          </a:bodyPr>
+          <a:lstStyle/>
+          <a:p>
+            <a:r>
+              <a:rPr lang="fr-CA" dirty="0">
+                <a:latin typeface="Times New Roman" panose="02020603050405020304" pitchFamily="18" charset="0"/>
+                <a:cs typeface="Times New Roman" panose="02020603050405020304" pitchFamily="18" charset="0"/>
+              </a:rPr>
+              <a:t>CP</a:t>
+            </a:r>
+          </a:p>
+        </p:txBody>
+      </p:sp>
+    </p:spTree>
+    <p:extLst>
+      <p:ext uri="{BB962C8B-B14F-4D97-AF65-F5344CB8AC3E}">
+        <p14:creationId xmlns:p14="http://schemas.microsoft.com/office/powerpoint/2010/main" val="4209203296"/>
+      </p:ext>
+    </p:extLst>
+  </p:cSld>
+  <p:clrMapOvr>
+    <a:masterClrMapping/>
+  </p:clrMapOvr>
+</p:sld>
+</file>
+
+<file path=ppt/slides/slide5.xml><?xml version="1.0" encoding="utf-8"?>
+<p:sld xmlns:a="http://schemas.openxmlformats.org/drawingml/2006/main" xmlns:r="http://schemas.openxmlformats.org/officeDocument/2006/relationships" xmlns:p="http://schemas.openxmlformats.org/presentationml/2006/main">
+  <p:cSld>
+    <p:spTree>
+      <p:nvGrpSpPr>
+        <p:cNvPr id="1" name=""/>
+        <p:cNvGrpSpPr/>
+        <p:nvPr/>
+      </p:nvGrpSpPr>
+      <p:grpSpPr>
+        <a:xfrm>
+          <a:off x="0" y="0"/>
+          <a:ext cx="0" cy="0"/>
+          <a:chOff x="0" y="0"/>
+          <a:chExt cx="0" cy="0"/>
+        </a:xfrm>
+      </p:grpSpPr>
+      <p:sp>
+        <p:nvSpPr>
           <p:cNvPr id="2" name="标题 1">
             <a:extLst>
               <a:ext uri="{FF2B5EF4-FFF2-40B4-BE49-F238E27FC236}">
@@ -12821,7 +15593,7 @@
           <a:p>
             <a:r>
               <a:rPr lang="fr-CA" dirty="0"/>
-              <a:t>System Geometry</a:t>
+              <a:t>Channel Model</a:t>
             </a:r>
             <a:r>
               <a:rPr lang="fr-CA" sz="2000" baseline="68000" dirty="0"/>
@@ -12853,7 +15625,7 @@
         </p:blipFill>
         <p:spPr>
           <a:xfrm>
-            <a:off x="0" y="1524038"/>
+            <a:off x="7620" y="1524038"/>
             <a:ext cx="12192000" cy="4968837"/>
           </a:xfrm>
           <a:prstGeom prst="rect">
@@ -12861,6 +15633,44 @@
           </a:prstGeom>
         </p:spPr>
       </p:pic>
+      <p:sp>
+        <p:nvSpPr>
+          <p:cNvPr id="3" name="文本框 2">
+            <a:extLst>
+              <a:ext uri="{FF2B5EF4-FFF2-40B4-BE49-F238E27FC236}">
+                <a16:creationId xmlns:a16="http://schemas.microsoft.com/office/drawing/2014/main" id="{5CA4FBB9-6765-6C18-81E3-E16C1CEC82AA}"/>
+              </a:ext>
+            </a:extLst>
+          </p:cNvPr>
+          <p:cNvSpPr txBox="1"/>
+          <p:nvPr/>
+        </p:nvSpPr>
+        <p:spPr>
+          <a:xfrm>
+            <a:off x="838200" y="1592580"/>
+            <a:ext cx="5494020" cy="523220"/>
+          </a:xfrm>
+          <a:prstGeom prst="rect">
+            <a:avLst/>
+          </a:prstGeom>
+          <a:noFill/>
+        </p:spPr>
+        <p:txBody>
+          <a:bodyPr wrap="square" rtlCol="0">
+            <a:spAutoFit/>
+          </a:bodyPr>
+          <a:lstStyle/>
+          <a:p>
+            <a:r>
+              <a:rPr lang="fr-CA" sz="2800" dirty="0">
+                <a:latin typeface="Times New Roman" panose="02020603050405020304" pitchFamily="18" charset="0"/>
+                <a:cs typeface="Times New Roman" panose="02020603050405020304" pitchFamily="18" charset="0"/>
+              </a:rPr>
+              <a:t>System Geometry: MIMO system</a:t>
+            </a:r>
+          </a:p>
+        </p:txBody>
+      </p:sp>
     </p:spTree>
     <p:extLst>
       <p:ext uri="{BB962C8B-B14F-4D97-AF65-F5344CB8AC3E}">
@@ -12874,7 +15684,7 @@
 </p:sld>
 </file>
 
-<file path=ppt/slides/slide4.xml><?xml version="1.0" encoding="utf-8"?>
+<file path=ppt/slides/slide6.xml><?xml version="1.0" encoding="utf-8"?>
 <p:sld xmlns:a="http://schemas.openxmlformats.org/drawingml/2006/main" xmlns:r="http://schemas.openxmlformats.org/officeDocument/2006/relationships" xmlns:p="http://schemas.openxmlformats.org/presentationml/2006/main">
   <p:cSld>
     <p:spTree>
@@ -13060,7 +15870,7 @@
 </p:sld>
 </file>
 
-<file path=ppt/slides/slide5.xml><?xml version="1.0" encoding="utf-8"?>
+<file path=ppt/slides/slide7.xml><?xml version="1.0" encoding="utf-8"?>
 <p:sld xmlns:a="http://schemas.openxmlformats.org/drawingml/2006/main" xmlns:r="http://schemas.openxmlformats.org/officeDocument/2006/relationships" xmlns:p="http://schemas.openxmlformats.org/presentationml/2006/main">
   <p:cSld>
     <p:spTree>
@@ -13515,7 +16325,7 @@
 </p:sld>
 </file>
 
-<file path=ppt/slides/slide6.xml><?xml version="1.0" encoding="utf-8"?>
+<file path=ppt/slides/slide8.xml><?xml version="1.0" encoding="utf-8"?>
 <p:sld xmlns:a="http://schemas.openxmlformats.org/drawingml/2006/main" xmlns:r="http://schemas.openxmlformats.org/officeDocument/2006/relationships" xmlns:p="http://schemas.openxmlformats.org/presentationml/2006/main">
   <p:cSld>
     <p:spTree>
@@ -13650,7 +16460,7 @@
 </p:sld>
 </file>
 
-<file path=ppt/slides/slide7.xml><?xml version="1.0" encoding="utf-8"?>
+<file path=ppt/slides/slide9.xml><?xml version="1.0" encoding="utf-8"?>
 <p:sld xmlns:a="http://schemas.openxmlformats.org/drawingml/2006/main" xmlns:r="http://schemas.openxmlformats.org/officeDocument/2006/relationships" xmlns:p="http://schemas.openxmlformats.org/presentationml/2006/main">
   <p:cSld>
     <p:spTree>
@@ -13728,137 +16538,6 @@
     <p:extLst>
       <p:ext uri="{BB962C8B-B14F-4D97-AF65-F5344CB8AC3E}">
         <p14:creationId xmlns:p14="http://schemas.microsoft.com/office/powerpoint/2010/main" val="2412469338"/>
-      </p:ext>
-    </p:extLst>
-  </p:cSld>
-  <p:clrMapOvr>
-    <a:masterClrMapping/>
-  </p:clrMapOvr>
-</p:sld>
-</file>
-
-<file path=ppt/slides/slide8.xml><?xml version="1.0" encoding="utf-8"?>
-<p:sld xmlns:a="http://schemas.openxmlformats.org/drawingml/2006/main" xmlns:r="http://schemas.openxmlformats.org/officeDocument/2006/relationships" xmlns:p="http://schemas.openxmlformats.org/presentationml/2006/main">
-  <p:cSld>
-    <p:spTree>
-      <p:nvGrpSpPr>
-        <p:cNvPr id="1" name=""/>
-        <p:cNvGrpSpPr/>
-        <p:nvPr/>
-      </p:nvGrpSpPr>
-      <p:grpSpPr>
-        <a:xfrm>
-          <a:off x="0" y="0"/>
-          <a:ext cx="0" cy="0"/>
-          <a:chOff x="0" y="0"/>
-          <a:chExt cx="0" cy="0"/>
-        </a:xfrm>
-      </p:grpSpPr>
-      <p:sp>
-        <p:nvSpPr>
-          <p:cNvPr id="3" name="标题 2">
-            <a:extLst>
-              <a:ext uri="{FF2B5EF4-FFF2-40B4-BE49-F238E27FC236}">
-                <a16:creationId xmlns:a16="http://schemas.microsoft.com/office/drawing/2014/main" id="{42060328-8CC3-3A9C-18D8-5B56709D5630}"/>
-              </a:ext>
-            </a:extLst>
-          </p:cNvPr>
-          <p:cNvSpPr>
-            <a:spLocks noGrp="1"/>
-          </p:cNvSpPr>
-          <p:nvPr>
-            <p:ph type="title"/>
-          </p:nvPr>
-        </p:nvSpPr>
-        <p:spPr/>
-        <p:txBody>
-          <a:bodyPr/>
-          <a:lstStyle/>
-          <a:p>
-            <a:r>
-              <a:rPr lang="fr-CA" dirty="0">
-                <a:latin typeface="Times New Roman" panose="02020603050405020304" pitchFamily="18" charset="0"/>
-                <a:cs typeface="Times New Roman" panose="02020603050405020304" pitchFamily="18" charset="0"/>
-              </a:rPr>
-              <a:t>Reference</a:t>
-            </a:r>
-          </a:p>
-        </p:txBody>
-      </p:sp>
-      <p:sp>
-        <p:nvSpPr>
-          <p:cNvPr id="4" name="内容占位符 3">
-            <a:extLst>
-              <a:ext uri="{FF2B5EF4-FFF2-40B4-BE49-F238E27FC236}">
-                <a16:creationId xmlns:a16="http://schemas.microsoft.com/office/drawing/2014/main" id="{49D0F2FE-859F-4C79-5A11-6F1778E6A3CA}"/>
-              </a:ext>
-            </a:extLst>
-          </p:cNvPr>
-          <p:cNvSpPr>
-            <a:spLocks noGrp="1"/>
-          </p:cNvSpPr>
-          <p:nvPr>
-            <p:ph idx="1"/>
-          </p:nvPr>
-        </p:nvSpPr>
-        <p:spPr/>
-        <p:txBody>
-          <a:bodyPr/>
-          <a:lstStyle/>
-          <a:p>
-            <a:pPr marL="0" indent="0">
-              <a:buNone/>
-            </a:pPr>
-            <a:r>
-              <a:rPr lang="fr-CA" dirty="0">
-                <a:latin typeface="Times New Roman" panose="02020603050405020304" pitchFamily="18" charset="0"/>
-                <a:cs typeface="Times New Roman" panose="02020603050405020304" pitchFamily="18" charset="0"/>
-              </a:rPr>
-              <a:t>[1] Hui Chen, Hadi Sarieddeen, Tarig Ballal, Henk Wymeersch, Mohamed-Slim Alouini, and Tareq Y Al-Naffouri. A tutorial on terahertz-band localization for 6g communication systems. arXiv preprint arXiv:2110.08581, 2021.</a:t>
-            </a:r>
-          </a:p>
-          <a:p>
-            <a:pPr marL="0" indent="0">
-              <a:buNone/>
-            </a:pPr>
-            <a:r>
-              <a:rPr lang="fr-CA" dirty="0">
-                <a:latin typeface="Times New Roman" panose="02020603050405020304" pitchFamily="18" charset="0"/>
-                <a:cs typeface="Times New Roman" panose="02020603050405020304" pitchFamily="18" charset="0"/>
-              </a:rPr>
-              <a:t>[2] A. Shahmansoori, G. E. Garcia, G. Destino, G. Seco-Granados,</a:t>
-            </a:r>
-          </a:p>
-          <a:p>
-            <a:pPr marL="0" indent="0">
-              <a:buNone/>
-            </a:pPr>
-            <a:r>
-              <a:rPr lang="fr-CA" dirty="0">
-                <a:latin typeface="Times New Roman" panose="02020603050405020304" pitchFamily="18" charset="0"/>
-                <a:cs typeface="Times New Roman" panose="02020603050405020304" pitchFamily="18" charset="0"/>
-              </a:rPr>
-              <a:t>and H. Wymeersch, “Position and orientation estimation through</a:t>
-            </a:r>
-          </a:p>
-          <a:p>
-            <a:pPr marL="0" indent="0">
-              <a:buNone/>
-            </a:pPr>
-            <a:r>
-              <a:rPr lang="fr-CA" dirty="0">
-                <a:latin typeface="Times New Roman" panose="02020603050405020304" pitchFamily="18" charset="0"/>
-                <a:cs typeface="Times New Roman" panose="02020603050405020304" pitchFamily="18" charset="0"/>
-              </a:rPr>
-              <a:t>millimeter-wave MIMO in 5G systems,” IEEE Trans. Wireless Commun., vol. 17, no. 3, pp. 1822–1835, Dec. 2017.</a:t>
-            </a:r>
-          </a:p>
-        </p:txBody>
-      </p:sp>
-    </p:spTree>
-    <p:extLst>
-      <p:ext uri="{BB962C8B-B14F-4D97-AF65-F5344CB8AC3E}">
-        <p14:creationId xmlns:p14="http://schemas.microsoft.com/office/powerpoint/2010/main" val="1224187230"/>
       </p:ext>
     </p:extLst>
   </p:cSld>
@@ -14153,7 +16832,37 @@
       </a:bgFillStyleLst>
     </a:fmtScheme>
   </a:themeElements>
-  <a:objectDefaults/>
+  <a:objectDefaults>
+    <a:spDef>
+      <a:spPr>
+        <a:ln>
+          <a:noFill/>
+        </a:ln>
+      </a:spPr>
+      <a:bodyPr rtlCol="0" anchor="ctr"/>
+      <a:lstStyle>
+        <a:defPPr algn="ctr">
+          <a:defRPr dirty="0"/>
+        </a:defPPr>
+      </a:lstStyle>
+      <a:style>
+        <a:lnRef idx="2">
+          <a:schemeClr val="accent1">
+            <a:shade val="50000"/>
+          </a:schemeClr>
+        </a:lnRef>
+        <a:fillRef idx="1">
+          <a:schemeClr val="accent1"/>
+        </a:fillRef>
+        <a:effectRef idx="0">
+          <a:schemeClr val="accent1"/>
+        </a:effectRef>
+        <a:fontRef idx="minor">
+          <a:schemeClr val="lt1"/>
+        </a:fontRef>
+      </a:style>
+    </a:spDef>
+  </a:objectDefaults>
   <a:extraClrSchemeLst/>
   <a:extLst>
     <a:ext uri="{05A4C25C-085E-4340-85A3-A5531E510DB2}">

--- a/Resume.pptx
+++ b/Resume.pptx
@@ -5,7 +5,7 @@
     <p:sldMasterId id="2147483648" r:id="rId1"/>
   </p:sldMasterIdLst>
   <p:notesMasterIdLst>
-    <p:notesMasterId r:id="rId12"/>
+    <p:notesMasterId r:id="rId13"/>
   </p:notesMasterIdLst>
   <p:sldIdLst>
     <p:sldId id="264" r:id="rId2"/>
@@ -14,10 +14,11 @@
     <p:sldId id="266" r:id="rId5"/>
     <p:sldId id="259" r:id="rId6"/>
     <p:sldId id="261" r:id="rId7"/>
-    <p:sldId id="263" r:id="rId8"/>
-    <p:sldId id="256" r:id="rId9"/>
-    <p:sldId id="257" r:id="rId10"/>
-    <p:sldId id="260" r:id="rId11"/>
+    <p:sldId id="267" r:id="rId8"/>
+    <p:sldId id="263" r:id="rId9"/>
+    <p:sldId id="256" r:id="rId10"/>
+    <p:sldId id="257" r:id="rId11"/>
+    <p:sldId id="260" r:id="rId12"/>
   </p:sldIdLst>
   <p:sldSz cx="12192000" cy="6858000"/>
   <p:notesSz cx="6858000" cy="9144000"/>
@@ -8322,7 +8323,7 @@
           <a:p>
             <a:fld id="{4479E248-4FB6-463A-B781-DB70B2EFA031}" type="datetimeFigureOut">
               <a:rPr lang="fr-CA" smtClean="0"/>
-              <a:t>2022-09-06</a:t>
+              <a:t>2022-09-07</a:t>
             </a:fld>
             <a:endParaRPr lang="fr-CA"/>
           </a:p>
@@ -8930,7 +8931,7 @@
           <a:p>
             <a:fld id="{9EA69430-0490-4C6B-BBDC-55AA27B0AF20}" type="slidenum">
               <a:rPr lang="fr-CA" smtClean="0"/>
-              <a:t>8</a:t>
+              <a:t>9</a:t>
             </a:fld>
             <a:endParaRPr lang="fr-CA"/>
           </a:p>
@@ -9098,7 +9099,7 @@
           <a:p>
             <a:fld id="{66CEC84B-D40F-472B-9E0C-04975A0B5CE2}" type="datetimeFigureOut">
               <a:rPr lang="fr-CA" smtClean="0"/>
-              <a:t>2022-09-06</a:t>
+              <a:t>2022-09-07</a:t>
             </a:fld>
             <a:endParaRPr lang="fr-CA"/>
           </a:p>
@@ -9298,7 +9299,7 @@
           <a:p>
             <a:fld id="{66CEC84B-D40F-472B-9E0C-04975A0B5CE2}" type="datetimeFigureOut">
               <a:rPr lang="fr-CA" smtClean="0"/>
-              <a:t>2022-09-06</a:t>
+              <a:t>2022-09-07</a:t>
             </a:fld>
             <a:endParaRPr lang="fr-CA"/>
           </a:p>
@@ -9508,7 +9509,7 @@
           <a:p>
             <a:fld id="{66CEC84B-D40F-472B-9E0C-04975A0B5CE2}" type="datetimeFigureOut">
               <a:rPr lang="fr-CA" smtClean="0"/>
-              <a:t>2022-09-06</a:t>
+              <a:t>2022-09-07</a:t>
             </a:fld>
             <a:endParaRPr lang="fr-CA"/>
           </a:p>
@@ -9708,7 +9709,7 @@
           <a:p>
             <a:fld id="{66CEC84B-D40F-472B-9E0C-04975A0B5CE2}" type="datetimeFigureOut">
               <a:rPr lang="fr-CA" smtClean="0"/>
-              <a:t>2022-09-06</a:t>
+              <a:t>2022-09-07</a:t>
             </a:fld>
             <a:endParaRPr lang="fr-CA"/>
           </a:p>
@@ -9984,7 +9985,7 @@
           <a:p>
             <a:fld id="{66CEC84B-D40F-472B-9E0C-04975A0B5CE2}" type="datetimeFigureOut">
               <a:rPr lang="fr-CA" smtClean="0"/>
-              <a:t>2022-09-06</a:t>
+              <a:t>2022-09-07</a:t>
             </a:fld>
             <a:endParaRPr lang="fr-CA"/>
           </a:p>
@@ -10252,7 +10253,7 @@
           <a:p>
             <a:fld id="{66CEC84B-D40F-472B-9E0C-04975A0B5CE2}" type="datetimeFigureOut">
               <a:rPr lang="fr-CA" smtClean="0"/>
-              <a:t>2022-09-06</a:t>
+              <a:t>2022-09-07</a:t>
             </a:fld>
             <a:endParaRPr lang="fr-CA"/>
           </a:p>
@@ -10667,7 +10668,7 @@
           <a:p>
             <a:fld id="{66CEC84B-D40F-472B-9E0C-04975A0B5CE2}" type="datetimeFigureOut">
               <a:rPr lang="fr-CA" smtClean="0"/>
-              <a:t>2022-09-06</a:t>
+              <a:t>2022-09-07</a:t>
             </a:fld>
             <a:endParaRPr lang="fr-CA"/>
           </a:p>
@@ -10824,7 +10825,7 @@
             <a:fld id="{66CEC84B-D40F-472B-9E0C-04975A0B5CE2}" type="datetimeFigureOut">
               <a:rPr lang="fr-CA" smtClean="0"/>
               <a:pPr/>
-              <a:t>2022-09-06</a:t>
+              <a:t>2022-09-07</a:t>
             </a:fld>
             <a:endParaRPr lang="fr-CA" dirty="0"/>
           </a:p>
@@ -10960,7 +10961,7 @@
             <a:fld id="{66CEC84B-D40F-472B-9E0C-04975A0B5CE2}" type="datetimeFigureOut">
               <a:rPr lang="fr-CA" smtClean="0"/>
               <a:pPr/>
-              <a:t>2022-09-06</a:t>
+              <a:t>2022-09-07</a:t>
             </a:fld>
             <a:endParaRPr lang="fr-CA"/>
           </a:p>
@@ -11288,7 +11289,7 @@
           <a:p>
             <a:fld id="{66CEC84B-D40F-472B-9E0C-04975A0B5CE2}" type="datetimeFigureOut">
               <a:rPr lang="fr-CA" smtClean="0"/>
-              <a:t>2022-09-06</a:t>
+              <a:t>2022-09-07</a:t>
             </a:fld>
             <a:endParaRPr lang="fr-CA"/>
           </a:p>
@@ -11577,7 +11578,7 @@
           <a:p>
             <a:fld id="{66CEC84B-D40F-472B-9E0C-04975A0B5CE2}" type="datetimeFigureOut">
               <a:rPr lang="fr-CA" smtClean="0"/>
-              <a:t>2022-09-06</a:t>
+              <a:t>2022-09-07</a:t>
             </a:fld>
             <a:endParaRPr lang="fr-CA"/>
           </a:p>
@@ -11820,7 +11821,7 @@
           <a:p>
             <a:fld id="{66CEC84B-D40F-472B-9E0C-04975A0B5CE2}" type="datetimeFigureOut">
               <a:rPr lang="fr-CA" smtClean="0"/>
-              <a:t>2022-09-06</a:t>
+              <a:t>2022-09-07</a:t>
             </a:fld>
             <a:endParaRPr lang="fr-CA"/>
           </a:p>
@@ -12331,6 +12332,93 @@
 </file>
 
 <file path=ppt/slides/slide10.xml><?xml version="1.0" encoding="utf-8"?>
+<p:sld xmlns:a="http://schemas.openxmlformats.org/drawingml/2006/main" xmlns:r="http://schemas.openxmlformats.org/officeDocument/2006/relationships" xmlns:p="http://schemas.openxmlformats.org/presentationml/2006/main">
+  <p:cSld>
+    <p:spTree>
+      <p:nvGrpSpPr>
+        <p:cNvPr id="1" name=""/>
+        <p:cNvGrpSpPr/>
+        <p:nvPr/>
+      </p:nvGrpSpPr>
+      <p:grpSpPr>
+        <a:xfrm>
+          <a:off x="0" y="0"/>
+          <a:ext cx="0" cy="0"/>
+          <a:chOff x="0" y="0"/>
+          <a:chExt cx="0" cy="0"/>
+        </a:xfrm>
+      </p:grpSpPr>
+      <p:pic>
+        <p:nvPicPr>
+          <p:cNvPr id="4" name="图片 3">
+            <a:extLst>
+              <a:ext uri="{FF2B5EF4-FFF2-40B4-BE49-F238E27FC236}">
+                <a16:creationId xmlns:a16="http://schemas.microsoft.com/office/drawing/2014/main" id="{5DB42684-AE6B-1412-CEA5-12AB30E5BDD3}"/>
+              </a:ext>
+            </a:extLst>
+          </p:cNvPr>
+          <p:cNvPicPr>
+            <a:picLocks noChangeAspect="1"/>
+          </p:cNvPicPr>
+          <p:nvPr/>
+        </p:nvPicPr>
+        <p:blipFill rotWithShape="1">
+          <a:blip r:embed="rId2"/>
+          <a:srcRect t="7165"/>
+          <a:stretch/>
+        </p:blipFill>
+        <p:spPr>
+          <a:xfrm>
+            <a:off x="0" y="1152656"/>
+            <a:ext cx="12192000" cy="5505626"/>
+          </a:xfrm>
+          <a:prstGeom prst="rect">
+            <a:avLst/>
+          </a:prstGeom>
+        </p:spPr>
+      </p:pic>
+      <p:sp>
+        <p:nvSpPr>
+          <p:cNvPr id="5" name="标题 4">
+            <a:extLst>
+              <a:ext uri="{FF2B5EF4-FFF2-40B4-BE49-F238E27FC236}">
+                <a16:creationId xmlns:a16="http://schemas.microsoft.com/office/drawing/2014/main" id="{90649757-D066-5276-9331-4F8A81FFF3FD}"/>
+              </a:ext>
+            </a:extLst>
+          </p:cNvPr>
+          <p:cNvSpPr>
+            <a:spLocks noGrp="1"/>
+          </p:cNvSpPr>
+          <p:nvPr>
+            <p:ph type="title"/>
+          </p:nvPr>
+        </p:nvSpPr>
+        <p:spPr/>
+        <p:txBody>
+          <a:bodyPr/>
+          <a:lstStyle/>
+          <a:p>
+            <a:r>
+              <a:rPr lang="fr-CA" dirty="0"/>
+              <a:t>Sigfox Geographical RCs</a:t>
+            </a:r>
+          </a:p>
+        </p:txBody>
+      </p:sp>
+    </p:spTree>
+    <p:extLst>
+      <p:ext uri="{BB962C8B-B14F-4D97-AF65-F5344CB8AC3E}">
+        <p14:creationId xmlns:p14="http://schemas.microsoft.com/office/powerpoint/2010/main" val="2412469338"/>
+      </p:ext>
+    </p:extLst>
+  </p:cSld>
+  <p:clrMapOvr>
+    <a:masterClrMapping/>
+  </p:clrMapOvr>
+</p:sld>
+</file>
+
+<file path=ppt/slides/slide11.xml><?xml version="1.0" encoding="utf-8"?>
 <p:sld xmlns:a="http://schemas.openxmlformats.org/drawingml/2006/main" xmlns:r="http://schemas.openxmlformats.org/officeDocument/2006/relationships" xmlns:p="http://schemas.openxmlformats.org/presentationml/2006/main">
   <p:cSld>
     <p:spTree>
@@ -14113,91 +14201,6 @@
       </p:grpSpPr>
       <p:sp>
         <p:nvSpPr>
-          <p:cNvPr id="4" name="文本框 3">
-            <a:extLst>
-              <a:ext uri="{FF2B5EF4-FFF2-40B4-BE49-F238E27FC236}">
-                <a16:creationId xmlns:a16="http://schemas.microsoft.com/office/drawing/2014/main" id="{615993A5-FF50-50C7-991B-6650B8CDF77E}"/>
-              </a:ext>
-            </a:extLst>
-          </p:cNvPr>
-          <p:cNvSpPr txBox="1"/>
-          <p:nvPr/>
-        </p:nvSpPr>
-        <p:spPr>
-          <a:xfrm>
-            <a:off x="388120" y="3413879"/>
-            <a:ext cx="3490175" cy="369332"/>
-          </a:xfrm>
-          <a:prstGeom prst="rect">
-            <a:avLst/>
-          </a:prstGeom>
-          <a:noFill/>
-        </p:spPr>
-        <p:txBody>
-          <a:bodyPr wrap="square" rtlCol="0">
-            <a:spAutoFit/>
-          </a:bodyPr>
-          <a:lstStyle/>
-          <a:p>
-            <a:r>
-              <a:rPr lang="fr-CA" b="1" i="1" dirty="0">
-                <a:latin typeface="Times New Roman" panose="02020603050405020304" pitchFamily="18" charset="0"/>
-                <a:cs typeface="Times New Roman" panose="02020603050405020304" pitchFamily="18" charset="0"/>
-              </a:rPr>
-              <a:t>...01010001...</a:t>
-            </a:r>
-          </a:p>
-        </p:txBody>
-      </p:sp>
-      <p:pic>
-        <p:nvPicPr>
-          <p:cNvPr id="2052" name="Picture 4" descr="ECE 489 - Communications System Laboratory: Lab 5 16 QAM Modulation">
-            <a:extLst>
-              <a:ext uri="{FF2B5EF4-FFF2-40B4-BE49-F238E27FC236}">
-                <a16:creationId xmlns:a16="http://schemas.microsoft.com/office/drawing/2014/main" id="{AD64B2B0-8981-88F8-DD99-910370494F2F}"/>
-              </a:ext>
-            </a:extLst>
-          </p:cNvPr>
-          <p:cNvPicPr>
-            <a:picLocks noChangeAspect="1" noChangeArrowheads="1"/>
-          </p:cNvPicPr>
-          <p:nvPr/>
-        </p:nvPicPr>
-        <p:blipFill>
-          <a:blip r:embed="rId2">
-            <a:extLst>
-              <a:ext uri="{28A0092B-C50C-407E-A947-70E740481C1C}">
-                <a14:useLocalDpi xmlns:a14="http://schemas.microsoft.com/office/drawing/2010/main" val="0"/>
-              </a:ext>
-            </a:extLst>
-          </a:blip>
-          <a:srcRect/>
-          <a:stretch>
-            <a:fillRect/>
-          </a:stretch>
-        </p:blipFill>
-        <p:spPr bwMode="auto">
-          <a:xfrm>
-            <a:off x="3211830" y="2551628"/>
-            <a:ext cx="2152650" cy="2124075"/>
-          </a:xfrm>
-          <a:prstGeom prst="rect">
-            <a:avLst/>
-          </a:prstGeom>
-          <a:noFill/>
-          <a:extLst>
-            <a:ext uri="{909E8E84-426E-40DD-AFC4-6F175D3DCCD1}">
-              <a14:hiddenFill xmlns:a14="http://schemas.microsoft.com/office/drawing/2010/main">
-                <a:solidFill>
-                  <a:srgbClr val="FFFFFF"/>
-                </a:solidFill>
-              </a14:hiddenFill>
-            </a:ext>
-          </a:extLst>
-        </p:spPr>
-      </p:pic>
-      <p:sp>
-        <p:nvSpPr>
           <p:cNvPr id="2" name="标题 1">
             <a:extLst>
               <a:ext uri="{FF2B5EF4-FFF2-40B4-BE49-F238E27FC236}">
@@ -14224,582 +14227,6 @@
           </a:p>
         </p:txBody>
       </p:sp>
-      <p:grpSp>
-        <p:nvGrpSpPr>
-          <p:cNvPr id="27" name="组合 26">
-            <a:extLst>
-              <a:ext uri="{FF2B5EF4-FFF2-40B4-BE49-F238E27FC236}">
-                <a16:creationId xmlns:a16="http://schemas.microsoft.com/office/drawing/2014/main" id="{5D02A60A-96BA-26A4-085D-C1D32291CA61}"/>
-              </a:ext>
-            </a:extLst>
-          </p:cNvPr>
-          <p:cNvGrpSpPr/>
-          <p:nvPr/>
-        </p:nvGrpSpPr>
-        <p:grpSpPr>
-          <a:xfrm>
-            <a:off x="2007870" y="3136881"/>
-            <a:ext cx="1303020" cy="461664"/>
-            <a:chOff x="2007870" y="3136881"/>
-            <a:chExt cx="1303020" cy="461664"/>
-          </a:xfrm>
-        </p:grpSpPr>
-        <p:cxnSp>
-          <p:nvCxnSpPr>
-            <p:cNvPr id="6" name="直接箭头连接符 5">
-              <a:extLst>
-                <a:ext uri="{FF2B5EF4-FFF2-40B4-BE49-F238E27FC236}">
-                  <a16:creationId xmlns:a16="http://schemas.microsoft.com/office/drawing/2014/main" id="{63FB7E66-A0A9-4942-B75D-490DD3BE35A4}"/>
-                </a:ext>
-              </a:extLst>
-            </p:cNvPr>
-            <p:cNvCxnSpPr/>
-            <p:nvPr/>
-          </p:nvCxnSpPr>
-          <p:spPr>
-            <a:xfrm>
-              <a:off x="2255520" y="3598545"/>
-              <a:ext cx="807720" cy="0"/>
-            </a:xfrm>
-            <a:prstGeom prst="straightConnector1">
-              <a:avLst/>
-            </a:prstGeom>
-            <a:ln w="19050">
-              <a:tailEnd type="triangle"/>
-            </a:ln>
-          </p:spPr>
-          <p:style>
-            <a:lnRef idx="1">
-              <a:schemeClr val="accent1"/>
-            </a:lnRef>
-            <a:fillRef idx="0">
-              <a:schemeClr val="accent1"/>
-            </a:fillRef>
-            <a:effectRef idx="0">
-              <a:schemeClr val="accent1"/>
-            </a:effectRef>
-            <a:fontRef idx="minor">
-              <a:schemeClr val="tx1"/>
-            </a:fontRef>
-          </p:style>
-        </p:cxnSp>
-        <p:sp>
-          <p:nvSpPr>
-            <p:cNvPr id="7" name="文本框 6">
-              <a:extLst>
-                <a:ext uri="{FF2B5EF4-FFF2-40B4-BE49-F238E27FC236}">
-                  <a16:creationId xmlns:a16="http://schemas.microsoft.com/office/drawing/2014/main" id="{C789C610-DF89-33EF-D41C-EF289D4C85CC}"/>
-                </a:ext>
-              </a:extLst>
-            </p:cNvPr>
-            <p:cNvSpPr txBox="1"/>
-            <p:nvPr/>
-          </p:nvSpPr>
-          <p:spPr>
-            <a:xfrm>
-              <a:off x="2007870" y="3136881"/>
-              <a:ext cx="1303020" cy="369332"/>
-            </a:xfrm>
-            <a:prstGeom prst="rect">
-              <a:avLst/>
-            </a:prstGeom>
-            <a:noFill/>
-          </p:spPr>
-          <p:txBody>
-            <a:bodyPr wrap="square" rtlCol="0">
-              <a:spAutoFit/>
-            </a:bodyPr>
-            <a:lstStyle/>
-            <a:p>
-              <a:r>
-                <a:rPr lang="fr-CA" dirty="0">
-                  <a:latin typeface="Times New Roman" panose="02020603050405020304" pitchFamily="18" charset="0"/>
-                  <a:cs typeface="Times New Roman" panose="02020603050405020304" pitchFamily="18" charset="0"/>
-                </a:rPr>
-                <a:t>Mapping to</a:t>
-              </a:r>
-            </a:p>
-          </p:txBody>
-        </p:sp>
-      </p:grpSp>
-      <p:sp>
-        <p:nvSpPr>
-          <p:cNvPr id="8" name="矩形 7">
-            <a:extLst>
-              <a:ext uri="{FF2B5EF4-FFF2-40B4-BE49-F238E27FC236}">
-                <a16:creationId xmlns:a16="http://schemas.microsoft.com/office/drawing/2014/main" id="{C2F49244-F42A-6495-FDF0-8B78B2D385E3}"/>
-              </a:ext>
-            </a:extLst>
-          </p:cNvPr>
-          <p:cNvSpPr/>
-          <p:nvPr/>
-        </p:nvSpPr>
-        <p:spPr>
-          <a:xfrm>
-            <a:off x="7822572" y="2660867"/>
-            <a:ext cx="818507" cy="1875355"/>
-          </a:xfrm>
-          <a:prstGeom prst="rect">
-            <a:avLst/>
-          </a:prstGeom>
-          <a:ln>
-            <a:noFill/>
-          </a:ln>
-        </p:spPr>
-        <p:style>
-          <a:lnRef idx="2">
-            <a:schemeClr val="accent1">
-              <a:shade val="50000"/>
-            </a:schemeClr>
-          </a:lnRef>
-          <a:fillRef idx="1">
-            <a:schemeClr val="accent1"/>
-          </a:fillRef>
-          <a:effectRef idx="0">
-            <a:schemeClr val="accent1"/>
-          </a:effectRef>
-          <a:fontRef idx="minor">
-            <a:schemeClr val="lt1"/>
-          </a:fontRef>
-        </p:style>
-        <p:txBody>
-          <a:bodyPr rtlCol="0" anchor="ctr"/>
-          <a:lstStyle/>
-          <a:p>
-            <a:pPr algn="ctr"/>
-            <a:r>
-              <a:rPr lang="fr-CA" dirty="0">
-                <a:latin typeface="Times New Roman" panose="02020603050405020304" pitchFamily="18" charset="0"/>
-                <a:cs typeface="Times New Roman" panose="02020603050405020304" pitchFamily="18" charset="0"/>
-              </a:rPr>
-              <a:t>IFFT</a:t>
-            </a:r>
-          </a:p>
-        </p:txBody>
-      </p:sp>
-      <p:grpSp>
-        <p:nvGrpSpPr>
-          <p:cNvPr id="31" name="组合 30">
-            <a:extLst>
-              <a:ext uri="{FF2B5EF4-FFF2-40B4-BE49-F238E27FC236}">
-                <a16:creationId xmlns:a16="http://schemas.microsoft.com/office/drawing/2014/main" id="{8F59A359-49B9-1AD1-0DB4-0922AD0A175B}"/>
-              </a:ext>
-            </a:extLst>
-          </p:cNvPr>
-          <p:cNvGrpSpPr/>
-          <p:nvPr/>
-        </p:nvGrpSpPr>
-        <p:grpSpPr>
-          <a:xfrm>
-            <a:off x="6336244" y="2660867"/>
-            <a:ext cx="731522" cy="1875355"/>
-            <a:chOff x="6035396" y="2633126"/>
-            <a:chExt cx="731522" cy="1875355"/>
-          </a:xfrm>
-        </p:grpSpPr>
-        <p:grpSp>
-          <p:nvGrpSpPr>
-            <p:cNvPr id="24" name="组合 23">
-              <a:extLst>
-                <a:ext uri="{FF2B5EF4-FFF2-40B4-BE49-F238E27FC236}">
-                  <a16:creationId xmlns:a16="http://schemas.microsoft.com/office/drawing/2014/main" id="{921765AD-9DE0-85AB-7825-E979C9DE2302}"/>
-                </a:ext>
-              </a:extLst>
-            </p:cNvPr>
-            <p:cNvGrpSpPr/>
-            <p:nvPr/>
-          </p:nvGrpSpPr>
-          <p:grpSpPr>
-            <a:xfrm>
-              <a:off x="6035396" y="2633126"/>
-              <a:ext cx="731522" cy="1875355"/>
-              <a:chOff x="6035396" y="2633126"/>
-              <a:chExt cx="731522" cy="1875355"/>
-            </a:xfrm>
-          </p:grpSpPr>
-          <p:grpSp>
-            <p:nvGrpSpPr>
-              <p:cNvPr id="14" name="组合 13">
-                <a:extLst>
-                  <a:ext uri="{FF2B5EF4-FFF2-40B4-BE49-F238E27FC236}">
-                    <a16:creationId xmlns:a16="http://schemas.microsoft.com/office/drawing/2014/main" id="{FB8C75E9-3E24-C96A-2A92-101451BDEB83}"/>
-                  </a:ext>
-                </a:extLst>
-              </p:cNvPr>
-              <p:cNvGrpSpPr/>
-              <p:nvPr/>
-            </p:nvGrpSpPr>
-            <p:grpSpPr>
-              <a:xfrm>
-                <a:off x="6035396" y="2633126"/>
-                <a:ext cx="731522" cy="275155"/>
-                <a:chOff x="6096000" y="2308860"/>
-                <a:chExt cx="731522" cy="275155"/>
-              </a:xfrm>
-            </p:grpSpPr>
-            <p:sp>
-              <p:nvSpPr>
-                <p:cNvPr id="9" name="矩形 8">
-                  <a:extLst>
-                    <a:ext uri="{FF2B5EF4-FFF2-40B4-BE49-F238E27FC236}">
-                      <a16:creationId xmlns:a16="http://schemas.microsoft.com/office/drawing/2014/main" id="{4055993C-C69D-EDAC-4A12-6CC48783582D}"/>
-                    </a:ext>
-                  </a:extLst>
-                </p:cNvPr>
-                <p:cNvSpPr/>
-                <p:nvPr/>
-              </p:nvSpPr>
-              <p:spPr>
-                <a:xfrm>
-                  <a:off x="6096000" y="2308860"/>
-                  <a:ext cx="731522" cy="242768"/>
-                </a:xfrm>
-                <a:prstGeom prst="rect">
-                  <a:avLst/>
-                </a:prstGeom>
-                <a:ln>
-                  <a:noFill/>
-                </a:ln>
-              </p:spPr>
-              <p:style>
-                <a:lnRef idx="2">
-                  <a:schemeClr val="accent1">
-                    <a:shade val="50000"/>
-                  </a:schemeClr>
-                </a:lnRef>
-                <a:fillRef idx="1">
-                  <a:schemeClr val="accent1"/>
-                </a:fillRef>
-                <a:effectRef idx="0">
-                  <a:schemeClr val="accent1"/>
-                </a:effectRef>
-                <a:fontRef idx="minor">
-                  <a:schemeClr val="lt1"/>
-                </a:fontRef>
-              </p:style>
-              <p:txBody>
-                <a:bodyPr rtlCol="0" anchor="ctr"/>
-                <a:lstStyle/>
-                <a:p>
-                  <a:pPr algn="ctr"/>
-                  <a:r>
-                    <a:rPr lang="fr-CA" dirty="0"/>
-                    <a:t>Sym</a:t>
-                  </a:r>
-                  <a:r>
-                    <a:rPr lang="fr-CA" baseline="-25000" dirty="0"/>
-                    <a:t>1</a:t>
-                  </a:r>
-                </a:p>
-              </p:txBody>
-            </p:sp>
-            <p:sp>
-              <p:nvSpPr>
-                <p:cNvPr id="19" name="矩形 18">
-                  <a:extLst>
-                    <a:ext uri="{FF2B5EF4-FFF2-40B4-BE49-F238E27FC236}">
-                      <a16:creationId xmlns:a16="http://schemas.microsoft.com/office/drawing/2014/main" id="{28D745EB-9497-EFCF-D8D6-94DF4B26E76E}"/>
-                    </a:ext>
-                  </a:extLst>
-                </p:cNvPr>
-                <p:cNvSpPr/>
-                <p:nvPr/>
-              </p:nvSpPr>
-              <p:spPr>
-                <a:xfrm>
-                  <a:off x="6096000" y="2341247"/>
-                  <a:ext cx="731522" cy="242768"/>
-                </a:xfrm>
-                <a:prstGeom prst="rect">
-                  <a:avLst/>
-                </a:prstGeom>
-                <a:ln>
-                  <a:noFill/>
-                </a:ln>
-              </p:spPr>
-              <p:style>
-                <a:lnRef idx="2">
-                  <a:schemeClr val="accent1">
-                    <a:shade val="50000"/>
-                  </a:schemeClr>
-                </a:lnRef>
-                <a:fillRef idx="1">
-                  <a:schemeClr val="accent1"/>
-                </a:fillRef>
-                <a:effectRef idx="0">
-                  <a:schemeClr val="accent1"/>
-                </a:effectRef>
-                <a:fontRef idx="minor">
-                  <a:schemeClr val="lt1"/>
-                </a:fontRef>
-              </p:style>
-              <p:txBody>
-                <a:bodyPr rtlCol="0" anchor="ctr"/>
-                <a:lstStyle/>
-                <a:p>
-                  <a:pPr algn="ctr"/>
-                  <a:r>
-                    <a:rPr lang="fr-CA" dirty="0"/>
-                    <a:t>Sym</a:t>
-                  </a:r>
-                  <a:r>
-                    <a:rPr lang="fr-CA" baseline="-25000" dirty="0"/>
-                    <a:t>1</a:t>
-                  </a:r>
-                </a:p>
-              </p:txBody>
-            </p:sp>
-          </p:grpSp>
-          <p:sp>
-            <p:nvSpPr>
-              <p:cNvPr id="21" name="矩形 20">
-                <a:extLst>
-                  <a:ext uri="{FF2B5EF4-FFF2-40B4-BE49-F238E27FC236}">
-                    <a16:creationId xmlns:a16="http://schemas.microsoft.com/office/drawing/2014/main" id="{2096D8F2-46F9-4A22-274F-9CFD64BD03B5}"/>
-                  </a:ext>
-                </a:extLst>
-              </p:cNvPr>
-              <p:cNvSpPr/>
-              <p:nvPr/>
-            </p:nvSpPr>
-            <p:spPr>
-              <a:xfrm>
-                <a:off x="6035396" y="3122950"/>
-                <a:ext cx="731522" cy="242768"/>
-              </a:xfrm>
-              <a:prstGeom prst="rect">
-                <a:avLst/>
-              </a:prstGeom>
-              <a:ln>
-                <a:noFill/>
-              </a:ln>
-            </p:spPr>
-            <p:style>
-              <a:lnRef idx="2">
-                <a:schemeClr val="accent1">
-                  <a:shade val="50000"/>
-                </a:schemeClr>
-              </a:lnRef>
-              <a:fillRef idx="1">
-                <a:schemeClr val="accent1"/>
-              </a:fillRef>
-              <a:effectRef idx="0">
-                <a:schemeClr val="accent1"/>
-              </a:effectRef>
-              <a:fontRef idx="minor">
-                <a:schemeClr val="lt1"/>
-              </a:fontRef>
-            </p:style>
-            <p:txBody>
-              <a:bodyPr rtlCol="0" anchor="ctr"/>
-              <a:lstStyle/>
-              <a:p>
-                <a:pPr algn="ctr"/>
-                <a:r>
-                  <a:rPr lang="fr-CA" dirty="0"/>
-                  <a:t>Sym</a:t>
-                </a:r>
-                <a:r>
-                  <a:rPr lang="fr-CA" baseline="-25000" dirty="0"/>
-                  <a:t>2</a:t>
-                </a:r>
-              </a:p>
-            </p:txBody>
-          </p:sp>
-          <p:sp>
-            <p:nvSpPr>
-              <p:cNvPr id="23" name="矩形 22">
-                <a:extLst>
-                  <a:ext uri="{FF2B5EF4-FFF2-40B4-BE49-F238E27FC236}">
-                    <a16:creationId xmlns:a16="http://schemas.microsoft.com/office/drawing/2014/main" id="{B52B0DBC-4F92-E325-E391-711AB97E41CA}"/>
-                  </a:ext>
-                </a:extLst>
-              </p:cNvPr>
-              <p:cNvSpPr/>
-              <p:nvPr/>
-            </p:nvSpPr>
-            <p:spPr>
-              <a:xfrm>
-                <a:off x="6035396" y="4265713"/>
-                <a:ext cx="731522" cy="242768"/>
-              </a:xfrm>
-              <a:prstGeom prst="rect">
-                <a:avLst/>
-              </a:prstGeom>
-              <a:ln>
-                <a:noFill/>
-              </a:ln>
-            </p:spPr>
-            <p:style>
-              <a:lnRef idx="2">
-                <a:schemeClr val="accent1">
-                  <a:shade val="50000"/>
-                </a:schemeClr>
-              </a:lnRef>
-              <a:fillRef idx="1">
-                <a:schemeClr val="accent1"/>
-              </a:fillRef>
-              <a:effectRef idx="0">
-                <a:schemeClr val="accent1"/>
-              </a:effectRef>
-              <a:fontRef idx="minor">
-                <a:schemeClr val="lt1"/>
-              </a:fontRef>
-            </p:style>
-            <p:txBody>
-              <a:bodyPr rtlCol="0" anchor="ctr"/>
-              <a:lstStyle/>
-              <a:p>
-                <a:pPr algn="ctr"/>
-                <a:r>
-                  <a:rPr lang="fr-CA" dirty="0"/>
-                  <a:t>Sym</a:t>
-                </a:r>
-                <a:r>
-                  <a:rPr lang="fr-CA" baseline="-25000" dirty="0"/>
-                  <a:t>N</a:t>
-                </a:r>
-              </a:p>
-            </p:txBody>
-          </p:sp>
-        </p:grpSp>
-        <p:sp>
-          <p:nvSpPr>
-            <p:cNvPr id="25" name="文本框 24">
-              <a:extLst>
-                <a:ext uri="{FF2B5EF4-FFF2-40B4-BE49-F238E27FC236}">
-                  <a16:creationId xmlns:a16="http://schemas.microsoft.com/office/drawing/2014/main" id="{7AE12FEA-2005-DF9E-A7AB-748097C1ACCD}"/>
-                </a:ext>
-              </a:extLst>
-            </p:cNvPr>
-            <p:cNvSpPr txBox="1"/>
-            <p:nvPr/>
-          </p:nvSpPr>
-          <p:spPr>
-            <a:xfrm>
-              <a:off x="6385916" y="3487348"/>
-              <a:ext cx="45719" cy="577081"/>
-            </a:xfrm>
-            <a:prstGeom prst="rect">
-              <a:avLst/>
-            </a:prstGeom>
-            <a:noFill/>
-          </p:spPr>
-          <p:txBody>
-            <a:bodyPr wrap="square" rtlCol="0">
-              <a:spAutoFit/>
-            </a:bodyPr>
-            <a:lstStyle/>
-            <a:p>
-              <a:r>
-                <a:rPr lang="fr-CA" sz="1050" b="1" dirty="0">
-                  <a:latin typeface="Times New Roman" panose="02020603050405020304" pitchFamily="18" charset="0"/>
-                  <a:cs typeface="Times New Roman" panose="02020603050405020304" pitchFamily="18" charset="0"/>
-                </a:rPr>
-                <a:t>...</a:t>
-              </a:r>
-            </a:p>
-          </p:txBody>
-        </p:sp>
-      </p:grpSp>
-      <p:grpSp>
-        <p:nvGrpSpPr>
-          <p:cNvPr id="28" name="组合 27">
-            <a:extLst>
-              <a:ext uri="{FF2B5EF4-FFF2-40B4-BE49-F238E27FC236}">
-                <a16:creationId xmlns:a16="http://schemas.microsoft.com/office/drawing/2014/main" id="{E80153B3-638A-2753-CB0A-F85D86AE101D}"/>
-              </a:ext>
-            </a:extLst>
-          </p:cNvPr>
-          <p:cNvGrpSpPr/>
-          <p:nvPr/>
-        </p:nvGrpSpPr>
-        <p:grpSpPr>
-          <a:xfrm>
-            <a:off x="5364837" y="3300650"/>
-            <a:ext cx="1436228" cy="369332"/>
-            <a:chOff x="2255520" y="3239363"/>
-            <a:chExt cx="1436228" cy="369332"/>
-          </a:xfrm>
-        </p:grpSpPr>
-        <p:cxnSp>
-          <p:nvCxnSpPr>
-            <p:cNvPr id="29" name="直接箭头连接符 28">
-              <a:extLst>
-                <a:ext uri="{FF2B5EF4-FFF2-40B4-BE49-F238E27FC236}">
-                  <a16:creationId xmlns:a16="http://schemas.microsoft.com/office/drawing/2014/main" id="{E687A70A-9493-A558-2AB8-1BFA7653E11F}"/>
-                </a:ext>
-              </a:extLst>
-            </p:cNvPr>
-            <p:cNvCxnSpPr/>
-            <p:nvPr/>
-          </p:nvCxnSpPr>
-          <p:spPr>
-            <a:xfrm>
-              <a:off x="2255520" y="3598545"/>
-              <a:ext cx="807720" cy="0"/>
-            </a:xfrm>
-            <a:prstGeom prst="straightConnector1">
-              <a:avLst/>
-            </a:prstGeom>
-            <a:ln w="19050">
-              <a:tailEnd type="triangle"/>
-            </a:ln>
-          </p:spPr>
-          <p:style>
-            <a:lnRef idx="1">
-              <a:schemeClr val="accent1"/>
-            </a:lnRef>
-            <a:fillRef idx="0">
-              <a:schemeClr val="accent1"/>
-            </a:fillRef>
-            <a:effectRef idx="0">
-              <a:schemeClr val="accent1"/>
-            </a:effectRef>
-            <a:fontRef idx="minor">
-              <a:schemeClr val="tx1"/>
-            </a:fontRef>
-          </p:style>
-        </p:cxnSp>
-        <p:sp>
-          <p:nvSpPr>
-            <p:cNvPr id="30" name="文本框 29">
-              <a:extLst>
-                <a:ext uri="{FF2B5EF4-FFF2-40B4-BE49-F238E27FC236}">
-                  <a16:creationId xmlns:a16="http://schemas.microsoft.com/office/drawing/2014/main" id="{47283E44-CB11-8190-660C-3AF6F7536ADF}"/>
-                </a:ext>
-              </a:extLst>
-            </p:cNvPr>
-            <p:cNvSpPr txBox="1"/>
-            <p:nvPr/>
-          </p:nvSpPr>
-          <p:spPr>
-            <a:xfrm>
-              <a:off x="2388728" y="3239363"/>
-              <a:ext cx="1303020" cy="369332"/>
-            </a:xfrm>
-            <a:prstGeom prst="rect">
-              <a:avLst/>
-            </a:prstGeom>
-            <a:noFill/>
-          </p:spPr>
-          <p:txBody>
-            <a:bodyPr wrap="square" rtlCol="0">
-              <a:spAutoFit/>
-            </a:bodyPr>
-            <a:lstStyle/>
-            <a:p>
-              <a:r>
-                <a:rPr lang="fr-CA" dirty="0">
-                  <a:latin typeface="Times New Roman" panose="02020603050405020304" pitchFamily="18" charset="0"/>
-                  <a:cs typeface="Times New Roman" panose="02020603050405020304" pitchFamily="18" charset="0"/>
-                </a:rPr>
-                <a:t>S/P</a:t>
-              </a:r>
-            </a:p>
-          </p:txBody>
-        </p:sp>
-      </p:grpSp>
       <p:sp>
         <p:nvSpPr>
           <p:cNvPr id="32" name="文本框 31">
@@ -14838,129 +14265,12 @@
           </a:p>
         </p:txBody>
       </p:sp>
-      <p:cxnSp>
-        <p:nvCxnSpPr>
-          <p:cNvPr id="34" name="直接箭头连接符 33">
+      <p:grpSp>
+        <p:nvGrpSpPr>
+          <p:cNvPr id="3" name="组合 2">
             <a:extLst>
               <a:ext uri="{FF2B5EF4-FFF2-40B4-BE49-F238E27FC236}">
-                <a16:creationId xmlns:a16="http://schemas.microsoft.com/office/drawing/2014/main" id="{6571B6FF-9326-6E8D-D875-FE4AF0DECEDA}"/>
-              </a:ext>
-            </a:extLst>
-          </p:cNvPr>
-          <p:cNvCxnSpPr/>
-          <p:nvPr/>
-        </p:nvCxnSpPr>
-        <p:spPr>
-          <a:xfrm>
-            <a:off x="7315272" y="2794396"/>
-            <a:ext cx="343827" cy="0"/>
-          </a:xfrm>
-          <a:prstGeom prst="straightConnector1">
-            <a:avLst/>
-          </a:prstGeom>
-          <a:ln w="19050">
-            <a:tailEnd type="triangle"/>
-          </a:ln>
-        </p:spPr>
-        <p:style>
-          <a:lnRef idx="1">
-            <a:schemeClr val="accent1"/>
-          </a:lnRef>
-          <a:fillRef idx="0">
-            <a:schemeClr val="accent1"/>
-          </a:fillRef>
-          <a:effectRef idx="0">
-            <a:schemeClr val="accent1"/>
-          </a:effectRef>
-          <a:fontRef idx="minor">
-            <a:schemeClr val="tx1"/>
-          </a:fontRef>
-        </p:style>
-      </p:cxnSp>
-      <p:cxnSp>
-        <p:nvCxnSpPr>
-          <p:cNvPr id="35" name="直接箭头连接符 34">
-            <a:extLst>
-              <a:ext uri="{FF2B5EF4-FFF2-40B4-BE49-F238E27FC236}">
-                <a16:creationId xmlns:a16="http://schemas.microsoft.com/office/drawing/2014/main" id="{8CC24F2A-9A66-0806-E61D-3A806D1588EF}"/>
-              </a:ext>
-            </a:extLst>
-          </p:cNvPr>
-          <p:cNvCxnSpPr/>
-          <p:nvPr/>
-        </p:nvCxnSpPr>
-        <p:spPr>
-          <a:xfrm>
-            <a:off x="7315272" y="3300650"/>
-            <a:ext cx="343827" cy="0"/>
-          </a:xfrm>
-          <a:prstGeom prst="straightConnector1">
-            <a:avLst/>
-          </a:prstGeom>
-          <a:ln w="19050">
-            <a:tailEnd type="triangle"/>
-          </a:ln>
-        </p:spPr>
-        <p:style>
-          <a:lnRef idx="1">
-            <a:schemeClr val="accent1"/>
-          </a:lnRef>
-          <a:fillRef idx="0">
-            <a:schemeClr val="accent1"/>
-          </a:fillRef>
-          <a:effectRef idx="0">
-            <a:schemeClr val="accent1"/>
-          </a:effectRef>
-          <a:fontRef idx="minor">
-            <a:schemeClr val="tx1"/>
-          </a:fontRef>
-        </p:style>
-      </p:cxnSp>
-      <p:cxnSp>
-        <p:nvCxnSpPr>
-          <p:cNvPr id="36" name="直接箭头连接符 35">
-            <a:extLst>
-              <a:ext uri="{FF2B5EF4-FFF2-40B4-BE49-F238E27FC236}">
-                <a16:creationId xmlns:a16="http://schemas.microsoft.com/office/drawing/2014/main" id="{C7EFEF09-121B-698D-46BF-9DAEBBD647E0}"/>
-              </a:ext>
-            </a:extLst>
-          </p:cNvPr>
-          <p:cNvCxnSpPr/>
-          <p:nvPr/>
-        </p:nvCxnSpPr>
-        <p:spPr>
-          <a:xfrm>
-            <a:off x="7315272" y="4457878"/>
-            <a:ext cx="343827" cy="0"/>
-          </a:xfrm>
-          <a:prstGeom prst="straightConnector1">
-            <a:avLst/>
-          </a:prstGeom>
-          <a:ln w="19050">
-            <a:tailEnd type="triangle"/>
-          </a:ln>
-        </p:spPr>
-        <p:style>
-          <a:lnRef idx="1">
-            <a:schemeClr val="accent1"/>
-          </a:lnRef>
-          <a:fillRef idx="0">
-            <a:schemeClr val="accent1"/>
-          </a:fillRef>
-          <a:effectRef idx="0">
-            <a:schemeClr val="accent1"/>
-          </a:effectRef>
-          <a:fontRef idx="minor">
-            <a:schemeClr val="tx1"/>
-          </a:fontRef>
-        </p:style>
-      </p:cxnSp>
-      <p:grpSp>
-        <p:nvGrpSpPr>
-          <p:cNvPr id="54" name="组合 53">
-            <a:extLst>
-              <a:ext uri="{FF2B5EF4-FFF2-40B4-BE49-F238E27FC236}">
-                <a16:creationId xmlns:a16="http://schemas.microsoft.com/office/drawing/2014/main" id="{3E541B84-D8E7-2E2B-EDF7-A6C4128AE27A}"/>
+                <a16:creationId xmlns:a16="http://schemas.microsoft.com/office/drawing/2014/main" id="{A5AFDCDC-48C7-743E-20D4-85D89BFBE6C7}"/>
               </a:ext>
             </a:extLst>
           </p:cNvPr>
@@ -14969,18 +14279,103 @@
         </p:nvGrpSpPr>
         <p:grpSpPr>
           <a:xfrm>
-            <a:off x="9160097" y="2693254"/>
-            <a:ext cx="957095" cy="1875355"/>
-            <a:chOff x="9160097" y="2693254"/>
-            <a:chExt cx="957095" cy="1875355"/>
+            <a:off x="838200" y="3072775"/>
+            <a:ext cx="9729072" cy="2124075"/>
+            <a:chOff x="388120" y="2551628"/>
+            <a:chExt cx="9729072" cy="2124075"/>
           </a:xfrm>
         </p:grpSpPr>
+        <p:sp>
+          <p:nvSpPr>
+            <p:cNvPr id="4" name="文本框 3">
+              <a:extLst>
+                <a:ext uri="{FF2B5EF4-FFF2-40B4-BE49-F238E27FC236}">
+                  <a16:creationId xmlns:a16="http://schemas.microsoft.com/office/drawing/2014/main" id="{615993A5-FF50-50C7-991B-6650B8CDF77E}"/>
+                </a:ext>
+              </a:extLst>
+            </p:cNvPr>
+            <p:cNvSpPr txBox="1"/>
+            <p:nvPr/>
+          </p:nvSpPr>
+          <p:spPr>
+            <a:xfrm>
+              <a:off x="388120" y="3413879"/>
+              <a:ext cx="3490175" cy="369332"/>
+            </a:xfrm>
+            <a:prstGeom prst="rect">
+              <a:avLst/>
+            </a:prstGeom>
+            <a:noFill/>
+          </p:spPr>
+          <p:txBody>
+            <a:bodyPr wrap="square" rtlCol="0">
+              <a:spAutoFit/>
+            </a:bodyPr>
+            <a:lstStyle/>
+            <a:p>
+              <a:r>
+                <a:rPr lang="fr-CA" b="1" i="1" dirty="0">
+                  <a:latin typeface="Times New Roman" panose="02020603050405020304" pitchFamily="18" charset="0"/>
+                  <a:cs typeface="Times New Roman" panose="02020603050405020304" pitchFamily="18" charset="0"/>
+                </a:rPr>
+                <a:t>...01010001...</a:t>
+              </a:r>
+            </a:p>
+          </p:txBody>
+        </p:sp>
+        <p:pic>
+          <p:nvPicPr>
+            <p:cNvPr id="2052" name="Picture 4" descr="ECE 489 - Communications System Laboratory: Lab 5 16 QAM Modulation">
+              <a:extLst>
+                <a:ext uri="{FF2B5EF4-FFF2-40B4-BE49-F238E27FC236}">
+                  <a16:creationId xmlns:a16="http://schemas.microsoft.com/office/drawing/2014/main" id="{AD64B2B0-8981-88F8-DD99-910370494F2F}"/>
+                </a:ext>
+              </a:extLst>
+            </p:cNvPr>
+            <p:cNvPicPr>
+              <a:picLocks noChangeAspect="1" noChangeArrowheads="1"/>
+            </p:cNvPicPr>
+            <p:nvPr/>
+          </p:nvPicPr>
+          <p:blipFill>
+            <a:blip r:embed="rId2">
+              <a:extLst>
+                <a:ext uri="{28A0092B-C50C-407E-A947-70E740481C1C}">
+                  <a14:useLocalDpi xmlns:a14="http://schemas.microsoft.com/office/drawing/2010/main" val="0"/>
+                </a:ext>
+              </a:extLst>
+            </a:blip>
+            <a:srcRect/>
+            <a:stretch>
+              <a:fillRect/>
+            </a:stretch>
+          </p:blipFill>
+          <p:spPr bwMode="auto">
+            <a:xfrm>
+              <a:off x="3211830" y="2551628"/>
+              <a:ext cx="2152650" cy="2124075"/>
+            </a:xfrm>
+            <a:prstGeom prst="rect">
+              <a:avLst/>
+            </a:prstGeom>
+            <a:noFill/>
+            <a:extLst>
+              <a:ext uri="{909E8E84-426E-40DD-AFC4-6F175D3DCCD1}">
+                <a14:hiddenFill xmlns:a14="http://schemas.microsoft.com/office/drawing/2010/main">
+                  <a:solidFill>
+                    <a:srgbClr val="FFFFFF"/>
+                  </a:solidFill>
+                </a14:hiddenFill>
+              </a:ext>
+            </a:extLst>
+          </p:spPr>
+        </p:pic>
         <p:grpSp>
           <p:nvGrpSpPr>
-            <p:cNvPr id="37" name="组合 36">
+            <p:cNvPr id="27" name="组合 26">
               <a:extLst>
                 <a:ext uri="{FF2B5EF4-FFF2-40B4-BE49-F238E27FC236}">
-                  <a16:creationId xmlns:a16="http://schemas.microsoft.com/office/drawing/2014/main" id="{44358578-23DA-353A-2591-E512274812EE}"/>
+                  <a16:creationId xmlns:a16="http://schemas.microsoft.com/office/drawing/2014/main" id="{5D02A60A-96BA-26A4-085D-C1D32291CA61}"/>
                 </a:ext>
               </a:extLst>
             </p:cNvPr>
@@ -14989,7 +14384,160 @@
           </p:nvGrpSpPr>
           <p:grpSpPr>
             <a:xfrm>
-              <a:off x="9160097" y="2693254"/>
+              <a:off x="2007870" y="3136881"/>
+              <a:ext cx="1303020" cy="461664"/>
+              <a:chOff x="2007870" y="3136881"/>
+              <a:chExt cx="1303020" cy="461664"/>
+            </a:xfrm>
+          </p:grpSpPr>
+          <p:cxnSp>
+            <p:nvCxnSpPr>
+              <p:cNvPr id="6" name="直接箭头连接符 5">
+                <a:extLst>
+                  <a:ext uri="{FF2B5EF4-FFF2-40B4-BE49-F238E27FC236}">
+                    <a16:creationId xmlns:a16="http://schemas.microsoft.com/office/drawing/2014/main" id="{63FB7E66-A0A9-4942-B75D-490DD3BE35A4}"/>
+                  </a:ext>
+                </a:extLst>
+              </p:cNvPr>
+              <p:cNvCxnSpPr/>
+              <p:nvPr/>
+            </p:nvCxnSpPr>
+            <p:spPr>
+              <a:xfrm>
+                <a:off x="2255520" y="3598545"/>
+                <a:ext cx="807720" cy="0"/>
+              </a:xfrm>
+              <a:prstGeom prst="straightConnector1">
+                <a:avLst/>
+              </a:prstGeom>
+              <a:ln w="19050">
+                <a:tailEnd type="triangle"/>
+              </a:ln>
+            </p:spPr>
+            <p:style>
+              <a:lnRef idx="1">
+                <a:schemeClr val="accent1"/>
+              </a:lnRef>
+              <a:fillRef idx="0">
+                <a:schemeClr val="accent1"/>
+              </a:fillRef>
+              <a:effectRef idx="0">
+                <a:schemeClr val="accent1"/>
+              </a:effectRef>
+              <a:fontRef idx="minor">
+                <a:schemeClr val="tx1"/>
+              </a:fontRef>
+            </p:style>
+          </p:cxnSp>
+          <p:sp>
+            <p:nvSpPr>
+              <p:cNvPr id="7" name="文本框 6">
+                <a:extLst>
+                  <a:ext uri="{FF2B5EF4-FFF2-40B4-BE49-F238E27FC236}">
+                    <a16:creationId xmlns:a16="http://schemas.microsoft.com/office/drawing/2014/main" id="{C789C610-DF89-33EF-D41C-EF289D4C85CC}"/>
+                  </a:ext>
+                </a:extLst>
+              </p:cNvPr>
+              <p:cNvSpPr txBox="1"/>
+              <p:nvPr/>
+            </p:nvSpPr>
+            <p:spPr>
+              <a:xfrm>
+                <a:off x="2007870" y="3136881"/>
+                <a:ext cx="1303020" cy="369332"/>
+              </a:xfrm>
+              <a:prstGeom prst="rect">
+                <a:avLst/>
+              </a:prstGeom>
+              <a:noFill/>
+            </p:spPr>
+            <p:txBody>
+              <a:bodyPr wrap="square" rtlCol="0">
+                <a:spAutoFit/>
+              </a:bodyPr>
+              <a:lstStyle/>
+              <a:p>
+                <a:r>
+                  <a:rPr lang="fr-CA" dirty="0">
+                    <a:latin typeface="Times New Roman" panose="02020603050405020304" pitchFamily="18" charset="0"/>
+                    <a:cs typeface="Times New Roman" panose="02020603050405020304" pitchFamily="18" charset="0"/>
+                  </a:rPr>
+                  <a:t>Mapping to</a:t>
+                </a:r>
+              </a:p>
+            </p:txBody>
+          </p:sp>
+        </p:grpSp>
+        <p:sp>
+          <p:nvSpPr>
+            <p:cNvPr id="8" name="矩形 7">
+              <a:extLst>
+                <a:ext uri="{FF2B5EF4-FFF2-40B4-BE49-F238E27FC236}">
+                  <a16:creationId xmlns:a16="http://schemas.microsoft.com/office/drawing/2014/main" id="{C2F49244-F42A-6495-FDF0-8B78B2D385E3}"/>
+                </a:ext>
+              </a:extLst>
+            </p:cNvPr>
+            <p:cNvSpPr/>
+            <p:nvPr/>
+          </p:nvSpPr>
+          <p:spPr>
+            <a:xfrm>
+              <a:off x="7822572" y="2660867"/>
+              <a:ext cx="818507" cy="1875355"/>
+            </a:xfrm>
+            <a:prstGeom prst="rect">
+              <a:avLst/>
+            </a:prstGeom>
+            <a:ln>
+              <a:noFill/>
+            </a:ln>
+          </p:spPr>
+          <p:style>
+            <a:lnRef idx="2">
+              <a:schemeClr val="accent1">
+                <a:shade val="50000"/>
+              </a:schemeClr>
+            </a:lnRef>
+            <a:fillRef idx="1">
+              <a:schemeClr val="accent1"/>
+            </a:fillRef>
+            <a:effectRef idx="0">
+              <a:schemeClr val="accent1"/>
+            </a:effectRef>
+            <a:fontRef idx="minor">
+              <a:schemeClr val="lt1"/>
+            </a:fontRef>
+          </p:style>
+          <p:txBody>
+            <a:bodyPr rtlCol="0" anchor="ctr"/>
+            <a:lstStyle/>
+            <a:p>
+              <a:pPr algn="ctr"/>
+              <a:r>
+                <a:rPr lang="fr-CA" dirty="0">
+                  <a:latin typeface="Times New Roman" panose="02020603050405020304" pitchFamily="18" charset="0"/>
+                  <a:cs typeface="Times New Roman" panose="02020603050405020304" pitchFamily="18" charset="0"/>
+                </a:rPr>
+                <a:t>IFFT</a:t>
+              </a:r>
+            </a:p>
+          </p:txBody>
+        </p:sp>
+        <p:grpSp>
+          <p:nvGrpSpPr>
+            <p:cNvPr id="31" name="组合 30">
+              <a:extLst>
+                <a:ext uri="{FF2B5EF4-FFF2-40B4-BE49-F238E27FC236}">
+                  <a16:creationId xmlns:a16="http://schemas.microsoft.com/office/drawing/2014/main" id="{8F59A359-49B9-1AD1-0DB4-0922AD0A175B}"/>
+                </a:ext>
+              </a:extLst>
+            </p:cNvPr>
+            <p:cNvGrpSpPr/>
+            <p:nvPr/>
+          </p:nvGrpSpPr>
+          <p:grpSpPr>
+            <a:xfrm>
+              <a:off x="6336244" y="2660867"/>
               <a:ext cx="731522" cy="1875355"/>
               <a:chOff x="6035396" y="2633126"/>
               <a:chExt cx="731522" cy="1875355"/>
@@ -14997,10 +14545,10 @@
           </p:grpSpPr>
           <p:grpSp>
             <p:nvGrpSpPr>
-              <p:cNvPr id="38" name="组合 37">
+              <p:cNvPr id="24" name="组合 23">
                 <a:extLst>
                   <a:ext uri="{FF2B5EF4-FFF2-40B4-BE49-F238E27FC236}">
-                    <a16:creationId xmlns:a16="http://schemas.microsoft.com/office/drawing/2014/main" id="{B22A48BD-0C76-F6E4-CC37-D0D3AA5F5849}"/>
+                    <a16:creationId xmlns:a16="http://schemas.microsoft.com/office/drawing/2014/main" id="{921765AD-9DE0-85AB-7825-E979C9DE2302}"/>
                   </a:ext>
                 </a:extLst>
               </p:cNvPr>
@@ -15017,10 +14565,10 @@
             </p:grpSpPr>
             <p:grpSp>
               <p:nvGrpSpPr>
-                <p:cNvPr id="40" name="组合 39">
+                <p:cNvPr id="14" name="组合 13">
                   <a:extLst>
                     <a:ext uri="{FF2B5EF4-FFF2-40B4-BE49-F238E27FC236}">
-                      <a16:creationId xmlns:a16="http://schemas.microsoft.com/office/drawing/2014/main" id="{FCA7C045-DD64-BCE3-F83E-9F8103E51319}"/>
+                      <a16:creationId xmlns:a16="http://schemas.microsoft.com/office/drawing/2014/main" id="{FB8C75E9-3E24-C96A-2A92-101451BDEB83}"/>
                     </a:ext>
                   </a:extLst>
                 </p:cNvPr>
@@ -15037,10 +14585,10 @@
               </p:grpSpPr>
               <p:sp>
                 <p:nvSpPr>
-                  <p:cNvPr id="43" name="矩形 42">
+                  <p:cNvPr id="9" name="矩形 8">
                     <a:extLst>
                       <a:ext uri="{FF2B5EF4-FFF2-40B4-BE49-F238E27FC236}">
-                        <a16:creationId xmlns:a16="http://schemas.microsoft.com/office/drawing/2014/main" id="{89C6830B-49B4-A4BC-B636-AE19A81649BE}"/>
+                        <a16:creationId xmlns:a16="http://schemas.microsoft.com/office/drawing/2014/main" id="{4055993C-C69D-EDAC-4A12-6CC48783582D}"/>
                       </a:ext>
                     </a:extLst>
                   </p:cNvPr>
@@ -15093,10 +14641,10 @@
               </p:sp>
               <p:sp>
                 <p:nvSpPr>
-                  <p:cNvPr id="44" name="矩形 43">
+                  <p:cNvPr id="19" name="矩形 18">
                     <a:extLst>
                       <a:ext uri="{FF2B5EF4-FFF2-40B4-BE49-F238E27FC236}">
-                        <a16:creationId xmlns:a16="http://schemas.microsoft.com/office/drawing/2014/main" id="{14636538-99F1-3230-72AA-1574C5D5E430}"/>
+                        <a16:creationId xmlns:a16="http://schemas.microsoft.com/office/drawing/2014/main" id="{28D745EB-9497-EFCF-D8D6-94DF4B26E76E}"/>
                       </a:ext>
                     </a:extLst>
                   </p:cNvPr>
@@ -15150,10 +14698,10 @@
             </p:grpSp>
             <p:sp>
               <p:nvSpPr>
-                <p:cNvPr id="41" name="矩形 40">
+                <p:cNvPr id="21" name="矩形 20">
                   <a:extLst>
                     <a:ext uri="{FF2B5EF4-FFF2-40B4-BE49-F238E27FC236}">
-                      <a16:creationId xmlns:a16="http://schemas.microsoft.com/office/drawing/2014/main" id="{B2642687-3D80-E30B-2083-4E4447CB5451}"/>
+                      <a16:creationId xmlns:a16="http://schemas.microsoft.com/office/drawing/2014/main" id="{2096D8F2-46F9-4A22-274F-9CFD64BD03B5}"/>
                     </a:ext>
                   </a:extLst>
                 </p:cNvPr>
@@ -15206,10 +14754,10 @@
             </p:sp>
             <p:sp>
               <p:nvSpPr>
-                <p:cNvPr id="42" name="矩形 41">
+                <p:cNvPr id="23" name="矩形 22">
                   <a:extLst>
                     <a:ext uri="{FF2B5EF4-FFF2-40B4-BE49-F238E27FC236}">
-                      <a16:creationId xmlns:a16="http://schemas.microsoft.com/office/drawing/2014/main" id="{F7FEF447-7DEF-BD90-C397-633A7251F93E}"/>
+                      <a16:creationId xmlns:a16="http://schemas.microsoft.com/office/drawing/2014/main" id="{B52B0DBC-4F92-E325-E391-711AB97E41CA}"/>
                     </a:ext>
                   </a:extLst>
                 </p:cNvPr>
@@ -15263,10 +14811,10 @@
           </p:grpSp>
           <p:sp>
             <p:nvSpPr>
-              <p:cNvPr id="39" name="文本框 38">
+              <p:cNvPr id="25" name="文本框 24">
                 <a:extLst>
                   <a:ext uri="{FF2B5EF4-FFF2-40B4-BE49-F238E27FC236}">
-                    <a16:creationId xmlns:a16="http://schemas.microsoft.com/office/drawing/2014/main" id="{2725F172-B871-664A-ECBC-91903D53C740}"/>
+                    <a16:creationId xmlns:a16="http://schemas.microsoft.com/office/drawing/2014/main" id="{7AE12FEA-2005-DF9E-A7AB-748097C1ACCD}"/>
                   </a:ext>
                 </a:extLst>
               </p:cNvPr>
@@ -15300,246 +14848,807 @@
             </p:txBody>
           </p:sp>
         </p:grpSp>
-        <p:sp>
-          <p:nvSpPr>
-            <p:cNvPr id="46" name="矩形 45">
+        <p:grpSp>
+          <p:nvGrpSpPr>
+            <p:cNvPr id="28" name="组合 27">
               <a:extLst>
                 <a:ext uri="{FF2B5EF4-FFF2-40B4-BE49-F238E27FC236}">
-                  <a16:creationId xmlns:a16="http://schemas.microsoft.com/office/drawing/2014/main" id="{B7F6779F-B93A-175F-1DD0-B4A668C8BC23}"/>
+                  <a16:creationId xmlns:a16="http://schemas.microsoft.com/office/drawing/2014/main" id="{E80153B3-638A-2753-CB0A-F85D86AE101D}"/>
                 </a:ext>
               </a:extLst>
             </p:cNvPr>
-            <p:cNvSpPr/>
+            <p:cNvGrpSpPr/>
             <p:nvPr/>
-          </p:nvSpPr>
+          </p:nvGrpSpPr>
+          <p:grpSpPr>
+            <a:xfrm>
+              <a:off x="5364837" y="3300650"/>
+              <a:ext cx="1436228" cy="369332"/>
+              <a:chOff x="2255520" y="3239363"/>
+              <a:chExt cx="1436228" cy="369332"/>
+            </a:xfrm>
+          </p:grpSpPr>
+          <p:cxnSp>
+            <p:nvCxnSpPr>
+              <p:cNvPr id="29" name="直接箭头连接符 28">
+                <a:extLst>
+                  <a:ext uri="{FF2B5EF4-FFF2-40B4-BE49-F238E27FC236}">
+                    <a16:creationId xmlns:a16="http://schemas.microsoft.com/office/drawing/2014/main" id="{E687A70A-9493-A558-2AB8-1BFA7653E11F}"/>
+                  </a:ext>
+                </a:extLst>
+              </p:cNvPr>
+              <p:cNvCxnSpPr/>
+              <p:nvPr/>
+            </p:nvCxnSpPr>
+            <p:spPr>
+              <a:xfrm>
+                <a:off x="2255520" y="3598545"/>
+                <a:ext cx="807720" cy="0"/>
+              </a:xfrm>
+              <a:prstGeom prst="straightConnector1">
+                <a:avLst/>
+              </a:prstGeom>
+              <a:ln w="19050">
+                <a:tailEnd type="triangle"/>
+              </a:ln>
+            </p:spPr>
+            <p:style>
+              <a:lnRef idx="1">
+                <a:schemeClr val="accent1"/>
+              </a:lnRef>
+              <a:fillRef idx="0">
+                <a:schemeClr val="accent1"/>
+              </a:fillRef>
+              <a:effectRef idx="0">
+                <a:schemeClr val="accent1"/>
+              </a:effectRef>
+              <a:fontRef idx="minor">
+                <a:schemeClr val="tx1"/>
+              </a:fontRef>
+            </p:style>
+          </p:cxnSp>
+          <p:sp>
+            <p:nvSpPr>
+              <p:cNvPr id="30" name="文本框 29">
+                <a:extLst>
+                  <a:ext uri="{FF2B5EF4-FFF2-40B4-BE49-F238E27FC236}">
+                    <a16:creationId xmlns:a16="http://schemas.microsoft.com/office/drawing/2014/main" id="{47283E44-CB11-8190-660C-3AF6F7536ADF}"/>
+                  </a:ext>
+                </a:extLst>
+              </p:cNvPr>
+              <p:cNvSpPr txBox="1"/>
+              <p:nvPr/>
+            </p:nvSpPr>
+            <p:spPr>
+              <a:xfrm>
+                <a:off x="2388728" y="3239363"/>
+                <a:ext cx="1303020" cy="369332"/>
+              </a:xfrm>
+              <a:prstGeom prst="rect">
+                <a:avLst/>
+              </a:prstGeom>
+              <a:noFill/>
+            </p:spPr>
+            <p:txBody>
+              <a:bodyPr wrap="square" rtlCol="0">
+                <a:spAutoFit/>
+              </a:bodyPr>
+              <a:lstStyle/>
+              <a:p>
+                <a:r>
+                  <a:rPr lang="fr-CA" dirty="0">
+                    <a:latin typeface="Times New Roman" panose="02020603050405020304" pitchFamily="18" charset="0"/>
+                    <a:cs typeface="Times New Roman" panose="02020603050405020304" pitchFamily="18" charset="0"/>
+                  </a:rPr>
+                  <a:t>S/P</a:t>
+                </a:r>
+              </a:p>
+            </p:txBody>
+          </p:sp>
+        </p:grpSp>
+        <p:cxnSp>
+          <p:nvCxnSpPr>
+            <p:cNvPr id="34" name="直接箭头连接符 33">
+              <a:extLst>
+                <a:ext uri="{FF2B5EF4-FFF2-40B4-BE49-F238E27FC236}">
+                  <a16:creationId xmlns:a16="http://schemas.microsoft.com/office/drawing/2014/main" id="{6571B6FF-9326-6E8D-D875-FE4AF0DECEDA}"/>
+                </a:ext>
+              </a:extLst>
+            </p:cNvPr>
+            <p:cNvCxnSpPr/>
+            <p:nvPr/>
+          </p:nvCxnSpPr>
           <p:spPr>
             <a:xfrm>
-              <a:off x="9891620" y="2693254"/>
-              <a:ext cx="225572" cy="275155"/>
+              <a:off x="7315272" y="2794396"/>
+              <a:ext cx="343827" cy="0"/>
             </a:xfrm>
-            <a:prstGeom prst="rect">
+            <a:prstGeom prst="straightConnector1">
               <a:avLst/>
             </a:prstGeom>
-            <a:solidFill>
-              <a:schemeClr val="accent1">
-                <a:alpha val="50000"/>
-              </a:schemeClr>
-            </a:solidFill>
-            <a:ln>
-              <a:noFill/>
+            <a:ln w="19050">
+              <a:tailEnd type="triangle"/>
             </a:ln>
           </p:spPr>
           <p:style>
-            <a:lnRef idx="2">
-              <a:schemeClr val="accent1">
-                <a:shade val="50000"/>
-              </a:schemeClr>
+            <a:lnRef idx="1">
+              <a:schemeClr val="accent1"/>
             </a:lnRef>
-            <a:fillRef idx="1">
+            <a:fillRef idx="0">
               <a:schemeClr val="accent1"/>
             </a:fillRef>
             <a:effectRef idx="0">
               <a:schemeClr val="accent1"/>
             </a:effectRef>
             <a:fontRef idx="minor">
-              <a:schemeClr val="lt1"/>
+              <a:schemeClr val="tx1"/>
             </a:fontRef>
           </p:style>
-          <p:txBody>
-            <a:bodyPr rtlCol="0" anchor="ctr"/>
-            <a:lstStyle/>
-            <a:p>
-              <a:pPr algn="ctr"/>
-              <a:endParaRPr lang="fr-CA" baseline="-25000" dirty="0"/>
-            </a:p>
-          </p:txBody>
-        </p:sp>
-        <p:sp>
-          <p:nvSpPr>
-            <p:cNvPr id="48" name="矩形 47">
+        </p:cxnSp>
+        <p:cxnSp>
+          <p:nvCxnSpPr>
+            <p:cNvPr id="35" name="直接箭头连接符 34">
               <a:extLst>
                 <a:ext uri="{FF2B5EF4-FFF2-40B4-BE49-F238E27FC236}">
-                  <a16:creationId xmlns:a16="http://schemas.microsoft.com/office/drawing/2014/main" id="{1AB0226A-4469-41AB-B226-7E8D32820667}"/>
+                  <a16:creationId xmlns:a16="http://schemas.microsoft.com/office/drawing/2014/main" id="{8CC24F2A-9A66-0806-E61D-3A806D1588EF}"/>
                 </a:ext>
               </a:extLst>
             </p:cNvPr>
-            <p:cNvSpPr/>
+            <p:cNvCxnSpPr/>
             <p:nvPr/>
-          </p:nvSpPr>
+          </p:nvCxnSpPr>
           <p:spPr>
             <a:xfrm>
-              <a:off x="9891618" y="3183309"/>
-              <a:ext cx="225572" cy="242537"/>
+              <a:off x="7315272" y="3300650"/>
+              <a:ext cx="343827" cy="0"/>
             </a:xfrm>
-            <a:prstGeom prst="rect">
+            <a:prstGeom prst="straightConnector1">
               <a:avLst/>
             </a:prstGeom>
-            <a:solidFill>
-              <a:schemeClr val="accent1">
-                <a:alpha val="50000"/>
-              </a:schemeClr>
-            </a:solidFill>
-            <a:ln>
-              <a:noFill/>
+            <a:ln w="19050">
+              <a:tailEnd type="triangle"/>
             </a:ln>
           </p:spPr>
           <p:style>
-            <a:lnRef idx="2">
-              <a:schemeClr val="accent1">
-                <a:shade val="50000"/>
-              </a:schemeClr>
+            <a:lnRef idx="1">
+              <a:schemeClr val="accent1"/>
             </a:lnRef>
-            <a:fillRef idx="1">
+            <a:fillRef idx="0">
               <a:schemeClr val="accent1"/>
             </a:fillRef>
             <a:effectRef idx="0">
               <a:schemeClr val="accent1"/>
             </a:effectRef>
             <a:fontRef idx="minor">
-              <a:schemeClr val="lt1"/>
+              <a:schemeClr val="tx1"/>
             </a:fontRef>
           </p:style>
-          <p:txBody>
-            <a:bodyPr rtlCol="0" anchor="ctr"/>
-            <a:lstStyle/>
-            <a:p>
-              <a:pPr algn="ctr"/>
-              <a:endParaRPr lang="fr-CA" baseline="-25000" dirty="0"/>
-            </a:p>
-          </p:txBody>
-        </p:sp>
-        <p:sp>
-          <p:nvSpPr>
-            <p:cNvPr id="50" name="矩形 49">
+        </p:cxnSp>
+        <p:cxnSp>
+          <p:nvCxnSpPr>
+            <p:cNvPr id="36" name="直接箭头连接符 35">
               <a:extLst>
                 <a:ext uri="{FF2B5EF4-FFF2-40B4-BE49-F238E27FC236}">
-                  <a16:creationId xmlns:a16="http://schemas.microsoft.com/office/drawing/2014/main" id="{B51C9313-E5D7-EDEB-5700-1431C5AF1493}"/>
+                  <a16:creationId xmlns:a16="http://schemas.microsoft.com/office/drawing/2014/main" id="{C7EFEF09-121B-698D-46BF-9DAEBBD647E0}"/>
                 </a:ext>
               </a:extLst>
             </p:cNvPr>
-            <p:cNvSpPr/>
+            <p:cNvCxnSpPr/>
             <p:nvPr/>
-          </p:nvSpPr>
+          </p:nvCxnSpPr>
           <p:spPr>
             <a:xfrm>
-              <a:off x="9822180" y="4325841"/>
-              <a:ext cx="295010" cy="242768"/>
+              <a:off x="7315272" y="4457878"/>
+              <a:ext cx="343827" cy="0"/>
             </a:xfrm>
-            <a:prstGeom prst="rect">
+            <a:prstGeom prst="straightConnector1">
               <a:avLst/>
             </a:prstGeom>
-            <a:solidFill>
-              <a:schemeClr val="accent1">
-                <a:alpha val="50000"/>
-              </a:schemeClr>
-            </a:solidFill>
-            <a:ln>
-              <a:noFill/>
+            <a:ln w="19050">
+              <a:tailEnd type="triangle"/>
             </a:ln>
           </p:spPr>
           <p:style>
-            <a:lnRef idx="2">
-              <a:schemeClr val="accent1">
-                <a:shade val="50000"/>
-              </a:schemeClr>
+            <a:lnRef idx="1">
+              <a:schemeClr val="accent1"/>
             </a:lnRef>
-            <a:fillRef idx="1">
+            <a:fillRef idx="0">
               <a:schemeClr val="accent1"/>
             </a:fillRef>
             <a:effectRef idx="0">
               <a:schemeClr val="accent1"/>
             </a:effectRef>
             <a:fontRef idx="minor">
-              <a:schemeClr val="lt1"/>
+              <a:schemeClr val="tx1"/>
             </a:fontRef>
           </p:style>
+        </p:cxnSp>
+        <p:grpSp>
+          <p:nvGrpSpPr>
+            <p:cNvPr id="54" name="组合 53">
+              <a:extLst>
+                <a:ext uri="{FF2B5EF4-FFF2-40B4-BE49-F238E27FC236}">
+                  <a16:creationId xmlns:a16="http://schemas.microsoft.com/office/drawing/2014/main" id="{3E541B84-D8E7-2E2B-EDF7-A6C4128AE27A}"/>
+                </a:ext>
+              </a:extLst>
+            </p:cNvPr>
+            <p:cNvGrpSpPr/>
+            <p:nvPr/>
+          </p:nvGrpSpPr>
+          <p:grpSpPr>
+            <a:xfrm>
+              <a:off x="9160097" y="2693254"/>
+              <a:ext cx="957095" cy="1875355"/>
+              <a:chOff x="9160097" y="2693254"/>
+              <a:chExt cx="957095" cy="1875355"/>
+            </a:xfrm>
+          </p:grpSpPr>
+          <p:grpSp>
+            <p:nvGrpSpPr>
+              <p:cNvPr id="37" name="组合 36">
+                <a:extLst>
+                  <a:ext uri="{FF2B5EF4-FFF2-40B4-BE49-F238E27FC236}">
+                    <a16:creationId xmlns:a16="http://schemas.microsoft.com/office/drawing/2014/main" id="{44358578-23DA-353A-2591-E512274812EE}"/>
+                  </a:ext>
+                </a:extLst>
+              </p:cNvPr>
+              <p:cNvGrpSpPr/>
+              <p:nvPr/>
+            </p:nvGrpSpPr>
+            <p:grpSpPr>
+              <a:xfrm>
+                <a:off x="9160097" y="2693254"/>
+                <a:ext cx="731522" cy="1875355"/>
+                <a:chOff x="6035396" y="2633126"/>
+                <a:chExt cx="731522" cy="1875355"/>
+              </a:xfrm>
+            </p:grpSpPr>
+            <p:grpSp>
+              <p:nvGrpSpPr>
+                <p:cNvPr id="38" name="组合 37">
+                  <a:extLst>
+                    <a:ext uri="{FF2B5EF4-FFF2-40B4-BE49-F238E27FC236}">
+                      <a16:creationId xmlns:a16="http://schemas.microsoft.com/office/drawing/2014/main" id="{B22A48BD-0C76-F6E4-CC37-D0D3AA5F5849}"/>
+                    </a:ext>
+                  </a:extLst>
+                </p:cNvPr>
+                <p:cNvGrpSpPr/>
+                <p:nvPr/>
+              </p:nvGrpSpPr>
+              <p:grpSpPr>
+                <a:xfrm>
+                  <a:off x="6035396" y="2633126"/>
+                  <a:ext cx="731522" cy="1875355"/>
+                  <a:chOff x="6035396" y="2633126"/>
+                  <a:chExt cx="731522" cy="1875355"/>
+                </a:xfrm>
+              </p:grpSpPr>
+              <p:grpSp>
+                <p:nvGrpSpPr>
+                  <p:cNvPr id="40" name="组合 39">
+                    <a:extLst>
+                      <a:ext uri="{FF2B5EF4-FFF2-40B4-BE49-F238E27FC236}">
+                        <a16:creationId xmlns:a16="http://schemas.microsoft.com/office/drawing/2014/main" id="{FCA7C045-DD64-BCE3-F83E-9F8103E51319}"/>
+                      </a:ext>
+                    </a:extLst>
+                  </p:cNvPr>
+                  <p:cNvGrpSpPr/>
+                  <p:nvPr/>
+                </p:nvGrpSpPr>
+                <p:grpSpPr>
+                  <a:xfrm>
+                    <a:off x="6035396" y="2633126"/>
+                    <a:ext cx="731522" cy="275155"/>
+                    <a:chOff x="6096000" y="2308860"/>
+                    <a:chExt cx="731522" cy="275155"/>
+                  </a:xfrm>
+                </p:grpSpPr>
+                <p:sp>
+                  <p:nvSpPr>
+                    <p:cNvPr id="43" name="矩形 42">
+                      <a:extLst>
+                        <a:ext uri="{FF2B5EF4-FFF2-40B4-BE49-F238E27FC236}">
+                          <a16:creationId xmlns:a16="http://schemas.microsoft.com/office/drawing/2014/main" id="{89C6830B-49B4-A4BC-B636-AE19A81649BE}"/>
+                        </a:ext>
+                      </a:extLst>
+                    </p:cNvPr>
+                    <p:cNvSpPr/>
+                    <p:nvPr/>
+                  </p:nvSpPr>
+                  <p:spPr>
+                    <a:xfrm>
+                      <a:off x="6096000" y="2308860"/>
+                      <a:ext cx="731522" cy="242768"/>
+                    </a:xfrm>
+                    <a:prstGeom prst="rect">
+                      <a:avLst/>
+                    </a:prstGeom>
+                    <a:ln>
+                      <a:noFill/>
+                    </a:ln>
+                  </p:spPr>
+                  <p:style>
+                    <a:lnRef idx="2">
+                      <a:schemeClr val="accent1">
+                        <a:shade val="50000"/>
+                      </a:schemeClr>
+                    </a:lnRef>
+                    <a:fillRef idx="1">
+                      <a:schemeClr val="accent1"/>
+                    </a:fillRef>
+                    <a:effectRef idx="0">
+                      <a:schemeClr val="accent1"/>
+                    </a:effectRef>
+                    <a:fontRef idx="minor">
+                      <a:schemeClr val="lt1"/>
+                    </a:fontRef>
+                  </p:style>
+                  <p:txBody>
+                    <a:bodyPr rtlCol="0" anchor="ctr"/>
+                    <a:lstStyle/>
+                    <a:p>
+                      <a:pPr algn="ctr"/>
+                      <a:r>
+                        <a:rPr lang="fr-CA" dirty="0"/>
+                        <a:t>Sym</a:t>
+                      </a:r>
+                      <a:r>
+                        <a:rPr lang="fr-CA" baseline="-25000" dirty="0"/>
+                        <a:t>1</a:t>
+                      </a:r>
+                    </a:p>
+                  </p:txBody>
+                </p:sp>
+                <p:sp>
+                  <p:nvSpPr>
+                    <p:cNvPr id="44" name="矩形 43">
+                      <a:extLst>
+                        <a:ext uri="{FF2B5EF4-FFF2-40B4-BE49-F238E27FC236}">
+                          <a16:creationId xmlns:a16="http://schemas.microsoft.com/office/drawing/2014/main" id="{14636538-99F1-3230-72AA-1574C5D5E430}"/>
+                        </a:ext>
+                      </a:extLst>
+                    </p:cNvPr>
+                    <p:cNvSpPr/>
+                    <p:nvPr/>
+                  </p:nvSpPr>
+                  <p:spPr>
+                    <a:xfrm>
+                      <a:off x="6096000" y="2341247"/>
+                      <a:ext cx="731522" cy="242768"/>
+                    </a:xfrm>
+                    <a:prstGeom prst="rect">
+                      <a:avLst/>
+                    </a:prstGeom>
+                    <a:ln>
+                      <a:noFill/>
+                    </a:ln>
+                  </p:spPr>
+                  <p:style>
+                    <a:lnRef idx="2">
+                      <a:schemeClr val="accent1">
+                        <a:shade val="50000"/>
+                      </a:schemeClr>
+                    </a:lnRef>
+                    <a:fillRef idx="1">
+                      <a:schemeClr val="accent1"/>
+                    </a:fillRef>
+                    <a:effectRef idx="0">
+                      <a:schemeClr val="accent1"/>
+                    </a:effectRef>
+                    <a:fontRef idx="minor">
+                      <a:schemeClr val="lt1"/>
+                    </a:fontRef>
+                  </p:style>
+                  <p:txBody>
+                    <a:bodyPr rtlCol="0" anchor="ctr"/>
+                    <a:lstStyle/>
+                    <a:p>
+                      <a:pPr algn="ctr"/>
+                      <a:r>
+                        <a:rPr lang="fr-CA" dirty="0"/>
+                        <a:t>Sym</a:t>
+                      </a:r>
+                      <a:r>
+                        <a:rPr lang="fr-CA" baseline="-25000" dirty="0"/>
+                        <a:t>1</a:t>
+                      </a:r>
+                    </a:p>
+                  </p:txBody>
+                </p:sp>
+              </p:grpSp>
+              <p:sp>
+                <p:nvSpPr>
+                  <p:cNvPr id="41" name="矩形 40">
+                    <a:extLst>
+                      <a:ext uri="{FF2B5EF4-FFF2-40B4-BE49-F238E27FC236}">
+                        <a16:creationId xmlns:a16="http://schemas.microsoft.com/office/drawing/2014/main" id="{B2642687-3D80-E30B-2083-4E4447CB5451}"/>
+                      </a:ext>
+                    </a:extLst>
+                  </p:cNvPr>
+                  <p:cNvSpPr/>
+                  <p:nvPr/>
+                </p:nvSpPr>
+                <p:spPr>
+                  <a:xfrm>
+                    <a:off x="6035396" y="3122950"/>
+                    <a:ext cx="731522" cy="242768"/>
+                  </a:xfrm>
+                  <a:prstGeom prst="rect">
+                    <a:avLst/>
+                  </a:prstGeom>
+                  <a:ln>
+                    <a:noFill/>
+                  </a:ln>
+                </p:spPr>
+                <p:style>
+                  <a:lnRef idx="2">
+                    <a:schemeClr val="accent1">
+                      <a:shade val="50000"/>
+                    </a:schemeClr>
+                  </a:lnRef>
+                  <a:fillRef idx="1">
+                    <a:schemeClr val="accent1"/>
+                  </a:fillRef>
+                  <a:effectRef idx="0">
+                    <a:schemeClr val="accent1"/>
+                  </a:effectRef>
+                  <a:fontRef idx="minor">
+                    <a:schemeClr val="lt1"/>
+                  </a:fontRef>
+                </p:style>
+                <p:txBody>
+                  <a:bodyPr rtlCol="0" anchor="ctr"/>
+                  <a:lstStyle/>
+                  <a:p>
+                    <a:pPr algn="ctr"/>
+                    <a:r>
+                      <a:rPr lang="fr-CA" dirty="0"/>
+                      <a:t>Sym</a:t>
+                    </a:r>
+                    <a:r>
+                      <a:rPr lang="fr-CA" baseline="-25000" dirty="0"/>
+                      <a:t>2</a:t>
+                    </a:r>
+                  </a:p>
+                </p:txBody>
+              </p:sp>
+              <p:sp>
+                <p:nvSpPr>
+                  <p:cNvPr id="42" name="矩形 41">
+                    <a:extLst>
+                      <a:ext uri="{FF2B5EF4-FFF2-40B4-BE49-F238E27FC236}">
+                        <a16:creationId xmlns:a16="http://schemas.microsoft.com/office/drawing/2014/main" id="{F7FEF447-7DEF-BD90-C397-633A7251F93E}"/>
+                      </a:ext>
+                    </a:extLst>
+                  </p:cNvPr>
+                  <p:cNvSpPr/>
+                  <p:nvPr/>
+                </p:nvSpPr>
+                <p:spPr>
+                  <a:xfrm>
+                    <a:off x="6035396" y="4265713"/>
+                    <a:ext cx="731522" cy="242768"/>
+                  </a:xfrm>
+                  <a:prstGeom prst="rect">
+                    <a:avLst/>
+                  </a:prstGeom>
+                  <a:ln>
+                    <a:noFill/>
+                  </a:ln>
+                </p:spPr>
+                <p:style>
+                  <a:lnRef idx="2">
+                    <a:schemeClr val="accent1">
+                      <a:shade val="50000"/>
+                    </a:schemeClr>
+                  </a:lnRef>
+                  <a:fillRef idx="1">
+                    <a:schemeClr val="accent1"/>
+                  </a:fillRef>
+                  <a:effectRef idx="0">
+                    <a:schemeClr val="accent1"/>
+                  </a:effectRef>
+                  <a:fontRef idx="minor">
+                    <a:schemeClr val="lt1"/>
+                  </a:fontRef>
+                </p:style>
+                <p:txBody>
+                  <a:bodyPr rtlCol="0" anchor="ctr"/>
+                  <a:lstStyle/>
+                  <a:p>
+                    <a:pPr algn="ctr"/>
+                    <a:r>
+                      <a:rPr lang="fr-CA" dirty="0"/>
+                      <a:t>Sym</a:t>
+                    </a:r>
+                    <a:r>
+                      <a:rPr lang="fr-CA" baseline="-25000" dirty="0"/>
+                      <a:t>N</a:t>
+                    </a:r>
+                  </a:p>
+                </p:txBody>
+              </p:sp>
+            </p:grpSp>
+            <p:sp>
+              <p:nvSpPr>
+                <p:cNvPr id="39" name="文本框 38">
+                  <a:extLst>
+                    <a:ext uri="{FF2B5EF4-FFF2-40B4-BE49-F238E27FC236}">
+                      <a16:creationId xmlns:a16="http://schemas.microsoft.com/office/drawing/2014/main" id="{2725F172-B871-664A-ECBC-91903D53C740}"/>
+                    </a:ext>
+                  </a:extLst>
+                </p:cNvPr>
+                <p:cNvSpPr txBox="1"/>
+                <p:nvPr/>
+              </p:nvSpPr>
+              <p:spPr>
+                <a:xfrm>
+                  <a:off x="6385916" y="3487348"/>
+                  <a:ext cx="45719" cy="577081"/>
+                </a:xfrm>
+                <a:prstGeom prst="rect">
+                  <a:avLst/>
+                </a:prstGeom>
+                <a:noFill/>
+              </p:spPr>
+              <p:txBody>
+                <a:bodyPr wrap="square" rtlCol="0">
+                  <a:spAutoFit/>
+                </a:bodyPr>
+                <a:lstStyle/>
+                <a:p>
+                  <a:r>
+                    <a:rPr lang="fr-CA" sz="1050" b="1" dirty="0">
+                      <a:latin typeface="Times New Roman" panose="02020603050405020304" pitchFamily="18" charset="0"/>
+                      <a:cs typeface="Times New Roman" panose="02020603050405020304" pitchFamily="18" charset="0"/>
+                    </a:rPr>
+                    <a:t>...</a:t>
+                  </a:r>
+                </a:p>
+              </p:txBody>
+            </p:sp>
+          </p:grpSp>
+          <p:sp>
+            <p:nvSpPr>
+              <p:cNvPr id="46" name="矩形 45">
+                <a:extLst>
+                  <a:ext uri="{FF2B5EF4-FFF2-40B4-BE49-F238E27FC236}">
+                    <a16:creationId xmlns:a16="http://schemas.microsoft.com/office/drawing/2014/main" id="{B7F6779F-B93A-175F-1DD0-B4A668C8BC23}"/>
+                  </a:ext>
+                </a:extLst>
+              </p:cNvPr>
+              <p:cNvSpPr/>
+              <p:nvPr/>
+            </p:nvSpPr>
+            <p:spPr>
+              <a:xfrm>
+                <a:off x="9891620" y="2693254"/>
+                <a:ext cx="225572" cy="275155"/>
+              </a:xfrm>
+              <a:prstGeom prst="rect">
+                <a:avLst/>
+              </a:prstGeom>
+              <a:solidFill>
+                <a:schemeClr val="accent1">
+                  <a:alpha val="50000"/>
+                </a:schemeClr>
+              </a:solidFill>
+              <a:ln>
+                <a:noFill/>
+              </a:ln>
+            </p:spPr>
+            <p:style>
+              <a:lnRef idx="2">
+                <a:schemeClr val="accent1">
+                  <a:shade val="50000"/>
+                </a:schemeClr>
+              </a:lnRef>
+              <a:fillRef idx="1">
+                <a:schemeClr val="accent1"/>
+              </a:fillRef>
+              <a:effectRef idx="0">
+                <a:schemeClr val="accent1"/>
+              </a:effectRef>
+              <a:fontRef idx="minor">
+                <a:schemeClr val="lt1"/>
+              </a:fontRef>
+            </p:style>
+            <p:txBody>
+              <a:bodyPr rtlCol="0" anchor="ctr"/>
+              <a:lstStyle/>
+              <a:p>
+                <a:pPr algn="ctr"/>
+                <a:endParaRPr lang="fr-CA" baseline="-25000" dirty="0"/>
+              </a:p>
+            </p:txBody>
+          </p:sp>
+          <p:sp>
+            <p:nvSpPr>
+              <p:cNvPr id="48" name="矩形 47">
+                <a:extLst>
+                  <a:ext uri="{FF2B5EF4-FFF2-40B4-BE49-F238E27FC236}">
+                    <a16:creationId xmlns:a16="http://schemas.microsoft.com/office/drawing/2014/main" id="{1AB0226A-4469-41AB-B226-7E8D32820667}"/>
+                  </a:ext>
+                </a:extLst>
+              </p:cNvPr>
+              <p:cNvSpPr/>
+              <p:nvPr/>
+            </p:nvSpPr>
+            <p:spPr>
+              <a:xfrm>
+                <a:off x="9891618" y="3183309"/>
+                <a:ext cx="225572" cy="242537"/>
+              </a:xfrm>
+              <a:prstGeom prst="rect">
+                <a:avLst/>
+              </a:prstGeom>
+              <a:solidFill>
+                <a:schemeClr val="accent1">
+                  <a:alpha val="50000"/>
+                </a:schemeClr>
+              </a:solidFill>
+              <a:ln>
+                <a:noFill/>
+              </a:ln>
+            </p:spPr>
+            <p:style>
+              <a:lnRef idx="2">
+                <a:schemeClr val="accent1">
+                  <a:shade val="50000"/>
+                </a:schemeClr>
+              </a:lnRef>
+              <a:fillRef idx="1">
+                <a:schemeClr val="accent1"/>
+              </a:fillRef>
+              <a:effectRef idx="0">
+                <a:schemeClr val="accent1"/>
+              </a:effectRef>
+              <a:fontRef idx="minor">
+                <a:schemeClr val="lt1"/>
+              </a:fontRef>
+            </p:style>
+            <p:txBody>
+              <a:bodyPr rtlCol="0" anchor="ctr"/>
+              <a:lstStyle/>
+              <a:p>
+                <a:pPr algn="ctr"/>
+                <a:endParaRPr lang="fr-CA" baseline="-25000" dirty="0"/>
+              </a:p>
+            </p:txBody>
+          </p:sp>
+          <p:sp>
+            <p:nvSpPr>
+              <p:cNvPr id="50" name="矩形 49">
+                <a:extLst>
+                  <a:ext uri="{FF2B5EF4-FFF2-40B4-BE49-F238E27FC236}">
+                    <a16:creationId xmlns:a16="http://schemas.microsoft.com/office/drawing/2014/main" id="{B51C9313-E5D7-EDEB-5700-1431C5AF1493}"/>
+                  </a:ext>
+                </a:extLst>
+              </p:cNvPr>
+              <p:cNvSpPr/>
+              <p:nvPr/>
+            </p:nvSpPr>
+            <p:spPr>
+              <a:xfrm>
+                <a:off x="9822180" y="4325841"/>
+                <a:ext cx="295010" cy="242768"/>
+              </a:xfrm>
+              <a:prstGeom prst="rect">
+                <a:avLst/>
+              </a:prstGeom>
+              <a:solidFill>
+                <a:schemeClr val="accent1">
+                  <a:alpha val="50000"/>
+                </a:schemeClr>
+              </a:solidFill>
+              <a:ln>
+                <a:noFill/>
+              </a:ln>
+            </p:spPr>
+            <p:style>
+              <a:lnRef idx="2">
+                <a:schemeClr val="accent1">
+                  <a:shade val="50000"/>
+                </a:schemeClr>
+              </a:lnRef>
+              <a:fillRef idx="1">
+                <a:schemeClr val="accent1"/>
+              </a:fillRef>
+              <a:effectRef idx="0">
+                <a:schemeClr val="accent1"/>
+              </a:effectRef>
+              <a:fontRef idx="minor">
+                <a:schemeClr val="lt1"/>
+              </a:fontRef>
+            </p:style>
+            <p:txBody>
+              <a:bodyPr rtlCol="0" anchor="ctr"/>
+              <a:lstStyle/>
+              <a:p>
+                <a:pPr algn="ctr"/>
+                <a:endParaRPr lang="fr-CA" baseline="-25000" dirty="0"/>
+              </a:p>
+            </p:txBody>
+          </p:sp>
+        </p:grpSp>
+        <p:cxnSp>
+          <p:nvCxnSpPr>
+            <p:cNvPr id="51" name="直接箭头连接符 50">
+              <a:extLst>
+                <a:ext uri="{FF2B5EF4-FFF2-40B4-BE49-F238E27FC236}">
+                  <a16:creationId xmlns:a16="http://schemas.microsoft.com/office/drawing/2014/main" id="{1FF5484D-57C2-9DB3-4451-F73A55191C70}"/>
+                </a:ext>
+              </a:extLst>
+            </p:cNvPr>
+            <p:cNvCxnSpPr/>
+            <p:nvPr/>
+          </p:nvCxnSpPr>
+          <p:spPr>
+            <a:xfrm>
+              <a:off x="8740212" y="3686412"/>
+              <a:ext cx="343827" cy="0"/>
+            </a:xfrm>
+            <a:prstGeom prst="straightConnector1">
+              <a:avLst/>
+            </a:prstGeom>
+            <a:ln w="19050">
+              <a:tailEnd type="triangle"/>
+            </a:ln>
+          </p:spPr>
+          <p:style>
+            <a:lnRef idx="1">
+              <a:schemeClr val="accent1"/>
+            </a:lnRef>
+            <a:fillRef idx="0">
+              <a:schemeClr val="accent1"/>
+            </a:fillRef>
+            <a:effectRef idx="0">
+              <a:schemeClr val="accent1"/>
+            </a:effectRef>
+            <a:fontRef idx="minor">
+              <a:schemeClr val="tx1"/>
+            </a:fontRef>
+          </p:style>
+        </p:cxnSp>
+        <p:sp>
+          <p:nvSpPr>
+            <p:cNvPr id="53" name="文本框 52">
+              <a:extLst>
+                <a:ext uri="{FF2B5EF4-FFF2-40B4-BE49-F238E27FC236}">
+                  <a16:creationId xmlns:a16="http://schemas.microsoft.com/office/drawing/2014/main" id="{14C2637B-E202-5294-EBD3-C4AEA945CBAD}"/>
+                </a:ext>
+              </a:extLst>
+            </p:cNvPr>
+            <p:cNvSpPr txBox="1"/>
+            <p:nvPr/>
+          </p:nvSpPr>
+          <p:spPr>
+            <a:xfrm>
+              <a:off x="8666665" y="3353257"/>
+              <a:ext cx="1303020" cy="369332"/>
+            </a:xfrm>
+            <a:prstGeom prst="rect">
+              <a:avLst/>
+            </a:prstGeom>
+            <a:noFill/>
+          </p:spPr>
           <p:txBody>
-            <a:bodyPr rtlCol="0" anchor="ctr"/>
+            <a:bodyPr wrap="square" rtlCol="0">
+              <a:spAutoFit/>
+            </a:bodyPr>
             <a:lstStyle/>
             <a:p>
-              <a:pPr algn="ctr"/>
-              <a:endParaRPr lang="fr-CA" baseline="-25000" dirty="0"/>
+              <a:r>
+                <a:rPr lang="fr-CA" dirty="0">
+                  <a:latin typeface="Times New Roman" panose="02020603050405020304" pitchFamily="18" charset="0"/>
+                  <a:cs typeface="Times New Roman" panose="02020603050405020304" pitchFamily="18" charset="0"/>
+                </a:rPr>
+                <a:t>CP</a:t>
+              </a:r>
             </a:p>
           </p:txBody>
         </p:sp>
       </p:grpSp>
-      <p:cxnSp>
-        <p:nvCxnSpPr>
-          <p:cNvPr id="51" name="直接箭头连接符 50">
-            <a:extLst>
-              <a:ext uri="{FF2B5EF4-FFF2-40B4-BE49-F238E27FC236}">
-                <a16:creationId xmlns:a16="http://schemas.microsoft.com/office/drawing/2014/main" id="{1FF5484D-57C2-9DB3-4451-F73A55191C70}"/>
-              </a:ext>
-            </a:extLst>
-          </p:cNvPr>
-          <p:cNvCxnSpPr/>
-          <p:nvPr/>
-        </p:nvCxnSpPr>
-        <p:spPr>
-          <a:xfrm>
-            <a:off x="8740212" y="3686412"/>
-            <a:ext cx="343827" cy="0"/>
-          </a:xfrm>
-          <a:prstGeom prst="straightConnector1">
-            <a:avLst/>
-          </a:prstGeom>
-          <a:ln w="19050">
-            <a:tailEnd type="triangle"/>
-          </a:ln>
-        </p:spPr>
-        <p:style>
-          <a:lnRef idx="1">
-            <a:schemeClr val="accent1"/>
-          </a:lnRef>
-          <a:fillRef idx="0">
-            <a:schemeClr val="accent1"/>
-          </a:fillRef>
-          <a:effectRef idx="0">
-            <a:schemeClr val="accent1"/>
-          </a:effectRef>
-          <a:fontRef idx="minor">
-            <a:schemeClr val="tx1"/>
-          </a:fontRef>
-        </p:style>
-      </p:cxnSp>
-      <p:sp>
-        <p:nvSpPr>
-          <p:cNvPr id="53" name="文本框 52">
-            <a:extLst>
-              <a:ext uri="{FF2B5EF4-FFF2-40B4-BE49-F238E27FC236}">
-                <a16:creationId xmlns:a16="http://schemas.microsoft.com/office/drawing/2014/main" id="{14C2637B-E202-5294-EBD3-C4AEA945CBAD}"/>
-              </a:ext>
-            </a:extLst>
-          </p:cNvPr>
-          <p:cNvSpPr txBox="1"/>
-          <p:nvPr/>
-        </p:nvSpPr>
-        <p:spPr>
-          <a:xfrm>
-            <a:off x="8666665" y="3353257"/>
-            <a:ext cx="1303020" cy="369332"/>
-          </a:xfrm>
-          <a:prstGeom prst="rect">
-            <a:avLst/>
-          </a:prstGeom>
-          <a:noFill/>
-        </p:spPr>
-        <p:txBody>
-          <a:bodyPr wrap="square" rtlCol="0">
-            <a:spAutoFit/>
-          </a:bodyPr>
-          <a:lstStyle/>
-          <a:p>
-            <a:r>
-              <a:rPr lang="fr-CA" dirty="0">
-                <a:latin typeface="Times New Roman" panose="02020603050405020304" pitchFamily="18" charset="0"/>
-                <a:cs typeface="Times New Roman" panose="02020603050405020304" pitchFamily="18" charset="0"/>
-              </a:rPr>
-              <a:t>CP</a:t>
-            </a:r>
-          </a:p>
-        </p:txBody>
-      </p:sp>
     </p:spTree>
     <p:extLst>
       <p:ext uri="{BB962C8B-B14F-4D97-AF65-F5344CB8AC3E}">
@@ -15871,6 +15980,64 @@
 </file>
 
 <file path=ppt/slides/slide7.xml><?xml version="1.0" encoding="utf-8"?>
+<p:sld xmlns:a="http://schemas.openxmlformats.org/drawingml/2006/main" xmlns:r="http://schemas.openxmlformats.org/officeDocument/2006/relationships" xmlns:p="http://schemas.openxmlformats.org/presentationml/2006/main">
+  <p:cSld>
+    <p:spTree>
+      <p:nvGrpSpPr>
+        <p:cNvPr id="1" name=""/>
+        <p:cNvGrpSpPr/>
+        <p:nvPr/>
+      </p:nvGrpSpPr>
+      <p:grpSpPr>
+        <a:xfrm>
+          <a:off x="0" y="0"/>
+          <a:ext cx="0" cy="0"/>
+          <a:chOff x="0" y="0"/>
+          <a:chExt cx="0" cy="0"/>
+        </a:xfrm>
+      </p:grpSpPr>
+      <p:sp>
+        <p:nvSpPr>
+          <p:cNvPr id="2" name="标题 1">
+            <a:extLst>
+              <a:ext uri="{FF2B5EF4-FFF2-40B4-BE49-F238E27FC236}">
+                <a16:creationId xmlns:a16="http://schemas.microsoft.com/office/drawing/2014/main" id="{35E6CC85-11AA-66B6-865A-71E98599D83C}"/>
+              </a:ext>
+            </a:extLst>
+          </p:cNvPr>
+          <p:cNvSpPr>
+            <a:spLocks noGrp="1"/>
+          </p:cNvSpPr>
+          <p:nvPr>
+            <p:ph type="title"/>
+          </p:nvPr>
+        </p:nvSpPr>
+        <p:spPr/>
+        <p:txBody>
+          <a:bodyPr/>
+          <a:lstStyle/>
+          <a:p>
+            <a:r>
+              <a:rPr lang="fr-CA" dirty="0"/>
+              <a:t>Reveiver</a:t>
+            </a:r>
+          </a:p>
+        </p:txBody>
+      </p:sp>
+    </p:spTree>
+    <p:extLst>
+      <p:ext uri="{BB962C8B-B14F-4D97-AF65-F5344CB8AC3E}">
+        <p14:creationId xmlns:p14="http://schemas.microsoft.com/office/powerpoint/2010/main" val="1364422448"/>
+      </p:ext>
+    </p:extLst>
+  </p:cSld>
+  <p:clrMapOvr>
+    <a:masterClrMapping/>
+  </p:clrMapOvr>
+</p:sld>
+</file>
+
+<file path=ppt/slides/slide8.xml><?xml version="1.0" encoding="utf-8"?>
 <p:sld xmlns:a="http://schemas.openxmlformats.org/drawingml/2006/main" xmlns:r="http://schemas.openxmlformats.org/officeDocument/2006/relationships" xmlns:p="http://schemas.openxmlformats.org/presentationml/2006/main">
   <p:cSld>
     <p:spTree>
@@ -16325,7 +16492,7 @@
 </p:sld>
 </file>
 
-<file path=ppt/slides/slide8.xml><?xml version="1.0" encoding="utf-8"?>
+<file path=ppt/slides/slide9.xml><?xml version="1.0" encoding="utf-8"?>
 <p:sld xmlns:a="http://schemas.openxmlformats.org/drawingml/2006/main" xmlns:r="http://schemas.openxmlformats.org/officeDocument/2006/relationships" xmlns:p="http://schemas.openxmlformats.org/presentationml/2006/main">
   <p:cSld>
     <p:spTree>
@@ -16451,93 +16618,6 @@
     <p:extLst>
       <p:ext uri="{BB962C8B-B14F-4D97-AF65-F5344CB8AC3E}">
         <p14:creationId xmlns:p14="http://schemas.microsoft.com/office/powerpoint/2010/main" val="4171656140"/>
-      </p:ext>
-    </p:extLst>
-  </p:cSld>
-  <p:clrMapOvr>
-    <a:masterClrMapping/>
-  </p:clrMapOvr>
-</p:sld>
-</file>
-
-<file path=ppt/slides/slide9.xml><?xml version="1.0" encoding="utf-8"?>
-<p:sld xmlns:a="http://schemas.openxmlformats.org/drawingml/2006/main" xmlns:r="http://schemas.openxmlformats.org/officeDocument/2006/relationships" xmlns:p="http://schemas.openxmlformats.org/presentationml/2006/main">
-  <p:cSld>
-    <p:spTree>
-      <p:nvGrpSpPr>
-        <p:cNvPr id="1" name=""/>
-        <p:cNvGrpSpPr/>
-        <p:nvPr/>
-      </p:nvGrpSpPr>
-      <p:grpSpPr>
-        <a:xfrm>
-          <a:off x="0" y="0"/>
-          <a:ext cx="0" cy="0"/>
-          <a:chOff x="0" y="0"/>
-          <a:chExt cx="0" cy="0"/>
-        </a:xfrm>
-      </p:grpSpPr>
-      <p:pic>
-        <p:nvPicPr>
-          <p:cNvPr id="4" name="图片 3">
-            <a:extLst>
-              <a:ext uri="{FF2B5EF4-FFF2-40B4-BE49-F238E27FC236}">
-                <a16:creationId xmlns:a16="http://schemas.microsoft.com/office/drawing/2014/main" id="{5DB42684-AE6B-1412-CEA5-12AB30E5BDD3}"/>
-              </a:ext>
-            </a:extLst>
-          </p:cNvPr>
-          <p:cNvPicPr>
-            <a:picLocks noChangeAspect="1"/>
-          </p:cNvPicPr>
-          <p:nvPr/>
-        </p:nvPicPr>
-        <p:blipFill rotWithShape="1">
-          <a:blip r:embed="rId2"/>
-          <a:srcRect t="7165"/>
-          <a:stretch/>
-        </p:blipFill>
-        <p:spPr>
-          <a:xfrm>
-            <a:off x="0" y="1152656"/>
-            <a:ext cx="12192000" cy="5505626"/>
-          </a:xfrm>
-          <a:prstGeom prst="rect">
-            <a:avLst/>
-          </a:prstGeom>
-        </p:spPr>
-      </p:pic>
-      <p:sp>
-        <p:nvSpPr>
-          <p:cNvPr id="5" name="标题 4">
-            <a:extLst>
-              <a:ext uri="{FF2B5EF4-FFF2-40B4-BE49-F238E27FC236}">
-                <a16:creationId xmlns:a16="http://schemas.microsoft.com/office/drawing/2014/main" id="{90649757-D066-5276-9331-4F8A81FFF3FD}"/>
-              </a:ext>
-            </a:extLst>
-          </p:cNvPr>
-          <p:cNvSpPr>
-            <a:spLocks noGrp="1"/>
-          </p:cNvSpPr>
-          <p:nvPr>
-            <p:ph type="title"/>
-          </p:nvPr>
-        </p:nvSpPr>
-        <p:spPr/>
-        <p:txBody>
-          <a:bodyPr/>
-          <a:lstStyle/>
-          <a:p>
-            <a:r>
-              <a:rPr lang="fr-CA" dirty="0"/>
-              <a:t>Sigfox Geographical RCs</a:t>
-            </a:r>
-          </a:p>
-        </p:txBody>
-      </p:sp>
-    </p:spTree>
-    <p:extLst>
-      <p:ext uri="{BB962C8B-B14F-4D97-AF65-F5344CB8AC3E}">
-        <p14:creationId xmlns:p14="http://schemas.microsoft.com/office/powerpoint/2010/main" val="2412469338"/>
       </p:ext>
     </p:extLst>
   </p:cSld>

--- a/Resume.pptx
+++ b/Resume.pptx
@@ -8323,7 +8323,7 @@
           <a:p>
             <a:fld id="{4479E248-4FB6-463A-B781-DB70B2EFA031}" type="datetimeFigureOut">
               <a:rPr lang="fr-CA" smtClean="0"/>
-              <a:t>2022-09-07</a:t>
+              <a:t>2022-09-08</a:t>
             </a:fld>
             <a:endParaRPr lang="fr-CA"/>
           </a:p>
@@ -9099,7 +9099,7 @@
           <a:p>
             <a:fld id="{66CEC84B-D40F-472B-9E0C-04975A0B5CE2}" type="datetimeFigureOut">
               <a:rPr lang="fr-CA" smtClean="0"/>
-              <a:t>2022-09-07</a:t>
+              <a:t>2022-09-08</a:t>
             </a:fld>
             <a:endParaRPr lang="fr-CA"/>
           </a:p>
@@ -9299,7 +9299,7 @@
           <a:p>
             <a:fld id="{66CEC84B-D40F-472B-9E0C-04975A0B5CE2}" type="datetimeFigureOut">
               <a:rPr lang="fr-CA" smtClean="0"/>
-              <a:t>2022-09-07</a:t>
+              <a:t>2022-09-08</a:t>
             </a:fld>
             <a:endParaRPr lang="fr-CA"/>
           </a:p>
@@ -9509,7 +9509,7 @@
           <a:p>
             <a:fld id="{66CEC84B-D40F-472B-9E0C-04975A0B5CE2}" type="datetimeFigureOut">
               <a:rPr lang="fr-CA" smtClean="0"/>
-              <a:t>2022-09-07</a:t>
+              <a:t>2022-09-08</a:t>
             </a:fld>
             <a:endParaRPr lang="fr-CA"/>
           </a:p>
@@ -9709,7 +9709,7 @@
           <a:p>
             <a:fld id="{66CEC84B-D40F-472B-9E0C-04975A0B5CE2}" type="datetimeFigureOut">
               <a:rPr lang="fr-CA" smtClean="0"/>
-              <a:t>2022-09-07</a:t>
+              <a:t>2022-09-08</a:t>
             </a:fld>
             <a:endParaRPr lang="fr-CA"/>
           </a:p>
@@ -9985,7 +9985,7 @@
           <a:p>
             <a:fld id="{66CEC84B-D40F-472B-9E0C-04975A0B5CE2}" type="datetimeFigureOut">
               <a:rPr lang="fr-CA" smtClean="0"/>
-              <a:t>2022-09-07</a:t>
+              <a:t>2022-09-08</a:t>
             </a:fld>
             <a:endParaRPr lang="fr-CA"/>
           </a:p>
@@ -10253,7 +10253,7 @@
           <a:p>
             <a:fld id="{66CEC84B-D40F-472B-9E0C-04975A0B5CE2}" type="datetimeFigureOut">
               <a:rPr lang="fr-CA" smtClean="0"/>
-              <a:t>2022-09-07</a:t>
+              <a:t>2022-09-08</a:t>
             </a:fld>
             <a:endParaRPr lang="fr-CA"/>
           </a:p>
@@ -10668,7 +10668,7 @@
           <a:p>
             <a:fld id="{66CEC84B-D40F-472B-9E0C-04975A0B5CE2}" type="datetimeFigureOut">
               <a:rPr lang="fr-CA" smtClean="0"/>
-              <a:t>2022-09-07</a:t>
+              <a:t>2022-09-08</a:t>
             </a:fld>
             <a:endParaRPr lang="fr-CA"/>
           </a:p>
@@ -10825,7 +10825,7 @@
             <a:fld id="{66CEC84B-D40F-472B-9E0C-04975A0B5CE2}" type="datetimeFigureOut">
               <a:rPr lang="fr-CA" smtClean="0"/>
               <a:pPr/>
-              <a:t>2022-09-07</a:t>
+              <a:t>2022-09-08</a:t>
             </a:fld>
             <a:endParaRPr lang="fr-CA" dirty="0"/>
           </a:p>
@@ -10961,7 +10961,7 @@
             <a:fld id="{66CEC84B-D40F-472B-9E0C-04975A0B5CE2}" type="datetimeFigureOut">
               <a:rPr lang="fr-CA" smtClean="0"/>
               <a:pPr/>
-              <a:t>2022-09-07</a:t>
+              <a:t>2022-09-08</a:t>
             </a:fld>
             <a:endParaRPr lang="fr-CA"/>
           </a:p>
@@ -11289,7 +11289,7 @@
           <a:p>
             <a:fld id="{66CEC84B-D40F-472B-9E0C-04975A0B5CE2}" type="datetimeFigureOut">
               <a:rPr lang="fr-CA" smtClean="0"/>
-              <a:t>2022-09-07</a:t>
+              <a:t>2022-09-08</a:t>
             </a:fld>
             <a:endParaRPr lang="fr-CA"/>
           </a:p>
@@ -11578,7 +11578,7 @@
           <a:p>
             <a:fld id="{66CEC84B-D40F-472B-9E0C-04975A0B5CE2}" type="datetimeFigureOut">
               <a:rPr lang="fr-CA" smtClean="0"/>
-              <a:t>2022-09-07</a:t>
+              <a:t>2022-09-08</a:t>
             </a:fld>
             <a:endParaRPr lang="fr-CA"/>
           </a:p>
@@ -11821,7 +11821,7 @@
           <a:p>
             <a:fld id="{66CEC84B-D40F-472B-9E0C-04975A0B5CE2}" type="datetimeFigureOut">
               <a:rPr lang="fr-CA" smtClean="0"/>
-              <a:t>2022-09-07</a:t>
+              <a:t>2022-09-08</a:t>
             </a:fld>
             <a:endParaRPr lang="fr-CA"/>
           </a:p>
@@ -12550,7 +12550,7 @@
 </file>
 
 <file path=ppt/slides/slide2.xml><?xml version="1.0" encoding="utf-8"?>
-<p:sld xmlns:a="http://schemas.openxmlformats.org/drawingml/2006/main" xmlns:r="http://schemas.openxmlformats.org/officeDocument/2006/relationships" xmlns:p="http://schemas.openxmlformats.org/presentationml/2006/main">
+<p:sld xmlns:a="http://schemas.openxmlformats.org/drawingml/2006/main" xmlns:r="http://schemas.openxmlformats.org/officeDocument/2006/relationships" xmlns:p="http://schemas.openxmlformats.org/presentationml/2006/main" show="0">
   <p:cSld>
     <p:spTree>
       <p:nvGrpSpPr>
@@ -14103,7 +14103,7 @@
                   <a:latin typeface="Times New Roman" panose="02020603050405020304" pitchFamily="18" charset="0"/>
                   <a:cs typeface="Times New Roman" panose="02020603050405020304" pitchFamily="18" charset="0"/>
                 </a:rPr>
-                <a:t>Geometry</a:t>
+                <a:t>Antenna</a:t>
               </a:r>
             </a:p>
           </p:txBody>
@@ -14163,7 +14163,7 @@
                   <a:latin typeface="Times New Roman" panose="02020603050405020304" pitchFamily="18" charset="0"/>
                   <a:cs typeface="Times New Roman" panose="02020603050405020304" pitchFamily="18" charset="0"/>
                 </a:rPr>
-                <a:t>Configuration</a:t>
+                <a:t>Scenario</a:t>
               </a:r>
             </a:p>
           </p:txBody>
@@ -15712,36 +15712,6 @@
           </a:p>
         </p:txBody>
       </p:sp>
-      <p:pic>
-        <p:nvPicPr>
-          <p:cNvPr id="4" name="图片 3">
-            <a:extLst>
-              <a:ext uri="{FF2B5EF4-FFF2-40B4-BE49-F238E27FC236}">
-                <a16:creationId xmlns:a16="http://schemas.microsoft.com/office/drawing/2014/main" id="{3902019C-6C53-EF16-C502-A8EB072EF5D0}"/>
-              </a:ext>
-            </a:extLst>
-          </p:cNvPr>
-          <p:cNvPicPr>
-            <a:picLocks noChangeAspect="1"/>
-          </p:cNvPicPr>
-          <p:nvPr/>
-        </p:nvPicPr>
-        <p:blipFill>
-          <a:blip r:embed="rId2"/>
-          <a:stretch>
-            <a:fillRect/>
-          </a:stretch>
-        </p:blipFill>
-        <p:spPr>
-          <a:xfrm>
-            <a:off x="7620" y="1524038"/>
-            <a:ext cx="12192000" cy="4968837"/>
-          </a:xfrm>
-          <a:prstGeom prst="rect">
-            <a:avLst/>
-          </a:prstGeom>
-        </p:spPr>
-      </p:pic>
       <p:sp>
         <p:nvSpPr>
           <p:cNvPr id="3" name="文本框 2">
@@ -15780,6 +15750,816 @@
           </a:p>
         </p:txBody>
       </p:sp>
+      <p:grpSp>
+        <p:nvGrpSpPr>
+          <p:cNvPr id="43" name="组合 42">
+            <a:extLst>
+              <a:ext uri="{FF2B5EF4-FFF2-40B4-BE49-F238E27FC236}">
+                <a16:creationId xmlns:a16="http://schemas.microsoft.com/office/drawing/2014/main" id="{6D724A80-76A0-B1DB-888D-E2740C37A1A9}"/>
+              </a:ext>
+            </a:extLst>
+          </p:cNvPr>
+          <p:cNvGrpSpPr/>
+          <p:nvPr/>
+        </p:nvGrpSpPr>
+        <p:grpSpPr>
+          <a:xfrm>
+            <a:off x="1557316" y="2672810"/>
+            <a:ext cx="1850263" cy="2714722"/>
+            <a:chOff x="411097" y="2479627"/>
+            <a:chExt cx="1850263" cy="2714722"/>
+          </a:xfrm>
+        </p:grpSpPr>
+        <p:sp>
+          <p:nvSpPr>
+            <p:cNvPr id="7" name="文本框 6">
+              <a:extLst>
+                <a:ext uri="{FF2B5EF4-FFF2-40B4-BE49-F238E27FC236}">
+                  <a16:creationId xmlns:a16="http://schemas.microsoft.com/office/drawing/2014/main" id="{8613973E-5102-FBB7-2397-414E6B7EB320}"/>
+                </a:ext>
+              </a:extLst>
+            </p:cNvPr>
+            <p:cNvSpPr txBox="1"/>
+            <p:nvPr/>
+          </p:nvSpPr>
+          <p:spPr>
+            <a:xfrm>
+              <a:off x="846783" y="3647395"/>
+              <a:ext cx="1414577" cy="276999"/>
+            </a:xfrm>
+            <a:prstGeom prst="rect">
+              <a:avLst/>
+            </a:prstGeom>
+            <a:noFill/>
+          </p:spPr>
+          <p:txBody>
+            <a:bodyPr wrap="square" rtlCol="0">
+              <a:spAutoFit/>
+            </a:bodyPr>
+            <a:lstStyle/>
+            <a:p>
+              <a:r>
+                <a:rPr lang="en-US" altLang="zh-CN" sz="1200" dirty="0">
+                  <a:latin typeface="Times New Roman" panose="02020603050405020304" pitchFamily="18" charset="0"/>
+                  <a:cs typeface="Times New Roman" panose="02020603050405020304" pitchFamily="18" charset="0"/>
+                </a:rPr>
+                <a:t>Antenna array</a:t>
+              </a:r>
+              <a:endParaRPr lang="fr-CA" sz="1200" dirty="0">
+                <a:latin typeface="Times New Roman" panose="02020603050405020304" pitchFamily="18" charset="0"/>
+                <a:cs typeface="Times New Roman" panose="02020603050405020304" pitchFamily="18" charset="0"/>
+              </a:endParaRPr>
+            </a:p>
+          </p:txBody>
+        </p:sp>
+        <p:pic>
+          <p:nvPicPr>
+            <p:cNvPr id="9" name="图片 8">
+              <a:extLst>
+                <a:ext uri="{FF2B5EF4-FFF2-40B4-BE49-F238E27FC236}">
+                  <a16:creationId xmlns:a16="http://schemas.microsoft.com/office/drawing/2014/main" id="{3831AAA4-4D31-DAA1-C8A9-C0312D29220A}"/>
+                </a:ext>
+              </a:extLst>
+            </p:cNvPr>
+            <p:cNvPicPr>
+              <a:picLocks noChangeAspect="1"/>
+            </p:cNvPicPr>
+            <p:nvPr/>
+          </p:nvPicPr>
+          <p:blipFill>
+            <a:blip r:embed="rId2"/>
+            <a:stretch>
+              <a:fillRect/>
+            </a:stretch>
+          </p:blipFill>
+          <p:spPr>
+            <a:xfrm>
+              <a:off x="760490" y="4312615"/>
+              <a:ext cx="1025914" cy="605078"/>
+            </a:xfrm>
+            <a:prstGeom prst="rect">
+              <a:avLst/>
+            </a:prstGeom>
+          </p:spPr>
+        </p:pic>
+        <p:grpSp>
+          <p:nvGrpSpPr>
+            <p:cNvPr id="26" name="组合 25">
+              <a:extLst>
+                <a:ext uri="{FF2B5EF4-FFF2-40B4-BE49-F238E27FC236}">
+                  <a16:creationId xmlns:a16="http://schemas.microsoft.com/office/drawing/2014/main" id="{CA01777B-7D67-DCB5-E9FF-6BC5706CB2E4}"/>
+                </a:ext>
+              </a:extLst>
+            </p:cNvPr>
+            <p:cNvGrpSpPr/>
+            <p:nvPr/>
+          </p:nvGrpSpPr>
+          <p:grpSpPr>
+            <a:xfrm>
+              <a:off x="838200" y="2479627"/>
+              <a:ext cx="1082896" cy="1065283"/>
+              <a:chOff x="838200" y="2479627"/>
+              <a:chExt cx="1082896" cy="1065283"/>
+            </a:xfrm>
+          </p:grpSpPr>
+          <p:sp>
+            <p:nvSpPr>
+              <p:cNvPr id="10" name="矩形 9">
+                <a:extLst>
+                  <a:ext uri="{FF2B5EF4-FFF2-40B4-BE49-F238E27FC236}">
+                    <a16:creationId xmlns:a16="http://schemas.microsoft.com/office/drawing/2014/main" id="{90F0C64F-A545-1327-1766-06BBF4CF8643}"/>
+                  </a:ext>
+                </a:extLst>
+              </p:cNvPr>
+              <p:cNvSpPr/>
+              <p:nvPr/>
+            </p:nvSpPr>
+            <p:spPr>
+              <a:xfrm>
+                <a:off x="838200" y="2962142"/>
+                <a:ext cx="269383" cy="115910"/>
+              </a:xfrm>
+              <a:prstGeom prst="rect">
+                <a:avLst/>
+              </a:prstGeom>
+              <a:noFill/>
+              <a:ln>
+                <a:solidFill>
+                  <a:srgbClr val="002060"/>
+                </a:solidFill>
+              </a:ln>
+            </p:spPr>
+            <p:style>
+              <a:lnRef idx="2">
+                <a:schemeClr val="accent1">
+                  <a:shade val="50000"/>
+                </a:schemeClr>
+              </a:lnRef>
+              <a:fillRef idx="1">
+                <a:schemeClr val="accent1"/>
+              </a:fillRef>
+              <a:effectRef idx="0">
+                <a:schemeClr val="accent1"/>
+              </a:effectRef>
+              <a:fontRef idx="minor">
+                <a:schemeClr val="lt1"/>
+              </a:fontRef>
+            </p:style>
+            <p:txBody>
+              <a:bodyPr rtlCol="0" anchor="ctr"/>
+              <a:lstStyle/>
+              <a:p>
+                <a:pPr algn="ctr"/>
+                <a:endParaRPr lang="fr-CA" dirty="0"/>
+              </a:p>
+            </p:txBody>
+          </p:sp>
+          <p:sp>
+            <p:nvSpPr>
+              <p:cNvPr id="12" name="矩形 11">
+                <a:extLst>
+                  <a:ext uri="{FF2B5EF4-FFF2-40B4-BE49-F238E27FC236}">
+                    <a16:creationId xmlns:a16="http://schemas.microsoft.com/office/drawing/2014/main" id="{C59267D5-4CE3-94A4-5287-A6B6A1B0ABE7}"/>
+                  </a:ext>
+                </a:extLst>
+              </p:cNvPr>
+              <p:cNvSpPr/>
+              <p:nvPr/>
+            </p:nvSpPr>
+            <p:spPr>
+              <a:xfrm>
+                <a:off x="1517023" y="3429000"/>
+                <a:ext cx="269383" cy="115910"/>
+              </a:xfrm>
+              <a:prstGeom prst="rect">
+                <a:avLst/>
+              </a:prstGeom>
+              <a:noFill/>
+              <a:ln>
+                <a:solidFill>
+                  <a:srgbClr val="002060"/>
+                </a:solidFill>
+              </a:ln>
+            </p:spPr>
+            <p:style>
+              <a:lnRef idx="2">
+                <a:schemeClr val="accent1">
+                  <a:shade val="50000"/>
+                </a:schemeClr>
+              </a:lnRef>
+              <a:fillRef idx="1">
+                <a:schemeClr val="accent1"/>
+              </a:fillRef>
+              <a:effectRef idx="0">
+                <a:schemeClr val="accent1"/>
+              </a:effectRef>
+              <a:fontRef idx="minor">
+                <a:schemeClr val="lt1"/>
+              </a:fontRef>
+            </p:style>
+            <p:txBody>
+              <a:bodyPr rtlCol="0" anchor="ctr"/>
+              <a:lstStyle/>
+              <a:p>
+                <a:pPr algn="ctr"/>
+                <a:endParaRPr lang="fr-CA" dirty="0"/>
+              </a:p>
+            </p:txBody>
+          </p:sp>
+          <p:sp>
+            <p:nvSpPr>
+              <p:cNvPr id="14" name="矩形 13">
+                <a:extLst>
+                  <a:ext uri="{FF2B5EF4-FFF2-40B4-BE49-F238E27FC236}">
+                    <a16:creationId xmlns:a16="http://schemas.microsoft.com/office/drawing/2014/main" id="{ECB1E13F-ABC8-2E7A-BA9F-CF48051304A2}"/>
+                  </a:ext>
+                </a:extLst>
+              </p:cNvPr>
+              <p:cNvSpPr/>
+              <p:nvPr/>
+            </p:nvSpPr>
+            <p:spPr>
+              <a:xfrm>
+                <a:off x="1517022" y="2962142"/>
+                <a:ext cx="269383" cy="115910"/>
+              </a:xfrm>
+              <a:prstGeom prst="rect">
+                <a:avLst/>
+              </a:prstGeom>
+              <a:noFill/>
+              <a:ln>
+                <a:solidFill>
+                  <a:srgbClr val="002060"/>
+                </a:solidFill>
+              </a:ln>
+            </p:spPr>
+            <p:style>
+              <a:lnRef idx="2">
+                <a:schemeClr val="accent1">
+                  <a:shade val="50000"/>
+                </a:schemeClr>
+              </a:lnRef>
+              <a:fillRef idx="1">
+                <a:schemeClr val="accent1"/>
+              </a:fillRef>
+              <a:effectRef idx="0">
+                <a:schemeClr val="accent1"/>
+              </a:effectRef>
+              <a:fontRef idx="minor">
+                <a:schemeClr val="lt1"/>
+              </a:fontRef>
+            </p:style>
+            <p:txBody>
+              <a:bodyPr rtlCol="0" anchor="ctr"/>
+              <a:lstStyle/>
+              <a:p>
+                <a:pPr algn="ctr"/>
+                <a:endParaRPr lang="fr-CA" dirty="0"/>
+              </a:p>
+            </p:txBody>
+          </p:sp>
+          <p:sp>
+            <p:nvSpPr>
+              <p:cNvPr id="16" name="矩形 15">
+                <a:extLst>
+                  <a:ext uri="{FF2B5EF4-FFF2-40B4-BE49-F238E27FC236}">
+                    <a16:creationId xmlns:a16="http://schemas.microsoft.com/office/drawing/2014/main" id="{A963BE7E-E01D-3F5C-89D0-565259AD8C9D}"/>
+                  </a:ext>
+                </a:extLst>
+              </p:cNvPr>
+              <p:cNvSpPr/>
+              <p:nvPr/>
+            </p:nvSpPr>
+            <p:spPr>
+              <a:xfrm>
+                <a:off x="844639" y="3429000"/>
+                <a:ext cx="269383" cy="115910"/>
+              </a:xfrm>
+              <a:prstGeom prst="rect">
+                <a:avLst/>
+              </a:prstGeom>
+              <a:noFill/>
+              <a:ln>
+                <a:solidFill>
+                  <a:srgbClr val="002060"/>
+                </a:solidFill>
+              </a:ln>
+            </p:spPr>
+            <p:style>
+              <a:lnRef idx="2">
+                <a:schemeClr val="accent1">
+                  <a:shade val="50000"/>
+                </a:schemeClr>
+              </a:lnRef>
+              <a:fillRef idx="1">
+                <a:schemeClr val="accent1"/>
+              </a:fillRef>
+              <a:effectRef idx="0">
+                <a:schemeClr val="accent1"/>
+              </a:effectRef>
+              <a:fontRef idx="minor">
+                <a:schemeClr val="lt1"/>
+              </a:fontRef>
+            </p:style>
+            <p:txBody>
+              <a:bodyPr rtlCol="0" anchor="ctr"/>
+              <a:lstStyle/>
+              <a:p>
+                <a:pPr algn="ctr"/>
+                <a:endParaRPr lang="fr-CA" dirty="0"/>
+              </a:p>
+            </p:txBody>
+          </p:sp>
+          <p:grpSp>
+            <p:nvGrpSpPr>
+              <p:cNvPr id="19" name="组合 18">
+                <a:extLst>
+                  <a:ext uri="{FF2B5EF4-FFF2-40B4-BE49-F238E27FC236}">
+                    <a16:creationId xmlns:a16="http://schemas.microsoft.com/office/drawing/2014/main" id="{A9194643-CB37-BE06-7258-5E4220A3DE74}"/>
+                  </a:ext>
+                </a:extLst>
+              </p:cNvPr>
+              <p:cNvGrpSpPr/>
+              <p:nvPr/>
+            </p:nvGrpSpPr>
+            <p:grpSpPr>
+              <a:xfrm>
+                <a:off x="1331817" y="2479627"/>
+                <a:ext cx="535620" cy="828629"/>
+                <a:chOff x="11351580" y="2802808"/>
+                <a:chExt cx="542058" cy="811369"/>
+              </a:xfrm>
+            </p:grpSpPr>
+            <p:cxnSp>
+              <p:nvCxnSpPr>
+                <p:cNvPr id="17" name="直接箭头连接符 16">
+                  <a:extLst>
+                    <a:ext uri="{FF2B5EF4-FFF2-40B4-BE49-F238E27FC236}">
+                      <a16:creationId xmlns:a16="http://schemas.microsoft.com/office/drawing/2014/main" id="{83E0C1C8-F345-BE7F-9DCC-580EB852C080}"/>
+                    </a:ext>
+                  </a:extLst>
+                </p:cNvPr>
+                <p:cNvCxnSpPr/>
+                <p:nvPr/>
+              </p:nvCxnSpPr>
+              <p:spPr>
+                <a:xfrm>
+                  <a:off x="11351580" y="3608006"/>
+                  <a:ext cx="542058" cy="0"/>
+                </a:xfrm>
+                <a:prstGeom prst="straightConnector1">
+                  <a:avLst/>
+                </a:prstGeom>
+                <a:ln w="12700">
+                  <a:tailEnd type="triangle"/>
+                </a:ln>
+              </p:spPr>
+              <p:style>
+                <a:lnRef idx="1">
+                  <a:schemeClr val="dk1"/>
+                </a:lnRef>
+                <a:fillRef idx="0">
+                  <a:schemeClr val="dk1"/>
+                </a:fillRef>
+                <a:effectRef idx="0">
+                  <a:schemeClr val="dk1"/>
+                </a:effectRef>
+                <a:fontRef idx="minor">
+                  <a:schemeClr val="tx1"/>
+                </a:fontRef>
+              </p:style>
+            </p:cxnSp>
+            <p:cxnSp>
+              <p:nvCxnSpPr>
+                <p:cNvPr id="18" name="直接箭头连接符 17">
+                  <a:extLst>
+                    <a:ext uri="{FF2B5EF4-FFF2-40B4-BE49-F238E27FC236}">
+                      <a16:creationId xmlns:a16="http://schemas.microsoft.com/office/drawing/2014/main" id="{7FFC7EB3-7040-0C6E-3B9E-576C5269F9B3}"/>
+                    </a:ext>
+                  </a:extLst>
+                </p:cNvPr>
+                <p:cNvCxnSpPr/>
+                <p:nvPr/>
+              </p:nvCxnSpPr>
+              <p:spPr>
+                <a:xfrm flipV="1">
+                  <a:off x="11351580" y="2802808"/>
+                  <a:ext cx="0" cy="811369"/>
+                </a:xfrm>
+                <a:prstGeom prst="straightConnector1">
+                  <a:avLst/>
+                </a:prstGeom>
+                <a:ln w="19050">
+                  <a:tailEnd type="triangle"/>
+                </a:ln>
+              </p:spPr>
+              <p:style>
+                <a:lnRef idx="1">
+                  <a:schemeClr val="dk1"/>
+                </a:lnRef>
+                <a:fillRef idx="0">
+                  <a:schemeClr val="dk1"/>
+                </a:fillRef>
+                <a:effectRef idx="0">
+                  <a:schemeClr val="dk1"/>
+                </a:effectRef>
+                <a:fontRef idx="minor">
+                  <a:schemeClr val="tx1"/>
+                </a:fontRef>
+              </p:style>
+            </p:cxnSp>
+          </p:grpSp>
+          <p:grpSp>
+            <p:nvGrpSpPr>
+              <p:cNvPr id="20" name="组合 19">
+                <a:extLst>
+                  <a:ext uri="{FF2B5EF4-FFF2-40B4-BE49-F238E27FC236}">
+                    <a16:creationId xmlns:a16="http://schemas.microsoft.com/office/drawing/2014/main" id="{E7F1A201-8509-6278-5712-609B2E165479}"/>
+                  </a:ext>
+                </a:extLst>
+              </p:cNvPr>
+              <p:cNvGrpSpPr/>
+              <p:nvPr/>
+            </p:nvGrpSpPr>
+            <p:grpSpPr>
+              <a:xfrm>
+                <a:off x="1651713" y="2837482"/>
+                <a:ext cx="269383" cy="161322"/>
+                <a:chOff x="11351580" y="2790198"/>
+                <a:chExt cx="542058" cy="817808"/>
+              </a:xfrm>
+            </p:grpSpPr>
+            <p:cxnSp>
+              <p:nvCxnSpPr>
+                <p:cNvPr id="21" name="直接箭头连接符 20">
+                  <a:extLst>
+                    <a:ext uri="{FF2B5EF4-FFF2-40B4-BE49-F238E27FC236}">
+                      <a16:creationId xmlns:a16="http://schemas.microsoft.com/office/drawing/2014/main" id="{773E5EF5-A2DF-1847-81D4-4429F4C0D93C}"/>
+                    </a:ext>
+                  </a:extLst>
+                </p:cNvPr>
+                <p:cNvCxnSpPr/>
+                <p:nvPr/>
+              </p:nvCxnSpPr>
+              <p:spPr>
+                <a:xfrm>
+                  <a:off x="11351580" y="3608006"/>
+                  <a:ext cx="542058" cy="0"/>
+                </a:xfrm>
+                <a:prstGeom prst="straightConnector1">
+                  <a:avLst/>
+                </a:prstGeom>
+                <a:ln w="12700">
+                  <a:tailEnd type="triangle"/>
+                </a:ln>
+              </p:spPr>
+              <p:style>
+                <a:lnRef idx="1">
+                  <a:schemeClr val="dk1"/>
+                </a:lnRef>
+                <a:fillRef idx="0">
+                  <a:schemeClr val="dk1"/>
+                </a:fillRef>
+                <a:effectRef idx="0">
+                  <a:schemeClr val="dk1"/>
+                </a:effectRef>
+                <a:fontRef idx="minor">
+                  <a:schemeClr val="tx1"/>
+                </a:fontRef>
+              </p:style>
+            </p:cxnSp>
+            <p:cxnSp>
+              <p:nvCxnSpPr>
+                <p:cNvPr id="22" name="直接箭头连接符 21">
+                  <a:extLst>
+                    <a:ext uri="{FF2B5EF4-FFF2-40B4-BE49-F238E27FC236}">
+                      <a16:creationId xmlns:a16="http://schemas.microsoft.com/office/drawing/2014/main" id="{3FD301B5-487E-BD3D-755F-F4DA90591FD6}"/>
+                    </a:ext>
+                  </a:extLst>
+                </p:cNvPr>
+                <p:cNvCxnSpPr/>
+                <p:nvPr/>
+              </p:nvCxnSpPr>
+              <p:spPr>
+                <a:xfrm flipV="1">
+                  <a:off x="11351580" y="2790198"/>
+                  <a:ext cx="0" cy="811369"/>
+                </a:xfrm>
+                <a:prstGeom prst="straightConnector1">
+                  <a:avLst/>
+                </a:prstGeom>
+                <a:ln w="19050">
+                  <a:tailEnd type="triangle"/>
+                </a:ln>
+              </p:spPr>
+              <p:style>
+                <a:lnRef idx="1">
+                  <a:schemeClr val="dk1"/>
+                </a:lnRef>
+                <a:fillRef idx="0">
+                  <a:schemeClr val="dk1"/>
+                </a:fillRef>
+                <a:effectRef idx="0">
+                  <a:schemeClr val="dk1"/>
+                </a:effectRef>
+                <a:fontRef idx="minor">
+                  <a:schemeClr val="tx1"/>
+                </a:fontRef>
+              </p:style>
+            </p:cxnSp>
+          </p:grpSp>
+        </p:grpSp>
+        <p:sp>
+          <p:nvSpPr>
+            <p:cNvPr id="29" name="文本框 28">
+              <a:extLst>
+                <a:ext uri="{FF2B5EF4-FFF2-40B4-BE49-F238E27FC236}">
+                  <a16:creationId xmlns:a16="http://schemas.microsoft.com/office/drawing/2014/main" id="{9E2B7AB0-4B29-1870-D107-549C657ABB37}"/>
+                </a:ext>
+              </a:extLst>
+            </p:cNvPr>
+            <p:cNvSpPr txBox="1"/>
+            <p:nvPr/>
+          </p:nvSpPr>
+          <p:spPr>
+            <a:xfrm>
+              <a:off x="411097" y="4917350"/>
+              <a:ext cx="1724699" cy="276999"/>
+            </a:xfrm>
+            <a:prstGeom prst="rect">
+              <a:avLst/>
+            </a:prstGeom>
+            <a:noFill/>
+          </p:spPr>
+          <p:txBody>
+            <a:bodyPr wrap="square" rtlCol="0">
+              <a:spAutoFit/>
+            </a:bodyPr>
+            <a:lstStyle/>
+            <a:p>
+              <a:r>
+                <a:rPr lang="en-US" altLang="zh-CN" sz="1200" dirty="0">
+                  <a:latin typeface="Times New Roman" panose="02020603050405020304" pitchFamily="18" charset="0"/>
+                  <a:cs typeface="Times New Roman" panose="02020603050405020304" pitchFamily="18" charset="0"/>
+                </a:rPr>
+                <a:t>Radiation power pattern</a:t>
+              </a:r>
+              <a:endParaRPr lang="fr-CA" sz="1200" dirty="0">
+                <a:latin typeface="Times New Roman" panose="02020603050405020304" pitchFamily="18" charset="0"/>
+                <a:cs typeface="Times New Roman" panose="02020603050405020304" pitchFamily="18" charset="0"/>
+              </a:endParaRPr>
+            </a:p>
+          </p:txBody>
+        </p:sp>
+        <p:sp>
+          <p:nvSpPr>
+            <p:cNvPr id="30" name="椭圆 29">
+              <a:extLst>
+                <a:ext uri="{FF2B5EF4-FFF2-40B4-BE49-F238E27FC236}">
+                  <a16:creationId xmlns:a16="http://schemas.microsoft.com/office/drawing/2014/main" id="{087262E6-FE05-B056-5B69-22C7CA00154B}"/>
+                </a:ext>
+              </a:extLst>
+            </p:cNvPr>
+            <p:cNvSpPr/>
+            <p:nvPr/>
+          </p:nvSpPr>
+          <p:spPr>
+            <a:xfrm>
+              <a:off x="732082" y="3354053"/>
+              <a:ext cx="494496" cy="276999"/>
+            </a:xfrm>
+            <a:prstGeom prst="ellipse">
+              <a:avLst/>
+            </a:prstGeom>
+            <a:noFill/>
+            <a:ln>
+              <a:solidFill>
+                <a:schemeClr val="accent2">
+                  <a:lumMod val="60000"/>
+                  <a:lumOff val="40000"/>
+                </a:schemeClr>
+              </a:solidFill>
+              <a:prstDash val="sysDash"/>
+            </a:ln>
+          </p:spPr>
+          <p:style>
+            <a:lnRef idx="2">
+              <a:schemeClr val="accent1">
+                <a:shade val="50000"/>
+              </a:schemeClr>
+            </a:lnRef>
+            <a:fillRef idx="1">
+              <a:schemeClr val="accent1"/>
+            </a:fillRef>
+            <a:effectRef idx="0">
+              <a:schemeClr val="accent1"/>
+            </a:effectRef>
+            <a:fontRef idx="minor">
+              <a:schemeClr val="lt1"/>
+            </a:fontRef>
+          </p:style>
+          <p:txBody>
+            <a:bodyPr rtlCol="0" anchor="ctr"/>
+            <a:lstStyle/>
+            <a:p>
+              <a:pPr algn="ctr"/>
+              <a:endParaRPr lang="fr-CA" dirty="0"/>
+            </a:p>
+          </p:txBody>
+        </p:sp>
+        <p:cxnSp>
+          <p:nvCxnSpPr>
+            <p:cNvPr id="33" name="连接符: 曲线 32">
+              <a:extLst>
+                <a:ext uri="{FF2B5EF4-FFF2-40B4-BE49-F238E27FC236}">
+                  <a16:creationId xmlns:a16="http://schemas.microsoft.com/office/drawing/2014/main" id="{16219DDB-1B5F-ECCB-ADE9-A58E10A88317}"/>
+                </a:ext>
+              </a:extLst>
+            </p:cNvPr>
+            <p:cNvCxnSpPr>
+              <a:cxnSpLocks/>
+              <a:stCxn id="30" idx="2"/>
+              <a:endCxn id="9" idx="1"/>
+            </p:cNvCxnSpPr>
+            <p:nvPr/>
+          </p:nvCxnSpPr>
+          <p:spPr>
+            <a:xfrm rot="10800000" flipH="1" flipV="1">
+              <a:off x="732082" y="3492552"/>
+              <a:ext cx="28408" cy="1122601"/>
+            </a:xfrm>
+            <a:prstGeom prst="curvedConnector3">
+              <a:avLst>
+                <a:gd name="adj1" fmla="val -804703"/>
+              </a:avLst>
+            </a:prstGeom>
+            <a:ln>
+              <a:prstDash val="lgDashDot"/>
+            </a:ln>
+          </p:spPr>
+          <p:style>
+            <a:lnRef idx="1">
+              <a:schemeClr val="accent2"/>
+            </a:lnRef>
+            <a:fillRef idx="0">
+              <a:schemeClr val="accent2"/>
+            </a:fillRef>
+            <a:effectRef idx="0">
+              <a:schemeClr val="accent2"/>
+            </a:effectRef>
+            <a:fontRef idx="minor">
+              <a:schemeClr val="tx1"/>
+            </a:fontRef>
+          </p:style>
+        </p:cxnSp>
+        <p:cxnSp>
+          <p:nvCxnSpPr>
+            <p:cNvPr id="39" name="连接符: 曲线 38">
+              <a:extLst>
+                <a:ext uri="{FF2B5EF4-FFF2-40B4-BE49-F238E27FC236}">
+                  <a16:creationId xmlns:a16="http://schemas.microsoft.com/office/drawing/2014/main" id="{41A79183-B62A-A98D-7836-43BD13FA0215}"/>
+                </a:ext>
+              </a:extLst>
+            </p:cNvPr>
+            <p:cNvCxnSpPr>
+              <a:cxnSpLocks/>
+              <a:stCxn id="30" idx="2"/>
+              <a:endCxn id="9" idx="1"/>
+            </p:cNvCxnSpPr>
+            <p:nvPr/>
+          </p:nvCxnSpPr>
+          <p:spPr>
+            <a:xfrm rot="10800000" flipH="1" flipV="1">
+              <a:off x="732082" y="3492552"/>
+              <a:ext cx="28408" cy="1122601"/>
+            </a:xfrm>
+            <a:prstGeom prst="curvedConnector3">
+              <a:avLst>
+                <a:gd name="adj1" fmla="val -804703"/>
+              </a:avLst>
+            </a:prstGeom>
+            <a:ln>
+              <a:tailEnd type="triangle"/>
+            </a:ln>
+          </p:spPr>
+          <p:style>
+            <a:lnRef idx="1">
+              <a:schemeClr val="accent2"/>
+            </a:lnRef>
+            <a:fillRef idx="0">
+              <a:schemeClr val="accent2"/>
+            </a:fillRef>
+            <a:effectRef idx="0">
+              <a:schemeClr val="accent2"/>
+            </a:effectRef>
+            <a:fontRef idx="minor">
+              <a:schemeClr val="tx1"/>
+            </a:fontRef>
+          </p:style>
+        </p:cxnSp>
+      </p:grpSp>
+      <p:sp>
+        <p:nvSpPr>
+          <p:cNvPr id="42" name="文本框 41">
+            <a:extLst>
+              <a:ext uri="{FF2B5EF4-FFF2-40B4-BE49-F238E27FC236}">
+                <a16:creationId xmlns:a16="http://schemas.microsoft.com/office/drawing/2014/main" id="{3B4C14D1-677A-7805-6E81-FD3972DA066D}"/>
+              </a:ext>
+            </a:extLst>
+          </p:cNvPr>
+          <p:cNvSpPr txBox="1"/>
+          <p:nvPr/>
+        </p:nvSpPr>
+        <p:spPr>
+          <a:xfrm>
+            <a:off x="5233650" y="5184875"/>
+            <a:ext cx="1724699" cy="276999"/>
+          </a:xfrm>
+          <a:prstGeom prst="rect">
+            <a:avLst/>
+          </a:prstGeom>
+          <a:noFill/>
+        </p:spPr>
+        <p:txBody>
+          <a:bodyPr wrap="square" rtlCol="0">
+            <a:spAutoFit/>
+          </a:bodyPr>
+          <a:lstStyle/>
+          <a:p>
+            <a:r>
+              <a:rPr lang="en-US" altLang="zh-CN" sz="1200" dirty="0">
+                <a:latin typeface="Times New Roman" panose="02020603050405020304" pitchFamily="18" charset="0"/>
+                <a:cs typeface="Times New Roman" panose="02020603050405020304" pitchFamily="18" charset="0"/>
+              </a:rPr>
+              <a:t>Channel</a:t>
+            </a:r>
+            <a:endParaRPr lang="fr-CA" sz="1200" dirty="0">
+              <a:latin typeface="Times New Roman" panose="02020603050405020304" pitchFamily="18" charset="0"/>
+              <a:cs typeface="Times New Roman" panose="02020603050405020304" pitchFamily="18" charset="0"/>
+            </a:endParaRPr>
+          </a:p>
+        </p:txBody>
+      </p:sp>
+      <p:pic>
+        <p:nvPicPr>
+          <p:cNvPr id="47" name="图片 46">
+            <a:extLst>
+              <a:ext uri="{FF2B5EF4-FFF2-40B4-BE49-F238E27FC236}">
+                <a16:creationId xmlns:a16="http://schemas.microsoft.com/office/drawing/2014/main" id="{215C9631-E9AD-62F9-950A-012977A0EE73}"/>
+              </a:ext>
+            </a:extLst>
+          </p:cNvPr>
+          <p:cNvPicPr>
+            <a:picLocks noChangeAspect="1"/>
+          </p:cNvPicPr>
+          <p:nvPr/>
+        </p:nvPicPr>
+        <p:blipFill>
+          <a:blip r:embed="rId3"/>
+          <a:stretch>
+            <a:fillRect/>
+          </a:stretch>
+        </p:blipFill>
+        <p:spPr>
+          <a:xfrm>
+            <a:off x="4558758" y="4060814"/>
+            <a:ext cx="2026142" cy="1173827"/>
+          </a:xfrm>
+          <a:prstGeom prst="rect">
+            <a:avLst/>
+          </a:prstGeom>
+        </p:spPr>
+      </p:pic>
+      <p:pic>
+        <p:nvPicPr>
+          <p:cNvPr id="45" name="图片 44">
+            <a:extLst>
+              <a:ext uri="{FF2B5EF4-FFF2-40B4-BE49-F238E27FC236}">
+                <a16:creationId xmlns:a16="http://schemas.microsoft.com/office/drawing/2014/main" id="{FA97DC99-F493-4AEB-6FC6-2785217CF4E7}"/>
+              </a:ext>
+            </a:extLst>
+          </p:cNvPr>
+          <p:cNvPicPr>
+            <a:picLocks noChangeAspect="1"/>
+          </p:cNvPicPr>
+          <p:nvPr/>
+        </p:nvPicPr>
+        <p:blipFill>
+          <a:blip r:embed="rId4"/>
+          <a:stretch>
+            <a:fillRect/>
+          </a:stretch>
+        </p:blipFill>
+        <p:spPr>
+          <a:xfrm>
+            <a:off x="4558758" y="2742277"/>
+            <a:ext cx="2168109" cy="1173825"/>
+          </a:xfrm>
+          <a:prstGeom prst="rect">
+            <a:avLst/>
+          </a:prstGeom>
+        </p:spPr>
+      </p:pic>
     </p:spTree>
     <p:extLst>
       <p:ext uri="{BB962C8B-B14F-4D97-AF65-F5344CB8AC3E}">

--- a/Resume.pptx
+++ b/Resume.pptx
@@ -5,20 +5,18 @@
     <p:sldMasterId id="2147483648" r:id="rId1"/>
   </p:sldMasterIdLst>
   <p:notesMasterIdLst>
-    <p:notesMasterId r:id="rId13"/>
+    <p:notesMasterId r:id="rId11"/>
   </p:notesMasterIdLst>
   <p:sldIdLst>
     <p:sldId id="264" r:id="rId2"/>
-    <p:sldId id="258" r:id="rId3"/>
-    <p:sldId id="265" r:id="rId4"/>
-    <p:sldId id="266" r:id="rId5"/>
-    <p:sldId id="259" r:id="rId6"/>
+    <p:sldId id="265" r:id="rId3"/>
+    <p:sldId id="266" r:id="rId4"/>
+    <p:sldId id="259" r:id="rId5"/>
+    <p:sldId id="268" r:id="rId6"/>
     <p:sldId id="261" r:id="rId7"/>
-    <p:sldId id="267" r:id="rId8"/>
-    <p:sldId id="263" r:id="rId9"/>
-    <p:sldId id="256" r:id="rId10"/>
-    <p:sldId id="257" r:id="rId11"/>
-    <p:sldId id="260" r:id="rId12"/>
+    <p:sldId id="256" r:id="rId8"/>
+    <p:sldId id="257" r:id="rId9"/>
+    <p:sldId id="260" r:id="rId10"/>
   </p:sldIdLst>
   <p:sldSz cx="12192000" cy="6858000"/>
   <p:notesSz cx="6858000" cy="9144000"/>
@@ -126,813 +124,6 @@
 </file>
 
 <file path=ppt/diagrams/colors1.xml><?xml version="1.0" encoding="utf-8"?>
-<dgm:colorsDef xmlns:dgm="http://schemas.openxmlformats.org/drawingml/2006/diagram" xmlns:a="http://schemas.openxmlformats.org/drawingml/2006/main" uniqueId="urn:microsoft.com/office/officeart/2005/8/colors/accent2_1">
-  <dgm:title val=""/>
-  <dgm:desc val=""/>
-  <dgm:catLst>
-    <dgm:cat type="accent2" pri="11100"/>
-  </dgm:catLst>
-  <dgm:styleLbl name="node0">
-    <dgm:fillClrLst meth="repeat">
-      <a:schemeClr val="lt1"/>
-    </dgm:fillClrLst>
-    <dgm:linClrLst meth="repeat">
-      <a:schemeClr val="accent2">
-        <a:shade val="80000"/>
-      </a:schemeClr>
-    </dgm:linClrLst>
-    <dgm:effectClrLst/>
-    <dgm:txLinClrLst/>
-    <dgm:txFillClrLst meth="repeat">
-      <a:schemeClr val="dk1"/>
-    </dgm:txFillClrLst>
-    <dgm:txEffectClrLst/>
-  </dgm:styleLbl>
-  <dgm:styleLbl name="node1">
-    <dgm:fillClrLst meth="repeat">
-      <a:schemeClr val="lt1"/>
-    </dgm:fillClrLst>
-    <dgm:linClrLst meth="repeat">
-      <a:schemeClr val="accent2">
-        <a:shade val="80000"/>
-      </a:schemeClr>
-    </dgm:linClrLst>
-    <dgm:effectClrLst/>
-    <dgm:txLinClrLst/>
-    <dgm:txFillClrLst meth="repeat">
-      <a:schemeClr val="dk1"/>
-    </dgm:txFillClrLst>
-    <dgm:txEffectClrLst/>
-  </dgm:styleLbl>
-  <dgm:styleLbl name="alignNode1">
-    <dgm:fillClrLst meth="repeat">
-      <a:schemeClr val="lt1"/>
-    </dgm:fillClrLst>
-    <dgm:linClrLst meth="repeat">
-      <a:schemeClr val="accent2">
-        <a:shade val="80000"/>
-      </a:schemeClr>
-    </dgm:linClrLst>
-    <dgm:effectClrLst/>
-    <dgm:txLinClrLst/>
-    <dgm:txFillClrLst meth="repeat">
-      <a:schemeClr val="dk1"/>
-    </dgm:txFillClrLst>
-    <dgm:txEffectClrLst/>
-  </dgm:styleLbl>
-  <dgm:styleLbl name="lnNode1">
-    <dgm:fillClrLst meth="repeat">
-      <a:schemeClr val="lt1"/>
-    </dgm:fillClrLst>
-    <dgm:linClrLst meth="repeat">
-      <a:schemeClr val="accent2">
-        <a:shade val="80000"/>
-      </a:schemeClr>
-    </dgm:linClrLst>
-    <dgm:effectClrLst/>
-    <dgm:txLinClrLst/>
-    <dgm:txFillClrLst meth="repeat">
-      <a:schemeClr val="dk1"/>
-    </dgm:txFillClrLst>
-    <dgm:txEffectClrLst/>
-  </dgm:styleLbl>
-  <dgm:styleLbl name="vennNode1">
-    <dgm:fillClrLst meth="repeat">
-      <a:schemeClr val="lt1">
-        <a:alpha val="50000"/>
-      </a:schemeClr>
-    </dgm:fillClrLst>
-    <dgm:linClrLst meth="repeat">
-      <a:schemeClr val="accent2">
-        <a:shade val="80000"/>
-      </a:schemeClr>
-    </dgm:linClrLst>
-    <dgm:effectClrLst/>
-    <dgm:txLinClrLst/>
-    <dgm:txFillClrLst/>
-    <dgm:txEffectClrLst/>
-  </dgm:styleLbl>
-  <dgm:styleLbl name="node2">
-    <dgm:fillClrLst meth="repeat">
-      <a:schemeClr val="lt1"/>
-    </dgm:fillClrLst>
-    <dgm:linClrLst meth="repeat">
-      <a:schemeClr val="accent2">
-        <a:shade val="80000"/>
-      </a:schemeClr>
-    </dgm:linClrLst>
-    <dgm:effectClrLst/>
-    <dgm:txLinClrLst/>
-    <dgm:txFillClrLst meth="repeat">
-      <a:schemeClr val="dk1"/>
-    </dgm:txFillClrLst>
-    <dgm:txEffectClrLst/>
-  </dgm:styleLbl>
-  <dgm:styleLbl name="node3">
-    <dgm:fillClrLst meth="repeat">
-      <a:schemeClr val="lt1"/>
-    </dgm:fillClrLst>
-    <dgm:linClrLst meth="repeat">
-      <a:schemeClr val="accent2">
-        <a:shade val="80000"/>
-      </a:schemeClr>
-    </dgm:linClrLst>
-    <dgm:effectClrLst/>
-    <dgm:txLinClrLst/>
-    <dgm:txFillClrLst meth="repeat">
-      <a:schemeClr val="dk1"/>
-    </dgm:txFillClrLst>
-    <dgm:txEffectClrLst/>
-  </dgm:styleLbl>
-  <dgm:styleLbl name="node4">
-    <dgm:fillClrLst meth="repeat">
-      <a:schemeClr val="lt1"/>
-    </dgm:fillClrLst>
-    <dgm:linClrLst meth="repeat">
-      <a:schemeClr val="accent2">
-        <a:shade val="80000"/>
-      </a:schemeClr>
-    </dgm:linClrLst>
-    <dgm:effectClrLst/>
-    <dgm:txLinClrLst/>
-    <dgm:txFillClrLst meth="repeat">
-      <a:schemeClr val="dk1"/>
-    </dgm:txFillClrLst>
-    <dgm:txEffectClrLst/>
-  </dgm:styleLbl>
-  <dgm:styleLbl name="fgImgPlace1">
-    <dgm:fillClrLst meth="repeat">
-      <a:schemeClr val="accent2">
-        <a:tint val="40000"/>
-      </a:schemeClr>
-    </dgm:fillClrLst>
-    <dgm:linClrLst meth="repeat">
-      <a:schemeClr val="accent2">
-        <a:shade val="80000"/>
-      </a:schemeClr>
-    </dgm:linClrLst>
-    <dgm:effectClrLst/>
-    <dgm:txLinClrLst/>
-    <dgm:txFillClrLst meth="repeat">
-      <a:schemeClr val="lt1"/>
-    </dgm:txFillClrLst>
-    <dgm:txEffectClrLst/>
-  </dgm:styleLbl>
-  <dgm:styleLbl name="alignImgPlace1">
-    <dgm:fillClrLst meth="repeat">
-      <a:schemeClr val="accent2">
-        <a:tint val="40000"/>
-      </a:schemeClr>
-    </dgm:fillClrLst>
-    <dgm:linClrLst meth="repeat">
-      <a:schemeClr val="accent2">
-        <a:shade val="80000"/>
-      </a:schemeClr>
-    </dgm:linClrLst>
-    <dgm:effectClrLst/>
-    <dgm:txLinClrLst/>
-    <dgm:txFillClrLst meth="repeat">
-      <a:schemeClr val="lt1"/>
-    </dgm:txFillClrLst>
-    <dgm:txEffectClrLst/>
-  </dgm:styleLbl>
-  <dgm:styleLbl name="bgImgPlace1">
-    <dgm:fillClrLst meth="repeat">
-      <a:schemeClr val="accent2">
-        <a:tint val="40000"/>
-      </a:schemeClr>
-    </dgm:fillClrLst>
-    <dgm:linClrLst meth="repeat">
-      <a:schemeClr val="accent2">
-        <a:shade val="80000"/>
-      </a:schemeClr>
-    </dgm:linClrLst>
-    <dgm:effectClrLst/>
-    <dgm:txLinClrLst/>
-    <dgm:txFillClrLst meth="repeat">
-      <a:schemeClr val="lt1"/>
-    </dgm:txFillClrLst>
-    <dgm:txEffectClrLst/>
-  </dgm:styleLbl>
-  <dgm:styleLbl name="sibTrans2D1">
-    <dgm:fillClrLst meth="repeat">
-      <a:schemeClr val="accent2">
-        <a:tint val="60000"/>
-      </a:schemeClr>
-    </dgm:fillClrLst>
-    <dgm:linClrLst meth="repeat">
-      <a:schemeClr val="accent2">
-        <a:tint val="60000"/>
-      </a:schemeClr>
-    </dgm:linClrLst>
-    <dgm:effectClrLst/>
-    <dgm:txLinClrLst/>
-    <dgm:txFillClrLst meth="repeat">
-      <a:schemeClr val="dk1"/>
-    </dgm:txFillClrLst>
-    <dgm:txEffectClrLst/>
-  </dgm:styleLbl>
-  <dgm:styleLbl name="fgSibTrans2D1">
-    <dgm:fillClrLst meth="repeat">
-      <a:schemeClr val="accent2">
-        <a:tint val="60000"/>
-      </a:schemeClr>
-    </dgm:fillClrLst>
-    <dgm:linClrLst meth="repeat">
-      <a:schemeClr val="accent2">
-        <a:tint val="60000"/>
-      </a:schemeClr>
-    </dgm:linClrLst>
-    <dgm:effectClrLst/>
-    <dgm:txLinClrLst/>
-    <dgm:txFillClrLst meth="repeat">
-      <a:schemeClr val="dk1"/>
-    </dgm:txFillClrLst>
-    <dgm:txEffectClrLst/>
-  </dgm:styleLbl>
-  <dgm:styleLbl name="bgSibTrans2D1">
-    <dgm:fillClrLst meth="repeat">
-      <a:schemeClr val="accent2">
-        <a:tint val="60000"/>
-      </a:schemeClr>
-    </dgm:fillClrLst>
-    <dgm:linClrLst meth="repeat">
-      <a:schemeClr val="accent2">
-        <a:tint val="60000"/>
-      </a:schemeClr>
-    </dgm:linClrLst>
-    <dgm:effectClrLst/>
-    <dgm:txLinClrLst/>
-    <dgm:txFillClrLst meth="repeat">
-      <a:schemeClr val="dk1"/>
-    </dgm:txFillClrLst>
-    <dgm:txEffectClrLst/>
-  </dgm:styleLbl>
-  <dgm:styleLbl name="sibTrans1D1">
-    <dgm:fillClrLst meth="repeat">
-      <a:schemeClr val="accent2"/>
-    </dgm:fillClrLst>
-    <dgm:linClrLst meth="repeat">
-      <a:schemeClr val="accent2"/>
-    </dgm:linClrLst>
-    <dgm:effectClrLst/>
-    <dgm:txLinClrLst/>
-    <dgm:txFillClrLst meth="repeat">
-      <a:schemeClr val="tx1"/>
-    </dgm:txFillClrLst>
-    <dgm:txEffectClrLst/>
-  </dgm:styleLbl>
-  <dgm:styleLbl name="callout">
-    <dgm:fillClrLst meth="repeat">
-      <a:schemeClr val="accent2"/>
-    </dgm:fillClrLst>
-    <dgm:linClrLst meth="repeat">
-      <a:schemeClr val="accent2"/>
-    </dgm:linClrLst>
-    <dgm:effectClrLst/>
-    <dgm:txLinClrLst/>
-    <dgm:txFillClrLst meth="repeat">
-      <a:schemeClr val="tx1"/>
-    </dgm:txFillClrLst>
-    <dgm:txEffectClrLst/>
-  </dgm:styleLbl>
-  <dgm:styleLbl name="asst0">
-    <dgm:fillClrLst meth="repeat">
-      <a:schemeClr val="lt1"/>
-    </dgm:fillClrLst>
-    <dgm:linClrLst meth="repeat">
-      <a:schemeClr val="accent2">
-        <a:shade val="80000"/>
-      </a:schemeClr>
-    </dgm:linClrLst>
-    <dgm:effectClrLst/>
-    <dgm:txLinClrLst/>
-    <dgm:txFillClrLst meth="repeat">
-      <a:schemeClr val="dk1"/>
-    </dgm:txFillClrLst>
-    <dgm:txEffectClrLst/>
-  </dgm:styleLbl>
-  <dgm:styleLbl name="asst1">
-    <dgm:fillClrLst meth="repeat">
-      <a:schemeClr val="lt1"/>
-    </dgm:fillClrLst>
-    <dgm:linClrLst meth="repeat">
-      <a:schemeClr val="accent2">
-        <a:shade val="80000"/>
-      </a:schemeClr>
-    </dgm:linClrLst>
-    <dgm:effectClrLst/>
-    <dgm:txLinClrLst/>
-    <dgm:txFillClrLst meth="repeat">
-      <a:schemeClr val="dk1"/>
-    </dgm:txFillClrLst>
-    <dgm:txEffectClrLst/>
-  </dgm:styleLbl>
-  <dgm:styleLbl name="asst2">
-    <dgm:fillClrLst meth="repeat">
-      <a:schemeClr val="lt1"/>
-    </dgm:fillClrLst>
-    <dgm:linClrLst meth="repeat">
-      <a:schemeClr val="accent2">
-        <a:shade val="80000"/>
-      </a:schemeClr>
-    </dgm:linClrLst>
-    <dgm:effectClrLst/>
-    <dgm:txLinClrLst/>
-    <dgm:txFillClrLst meth="repeat">
-      <a:schemeClr val="dk1"/>
-    </dgm:txFillClrLst>
-    <dgm:txEffectClrLst/>
-  </dgm:styleLbl>
-  <dgm:styleLbl name="asst3">
-    <dgm:fillClrLst meth="repeat">
-      <a:schemeClr val="lt1"/>
-    </dgm:fillClrLst>
-    <dgm:linClrLst meth="repeat">
-      <a:schemeClr val="accent2">
-        <a:shade val="80000"/>
-      </a:schemeClr>
-    </dgm:linClrLst>
-    <dgm:effectClrLst/>
-    <dgm:txLinClrLst/>
-    <dgm:txFillClrLst meth="repeat">
-      <a:schemeClr val="dk1"/>
-    </dgm:txFillClrLst>
-    <dgm:txEffectClrLst/>
-  </dgm:styleLbl>
-  <dgm:styleLbl name="asst4">
-    <dgm:fillClrLst meth="repeat">
-      <a:schemeClr val="lt1"/>
-    </dgm:fillClrLst>
-    <dgm:linClrLst meth="repeat">
-      <a:schemeClr val="accent2">
-        <a:shade val="80000"/>
-      </a:schemeClr>
-    </dgm:linClrLst>
-    <dgm:effectClrLst/>
-    <dgm:txLinClrLst/>
-    <dgm:txFillClrLst meth="repeat">
-      <a:schemeClr val="dk1"/>
-    </dgm:txFillClrLst>
-    <dgm:txEffectClrLst/>
-  </dgm:styleLbl>
-  <dgm:styleLbl name="parChTrans2D1">
-    <dgm:fillClrLst meth="repeat">
-      <a:schemeClr val="accent2">
-        <a:tint val="60000"/>
-      </a:schemeClr>
-    </dgm:fillClrLst>
-    <dgm:linClrLst meth="repeat">
-      <a:schemeClr val="accent2">
-        <a:tint val="60000"/>
-      </a:schemeClr>
-    </dgm:linClrLst>
-    <dgm:effectClrLst/>
-    <dgm:txLinClrLst/>
-    <dgm:txFillClrLst/>
-    <dgm:txEffectClrLst/>
-  </dgm:styleLbl>
-  <dgm:styleLbl name="parChTrans2D2">
-    <dgm:fillClrLst meth="repeat">
-      <a:schemeClr val="accent2"/>
-    </dgm:fillClrLst>
-    <dgm:linClrLst meth="repeat">
-      <a:schemeClr val="accent2"/>
-    </dgm:linClrLst>
-    <dgm:effectClrLst/>
-    <dgm:txLinClrLst/>
-    <dgm:txFillClrLst/>
-    <dgm:txEffectClrLst/>
-  </dgm:styleLbl>
-  <dgm:styleLbl name="parChTrans2D3">
-    <dgm:fillClrLst meth="repeat">
-      <a:schemeClr val="accent2"/>
-    </dgm:fillClrLst>
-    <dgm:linClrLst meth="repeat">
-      <a:schemeClr val="accent2"/>
-    </dgm:linClrLst>
-    <dgm:effectClrLst/>
-    <dgm:txLinClrLst/>
-    <dgm:txFillClrLst/>
-    <dgm:txEffectClrLst/>
-  </dgm:styleLbl>
-  <dgm:styleLbl name="parChTrans2D4">
-    <dgm:fillClrLst meth="repeat">
-      <a:schemeClr val="accent2"/>
-    </dgm:fillClrLst>
-    <dgm:linClrLst meth="repeat">
-      <a:schemeClr val="accent2"/>
-    </dgm:linClrLst>
-    <dgm:effectClrLst/>
-    <dgm:txLinClrLst/>
-    <dgm:txFillClrLst meth="repeat">
-      <a:schemeClr val="lt1"/>
-    </dgm:txFillClrLst>
-    <dgm:txEffectClrLst/>
-  </dgm:styleLbl>
-  <dgm:styleLbl name="parChTrans1D1">
-    <dgm:fillClrLst meth="repeat">
-      <a:schemeClr val="accent2"/>
-    </dgm:fillClrLst>
-    <dgm:linClrLst meth="repeat">
-      <a:schemeClr val="accent2">
-        <a:shade val="60000"/>
-      </a:schemeClr>
-    </dgm:linClrLst>
-    <dgm:effectClrLst/>
-    <dgm:txLinClrLst/>
-    <dgm:txFillClrLst meth="repeat">
-      <a:schemeClr val="tx1"/>
-    </dgm:txFillClrLst>
-    <dgm:txEffectClrLst/>
-  </dgm:styleLbl>
-  <dgm:styleLbl name="parChTrans1D2">
-    <dgm:fillClrLst meth="repeat">
-      <a:schemeClr val="accent2"/>
-    </dgm:fillClrLst>
-    <dgm:linClrLst meth="repeat">
-      <a:schemeClr val="accent2">
-        <a:shade val="60000"/>
-      </a:schemeClr>
-    </dgm:linClrLst>
-    <dgm:effectClrLst/>
-    <dgm:txLinClrLst/>
-    <dgm:txFillClrLst meth="repeat">
-      <a:schemeClr val="tx1"/>
-    </dgm:txFillClrLst>
-    <dgm:txEffectClrLst/>
-  </dgm:styleLbl>
-  <dgm:styleLbl name="parChTrans1D3">
-    <dgm:fillClrLst meth="repeat">
-      <a:schemeClr val="accent2"/>
-    </dgm:fillClrLst>
-    <dgm:linClrLst meth="repeat">
-      <a:schemeClr val="accent2">
-        <a:shade val="80000"/>
-      </a:schemeClr>
-    </dgm:linClrLst>
-    <dgm:effectClrLst/>
-    <dgm:txLinClrLst/>
-    <dgm:txFillClrLst meth="repeat">
-      <a:schemeClr val="tx1"/>
-    </dgm:txFillClrLst>
-    <dgm:txEffectClrLst/>
-  </dgm:styleLbl>
-  <dgm:styleLbl name="parChTrans1D4">
-    <dgm:fillClrLst meth="repeat">
-      <a:schemeClr val="accent2"/>
-    </dgm:fillClrLst>
-    <dgm:linClrLst meth="repeat">
-      <a:schemeClr val="accent2">
-        <a:shade val="80000"/>
-      </a:schemeClr>
-    </dgm:linClrLst>
-    <dgm:effectClrLst/>
-    <dgm:txLinClrLst/>
-    <dgm:txFillClrLst meth="repeat">
-      <a:schemeClr val="tx1"/>
-    </dgm:txFillClrLst>
-    <dgm:txEffectClrLst/>
-  </dgm:styleLbl>
-  <dgm:styleLbl name="fgAcc1">
-    <dgm:fillClrLst meth="repeat">
-      <a:schemeClr val="accent2">
-        <a:alpha val="90000"/>
-        <a:tint val="40000"/>
-      </a:schemeClr>
-    </dgm:fillClrLst>
-    <dgm:linClrLst meth="repeat">
-      <a:schemeClr val="accent2"/>
-    </dgm:linClrLst>
-    <dgm:effectClrLst/>
-    <dgm:txLinClrLst/>
-    <dgm:txFillClrLst meth="repeat">
-      <a:schemeClr val="dk1"/>
-    </dgm:txFillClrLst>
-    <dgm:txEffectClrLst/>
-  </dgm:styleLbl>
-  <dgm:styleLbl name="conFgAcc1">
-    <dgm:fillClrLst meth="repeat">
-      <a:schemeClr val="accent2">
-        <a:alpha val="90000"/>
-        <a:tint val="40000"/>
-      </a:schemeClr>
-    </dgm:fillClrLst>
-    <dgm:linClrLst meth="repeat">
-      <a:schemeClr val="accent2"/>
-    </dgm:linClrLst>
-    <dgm:effectClrLst/>
-    <dgm:txLinClrLst/>
-    <dgm:txFillClrLst meth="repeat">
-      <a:schemeClr val="dk1"/>
-    </dgm:txFillClrLst>
-    <dgm:txEffectClrLst/>
-  </dgm:styleLbl>
-  <dgm:styleLbl name="alignAcc1">
-    <dgm:fillClrLst meth="repeat">
-      <a:schemeClr val="accent2">
-        <a:alpha val="90000"/>
-        <a:tint val="40000"/>
-      </a:schemeClr>
-    </dgm:fillClrLst>
-    <dgm:linClrLst meth="repeat">
-      <a:schemeClr val="accent2"/>
-    </dgm:linClrLst>
-    <dgm:effectClrLst/>
-    <dgm:txLinClrLst/>
-    <dgm:txFillClrLst meth="repeat">
-      <a:schemeClr val="dk1"/>
-    </dgm:txFillClrLst>
-    <dgm:txEffectClrLst/>
-  </dgm:styleLbl>
-  <dgm:styleLbl name="trAlignAcc1">
-    <dgm:fillClrLst meth="repeat">
-      <a:schemeClr val="accent2">
-        <a:alpha val="40000"/>
-        <a:tint val="40000"/>
-      </a:schemeClr>
-    </dgm:fillClrLst>
-    <dgm:linClrLst meth="repeat">
-      <a:schemeClr val="accent2"/>
-    </dgm:linClrLst>
-    <dgm:effectClrLst/>
-    <dgm:txLinClrLst/>
-    <dgm:txFillClrLst meth="repeat">
-      <a:schemeClr val="dk1"/>
-    </dgm:txFillClrLst>
-    <dgm:txEffectClrLst/>
-  </dgm:styleLbl>
-  <dgm:styleLbl name="bgAcc1">
-    <dgm:fillClrLst meth="repeat">
-      <a:schemeClr val="accent2">
-        <a:alpha val="90000"/>
-        <a:tint val="40000"/>
-      </a:schemeClr>
-    </dgm:fillClrLst>
-    <dgm:linClrLst meth="repeat">
-      <a:schemeClr val="accent2"/>
-    </dgm:linClrLst>
-    <dgm:effectClrLst/>
-    <dgm:txLinClrLst/>
-    <dgm:txFillClrLst meth="repeat">
-      <a:schemeClr val="dk1"/>
-    </dgm:txFillClrLst>
-    <dgm:txEffectClrLst/>
-  </dgm:styleLbl>
-  <dgm:styleLbl name="solidFgAcc1">
-    <dgm:fillClrLst meth="repeat">
-      <a:schemeClr val="lt1"/>
-    </dgm:fillClrLst>
-    <dgm:linClrLst meth="repeat">
-      <a:schemeClr val="accent2"/>
-    </dgm:linClrLst>
-    <dgm:effectClrLst/>
-    <dgm:txLinClrLst/>
-    <dgm:txFillClrLst meth="repeat">
-      <a:schemeClr val="dk1"/>
-    </dgm:txFillClrLst>
-    <dgm:txEffectClrLst/>
-  </dgm:styleLbl>
-  <dgm:styleLbl name="solidAlignAcc1">
-    <dgm:fillClrLst meth="repeat">
-      <a:schemeClr val="lt1"/>
-    </dgm:fillClrLst>
-    <dgm:linClrLst meth="repeat">
-      <a:schemeClr val="accent2"/>
-    </dgm:linClrLst>
-    <dgm:effectClrLst/>
-    <dgm:txLinClrLst/>
-    <dgm:txFillClrLst meth="repeat">
-      <a:schemeClr val="dk1"/>
-    </dgm:txFillClrLst>
-    <dgm:txEffectClrLst/>
-  </dgm:styleLbl>
-  <dgm:styleLbl name="solidBgAcc1">
-    <dgm:fillClrLst meth="repeat">
-      <a:schemeClr val="lt1"/>
-    </dgm:fillClrLst>
-    <dgm:linClrLst meth="repeat">
-      <a:schemeClr val="accent2"/>
-    </dgm:linClrLst>
-    <dgm:effectClrLst/>
-    <dgm:txLinClrLst/>
-    <dgm:txFillClrLst meth="repeat">
-      <a:schemeClr val="dk1"/>
-    </dgm:txFillClrLst>
-    <dgm:txEffectClrLst/>
-  </dgm:styleLbl>
-  <dgm:styleLbl name="fgAccFollowNode1">
-    <dgm:fillClrLst meth="repeat">
-      <a:schemeClr val="lt1">
-        <a:alpha val="90000"/>
-        <a:tint val="40000"/>
-      </a:schemeClr>
-    </dgm:fillClrLst>
-    <dgm:linClrLst meth="repeat">
-      <a:schemeClr val="accent2">
-        <a:alpha val="90000"/>
-      </a:schemeClr>
-    </dgm:linClrLst>
-    <dgm:effectClrLst/>
-    <dgm:txLinClrLst/>
-    <dgm:txFillClrLst meth="repeat">
-      <a:schemeClr val="dk1"/>
-    </dgm:txFillClrLst>
-    <dgm:txEffectClrLst/>
-  </dgm:styleLbl>
-  <dgm:styleLbl name="alignAccFollowNode1">
-    <dgm:fillClrLst meth="repeat">
-      <a:schemeClr val="lt1">
-        <a:alpha val="90000"/>
-        <a:tint val="40000"/>
-      </a:schemeClr>
-    </dgm:fillClrLst>
-    <dgm:linClrLst meth="repeat">
-      <a:schemeClr val="accent2">
-        <a:alpha val="90000"/>
-      </a:schemeClr>
-    </dgm:linClrLst>
-    <dgm:effectClrLst/>
-    <dgm:txLinClrLst/>
-    <dgm:txFillClrLst meth="repeat">
-      <a:schemeClr val="dk1"/>
-    </dgm:txFillClrLst>
-    <dgm:txEffectClrLst/>
-  </dgm:styleLbl>
-  <dgm:styleLbl name="bgAccFollowNode1">
-    <dgm:fillClrLst meth="repeat">
-      <a:schemeClr val="lt1">
-        <a:alpha val="90000"/>
-        <a:tint val="40000"/>
-      </a:schemeClr>
-    </dgm:fillClrLst>
-    <dgm:linClrLst meth="repeat">
-      <a:schemeClr val="accent2">
-        <a:alpha val="90000"/>
-      </a:schemeClr>
-    </dgm:linClrLst>
-    <dgm:effectClrLst/>
-    <dgm:txLinClrLst/>
-    <dgm:txFillClrLst meth="repeat">
-      <a:schemeClr val="dk1"/>
-    </dgm:txFillClrLst>
-    <dgm:txEffectClrLst/>
-  </dgm:styleLbl>
-  <dgm:styleLbl name="fgAcc0">
-    <dgm:fillClrLst meth="repeat">
-      <a:schemeClr val="accent2">
-        <a:alpha val="90000"/>
-        <a:tint val="40000"/>
-      </a:schemeClr>
-    </dgm:fillClrLst>
-    <dgm:linClrLst meth="repeat">
-      <a:schemeClr val="accent2"/>
-    </dgm:linClrLst>
-    <dgm:effectClrLst/>
-    <dgm:txLinClrLst/>
-    <dgm:txFillClrLst meth="repeat">
-      <a:schemeClr val="dk1"/>
-    </dgm:txFillClrLst>
-    <dgm:txEffectClrLst/>
-  </dgm:styleLbl>
-  <dgm:styleLbl name="fgAcc2">
-    <dgm:fillClrLst meth="repeat">
-      <a:schemeClr val="accent2">
-        <a:alpha val="90000"/>
-        <a:tint val="40000"/>
-      </a:schemeClr>
-    </dgm:fillClrLst>
-    <dgm:linClrLst meth="repeat">
-      <a:schemeClr val="accent2"/>
-    </dgm:linClrLst>
-    <dgm:effectClrLst/>
-    <dgm:txLinClrLst/>
-    <dgm:txFillClrLst meth="repeat">
-      <a:schemeClr val="dk1"/>
-    </dgm:txFillClrLst>
-    <dgm:txEffectClrLst/>
-  </dgm:styleLbl>
-  <dgm:styleLbl name="fgAcc3">
-    <dgm:fillClrLst meth="repeat">
-      <a:schemeClr val="accent2">
-        <a:alpha val="90000"/>
-        <a:tint val="40000"/>
-      </a:schemeClr>
-    </dgm:fillClrLst>
-    <dgm:linClrLst meth="repeat">
-      <a:schemeClr val="accent2"/>
-    </dgm:linClrLst>
-    <dgm:effectClrLst/>
-    <dgm:txLinClrLst/>
-    <dgm:txFillClrLst meth="repeat">
-      <a:schemeClr val="dk1"/>
-    </dgm:txFillClrLst>
-    <dgm:txEffectClrLst/>
-  </dgm:styleLbl>
-  <dgm:styleLbl name="fgAcc4">
-    <dgm:fillClrLst meth="repeat">
-      <a:schemeClr val="accent2">
-        <a:alpha val="90000"/>
-        <a:tint val="40000"/>
-      </a:schemeClr>
-    </dgm:fillClrLst>
-    <dgm:linClrLst meth="repeat">
-      <a:schemeClr val="accent2"/>
-    </dgm:linClrLst>
-    <dgm:effectClrLst/>
-    <dgm:txLinClrLst/>
-    <dgm:txFillClrLst meth="repeat">
-      <a:schemeClr val="dk1"/>
-    </dgm:txFillClrLst>
-    <dgm:txEffectClrLst/>
-  </dgm:styleLbl>
-  <dgm:styleLbl name="bgShp">
-    <dgm:fillClrLst meth="repeat">
-      <a:schemeClr val="accent2">
-        <a:tint val="40000"/>
-      </a:schemeClr>
-    </dgm:fillClrLst>
-    <dgm:linClrLst meth="repeat">
-      <a:schemeClr val="accent2"/>
-    </dgm:linClrLst>
-    <dgm:effectClrLst/>
-    <dgm:txLinClrLst/>
-    <dgm:txFillClrLst meth="repeat">
-      <a:schemeClr val="dk1"/>
-    </dgm:txFillClrLst>
-    <dgm:txEffectClrLst/>
-  </dgm:styleLbl>
-  <dgm:styleLbl name="dkBgShp">
-    <dgm:fillClrLst meth="repeat">
-      <a:schemeClr val="accent2">
-        <a:shade val="80000"/>
-      </a:schemeClr>
-    </dgm:fillClrLst>
-    <dgm:linClrLst meth="repeat">
-      <a:schemeClr val="accent2"/>
-    </dgm:linClrLst>
-    <dgm:effectClrLst/>
-    <dgm:txLinClrLst/>
-    <dgm:txFillClrLst meth="repeat">
-      <a:schemeClr val="lt1"/>
-    </dgm:txFillClrLst>
-    <dgm:txEffectClrLst/>
-  </dgm:styleLbl>
-  <dgm:styleLbl name="trBgShp">
-    <dgm:fillClrLst meth="repeat">
-      <a:schemeClr val="accent2">
-        <a:tint val="50000"/>
-        <a:alpha val="40000"/>
-      </a:schemeClr>
-    </dgm:fillClrLst>
-    <dgm:linClrLst meth="repeat">
-      <a:schemeClr val="accent2"/>
-    </dgm:linClrLst>
-    <dgm:effectClrLst/>
-    <dgm:txLinClrLst/>
-    <dgm:txFillClrLst meth="repeat">
-      <a:schemeClr val="lt1"/>
-    </dgm:txFillClrLst>
-    <dgm:txEffectClrLst/>
-  </dgm:styleLbl>
-  <dgm:styleLbl name="fgShp">
-    <dgm:fillClrLst meth="repeat">
-      <a:schemeClr val="accent2">
-        <a:tint val="60000"/>
-      </a:schemeClr>
-    </dgm:fillClrLst>
-    <dgm:linClrLst meth="repeat">
-      <a:schemeClr val="lt1"/>
-    </dgm:linClrLst>
-    <dgm:effectClrLst/>
-    <dgm:txLinClrLst/>
-    <dgm:txFillClrLst meth="repeat">
-      <a:schemeClr val="dk1"/>
-    </dgm:txFillClrLst>
-    <dgm:txEffectClrLst/>
-  </dgm:styleLbl>
-  <dgm:styleLbl name="revTx">
-    <dgm:fillClrLst meth="repeat">
-      <a:schemeClr val="lt1">
-        <a:alpha val="0"/>
-      </a:schemeClr>
-    </dgm:fillClrLst>
-    <dgm:linClrLst meth="repeat">
-      <a:schemeClr val="dk1">
-        <a:alpha val="0"/>
-      </a:schemeClr>
-    </dgm:linClrLst>
-    <dgm:effectClrLst/>
-    <dgm:txLinClrLst/>
-    <dgm:txFillClrLst meth="repeat">
-      <a:schemeClr val="tx1"/>
-    </dgm:txFillClrLst>
-    <dgm:txEffectClrLst/>
-  </dgm:styleLbl>
-</dgm:colorsDef>
-</file>
-
-<file path=ppt/diagrams/colors2.xml><?xml version="1.0" encoding="utf-8"?>
 <dgm:colorsDef xmlns:dgm="http://schemas.openxmlformats.org/drawingml/2006/diagram" xmlns:a="http://schemas.openxmlformats.org/drawingml/2006/main" uniqueId="urn:microsoft.com/office/officeart/2005/8/colors/accent1_2">
   <dgm:title val=""/>
   <dgm:desc val=""/>
@@ -1682,282 +873,6 @@
 <file path=ppt/diagrams/data1.xml><?xml version="1.0" encoding="utf-8"?>
 <dgm:dataModel xmlns:dgm="http://schemas.openxmlformats.org/drawingml/2006/diagram" xmlns:a="http://schemas.openxmlformats.org/drawingml/2006/main">
   <dgm:ptLst>
-    <dgm:pt modelId="{856DC96E-F948-4ADB-8C9A-FAA86D891247}" type="doc">
-      <dgm:prSet loTypeId="urn:microsoft.com/office/officeart/2005/8/layout/list1" loCatId="list" qsTypeId="urn:microsoft.com/office/officeart/2005/8/quickstyle/simple3" qsCatId="simple" csTypeId="urn:microsoft.com/office/officeart/2005/8/colors/accent2_1" csCatId="accent2" phldr="1"/>
-      <dgm:spPr/>
-      <dgm:t>
-        <a:bodyPr/>
-        <a:lstStyle/>
-        <a:p>
-          <a:endParaRPr lang="fr-CA"/>
-        </a:p>
-      </dgm:t>
-    </dgm:pt>
-    <dgm:pt modelId="{780B5263-5855-489F-B02C-05EE9FC2A4F6}">
-      <dgm:prSet phldrT="[文本]"/>
-      <dgm:spPr/>
-      <dgm:t>
-        <a:bodyPr/>
-        <a:lstStyle/>
-        <a:p>
-          <a:r>
-            <a:rPr lang="fr-CA" dirty="0">
-              <a:latin typeface="Times New Roman" panose="02020603050405020304" pitchFamily="18" charset="0"/>
-              <a:cs typeface="Times New Roman" panose="02020603050405020304" pitchFamily="18" charset="0"/>
-            </a:rPr>
-            <a:t>System Geometry	</a:t>
-          </a:r>
-        </a:p>
-      </dgm:t>
-    </dgm:pt>
-    <dgm:pt modelId="{2347BEB3-F87A-4617-812C-D05ECEFB25D2}" type="parTrans" cxnId="{D01D5621-C266-4363-99DA-9B07FDC913F7}">
-      <dgm:prSet/>
-      <dgm:spPr/>
-      <dgm:t>
-        <a:bodyPr/>
-        <a:lstStyle/>
-        <a:p>
-          <a:endParaRPr lang="fr-CA"/>
-        </a:p>
-      </dgm:t>
-    </dgm:pt>
-    <dgm:pt modelId="{CD1EA2B4-A475-46B6-8BD1-6F3F71A3352E}" type="sibTrans" cxnId="{D01D5621-C266-4363-99DA-9B07FDC913F7}">
-      <dgm:prSet/>
-      <dgm:spPr/>
-      <dgm:t>
-        <a:bodyPr/>
-        <a:lstStyle/>
-        <a:p>
-          <a:endParaRPr lang="fr-CA"/>
-        </a:p>
-      </dgm:t>
-    </dgm:pt>
-    <dgm:pt modelId="{D2B95795-781C-491D-A54E-6BAD5D5E5B4A}">
-      <dgm:prSet phldrT="[文本]"/>
-      <dgm:spPr/>
-      <dgm:t>
-        <a:bodyPr/>
-        <a:lstStyle/>
-        <a:p>
-          <a:r>
-            <a:rPr lang="fr-CA" dirty="0">
-              <a:latin typeface="Times New Roman" panose="02020603050405020304" pitchFamily="18" charset="0"/>
-              <a:cs typeface="Times New Roman" panose="02020603050405020304" pitchFamily="18" charset="0"/>
-            </a:rPr>
-            <a:t>Channel Model</a:t>
-          </a:r>
-        </a:p>
-      </dgm:t>
-    </dgm:pt>
-    <dgm:pt modelId="{C6F04B61-3370-47B8-B5F8-8B2B03786C64}" type="parTrans" cxnId="{4A5CCF73-0535-4C08-B500-1CB418667B3A}">
-      <dgm:prSet/>
-      <dgm:spPr/>
-      <dgm:t>
-        <a:bodyPr/>
-        <a:lstStyle/>
-        <a:p>
-          <a:endParaRPr lang="fr-CA"/>
-        </a:p>
-      </dgm:t>
-    </dgm:pt>
-    <dgm:pt modelId="{D6441F65-1BCB-4B54-9283-E7F4C60A7934}" type="sibTrans" cxnId="{4A5CCF73-0535-4C08-B500-1CB418667B3A}">
-      <dgm:prSet/>
-      <dgm:spPr/>
-      <dgm:t>
-        <a:bodyPr/>
-        <a:lstStyle/>
-        <a:p>
-          <a:endParaRPr lang="fr-CA"/>
-        </a:p>
-      </dgm:t>
-    </dgm:pt>
-    <dgm:pt modelId="{1F72C67B-AE4F-42B9-AE23-F58458F596A6}">
-      <dgm:prSet phldrT="[文本]"/>
-      <dgm:spPr/>
-      <dgm:t>
-        <a:bodyPr/>
-        <a:lstStyle/>
-        <a:p>
-          <a:r>
-            <a:rPr lang="fr-CA" dirty="0">
-              <a:latin typeface="Times New Roman" panose="02020603050405020304" pitchFamily="18" charset="0"/>
-              <a:cs typeface="Times New Roman" panose="02020603050405020304" pitchFamily="18" charset="0"/>
-            </a:rPr>
-            <a:t>Signal Model</a:t>
-          </a:r>
-        </a:p>
-      </dgm:t>
-    </dgm:pt>
-    <dgm:pt modelId="{2E010915-51C6-44A5-9101-71292397E73B}" type="parTrans" cxnId="{B209B31A-108D-436B-B77E-34EA99A3ADB7}">
-      <dgm:prSet/>
-      <dgm:spPr/>
-      <dgm:t>
-        <a:bodyPr/>
-        <a:lstStyle/>
-        <a:p>
-          <a:endParaRPr lang="fr-CA"/>
-        </a:p>
-      </dgm:t>
-    </dgm:pt>
-    <dgm:pt modelId="{16E72E1A-FB93-44AF-8F2F-CC449D6EFAC9}" type="sibTrans" cxnId="{B209B31A-108D-436B-B77E-34EA99A3ADB7}">
-      <dgm:prSet/>
-      <dgm:spPr/>
-      <dgm:t>
-        <a:bodyPr/>
-        <a:lstStyle/>
-        <a:p>
-          <a:endParaRPr lang="fr-CA"/>
-        </a:p>
-      </dgm:t>
-    </dgm:pt>
-    <dgm:pt modelId="{256233EF-C035-4E31-B59D-BE583AAF4C0F}" type="pres">
-      <dgm:prSet presAssocID="{856DC96E-F948-4ADB-8C9A-FAA86D891247}" presName="linear" presStyleCnt="0">
-        <dgm:presLayoutVars>
-          <dgm:dir/>
-          <dgm:animLvl val="lvl"/>
-          <dgm:resizeHandles val="exact"/>
-        </dgm:presLayoutVars>
-      </dgm:prSet>
-      <dgm:spPr/>
-    </dgm:pt>
-    <dgm:pt modelId="{2A2D9E37-5E78-46FC-BFFA-8349974238F3}" type="pres">
-      <dgm:prSet presAssocID="{780B5263-5855-489F-B02C-05EE9FC2A4F6}" presName="parentLin" presStyleCnt="0"/>
-      <dgm:spPr/>
-    </dgm:pt>
-    <dgm:pt modelId="{25442CE1-2F0B-41F9-84D7-27BF80B63292}" type="pres">
-      <dgm:prSet presAssocID="{780B5263-5855-489F-B02C-05EE9FC2A4F6}" presName="parentLeftMargin" presStyleLbl="node1" presStyleIdx="0" presStyleCnt="3"/>
-      <dgm:spPr/>
-    </dgm:pt>
-    <dgm:pt modelId="{AD5152CC-894B-4347-A4FF-661359855706}" type="pres">
-      <dgm:prSet presAssocID="{780B5263-5855-489F-B02C-05EE9FC2A4F6}" presName="parentText" presStyleLbl="node1" presStyleIdx="0" presStyleCnt="3">
-        <dgm:presLayoutVars>
-          <dgm:chMax val="0"/>
-          <dgm:bulletEnabled val="1"/>
-        </dgm:presLayoutVars>
-      </dgm:prSet>
-      <dgm:spPr/>
-    </dgm:pt>
-    <dgm:pt modelId="{C3DEA3DD-DFB1-4401-BF24-F340DF350372}" type="pres">
-      <dgm:prSet presAssocID="{780B5263-5855-489F-B02C-05EE9FC2A4F6}" presName="negativeSpace" presStyleCnt="0"/>
-      <dgm:spPr/>
-    </dgm:pt>
-    <dgm:pt modelId="{DD4ADECC-68C8-40B6-846F-7A53579F8783}" type="pres">
-      <dgm:prSet presAssocID="{780B5263-5855-489F-B02C-05EE9FC2A4F6}" presName="childText" presStyleLbl="conFgAcc1" presStyleIdx="0" presStyleCnt="3">
-        <dgm:presLayoutVars>
-          <dgm:bulletEnabled val="1"/>
-        </dgm:presLayoutVars>
-      </dgm:prSet>
-      <dgm:spPr/>
-    </dgm:pt>
-    <dgm:pt modelId="{31D87A2E-88EC-4C17-8F95-B85AA76F4E2E}" type="pres">
-      <dgm:prSet presAssocID="{CD1EA2B4-A475-46B6-8BD1-6F3F71A3352E}" presName="spaceBetweenRectangles" presStyleCnt="0"/>
-      <dgm:spPr/>
-    </dgm:pt>
-    <dgm:pt modelId="{D78E321F-82F2-4DBE-A606-05928460B49F}" type="pres">
-      <dgm:prSet presAssocID="{D2B95795-781C-491D-A54E-6BAD5D5E5B4A}" presName="parentLin" presStyleCnt="0"/>
-      <dgm:spPr/>
-    </dgm:pt>
-    <dgm:pt modelId="{A2CE8142-21FF-48D1-9825-B392C4BF125E}" type="pres">
-      <dgm:prSet presAssocID="{D2B95795-781C-491D-A54E-6BAD5D5E5B4A}" presName="parentLeftMargin" presStyleLbl="node1" presStyleIdx="0" presStyleCnt="3"/>
-      <dgm:spPr/>
-    </dgm:pt>
-    <dgm:pt modelId="{A2C1CFFE-1B9D-4176-A0FA-C1A1E1F94793}" type="pres">
-      <dgm:prSet presAssocID="{D2B95795-781C-491D-A54E-6BAD5D5E5B4A}" presName="parentText" presStyleLbl="node1" presStyleIdx="1" presStyleCnt="3">
-        <dgm:presLayoutVars>
-          <dgm:chMax val="0"/>
-          <dgm:bulletEnabled val="1"/>
-        </dgm:presLayoutVars>
-      </dgm:prSet>
-      <dgm:spPr/>
-    </dgm:pt>
-    <dgm:pt modelId="{34880B2A-38F5-48D5-8653-FC70B680DA37}" type="pres">
-      <dgm:prSet presAssocID="{D2B95795-781C-491D-A54E-6BAD5D5E5B4A}" presName="negativeSpace" presStyleCnt="0"/>
-      <dgm:spPr/>
-    </dgm:pt>
-    <dgm:pt modelId="{730033C7-A2C6-4B59-8032-0D0A3776060C}" type="pres">
-      <dgm:prSet presAssocID="{D2B95795-781C-491D-A54E-6BAD5D5E5B4A}" presName="childText" presStyleLbl="conFgAcc1" presStyleIdx="1" presStyleCnt="3">
-        <dgm:presLayoutVars>
-          <dgm:bulletEnabled val="1"/>
-        </dgm:presLayoutVars>
-      </dgm:prSet>
-      <dgm:spPr/>
-    </dgm:pt>
-    <dgm:pt modelId="{16B73E54-5E46-40F2-8A32-A2F778C93793}" type="pres">
-      <dgm:prSet presAssocID="{D6441F65-1BCB-4B54-9283-E7F4C60A7934}" presName="spaceBetweenRectangles" presStyleCnt="0"/>
-      <dgm:spPr/>
-    </dgm:pt>
-    <dgm:pt modelId="{3C9E5F72-1489-4A44-9D45-3289F9BB431E}" type="pres">
-      <dgm:prSet presAssocID="{1F72C67B-AE4F-42B9-AE23-F58458F596A6}" presName="parentLin" presStyleCnt="0"/>
-      <dgm:spPr/>
-    </dgm:pt>
-    <dgm:pt modelId="{F6E7BF40-E5B7-4C70-8AB9-998A6E8E4A4D}" type="pres">
-      <dgm:prSet presAssocID="{1F72C67B-AE4F-42B9-AE23-F58458F596A6}" presName="parentLeftMargin" presStyleLbl="node1" presStyleIdx="1" presStyleCnt="3"/>
-      <dgm:spPr/>
-    </dgm:pt>
-    <dgm:pt modelId="{5D766D79-13DA-4910-86CE-46443748F84E}" type="pres">
-      <dgm:prSet presAssocID="{1F72C67B-AE4F-42B9-AE23-F58458F596A6}" presName="parentText" presStyleLbl="node1" presStyleIdx="2" presStyleCnt="3">
-        <dgm:presLayoutVars>
-          <dgm:chMax val="0"/>
-          <dgm:bulletEnabled val="1"/>
-        </dgm:presLayoutVars>
-      </dgm:prSet>
-      <dgm:spPr/>
-    </dgm:pt>
-    <dgm:pt modelId="{A92CF4DC-0DDC-4BD8-8D8D-F083E7AA52FD}" type="pres">
-      <dgm:prSet presAssocID="{1F72C67B-AE4F-42B9-AE23-F58458F596A6}" presName="negativeSpace" presStyleCnt="0"/>
-      <dgm:spPr/>
-    </dgm:pt>
-    <dgm:pt modelId="{312E2A21-1793-4087-9C3F-9F1C32AB07F1}" type="pres">
-      <dgm:prSet presAssocID="{1F72C67B-AE4F-42B9-AE23-F58458F596A6}" presName="childText" presStyleLbl="conFgAcc1" presStyleIdx="2" presStyleCnt="3">
-        <dgm:presLayoutVars>
-          <dgm:bulletEnabled val="1"/>
-        </dgm:presLayoutVars>
-      </dgm:prSet>
-      <dgm:spPr/>
-    </dgm:pt>
-  </dgm:ptLst>
-  <dgm:cxnLst>
-    <dgm:cxn modelId="{B209B31A-108D-436B-B77E-34EA99A3ADB7}" srcId="{856DC96E-F948-4ADB-8C9A-FAA86D891247}" destId="{1F72C67B-AE4F-42B9-AE23-F58458F596A6}" srcOrd="2" destOrd="0" parTransId="{2E010915-51C6-44A5-9101-71292397E73B}" sibTransId="{16E72E1A-FB93-44AF-8F2F-CC449D6EFAC9}"/>
-    <dgm:cxn modelId="{D01D5621-C266-4363-99DA-9B07FDC913F7}" srcId="{856DC96E-F948-4ADB-8C9A-FAA86D891247}" destId="{780B5263-5855-489F-B02C-05EE9FC2A4F6}" srcOrd="0" destOrd="0" parTransId="{2347BEB3-F87A-4617-812C-D05ECEFB25D2}" sibTransId="{CD1EA2B4-A475-46B6-8BD1-6F3F71A3352E}"/>
-    <dgm:cxn modelId="{6B17F860-265B-42DE-95FB-970B9FF061A1}" type="presOf" srcId="{1F72C67B-AE4F-42B9-AE23-F58458F596A6}" destId="{F6E7BF40-E5B7-4C70-8AB9-998A6E8E4A4D}" srcOrd="0" destOrd="0" presId="urn:microsoft.com/office/officeart/2005/8/layout/list1"/>
-    <dgm:cxn modelId="{FE1C8443-91EE-47F4-8D59-E7535A32AC9F}" type="presOf" srcId="{D2B95795-781C-491D-A54E-6BAD5D5E5B4A}" destId="{A2CE8142-21FF-48D1-9825-B392C4BF125E}" srcOrd="0" destOrd="0" presId="urn:microsoft.com/office/officeart/2005/8/layout/list1"/>
-    <dgm:cxn modelId="{4A5CCF73-0535-4C08-B500-1CB418667B3A}" srcId="{856DC96E-F948-4ADB-8C9A-FAA86D891247}" destId="{D2B95795-781C-491D-A54E-6BAD5D5E5B4A}" srcOrd="1" destOrd="0" parTransId="{C6F04B61-3370-47B8-B5F8-8B2B03786C64}" sibTransId="{D6441F65-1BCB-4B54-9283-E7F4C60A7934}"/>
-    <dgm:cxn modelId="{645E718F-415E-47B5-AA9B-6722B1FBAA3E}" type="presOf" srcId="{780B5263-5855-489F-B02C-05EE9FC2A4F6}" destId="{25442CE1-2F0B-41F9-84D7-27BF80B63292}" srcOrd="0" destOrd="0" presId="urn:microsoft.com/office/officeart/2005/8/layout/list1"/>
-    <dgm:cxn modelId="{49D99B90-B778-4672-A851-2F4549A20881}" type="presOf" srcId="{1F72C67B-AE4F-42B9-AE23-F58458F596A6}" destId="{5D766D79-13DA-4910-86CE-46443748F84E}" srcOrd="1" destOrd="0" presId="urn:microsoft.com/office/officeart/2005/8/layout/list1"/>
-    <dgm:cxn modelId="{3BFDBB91-4F40-4FAE-8BFB-880F0D5023E1}" type="presOf" srcId="{856DC96E-F948-4ADB-8C9A-FAA86D891247}" destId="{256233EF-C035-4E31-B59D-BE583AAF4C0F}" srcOrd="0" destOrd="0" presId="urn:microsoft.com/office/officeart/2005/8/layout/list1"/>
-    <dgm:cxn modelId="{9A99CAAB-55BB-4276-84EA-4CF56C1CED15}" type="presOf" srcId="{780B5263-5855-489F-B02C-05EE9FC2A4F6}" destId="{AD5152CC-894B-4347-A4FF-661359855706}" srcOrd="1" destOrd="0" presId="urn:microsoft.com/office/officeart/2005/8/layout/list1"/>
-    <dgm:cxn modelId="{367342CF-45DE-4654-80F4-58B7B00102EE}" type="presOf" srcId="{D2B95795-781C-491D-A54E-6BAD5D5E5B4A}" destId="{A2C1CFFE-1B9D-4176-A0FA-C1A1E1F94793}" srcOrd="1" destOrd="0" presId="urn:microsoft.com/office/officeart/2005/8/layout/list1"/>
-    <dgm:cxn modelId="{33B3AE07-5FCD-4783-8175-B1F76E524D69}" type="presParOf" srcId="{256233EF-C035-4E31-B59D-BE583AAF4C0F}" destId="{2A2D9E37-5E78-46FC-BFFA-8349974238F3}" srcOrd="0" destOrd="0" presId="urn:microsoft.com/office/officeart/2005/8/layout/list1"/>
-    <dgm:cxn modelId="{566783BE-49EB-4278-BD9B-9DF9B30742FC}" type="presParOf" srcId="{2A2D9E37-5E78-46FC-BFFA-8349974238F3}" destId="{25442CE1-2F0B-41F9-84D7-27BF80B63292}" srcOrd="0" destOrd="0" presId="urn:microsoft.com/office/officeart/2005/8/layout/list1"/>
-    <dgm:cxn modelId="{105752E9-1C3D-4AA9-9679-C2D31C47F0A9}" type="presParOf" srcId="{2A2D9E37-5E78-46FC-BFFA-8349974238F3}" destId="{AD5152CC-894B-4347-A4FF-661359855706}" srcOrd="1" destOrd="0" presId="urn:microsoft.com/office/officeart/2005/8/layout/list1"/>
-    <dgm:cxn modelId="{A65E7819-4FF6-40B9-A632-D8DD60216BD7}" type="presParOf" srcId="{256233EF-C035-4E31-B59D-BE583AAF4C0F}" destId="{C3DEA3DD-DFB1-4401-BF24-F340DF350372}" srcOrd="1" destOrd="0" presId="urn:microsoft.com/office/officeart/2005/8/layout/list1"/>
-    <dgm:cxn modelId="{A487284D-EBE9-415A-A389-37D253DDADAE}" type="presParOf" srcId="{256233EF-C035-4E31-B59D-BE583AAF4C0F}" destId="{DD4ADECC-68C8-40B6-846F-7A53579F8783}" srcOrd="2" destOrd="0" presId="urn:microsoft.com/office/officeart/2005/8/layout/list1"/>
-    <dgm:cxn modelId="{AC9F7CE7-6FA2-41E0-99CE-17055D64232D}" type="presParOf" srcId="{256233EF-C035-4E31-B59D-BE583AAF4C0F}" destId="{31D87A2E-88EC-4C17-8F95-B85AA76F4E2E}" srcOrd="3" destOrd="0" presId="urn:microsoft.com/office/officeart/2005/8/layout/list1"/>
-    <dgm:cxn modelId="{24D3E7BB-4DDB-44A6-9647-D9DEE4E28DBC}" type="presParOf" srcId="{256233EF-C035-4E31-B59D-BE583AAF4C0F}" destId="{D78E321F-82F2-4DBE-A606-05928460B49F}" srcOrd="4" destOrd="0" presId="urn:microsoft.com/office/officeart/2005/8/layout/list1"/>
-    <dgm:cxn modelId="{4DC96C81-7A86-4786-8DD9-06562D55787F}" type="presParOf" srcId="{D78E321F-82F2-4DBE-A606-05928460B49F}" destId="{A2CE8142-21FF-48D1-9825-B392C4BF125E}" srcOrd="0" destOrd="0" presId="urn:microsoft.com/office/officeart/2005/8/layout/list1"/>
-    <dgm:cxn modelId="{D654697D-9D7A-4F41-850E-14BE5EA450E1}" type="presParOf" srcId="{D78E321F-82F2-4DBE-A606-05928460B49F}" destId="{A2C1CFFE-1B9D-4176-A0FA-C1A1E1F94793}" srcOrd="1" destOrd="0" presId="urn:microsoft.com/office/officeart/2005/8/layout/list1"/>
-    <dgm:cxn modelId="{7F5C12FA-A3E5-4365-A810-54EBCE1EF294}" type="presParOf" srcId="{256233EF-C035-4E31-B59D-BE583AAF4C0F}" destId="{34880B2A-38F5-48D5-8653-FC70B680DA37}" srcOrd="5" destOrd="0" presId="urn:microsoft.com/office/officeart/2005/8/layout/list1"/>
-    <dgm:cxn modelId="{7BC74EA6-5F13-42B0-8686-9945B2965480}" type="presParOf" srcId="{256233EF-C035-4E31-B59D-BE583AAF4C0F}" destId="{730033C7-A2C6-4B59-8032-0D0A3776060C}" srcOrd="6" destOrd="0" presId="urn:microsoft.com/office/officeart/2005/8/layout/list1"/>
-    <dgm:cxn modelId="{43A0A091-7D30-47B5-AE31-D92B9A857D89}" type="presParOf" srcId="{256233EF-C035-4E31-B59D-BE583AAF4C0F}" destId="{16B73E54-5E46-40F2-8A32-A2F778C93793}" srcOrd="7" destOrd="0" presId="urn:microsoft.com/office/officeart/2005/8/layout/list1"/>
-    <dgm:cxn modelId="{EE8B8E7B-F4E0-4909-A693-354CDA0E41DB}" type="presParOf" srcId="{256233EF-C035-4E31-B59D-BE583AAF4C0F}" destId="{3C9E5F72-1489-4A44-9D45-3289F9BB431E}" srcOrd="8" destOrd="0" presId="urn:microsoft.com/office/officeart/2005/8/layout/list1"/>
-    <dgm:cxn modelId="{A54FFAEC-F4A6-49CE-AFB5-5DEE976B9505}" type="presParOf" srcId="{3C9E5F72-1489-4A44-9D45-3289F9BB431E}" destId="{F6E7BF40-E5B7-4C70-8AB9-998A6E8E4A4D}" srcOrd="0" destOrd="0" presId="urn:microsoft.com/office/officeart/2005/8/layout/list1"/>
-    <dgm:cxn modelId="{6E05B9E1-D513-4EAD-8FF6-48212A66A894}" type="presParOf" srcId="{3C9E5F72-1489-4A44-9D45-3289F9BB431E}" destId="{5D766D79-13DA-4910-86CE-46443748F84E}" srcOrd="1" destOrd="0" presId="urn:microsoft.com/office/officeart/2005/8/layout/list1"/>
-    <dgm:cxn modelId="{4083D5AD-A52D-462E-A1DF-B8884905B9DD}" type="presParOf" srcId="{256233EF-C035-4E31-B59D-BE583AAF4C0F}" destId="{A92CF4DC-0DDC-4BD8-8D8D-F083E7AA52FD}" srcOrd="9" destOrd="0" presId="urn:microsoft.com/office/officeart/2005/8/layout/list1"/>
-    <dgm:cxn modelId="{7B2761AE-02CA-4E1F-80C3-B28A2B4A6352}" type="presParOf" srcId="{256233EF-C035-4E31-B59D-BE583AAF4C0F}" destId="{312E2A21-1793-4087-9C3F-9F1C32AB07F1}" srcOrd="10" destOrd="0" presId="urn:microsoft.com/office/officeart/2005/8/layout/list1"/>
-  </dgm:cxnLst>
-  <dgm:bg/>
-  <dgm:whole/>
-  <dgm:extLst>
-    <a:ext uri="http://schemas.microsoft.com/office/drawing/2008/diagram">
-      <dsp:dataModelExt xmlns:dsp="http://schemas.microsoft.com/office/drawing/2008/diagram" relId="rId6" minVer="http://schemas.openxmlformats.org/drawingml/2006/diagram"/>
-    </a:ext>
-  </dgm:extLst>
-</dgm:dataModel>
-</file>
-
-<file path=ppt/diagrams/data2.xml><?xml version="1.0" encoding="utf-8"?>
-<dgm:dataModel xmlns:dgm="http://schemas.openxmlformats.org/drawingml/2006/diagram" xmlns:a="http://schemas.openxmlformats.org/drawingml/2006/main">
-  <dgm:ptLst>
     <dgm:pt modelId="{5A05B034-9B6B-441B-BF6B-B3FC87ED9AE4}" type="doc">
       <dgm:prSet loTypeId="urn:microsoft.com/office/officeart/2008/layout/HalfCircleOrganizationChart" loCatId="hierarchy" qsTypeId="urn:microsoft.com/office/officeart/2005/8/quickstyle/simple1" qsCatId="simple" csTypeId="urn:microsoft.com/office/officeart/2005/8/colors/accent1_2" csCatId="accent1" phldr="1"/>
       <dgm:spPr/>
@@ -2681,495 +1596,6 @@
 </file>
 
 <file path=ppt/diagrams/drawing1.xml><?xml version="1.0" encoding="utf-8"?>
-<dsp:drawing xmlns:dgm="http://schemas.openxmlformats.org/drawingml/2006/diagram" xmlns:dsp="http://schemas.microsoft.com/office/drawing/2008/diagram" xmlns:a="http://schemas.openxmlformats.org/drawingml/2006/main">
-  <dsp:spTree>
-    <dsp:nvGrpSpPr>
-      <dsp:cNvPr id="0" name=""/>
-      <dsp:cNvGrpSpPr/>
-    </dsp:nvGrpSpPr>
-    <dsp:grpSpPr/>
-    <dsp:sp modelId="{DD4ADECC-68C8-40B6-846F-7A53579F8783}">
-      <dsp:nvSpPr>
-        <dsp:cNvPr id="0" name=""/>
-        <dsp:cNvSpPr/>
-      </dsp:nvSpPr>
-      <dsp:spPr>
-        <a:xfrm>
-          <a:off x="0" y="503074"/>
-          <a:ext cx="6583966" cy="781200"/>
-        </a:xfrm>
-        <a:prstGeom prst="rect">
-          <a:avLst/>
-        </a:prstGeom>
-        <a:solidFill>
-          <a:schemeClr val="accent2">
-            <a:alpha val="90000"/>
-            <a:tint val="40000"/>
-            <a:hueOff val="0"/>
-            <a:satOff val="0"/>
-            <a:lumOff val="0"/>
-            <a:alphaOff val="0"/>
-          </a:schemeClr>
-        </a:solidFill>
-        <a:ln w="6350" cap="flat" cmpd="sng" algn="ctr">
-          <a:solidFill>
-            <a:schemeClr val="accent2">
-              <a:hueOff val="0"/>
-              <a:satOff val="0"/>
-              <a:lumOff val="0"/>
-              <a:alphaOff val="0"/>
-            </a:schemeClr>
-          </a:solidFill>
-          <a:prstDash val="solid"/>
-          <a:miter lim="800000"/>
-        </a:ln>
-        <a:effectLst/>
-      </dsp:spPr>
-      <dsp:style>
-        <a:lnRef idx="1">
-          <a:scrgbClr r="0" g="0" b="0"/>
-        </a:lnRef>
-        <a:fillRef idx="1">
-          <a:scrgbClr r="0" g="0" b="0"/>
-        </a:fillRef>
-        <a:effectRef idx="0">
-          <a:scrgbClr r="0" g="0" b="0"/>
-        </a:effectRef>
-        <a:fontRef idx="minor"/>
-      </dsp:style>
-    </dsp:sp>
-    <dsp:sp modelId="{AD5152CC-894B-4347-A4FF-661359855706}">
-      <dsp:nvSpPr>
-        <dsp:cNvPr id="0" name=""/>
-        <dsp:cNvSpPr/>
-      </dsp:nvSpPr>
-      <dsp:spPr>
-        <a:xfrm>
-          <a:off x="329198" y="45514"/>
-          <a:ext cx="4608776" cy="915120"/>
-        </a:xfrm>
-        <a:prstGeom prst="roundRect">
-          <a:avLst/>
-        </a:prstGeom>
-        <a:gradFill rotWithShape="0">
-          <a:gsLst>
-            <a:gs pos="0">
-              <a:schemeClr val="lt1">
-                <a:hueOff val="0"/>
-                <a:satOff val="0"/>
-                <a:lumOff val="0"/>
-                <a:alphaOff val="0"/>
-                <a:lumMod val="110000"/>
-                <a:satMod val="105000"/>
-                <a:tint val="67000"/>
-              </a:schemeClr>
-            </a:gs>
-            <a:gs pos="50000">
-              <a:schemeClr val="lt1">
-                <a:hueOff val="0"/>
-                <a:satOff val="0"/>
-                <a:lumOff val="0"/>
-                <a:alphaOff val="0"/>
-                <a:lumMod val="105000"/>
-                <a:satMod val="103000"/>
-                <a:tint val="73000"/>
-              </a:schemeClr>
-            </a:gs>
-            <a:gs pos="100000">
-              <a:schemeClr val="lt1">
-                <a:hueOff val="0"/>
-                <a:satOff val="0"/>
-                <a:lumOff val="0"/>
-                <a:alphaOff val="0"/>
-                <a:lumMod val="105000"/>
-                <a:satMod val="109000"/>
-                <a:tint val="81000"/>
-              </a:schemeClr>
-            </a:gs>
-          </a:gsLst>
-          <a:lin ang="5400000" scaled="0"/>
-        </a:gradFill>
-        <a:ln>
-          <a:noFill/>
-        </a:ln>
-        <a:effectLst/>
-        <a:scene3d>
-          <a:camera prst="orthographicFront"/>
-          <a:lightRig rig="flat" dir="t"/>
-        </a:scene3d>
-        <a:sp3d prstMaterial="dkEdge">
-          <a:bevelT w="8200" h="38100"/>
-        </a:sp3d>
-      </dsp:spPr>
-      <dsp:style>
-        <a:lnRef idx="0">
-          <a:scrgbClr r="0" g="0" b="0"/>
-        </a:lnRef>
-        <a:fillRef idx="2">
-          <a:scrgbClr r="0" g="0" b="0"/>
-        </a:fillRef>
-        <a:effectRef idx="1">
-          <a:scrgbClr r="0" g="0" b="0"/>
-        </a:effectRef>
-        <a:fontRef idx="minor">
-          <a:schemeClr val="dk1"/>
-        </a:fontRef>
-      </dsp:style>
-      <dsp:txBody>
-        <a:bodyPr spcFirstLastPara="0" vert="horz" wrap="square" lIns="174201" tIns="0" rIns="174201" bIns="0" numCol="1" spcCol="1270" anchor="ctr" anchorCtr="0">
-          <a:noAutofit/>
-        </a:bodyPr>
-        <a:lstStyle/>
-        <a:p>
-          <a:pPr marL="0" lvl="0" indent="0" algn="l" defTabSz="1377950">
-            <a:lnSpc>
-              <a:spcPct val="90000"/>
-            </a:lnSpc>
-            <a:spcBef>
-              <a:spcPct val="0"/>
-            </a:spcBef>
-            <a:spcAft>
-              <a:spcPct val="35000"/>
-            </a:spcAft>
-            <a:buNone/>
-          </a:pPr>
-          <a:r>
-            <a:rPr lang="fr-CA" sz="3100" kern="1200" dirty="0">
-              <a:latin typeface="Times New Roman" panose="02020603050405020304" pitchFamily="18" charset="0"/>
-              <a:cs typeface="Times New Roman" panose="02020603050405020304" pitchFamily="18" charset="0"/>
-            </a:rPr>
-            <a:t>System Geometry	</a:t>
-          </a:r>
-        </a:p>
-      </dsp:txBody>
-      <dsp:txXfrm>
-        <a:off x="373870" y="90186"/>
-        <a:ext cx="4519432" cy="825776"/>
-      </dsp:txXfrm>
-    </dsp:sp>
-    <dsp:sp modelId="{730033C7-A2C6-4B59-8032-0D0A3776060C}">
-      <dsp:nvSpPr>
-        <dsp:cNvPr id="0" name=""/>
-        <dsp:cNvSpPr/>
-      </dsp:nvSpPr>
-      <dsp:spPr>
-        <a:xfrm>
-          <a:off x="0" y="1909234"/>
-          <a:ext cx="6583966" cy="781200"/>
-        </a:xfrm>
-        <a:prstGeom prst="rect">
-          <a:avLst/>
-        </a:prstGeom>
-        <a:solidFill>
-          <a:schemeClr val="accent2">
-            <a:alpha val="90000"/>
-            <a:tint val="40000"/>
-            <a:hueOff val="0"/>
-            <a:satOff val="0"/>
-            <a:lumOff val="0"/>
-            <a:alphaOff val="0"/>
-          </a:schemeClr>
-        </a:solidFill>
-        <a:ln w="6350" cap="flat" cmpd="sng" algn="ctr">
-          <a:solidFill>
-            <a:schemeClr val="accent2">
-              <a:hueOff val="0"/>
-              <a:satOff val="0"/>
-              <a:lumOff val="0"/>
-              <a:alphaOff val="0"/>
-            </a:schemeClr>
-          </a:solidFill>
-          <a:prstDash val="solid"/>
-          <a:miter lim="800000"/>
-        </a:ln>
-        <a:effectLst/>
-      </dsp:spPr>
-      <dsp:style>
-        <a:lnRef idx="1">
-          <a:scrgbClr r="0" g="0" b="0"/>
-        </a:lnRef>
-        <a:fillRef idx="1">
-          <a:scrgbClr r="0" g="0" b="0"/>
-        </a:fillRef>
-        <a:effectRef idx="0">
-          <a:scrgbClr r="0" g="0" b="0"/>
-        </a:effectRef>
-        <a:fontRef idx="minor"/>
-      </dsp:style>
-    </dsp:sp>
-    <dsp:sp modelId="{A2C1CFFE-1B9D-4176-A0FA-C1A1E1F94793}">
-      <dsp:nvSpPr>
-        <dsp:cNvPr id="0" name=""/>
-        <dsp:cNvSpPr/>
-      </dsp:nvSpPr>
-      <dsp:spPr>
-        <a:xfrm>
-          <a:off x="329198" y="1451674"/>
-          <a:ext cx="4608776" cy="915120"/>
-        </a:xfrm>
-        <a:prstGeom prst="roundRect">
-          <a:avLst/>
-        </a:prstGeom>
-        <a:gradFill rotWithShape="0">
-          <a:gsLst>
-            <a:gs pos="0">
-              <a:schemeClr val="lt1">
-                <a:hueOff val="0"/>
-                <a:satOff val="0"/>
-                <a:lumOff val="0"/>
-                <a:alphaOff val="0"/>
-                <a:lumMod val="110000"/>
-                <a:satMod val="105000"/>
-                <a:tint val="67000"/>
-              </a:schemeClr>
-            </a:gs>
-            <a:gs pos="50000">
-              <a:schemeClr val="lt1">
-                <a:hueOff val="0"/>
-                <a:satOff val="0"/>
-                <a:lumOff val="0"/>
-                <a:alphaOff val="0"/>
-                <a:lumMod val="105000"/>
-                <a:satMod val="103000"/>
-                <a:tint val="73000"/>
-              </a:schemeClr>
-            </a:gs>
-            <a:gs pos="100000">
-              <a:schemeClr val="lt1">
-                <a:hueOff val="0"/>
-                <a:satOff val="0"/>
-                <a:lumOff val="0"/>
-                <a:alphaOff val="0"/>
-                <a:lumMod val="105000"/>
-                <a:satMod val="109000"/>
-                <a:tint val="81000"/>
-              </a:schemeClr>
-            </a:gs>
-          </a:gsLst>
-          <a:lin ang="5400000" scaled="0"/>
-        </a:gradFill>
-        <a:ln>
-          <a:noFill/>
-        </a:ln>
-        <a:effectLst/>
-        <a:scene3d>
-          <a:camera prst="orthographicFront"/>
-          <a:lightRig rig="flat" dir="t"/>
-        </a:scene3d>
-        <a:sp3d prstMaterial="dkEdge">
-          <a:bevelT w="8200" h="38100"/>
-        </a:sp3d>
-      </dsp:spPr>
-      <dsp:style>
-        <a:lnRef idx="0">
-          <a:scrgbClr r="0" g="0" b="0"/>
-        </a:lnRef>
-        <a:fillRef idx="2">
-          <a:scrgbClr r="0" g="0" b="0"/>
-        </a:fillRef>
-        <a:effectRef idx="1">
-          <a:scrgbClr r="0" g="0" b="0"/>
-        </a:effectRef>
-        <a:fontRef idx="minor">
-          <a:schemeClr val="dk1"/>
-        </a:fontRef>
-      </dsp:style>
-      <dsp:txBody>
-        <a:bodyPr spcFirstLastPara="0" vert="horz" wrap="square" lIns="174201" tIns="0" rIns="174201" bIns="0" numCol="1" spcCol="1270" anchor="ctr" anchorCtr="0">
-          <a:noAutofit/>
-        </a:bodyPr>
-        <a:lstStyle/>
-        <a:p>
-          <a:pPr marL="0" lvl="0" indent="0" algn="l" defTabSz="1377950">
-            <a:lnSpc>
-              <a:spcPct val="90000"/>
-            </a:lnSpc>
-            <a:spcBef>
-              <a:spcPct val="0"/>
-            </a:spcBef>
-            <a:spcAft>
-              <a:spcPct val="35000"/>
-            </a:spcAft>
-            <a:buNone/>
-          </a:pPr>
-          <a:r>
-            <a:rPr lang="fr-CA" sz="3100" kern="1200" dirty="0">
-              <a:latin typeface="Times New Roman" panose="02020603050405020304" pitchFamily="18" charset="0"/>
-              <a:cs typeface="Times New Roman" panose="02020603050405020304" pitchFamily="18" charset="0"/>
-            </a:rPr>
-            <a:t>Channel Model</a:t>
-          </a:r>
-        </a:p>
-      </dsp:txBody>
-      <dsp:txXfrm>
-        <a:off x="373870" y="1496346"/>
-        <a:ext cx="4519432" cy="825776"/>
-      </dsp:txXfrm>
-    </dsp:sp>
-    <dsp:sp modelId="{312E2A21-1793-4087-9C3F-9F1C32AB07F1}">
-      <dsp:nvSpPr>
-        <dsp:cNvPr id="0" name=""/>
-        <dsp:cNvSpPr/>
-      </dsp:nvSpPr>
-      <dsp:spPr>
-        <a:xfrm>
-          <a:off x="0" y="3315394"/>
-          <a:ext cx="6583966" cy="781200"/>
-        </a:xfrm>
-        <a:prstGeom prst="rect">
-          <a:avLst/>
-        </a:prstGeom>
-        <a:solidFill>
-          <a:schemeClr val="accent2">
-            <a:alpha val="90000"/>
-            <a:tint val="40000"/>
-            <a:hueOff val="0"/>
-            <a:satOff val="0"/>
-            <a:lumOff val="0"/>
-            <a:alphaOff val="0"/>
-          </a:schemeClr>
-        </a:solidFill>
-        <a:ln w="6350" cap="flat" cmpd="sng" algn="ctr">
-          <a:solidFill>
-            <a:schemeClr val="accent2">
-              <a:hueOff val="0"/>
-              <a:satOff val="0"/>
-              <a:lumOff val="0"/>
-              <a:alphaOff val="0"/>
-            </a:schemeClr>
-          </a:solidFill>
-          <a:prstDash val="solid"/>
-          <a:miter lim="800000"/>
-        </a:ln>
-        <a:effectLst/>
-      </dsp:spPr>
-      <dsp:style>
-        <a:lnRef idx="1">
-          <a:scrgbClr r="0" g="0" b="0"/>
-        </a:lnRef>
-        <a:fillRef idx="1">
-          <a:scrgbClr r="0" g="0" b="0"/>
-        </a:fillRef>
-        <a:effectRef idx="0">
-          <a:scrgbClr r="0" g="0" b="0"/>
-        </a:effectRef>
-        <a:fontRef idx="minor"/>
-      </dsp:style>
-    </dsp:sp>
-    <dsp:sp modelId="{5D766D79-13DA-4910-86CE-46443748F84E}">
-      <dsp:nvSpPr>
-        <dsp:cNvPr id="0" name=""/>
-        <dsp:cNvSpPr/>
-      </dsp:nvSpPr>
-      <dsp:spPr>
-        <a:xfrm>
-          <a:off x="329198" y="2857834"/>
-          <a:ext cx="4608776" cy="915120"/>
-        </a:xfrm>
-        <a:prstGeom prst="roundRect">
-          <a:avLst/>
-        </a:prstGeom>
-        <a:gradFill rotWithShape="0">
-          <a:gsLst>
-            <a:gs pos="0">
-              <a:schemeClr val="lt1">
-                <a:hueOff val="0"/>
-                <a:satOff val="0"/>
-                <a:lumOff val="0"/>
-                <a:alphaOff val="0"/>
-                <a:lumMod val="110000"/>
-                <a:satMod val="105000"/>
-                <a:tint val="67000"/>
-              </a:schemeClr>
-            </a:gs>
-            <a:gs pos="50000">
-              <a:schemeClr val="lt1">
-                <a:hueOff val="0"/>
-                <a:satOff val="0"/>
-                <a:lumOff val="0"/>
-                <a:alphaOff val="0"/>
-                <a:lumMod val="105000"/>
-                <a:satMod val="103000"/>
-                <a:tint val="73000"/>
-              </a:schemeClr>
-            </a:gs>
-            <a:gs pos="100000">
-              <a:schemeClr val="lt1">
-                <a:hueOff val="0"/>
-                <a:satOff val="0"/>
-                <a:lumOff val="0"/>
-                <a:alphaOff val="0"/>
-                <a:lumMod val="105000"/>
-                <a:satMod val="109000"/>
-                <a:tint val="81000"/>
-              </a:schemeClr>
-            </a:gs>
-          </a:gsLst>
-          <a:lin ang="5400000" scaled="0"/>
-        </a:gradFill>
-        <a:ln>
-          <a:noFill/>
-        </a:ln>
-        <a:effectLst/>
-        <a:scene3d>
-          <a:camera prst="orthographicFront"/>
-          <a:lightRig rig="flat" dir="t"/>
-        </a:scene3d>
-        <a:sp3d prstMaterial="dkEdge">
-          <a:bevelT w="8200" h="38100"/>
-        </a:sp3d>
-      </dsp:spPr>
-      <dsp:style>
-        <a:lnRef idx="0">
-          <a:scrgbClr r="0" g="0" b="0"/>
-        </a:lnRef>
-        <a:fillRef idx="2">
-          <a:scrgbClr r="0" g="0" b="0"/>
-        </a:fillRef>
-        <a:effectRef idx="1">
-          <a:scrgbClr r="0" g="0" b="0"/>
-        </a:effectRef>
-        <a:fontRef idx="minor">
-          <a:schemeClr val="dk1"/>
-        </a:fontRef>
-      </dsp:style>
-      <dsp:txBody>
-        <a:bodyPr spcFirstLastPara="0" vert="horz" wrap="square" lIns="174201" tIns="0" rIns="174201" bIns="0" numCol="1" spcCol="1270" anchor="ctr" anchorCtr="0">
-          <a:noAutofit/>
-        </a:bodyPr>
-        <a:lstStyle/>
-        <a:p>
-          <a:pPr marL="0" lvl="0" indent="0" algn="l" defTabSz="1377950">
-            <a:lnSpc>
-              <a:spcPct val="90000"/>
-            </a:lnSpc>
-            <a:spcBef>
-              <a:spcPct val="0"/>
-            </a:spcBef>
-            <a:spcAft>
-              <a:spcPct val="35000"/>
-            </a:spcAft>
-            <a:buNone/>
-          </a:pPr>
-          <a:r>
-            <a:rPr lang="fr-CA" sz="3100" kern="1200" dirty="0">
-              <a:latin typeface="Times New Roman" panose="02020603050405020304" pitchFamily="18" charset="0"/>
-              <a:cs typeface="Times New Roman" panose="02020603050405020304" pitchFamily="18" charset="0"/>
-            </a:rPr>
-            <a:t>Signal Model</a:t>
-          </a:r>
-        </a:p>
-      </dsp:txBody>
-      <dsp:txXfrm>
-        <a:off x="373870" y="2902506"/>
-        <a:ext cx="4519432" cy="825776"/>
-      </dsp:txXfrm>
-    </dsp:sp>
-  </dsp:spTree>
-</dsp:drawing>
-</file>
-
-<file path=ppt/diagrams/drawing2.xml><?xml version="1.0" encoding="utf-8"?>
 <dsp:drawing xmlns:dgm="http://schemas.openxmlformats.org/drawingml/2006/diagram" xmlns:dsp="http://schemas.microsoft.com/office/drawing/2008/diagram" xmlns:a="http://schemas.openxmlformats.org/drawingml/2006/main">
   <dsp:spTree>
     <dsp:nvGrpSpPr>
@@ -4628,231 +3054,6 @@
 </file>
 
 <file path=ppt/diagrams/layout1.xml><?xml version="1.0" encoding="utf-8"?>
-<dgm:layoutDef xmlns:dgm="http://schemas.openxmlformats.org/drawingml/2006/diagram" xmlns:a="http://schemas.openxmlformats.org/drawingml/2006/main" uniqueId="urn:microsoft.com/office/officeart/2005/8/layout/list1">
-  <dgm:title val=""/>
-  <dgm:desc val=""/>
-  <dgm:catLst>
-    <dgm:cat type="list" pri="4000"/>
-  </dgm:catLst>
-  <dgm:sampData>
-    <dgm:dataModel>
-      <dgm:ptLst>
-        <dgm:pt modelId="0" type="doc"/>
-        <dgm:pt modelId="1">
-          <dgm:prSet phldr="1"/>
-        </dgm:pt>
-        <dgm:pt modelId="2">
-          <dgm:prSet phldr="1"/>
-        </dgm:pt>
-        <dgm:pt modelId="3">
-          <dgm:prSet phldr="1"/>
-        </dgm:pt>
-      </dgm:ptLst>
-      <dgm:cxnLst>
-        <dgm:cxn modelId="4" srcId="0" destId="1" srcOrd="0" destOrd="0"/>
-        <dgm:cxn modelId="5" srcId="0" destId="2" srcOrd="1" destOrd="0"/>
-        <dgm:cxn modelId="6" srcId="0" destId="3" srcOrd="2" destOrd="0"/>
-      </dgm:cxnLst>
-      <dgm:bg/>
-      <dgm:whole/>
-    </dgm:dataModel>
-  </dgm:sampData>
-  <dgm:styleData>
-    <dgm:dataModel>
-      <dgm:ptLst>
-        <dgm:pt modelId="0" type="doc"/>
-        <dgm:pt modelId="1"/>
-        <dgm:pt modelId="2"/>
-      </dgm:ptLst>
-      <dgm:cxnLst>
-        <dgm:cxn modelId="4" srcId="0" destId="1" srcOrd="0" destOrd="0"/>
-        <dgm:cxn modelId="5" srcId="0" destId="2" srcOrd="1" destOrd="0"/>
-      </dgm:cxnLst>
-      <dgm:bg/>
-      <dgm:whole/>
-    </dgm:dataModel>
-  </dgm:styleData>
-  <dgm:clrData>
-    <dgm:dataModel>
-      <dgm:ptLst>
-        <dgm:pt modelId="0" type="doc"/>
-        <dgm:pt modelId="1"/>
-        <dgm:pt modelId="2"/>
-        <dgm:pt modelId="3"/>
-        <dgm:pt modelId="4"/>
-      </dgm:ptLst>
-      <dgm:cxnLst>
-        <dgm:cxn modelId="5" srcId="0" destId="1" srcOrd="0" destOrd="0"/>
-        <dgm:cxn modelId="6" srcId="0" destId="2" srcOrd="1" destOrd="0"/>
-        <dgm:cxn modelId="7" srcId="0" destId="3" srcOrd="2" destOrd="0"/>
-        <dgm:cxn modelId="8" srcId="0" destId="4" srcOrd="3" destOrd="0"/>
-      </dgm:cxnLst>
-      <dgm:bg/>
-      <dgm:whole/>
-    </dgm:dataModel>
-  </dgm:clrData>
-  <dgm:layoutNode name="linear">
-    <dgm:varLst>
-      <dgm:dir/>
-      <dgm:animLvl val="lvl"/>
-      <dgm:resizeHandles val="exact"/>
-    </dgm:varLst>
-    <dgm:choose name="Name0">
-      <dgm:if name="Name1" func="var" arg="dir" op="equ" val="norm">
-        <dgm:alg type="lin">
-          <dgm:param type="linDir" val="fromT"/>
-          <dgm:param type="vertAlign" val="mid"/>
-          <dgm:param type="horzAlign" val="l"/>
-          <dgm:param type="nodeHorzAlign" val="l"/>
-        </dgm:alg>
-      </dgm:if>
-      <dgm:else name="Name2">
-        <dgm:alg type="lin">
-          <dgm:param type="linDir" val="fromT"/>
-          <dgm:param type="vertAlign" val="mid"/>
-          <dgm:param type="horzAlign" val="r"/>
-          <dgm:param type="nodeHorzAlign" val="r"/>
-        </dgm:alg>
-      </dgm:else>
-    </dgm:choose>
-    <dgm:shape xmlns:r="http://schemas.openxmlformats.org/officeDocument/2006/relationships" r:blip="">
-      <dgm:adjLst/>
-    </dgm:shape>
-    <dgm:presOf/>
-    <dgm:constrLst>
-      <dgm:constr type="w" for="ch" forName="parentLin" refType="w"/>
-      <dgm:constr type="h" for="ch" forName="parentLin" val="INF"/>
-      <dgm:constr type="w" for="des" forName="parentLeftMargin" refType="w" fact="0.05"/>
-      <dgm:constr type="w" for="des" forName="parentText" refType="w" fact="0.7"/>
-      <dgm:constr type="h" for="des" forName="parentText" refType="primFontSz" refFor="des" refForName="parentText" fact="0.82"/>
-      <dgm:constr type="h" for="ch" forName="negativeSpace" refType="primFontSz" refFor="des" refForName="parentText" fact="-0.41"/>
-      <dgm:constr type="h" for="ch" forName="negativeSpace" refType="h" refFor="des" refForName="parentText" op="lte" fact="-0.82"/>
-      <dgm:constr type="h" for="ch" forName="negativeSpace" refType="h" refFor="des" refForName="parentText" op="gte" fact="-0.82"/>
-      <dgm:constr type="w" for="ch" forName="childText" refType="w"/>
-      <dgm:constr type="h" for="ch" forName="childText" refType="primFontSz" refFor="des" refForName="parentText" fact="0.7"/>
-      <dgm:constr type="primFontSz" for="des" forName="parentText" val="65"/>
-      <dgm:constr type="primFontSz" for="ch" forName="childText" refType="primFontSz" refFor="des" refForName="parentText"/>
-      <dgm:constr type="tMarg" for="ch" forName="childText" refType="primFontSz" refFor="des" refForName="parentText" fact="1.64"/>
-      <dgm:constr type="tMarg" for="ch" forName="childText" refType="h" refFor="des" refForName="parentText" op="lte" fact="3.28"/>
-      <dgm:constr type="tMarg" for="ch" forName="childText" refType="h" refFor="des" refForName="parentText" op="gte" fact="3.28"/>
-      <dgm:constr type="lMarg" for="ch" forName="childText" refType="w" fact="0.22"/>
-      <dgm:constr type="rMarg" for="ch" forName="childText" refType="lMarg" refFor="ch" refForName="childText"/>
-      <dgm:constr type="lMarg" for="des" forName="parentText" refType="w" fact="0.075"/>
-      <dgm:constr type="rMarg" for="des" forName="parentText" refType="lMarg" refFor="des" refForName="parentText"/>
-      <dgm:constr type="h" for="ch" forName="spaceBetweenRectangles" refType="primFontSz" refFor="des" refForName="parentText" fact="0.15"/>
-    </dgm:constrLst>
-    <dgm:ruleLst>
-      <dgm:rule type="primFontSz" for="des" forName="parentText" val="5" fact="NaN" max="NaN"/>
-    </dgm:ruleLst>
-    <dgm:forEach name="Name3" axis="ch" ptType="node">
-      <dgm:layoutNode name="parentLin">
-        <dgm:choose name="Name4">
-          <dgm:if name="Name5" func="var" arg="dir" op="equ" val="norm">
-            <dgm:alg type="lin">
-              <dgm:param type="linDir" val="fromL"/>
-              <dgm:param type="horzAlign" val="l"/>
-              <dgm:param type="nodeHorzAlign" val="l"/>
-            </dgm:alg>
-          </dgm:if>
-          <dgm:else name="Name6">
-            <dgm:alg type="lin">
-              <dgm:param type="linDir" val="fromR"/>
-              <dgm:param type="horzAlign" val="r"/>
-              <dgm:param type="nodeHorzAlign" val="r"/>
-            </dgm:alg>
-          </dgm:else>
-        </dgm:choose>
-        <dgm:shape xmlns:r="http://schemas.openxmlformats.org/officeDocument/2006/relationships" r:blip="">
-          <dgm:adjLst/>
-        </dgm:shape>
-        <dgm:presOf/>
-        <dgm:constrLst/>
-        <dgm:ruleLst/>
-        <dgm:layoutNode name="parentLeftMargin">
-          <dgm:alg type="sp"/>
-          <dgm:shape xmlns:r="http://schemas.openxmlformats.org/officeDocument/2006/relationships" type="rect" r:blip="" hideGeom="1">
-            <dgm:adjLst/>
-          </dgm:shape>
-          <dgm:presOf axis="self"/>
-          <dgm:constrLst>
-            <dgm:constr type="h"/>
-          </dgm:constrLst>
-          <dgm:ruleLst/>
-        </dgm:layoutNode>
-        <dgm:layoutNode name="parentText" styleLbl="node1">
-          <dgm:varLst>
-            <dgm:chMax val="0"/>
-            <dgm:bulletEnabled val="1"/>
-          </dgm:varLst>
-          <dgm:choose name="Name7">
-            <dgm:if name="Name8" func="var" arg="dir" op="equ" val="norm">
-              <dgm:alg type="tx">
-                <dgm:param type="parTxLTRAlign" val="l"/>
-                <dgm:param type="parTxRTLAlign" val="l"/>
-              </dgm:alg>
-            </dgm:if>
-            <dgm:else name="Name9">
-              <dgm:alg type="tx">
-                <dgm:param type="parTxLTRAlign" val="r"/>
-                <dgm:param type="parTxRTLAlign" val="r"/>
-              </dgm:alg>
-            </dgm:else>
-          </dgm:choose>
-          <dgm:shape xmlns:r="http://schemas.openxmlformats.org/officeDocument/2006/relationships" type="roundRect" r:blip="">
-            <dgm:adjLst/>
-          </dgm:shape>
-          <dgm:presOf axis="self" ptType="node"/>
-          <dgm:constrLst>
-            <dgm:constr type="tMarg"/>
-            <dgm:constr type="bMarg"/>
-          </dgm:constrLst>
-          <dgm:ruleLst/>
-        </dgm:layoutNode>
-      </dgm:layoutNode>
-      <dgm:layoutNode name="negativeSpace">
-        <dgm:alg type="sp"/>
-        <dgm:shape xmlns:r="http://schemas.openxmlformats.org/officeDocument/2006/relationships" r:blip="">
-          <dgm:adjLst/>
-        </dgm:shape>
-        <dgm:presOf/>
-        <dgm:constrLst/>
-        <dgm:ruleLst/>
-      </dgm:layoutNode>
-      <dgm:layoutNode name="childText" styleLbl="conFgAcc1">
-        <dgm:varLst>
-          <dgm:bulletEnabled val="1"/>
-        </dgm:varLst>
-        <dgm:alg type="tx">
-          <dgm:param type="stBulletLvl" val="1"/>
-        </dgm:alg>
-        <dgm:shape xmlns:r="http://schemas.openxmlformats.org/officeDocument/2006/relationships" type="rect" r:blip="" zOrderOff="-2">
-          <dgm:adjLst/>
-        </dgm:shape>
-        <dgm:presOf axis="des" ptType="node"/>
-        <dgm:constrLst>
-          <dgm:constr type="secFontSz" refType="primFontSz"/>
-        </dgm:constrLst>
-        <dgm:ruleLst>
-          <dgm:rule type="h" val="INF" fact="NaN" max="NaN"/>
-        </dgm:ruleLst>
-      </dgm:layoutNode>
-      <dgm:forEach name="Name10" axis="followSib" ptType="sibTrans" cnt="1">
-        <dgm:layoutNode name="spaceBetweenRectangles">
-          <dgm:alg type="sp"/>
-          <dgm:shape xmlns:r="http://schemas.openxmlformats.org/officeDocument/2006/relationships" r:blip="">
-            <dgm:adjLst/>
-          </dgm:shape>
-          <dgm:presOf/>
-          <dgm:constrLst/>
-          <dgm:ruleLst/>
-        </dgm:layoutNode>
-      </dgm:forEach>
-    </dgm:forEach>
-  </dgm:layoutNode>
-</dgm:layoutDef>
-</file>
-
-<file path=ppt/diagrams/layout2.xml><?xml version="1.0" encoding="utf-8"?>
 <dgm:layoutDef xmlns:dgm="http://schemas.openxmlformats.org/drawingml/2006/diagram" xmlns:a="http://schemas.openxmlformats.org/drawingml/2006/main" uniqueId="urn:microsoft.com/office/officeart/2008/layout/HalfCircleOrganizationChart">
   <dgm:title val=""/>
   <dgm:desc val=""/>
@@ -6148,1066 +4349,6 @@
 </file>
 
 <file path=ppt/diagrams/quickStyle1.xml><?xml version="1.0" encoding="utf-8"?>
-<dgm:styleDef xmlns:dgm="http://schemas.openxmlformats.org/drawingml/2006/diagram" xmlns:a="http://schemas.openxmlformats.org/drawingml/2006/main" uniqueId="urn:microsoft.com/office/officeart/2005/8/quickstyle/simple3">
-  <dgm:title val=""/>
-  <dgm:desc val=""/>
-  <dgm:catLst>
-    <dgm:cat type="simple" pri="10300"/>
-  </dgm:catLst>
-  <dgm:scene3d>
-    <a:camera prst="orthographicFront"/>
-    <a:lightRig rig="threePt" dir="t"/>
-  </dgm:scene3d>
-  <dgm:styleLbl name="node0">
-    <dgm:scene3d>
-      <a:camera prst="orthographicFront"/>
-      <a:lightRig rig="flat" dir="t"/>
-    </dgm:scene3d>
-    <dgm:sp3d prstMaterial="dkEdge">
-      <a:bevelT w="8200" h="38100"/>
-    </dgm:sp3d>
-    <dgm:txPr/>
-    <dgm:style>
-      <a:lnRef idx="0">
-        <a:scrgbClr r="0" g="0" b="0"/>
-      </a:lnRef>
-      <a:fillRef idx="2">
-        <a:scrgbClr r="0" g="0" b="0"/>
-      </a:fillRef>
-      <a:effectRef idx="1">
-        <a:scrgbClr r="0" g="0" b="0"/>
-      </a:effectRef>
-      <a:fontRef idx="minor">
-        <a:schemeClr val="dk1"/>
-      </a:fontRef>
-    </dgm:style>
-  </dgm:styleLbl>
-  <dgm:styleLbl name="lnNode1">
-    <dgm:scene3d>
-      <a:camera prst="orthographicFront"/>
-      <a:lightRig rig="flat" dir="t"/>
-    </dgm:scene3d>
-    <dgm:sp3d prstMaterial="dkEdge">
-      <a:bevelT w="8200" h="38100"/>
-    </dgm:sp3d>
-    <dgm:txPr/>
-    <dgm:style>
-      <a:lnRef idx="1">
-        <a:scrgbClr r="0" g="0" b="0"/>
-      </a:lnRef>
-      <a:fillRef idx="2">
-        <a:scrgbClr r="0" g="0" b="0"/>
-      </a:fillRef>
-      <a:effectRef idx="0">
-        <a:scrgbClr r="0" g="0" b="0"/>
-      </a:effectRef>
-      <a:fontRef idx="minor">
-        <a:schemeClr val="dk1"/>
-      </a:fontRef>
-    </dgm:style>
-  </dgm:styleLbl>
-  <dgm:styleLbl name="vennNode1">
-    <dgm:scene3d>
-      <a:camera prst="orthographicFront"/>
-      <a:lightRig rig="flat" dir="t"/>
-    </dgm:scene3d>
-    <dgm:sp3d prstMaterial="dkEdge">
-      <a:bevelT w="8200" h="38100"/>
-    </dgm:sp3d>
-    <dgm:txPr/>
-    <dgm:style>
-      <a:lnRef idx="0">
-        <a:scrgbClr r="0" g="0" b="0"/>
-      </a:lnRef>
-      <a:fillRef idx="2">
-        <a:scrgbClr r="0" g="0" b="0"/>
-      </a:fillRef>
-      <a:effectRef idx="0">
-        <a:scrgbClr r="0" g="0" b="0"/>
-      </a:effectRef>
-      <a:fontRef idx="minor">
-        <a:schemeClr val="tx1"/>
-      </a:fontRef>
-    </dgm:style>
-  </dgm:styleLbl>
-  <dgm:styleLbl name="alignNode1">
-    <dgm:scene3d>
-      <a:camera prst="orthographicFront"/>
-      <a:lightRig rig="threePt" dir="t"/>
-    </dgm:scene3d>
-    <dgm:sp3d/>
-    <dgm:txPr/>
-    <dgm:style>
-      <a:lnRef idx="1">
-        <a:scrgbClr r="0" g="0" b="0"/>
-      </a:lnRef>
-      <a:fillRef idx="2">
-        <a:scrgbClr r="0" g="0" b="0"/>
-      </a:fillRef>
-      <a:effectRef idx="1">
-        <a:scrgbClr r="0" g="0" b="0"/>
-      </a:effectRef>
-      <a:fontRef idx="minor">
-        <a:schemeClr val="dk1"/>
-      </a:fontRef>
-    </dgm:style>
-  </dgm:styleLbl>
-  <dgm:styleLbl name="node1">
-    <dgm:scene3d>
-      <a:camera prst="orthographicFront"/>
-      <a:lightRig rig="flat" dir="t"/>
-    </dgm:scene3d>
-    <dgm:sp3d prstMaterial="dkEdge">
-      <a:bevelT w="8200" h="38100"/>
-    </dgm:sp3d>
-    <dgm:txPr/>
-    <dgm:style>
-      <a:lnRef idx="0">
-        <a:scrgbClr r="0" g="0" b="0"/>
-      </a:lnRef>
-      <a:fillRef idx="2">
-        <a:scrgbClr r="0" g="0" b="0"/>
-      </a:fillRef>
-      <a:effectRef idx="1">
-        <a:scrgbClr r="0" g="0" b="0"/>
-      </a:effectRef>
-      <a:fontRef idx="minor">
-        <a:schemeClr val="dk1"/>
-      </a:fontRef>
-    </dgm:style>
-  </dgm:styleLbl>
-  <dgm:styleLbl name="node2">
-    <dgm:scene3d>
-      <a:camera prst="orthographicFront"/>
-      <a:lightRig rig="flat" dir="t"/>
-    </dgm:scene3d>
-    <dgm:sp3d prstMaterial="dkEdge">
-      <a:bevelT w="8200" h="38100"/>
-    </dgm:sp3d>
-    <dgm:txPr/>
-    <dgm:style>
-      <a:lnRef idx="0">
-        <a:scrgbClr r="0" g="0" b="0"/>
-      </a:lnRef>
-      <a:fillRef idx="2">
-        <a:scrgbClr r="0" g="0" b="0"/>
-      </a:fillRef>
-      <a:effectRef idx="1">
-        <a:scrgbClr r="0" g="0" b="0"/>
-      </a:effectRef>
-      <a:fontRef idx="minor">
-        <a:schemeClr val="dk1"/>
-      </a:fontRef>
-    </dgm:style>
-  </dgm:styleLbl>
-  <dgm:styleLbl name="node3">
-    <dgm:scene3d>
-      <a:camera prst="orthographicFront"/>
-      <a:lightRig rig="flat" dir="t"/>
-    </dgm:scene3d>
-    <dgm:sp3d prstMaterial="dkEdge">
-      <a:bevelT w="8200" h="38100"/>
-    </dgm:sp3d>
-    <dgm:txPr/>
-    <dgm:style>
-      <a:lnRef idx="0">
-        <a:scrgbClr r="0" g="0" b="0"/>
-      </a:lnRef>
-      <a:fillRef idx="2">
-        <a:scrgbClr r="0" g="0" b="0"/>
-      </a:fillRef>
-      <a:effectRef idx="1">
-        <a:scrgbClr r="0" g="0" b="0"/>
-      </a:effectRef>
-      <a:fontRef idx="minor">
-        <a:schemeClr val="dk1"/>
-      </a:fontRef>
-    </dgm:style>
-  </dgm:styleLbl>
-  <dgm:styleLbl name="node4">
-    <dgm:scene3d>
-      <a:camera prst="orthographicFront"/>
-      <a:lightRig rig="flat" dir="t"/>
-    </dgm:scene3d>
-    <dgm:sp3d prstMaterial="dkEdge">
-      <a:bevelT w="8200" h="38100"/>
-    </dgm:sp3d>
-    <dgm:txPr/>
-    <dgm:style>
-      <a:lnRef idx="0">
-        <a:scrgbClr r="0" g="0" b="0"/>
-      </a:lnRef>
-      <a:fillRef idx="2">
-        <a:scrgbClr r="0" g="0" b="0"/>
-      </a:fillRef>
-      <a:effectRef idx="1">
-        <a:scrgbClr r="0" g="0" b="0"/>
-      </a:effectRef>
-      <a:fontRef idx="minor">
-        <a:schemeClr val="dk1"/>
-      </a:fontRef>
-    </dgm:style>
-  </dgm:styleLbl>
-  <dgm:styleLbl name="fgImgPlace1">
-    <dgm:scene3d>
-      <a:camera prst="orthographicFront"/>
-      <a:lightRig rig="threePt" dir="t"/>
-    </dgm:scene3d>
-    <dgm:sp3d/>
-    <dgm:txPr/>
-    <dgm:style>
-      <a:lnRef idx="1">
-        <a:scrgbClr r="0" g="0" b="0"/>
-      </a:lnRef>
-      <a:fillRef idx="1">
-        <a:scrgbClr r="0" g="0" b="0"/>
-      </a:fillRef>
-      <a:effectRef idx="1">
-        <a:scrgbClr r="0" g="0" b="0"/>
-      </a:effectRef>
-      <a:fontRef idx="minor"/>
-    </dgm:style>
-  </dgm:styleLbl>
-  <dgm:styleLbl name="alignImgPlace1">
-    <dgm:scene3d>
-      <a:camera prst="orthographicFront"/>
-      <a:lightRig rig="threePt" dir="t"/>
-    </dgm:scene3d>
-    <dgm:sp3d/>
-    <dgm:txPr/>
-    <dgm:style>
-      <a:lnRef idx="1">
-        <a:scrgbClr r="0" g="0" b="0"/>
-      </a:lnRef>
-      <a:fillRef idx="1">
-        <a:scrgbClr r="0" g="0" b="0"/>
-      </a:fillRef>
-      <a:effectRef idx="1">
-        <a:scrgbClr r="0" g="0" b="0"/>
-      </a:effectRef>
-      <a:fontRef idx="minor"/>
-    </dgm:style>
-  </dgm:styleLbl>
-  <dgm:styleLbl name="bgImgPlace1">
-    <dgm:scene3d>
-      <a:camera prst="orthographicFront"/>
-      <a:lightRig rig="threePt" dir="t"/>
-    </dgm:scene3d>
-    <dgm:sp3d/>
-    <dgm:txPr/>
-    <dgm:style>
-      <a:lnRef idx="1">
-        <a:scrgbClr r="0" g="0" b="0"/>
-      </a:lnRef>
-      <a:fillRef idx="1">
-        <a:scrgbClr r="0" g="0" b="0"/>
-      </a:fillRef>
-      <a:effectRef idx="1">
-        <a:scrgbClr r="0" g="0" b="0"/>
-      </a:effectRef>
-      <a:fontRef idx="minor"/>
-    </dgm:style>
-  </dgm:styleLbl>
-  <dgm:styleLbl name="sibTrans2D1">
-    <dgm:scene3d>
-      <a:camera prst="orthographicFront"/>
-      <a:lightRig rig="threePt" dir="t"/>
-    </dgm:scene3d>
-    <dgm:sp3d/>
-    <dgm:txPr/>
-    <dgm:style>
-      <a:lnRef idx="0">
-        <a:scrgbClr r="0" g="0" b="0"/>
-      </a:lnRef>
-      <a:fillRef idx="2">
-        <a:scrgbClr r="0" g="0" b="0"/>
-      </a:fillRef>
-      <a:effectRef idx="1">
-        <a:scrgbClr r="0" g="0" b="0"/>
-      </a:effectRef>
-      <a:fontRef idx="minor">
-        <a:schemeClr val="dk1"/>
-      </a:fontRef>
-    </dgm:style>
-  </dgm:styleLbl>
-  <dgm:styleLbl name="fgSibTrans2D1">
-    <dgm:scene3d>
-      <a:camera prst="orthographicFront"/>
-      <a:lightRig rig="threePt" dir="t"/>
-    </dgm:scene3d>
-    <dgm:sp3d/>
-    <dgm:txPr/>
-    <dgm:style>
-      <a:lnRef idx="0">
-        <a:scrgbClr r="0" g="0" b="0"/>
-      </a:lnRef>
-      <a:fillRef idx="2">
-        <a:scrgbClr r="0" g="0" b="0"/>
-      </a:fillRef>
-      <a:effectRef idx="1">
-        <a:scrgbClr r="0" g="0" b="0"/>
-      </a:effectRef>
-      <a:fontRef idx="minor">
-        <a:schemeClr val="dk1"/>
-      </a:fontRef>
-    </dgm:style>
-  </dgm:styleLbl>
-  <dgm:styleLbl name="bgSibTrans2D1">
-    <dgm:scene3d>
-      <a:camera prst="orthographicFront"/>
-      <a:lightRig rig="threePt" dir="t"/>
-    </dgm:scene3d>
-    <dgm:sp3d/>
-    <dgm:txPr/>
-    <dgm:style>
-      <a:lnRef idx="0">
-        <a:scrgbClr r="0" g="0" b="0"/>
-      </a:lnRef>
-      <a:fillRef idx="2">
-        <a:scrgbClr r="0" g="0" b="0"/>
-      </a:fillRef>
-      <a:effectRef idx="1">
-        <a:scrgbClr r="0" g="0" b="0"/>
-      </a:effectRef>
-      <a:fontRef idx="minor">
-        <a:schemeClr val="dk1"/>
-      </a:fontRef>
-    </dgm:style>
-  </dgm:styleLbl>
-  <dgm:styleLbl name="sibTrans1D1">
-    <dgm:scene3d>
-      <a:camera prst="orthographicFront"/>
-      <a:lightRig rig="threePt" dir="t"/>
-    </dgm:scene3d>
-    <dgm:sp3d/>
-    <dgm:txPr/>
-    <dgm:style>
-      <a:lnRef idx="1">
-        <a:scrgbClr r="0" g="0" b="0"/>
-      </a:lnRef>
-      <a:fillRef idx="0">
-        <a:scrgbClr r="0" g="0" b="0"/>
-      </a:fillRef>
-      <a:effectRef idx="0">
-        <a:scrgbClr r="0" g="0" b="0"/>
-      </a:effectRef>
-      <a:fontRef idx="minor"/>
-    </dgm:style>
-  </dgm:styleLbl>
-  <dgm:styleLbl name="callout">
-    <dgm:scene3d>
-      <a:camera prst="orthographicFront"/>
-      <a:lightRig rig="threePt" dir="t"/>
-    </dgm:scene3d>
-    <dgm:sp3d/>
-    <dgm:txPr/>
-    <dgm:style>
-      <a:lnRef idx="1">
-        <a:scrgbClr r="0" g="0" b="0"/>
-      </a:lnRef>
-      <a:fillRef idx="2">
-        <a:scrgbClr r="0" g="0" b="0"/>
-      </a:fillRef>
-      <a:effectRef idx="1">
-        <a:scrgbClr r="0" g="0" b="0"/>
-      </a:effectRef>
-      <a:fontRef idx="minor"/>
-    </dgm:style>
-  </dgm:styleLbl>
-  <dgm:styleLbl name="asst0">
-    <dgm:scene3d>
-      <a:camera prst="orthographicFront"/>
-      <a:lightRig rig="flat" dir="t"/>
-    </dgm:scene3d>
-    <dgm:sp3d prstMaterial="dkEdge">
-      <a:bevelT w="8200" h="38100"/>
-    </dgm:sp3d>
-    <dgm:txPr/>
-    <dgm:style>
-      <a:lnRef idx="0">
-        <a:scrgbClr r="0" g="0" b="0"/>
-      </a:lnRef>
-      <a:fillRef idx="2">
-        <a:scrgbClr r="0" g="0" b="0"/>
-      </a:fillRef>
-      <a:effectRef idx="1">
-        <a:scrgbClr r="0" g="0" b="0"/>
-      </a:effectRef>
-      <a:fontRef idx="minor">
-        <a:schemeClr val="dk1"/>
-      </a:fontRef>
-    </dgm:style>
-  </dgm:styleLbl>
-  <dgm:styleLbl name="asst1">
-    <dgm:scene3d>
-      <a:camera prst="orthographicFront"/>
-      <a:lightRig rig="flat" dir="t"/>
-    </dgm:scene3d>
-    <dgm:sp3d prstMaterial="dkEdge">
-      <a:bevelT w="8200" h="38100"/>
-    </dgm:sp3d>
-    <dgm:txPr/>
-    <dgm:style>
-      <a:lnRef idx="0">
-        <a:scrgbClr r="0" g="0" b="0"/>
-      </a:lnRef>
-      <a:fillRef idx="2">
-        <a:scrgbClr r="0" g="0" b="0"/>
-      </a:fillRef>
-      <a:effectRef idx="1">
-        <a:scrgbClr r="0" g="0" b="0"/>
-      </a:effectRef>
-      <a:fontRef idx="minor">
-        <a:schemeClr val="dk1"/>
-      </a:fontRef>
-    </dgm:style>
-  </dgm:styleLbl>
-  <dgm:styleLbl name="asst2">
-    <dgm:scene3d>
-      <a:camera prst="orthographicFront"/>
-      <a:lightRig rig="flat" dir="t"/>
-    </dgm:scene3d>
-    <dgm:sp3d prstMaterial="dkEdge">
-      <a:bevelT w="8200" h="38100"/>
-    </dgm:sp3d>
-    <dgm:txPr/>
-    <dgm:style>
-      <a:lnRef idx="0">
-        <a:scrgbClr r="0" g="0" b="0"/>
-      </a:lnRef>
-      <a:fillRef idx="2">
-        <a:scrgbClr r="0" g="0" b="0"/>
-      </a:fillRef>
-      <a:effectRef idx="1">
-        <a:scrgbClr r="0" g="0" b="0"/>
-      </a:effectRef>
-      <a:fontRef idx="minor">
-        <a:schemeClr val="dk1"/>
-      </a:fontRef>
-    </dgm:style>
-  </dgm:styleLbl>
-  <dgm:styleLbl name="asst3">
-    <dgm:scene3d>
-      <a:camera prst="orthographicFront"/>
-      <a:lightRig rig="flat" dir="t"/>
-    </dgm:scene3d>
-    <dgm:sp3d prstMaterial="dkEdge">
-      <a:bevelT w="8200" h="38100"/>
-    </dgm:sp3d>
-    <dgm:txPr/>
-    <dgm:style>
-      <a:lnRef idx="0">
-        <a:scrgbClr r="0" g="0" b="0"/>
-      </a:lnRef>
-      <a:fillRef idx="2">
-        <a:scrgbClr r="0" g="0" b="0"/>
-      </a:fillRef>
-      <a:effectRef idx="1">
-        <a:scrgbClr r="0" g="0" b="0"/>
-      </a:effectRef>
-      <a:fontRef idx="minor">
-        <a:schemeClr val="dk1"/>
-      </a:fontRef>
-    </dgm:style>
-  </dgm:styleLbl>
-  <dgm:styleLbl name="asst4">
-    <dgm:scene3d>
-      <a:camera prst="orthographicFront"/>
-      <a:lightRig rig="flat" dir="t"/>
-    </dgm:scene3d>
-    <dgm:sp3d prstMaterial="dkEdge">
-      <a:bevelT w="8200" h="38100"/>
-    </dgm:sp3d>
-    <dgm:txPr/>
-    <dgm:style>
-      <a:lnRef idx="0">
-        <a:scrgbClr r="0" g="0" b="0"/>
-      </a:lnRef>
-      <a:fillRef idx="2">
-        <a:scrgbClr r="0" g="0" b="0"/>
-      </a:fillRef>
-      <a:effectRef idx="1">
-        <a:scrgbClr r="0" g="0" b="0"/>
-      </a:effectRef>
-      <a:fontRef idx="minor">
-        <a:schemeClr val="dk1"/>
-      </a:fontRef>
-    </dgm:style>
-  </dgm:styleLbl>
-  <dgm:styleLbl name="parChTrans2D1">
-    <dgm:scene3d>
-      <a:camera prst="orthographicFront"/>
-      <a:lightRig rig="threePt" dir="t"/>
-    </dgm:scene3d>
-    <dgm:sp3d/>
-    <dgm:txPr/>
-    <dgm:style>
-      <a:lnRef idx="1">
-        <a:scrgbClr r="0" g="0" b="0"/>
-      </a:lnRef>
-      <a:fillRef idx="2">
-        <a:scrgbClr r="0" g="0" b="0"/>
-      </a:fillRef>
-      <a:effectRef idx="1">
-        <a:scrgbClr r="0" g="0" b="0"/>
-      </a:effectRef>
-      <a:fontRef idx="minor">
-        <a:schemeClr val="dk1"/>
-      </a:fontRef>
-    </dgm:style>
-  </dgm:styleLbl>
-  <dgm:styleLbl name="parChTrans2D2">
-    <dgm:scene3d>
-      <a:camera prst="orthographicFront"/>
-      <a:lightRig rig="threePt" dir="t"/>
-    </dgm:scene3d>
-    <dgm:sp3d/>
-    <dgm:txPr/>
-    <dgm:style>
-      <a:lnRef idx="1">
-        <a:scrgbClr r="0" g="0" b="0"/>
-      </a:lnRef>
-      <a:fillRef idx="2">
-        <a:scrgbClr r="0" g="0" b="0"/>
-      </a:fillRef>
-      <a:effectRef idx="1">
-        <a:scrgbClr r="0" g="0" b="0"/>
-      </a:effectRef>
-      <a:fontRef idx="minor">
-        <a:schemeClr val="dk1"/>
-      </a:fontRef>
-    </dgm:style>
-  </dgm:styleLbl>
-  <dgm:styleLbl name="parChTrans2D3">
-    <dgm:scene3d>
-      <a:camera prst="orthographicFront"/>
-      <a:lightRig rig="threePt" dir="t"/>
-    </dgm:scene3d>
-    <dgm:sp3d/>
-    <dgm:txPr/>
-    <dgm:style>
-      <a:lnRef idx="1">
-        <a:scrgbClr r="0" g="0" b="0"/>
-      </a:lnRef>
-      <a:fillRef idx="2">
-        <a:scrgbClr r="0" g="0" b="0"/>
-      </a:fillRef>
-      <a:effectRef idx="1">
-        <a:scrgbClr r="0" g="0" b="0"/>
-      </a:effectRef>
-      <a:fontRef idx="minor">
-        <a:schemeClr val="dk1"/>
-      </a:fontRef>
-    </dgm:style>
-  </dgm:styleLbl>
-  <dgm:styleLbl name="parChTrans2D4">
-    <dgm:scene3d>
-      <a:camera prst="orthographicFront"/>
-      <a:lightRig rig="threePt" dir="t"/>
-    </dgm:scene3d>
-    <dgm:sp3d/>
-    <dgm:txPr/>
-    <dgm:style>
-      <a:lnRef idx="1">
-        <a:scrgbClr r="0" g="0" b="0"/>
-      </a:lnRef>
-      <a:fillRef idx="2">
-        <a:scrgbClr r="0" g="0" b="0"/>
-      </a:fillRef>
-      <a:effectRef idx="1">
-        <a:scrgbClr r="0" g="0" b="0"/>
-      </a:effectRef>
-      <a:fontRef idx="minor">
-        <a:schemeClr val="dk1"/>
-      </a:fontRef>
-    </dgm:style>
-  </dgm:styleLbl>
-  <dgm:styleLbl name="parChTrans1D1">
-    <dgm:scene3d>
-      <a:camera prst="orthographicFront"/>
-      <a:lightRig rig="threePt" dir="t"/>
-    </dgm:scene3d>
-    <dgm:sp3d/>
-    <dgm:txPr/>
-    <dgm:style>
-      <a:lnRef idx="2">
-        <a:scrgbClr r="0" g="0" b="0"/>
-      </a:lnRef>
-      <a:fillRef idx="0">
-        <a:scrgbClr r="0" g="0" b="0"/>
-      </a:fillRef>
-      <a:effectRef idx="0">
-        <a:scrgbClr r="0" g="0" b="0"/>
-      </a:effectRef>
-      <a:fontRef idx="minor"/>
-    </dgm:style>
-  </dgm:styleLbl>
-  <dgm:styleLbl name="parChTrans1D2">
-    <dgm:scene3d>
-      <a:camera prst="orthographicFront"/>
-      <a:lightRig rig="threePt" dir="t"/>
-    </dgm:scene3d>
-    <dgm:sp3d/>
-    <dgm:txPr/>
-    <dgm:style>
-      <a:lnRef idx="2">
-        <a:scrgbClr r="0" g="0" b="0"/>
-      </a:lnRef>
-      <a:fillRef idx="0">
-        <a:scrgbClr r="0" g="0" b="0"/>
-      </a:fillRef>
-      <a:effectRef idx="0">
-        <a:scrgbClr r="0" g="0" b="0"/>
-      </a:effectRef>
-      <a:fontRef idx="minor"/>
-    </dgm:style>
-  </dgm:styleLbl>
-  <dgm:styleLbl name="parChTrans1D3">
-    <dgm:scene3d>
-      <a:camera prst="orthographicFront"/>
-      <a:lightRig rig="threePt" dir="t"/>
-    </dgm:scene3d>
-    <dgm:sp3d/>
-    <dgm:txPr/>
-    <dgm:style>
-      <a:lnRef idx="2">
-        <a:scrgbClr r="0" g="0" b="0"/>
-      </a:lnRef>
-      <a:fillRef idx="0">
-        <a:scrgbClr r="0" g="0" b="0"/>
-      </a:fillRef>
-      <a:effectRef idx="0">
-        <a:scrgbClr r="0" g="0" b="0"/>
-      </a:effectRef>
-      <a:fontRef idx="minor"/>
-    </dgm:style>
-  </dgm:styleLbl>
-  <dgm:styleLbl name="parChTrans1D4">
-    <dgm:scene3d>
-      <a:camera prst="orthographicFront"/>
-      <a:lightRig rig="threePt" dir="t"/>
-    </dgm:scene3d>
-    <dgm:sp3d/>
-    <dgm:txPr/>
-    <dgm:style>
-      <a:lnRef idx="2">
-        <a:scrgbClr r="0" g="0" b="0"/>
-      </a:lnRef>
-      <a:fillRef idx="0">
-        <a:scrgbClr r="0" g="0" b="0"/>
-      </a:fillRef>
-      <a:effectRef idx="0">
-        <a:scrgbClr r="0" g="0" b="0"/>
-      </a:effectRef>
-      <a:fontRef idx="minor"/>
-    </dgm:style>
-  </dgm:styleLbl>
-  <dgm:styleLbl name="fgAcc1">
-    <dgm:scene3d>
-      <a:camera prst="orthographicFront"/>
-      <a:lightRig rig="threePt" dir="t"/>
-    </dgm:scene3d>
-    <dgm:sp3d/>
-    <dgm:txPr/>
-    <dgm:style>
-      <a:lnRef idx="1">
-        <a:scrgbClr r="0" g="0" b="0"/>
-      </a:lnRef>
-      <a:fillRef idx="1">
-        <a:scrgbClr r="0" g="0" b="0"/>
-      </a:fillRef>
-      <a:effectRef idx="0">
-        <a:scrgbClr r="0" g="0" b="0"/>
-      </a:effectRef>
-      <a:fontRef idx="minor"/>
-    </dgm:style>
-  </dgm:styleLbl>
-  <dgm:styleLbl name="conFgAcc1">
-    <dgm:scene3d>
-      <a:camera prst="orthographicFront"/>
-      <a:lightRig rig="threePt" dir="t"/>
-    </dgm:scene3d>
-    <dgm:sp3d/>
-    <dgm:txPr/>
-    <dgm:style>
-      <a:lnRef idx="1">
-        <a:scrgbClr r="0" g="0" b="0"/>
-      </a:lnRef>
-      <a:fillRef idx="1">
-        <a:scrgbClr r="0" g="0" b="0"/>
-      </a:fillRef>
-      <a:effectRef idx="0">
-        <a:scrgbClr r="0" g="0" b="0"/>
-      </a:effectRef>
-      <a:fontRef idx="minor"/>
-    </dgm:style>
-  </dgm:styleLbl>
-  <dgm:styleLbl name="alignAcc1">
-    <dgm:scene3d>
-      <a:camera prst="orthographicFront"/>
-      <a:lightRig rig="threePt" dir="t"/>
-    </dgm:scene3d>
-    <dgm:sp3d/>
-    <dgm:txPr/>
-    <dgm:style>
-      <a:lnRef idx="1">
-        <a:scrgbClr r="0" g="0" b="0"/>
-      </a:lnRef>
-      <a:fillRef idx="1">
-        <a:scrgbClr r="0" g="0" b="0"/>
-      </a:fillRef>
-      <a:effectRef idx="0">
-        <a:scrgbClr r="0" g="0" b="0"/>
-      </a:effectRef>
-      <a:fontRef idx="minor"/>
-    </dgm:style>
-  </dgm:styleLbl>
-  <dgm:styleLbl name="trAlignAcc1">
-    <dgm:scene3d>
-      <a:camera prst="orthographicFront"/>
-      <a:lightRig rig="threePt" dir="t"/>
-    </dgm:scene3d>
-    <dgm:sp3d/>
-    <dgm:txPr/>
-    <dgm:style>
-      <a:lnRef idx="1">
-        <a:scrgbClr r="0" g="0" b="0"/>
-      </a:lnRef>
-      <a:fillRef idx="1">
-        <a:scrgbClr r="0" g="0" b="0"/>
-      </a:fillRef>
-      <a:effectRef idx="0">
-        <a:scrgbClr r="0" g="0" b="0"/>
-      </a:effectRef>
-      <a:fontRef idx="minor"/>
-    </dgm:style>
-  </dgm:styleLbl>
-  <dgm:styleLbl name="bgAcc1">
-    <dgm:scene3d>
-      <a:camera prst="orthographicFront"/>
-      <a:lightRig rig="threePt" dir="t"/>
-    </dgm:scene3d>
-    <dgm:sp3d/>
-    <dgm:txPr/>
-    <dgm:style>
-      <a:lnRef idx="1">
-        <a:scrgbClr r="0" g="0" b="0"/>
-      </a:lnRef>
-      <a:fillRef idx="1">
-        <a:scrgbClr r="0" g="0" b="0"/>
-      </a:fillRef>
-      <a:effectRef idx="0">
-        <a:scrgbClr r="0" g="0" b="0"/>
-      </a:effectRef>
-      <a:fontRef idx="minor"/>
-    </dgm:style>
-  </dgm:styleLbl>
-  <dgm:styleLbl name="solidFgAcc1">
-    <dgm:scene3d>
-      <a:camera prst="orthographicFront"/>
-      <a:lightRig rig="threePt" dir="t"/>
-    </dgm:scene3d>
-    <dgm:sp3d/>
-    <dgm:txPr/>
-    <dgm:style>
-      <a:lnRef idx="1">
-        <a:scrgbClr r="0" g="0" b="0"/>
-      </a:lnRef>
-      <a:fillRef idx="2">
-        <a:scrgbClr r="0" g="0" b="0"/>
-      </a:fillRef>
-      <a:effectRef idx="0">
-        <a:scrgbClr r="0" g="0" b="0"/>
-      </a:effectRef>
-      <a:fontRef idx="minor"/>
-    </dgm:style>
-  </dgm:styleLbl>
-  <dgm:styleLbl name="solidAlignAcc1">
-    <dgm:scene3d>
-      <a:camera prst="orthographicFront"/>
-      <a:lightRig rig="threePt" dir="t"/>
-    </dgm:scene3d>
-    <dgm:sp3d/>
-    <dgm:txPr/>
-    <dgm:style>
-      <a:lnRef idx="1">
-        <a:scrgbClr r="0" g="0" b="0"/>
-      </a:lnRef>
-      <a:fillRef idx="1">
-        <a:scrgbClr r="0" g="0" b="0"/>
-      </a:fillRef>
-      <a:effectRef idx="0">
-        <a:scrgbClr r="0" g="0" b="0"/>
-      </a:effectRef>
-      <a:fontRef idx="minor"/>
-    </dgm:style>
-  </dgm:styleLbl>
-  <dgm:styleLbl name="solidBgAcc1">
-    <dgm:scene3d>
-      <a:camera prst="orthographicFront"/>
-      <a:lightRig rig="threePt" dir="t"/>
-    </dgm:scene3d>
-    <dgm:sp3d/>
-    <dgm:txPr/>
-    <dgm:style>
-      <a:lnRef idx="1">
-        <a:scrgbClr r="0" g="0" b="0"/>
-      </a:lnRef>
-      <a:fillRef idx="1">
-        <a:scrgbClr r="0" g="0" b="0"/>
-      </a:fillRef>
-      <a:effectRef idx="0">
-        <a:scrgbClr r="0" g="0" b="0"/>
-      </a:effectRef>
-      <a:fontRef idx="minor"/>
-    </dgm:style>
-  </dgm:styleLbl>
-  <dgm:styleLbl name="fgAccFollowNode1">
-    <dgm:scene3d>
-      <a:camera prst="orthographicFront"/>
-      <a:lightRig rig="threePt" dir="t"/>
-    </dgm:scene3d>
-    <dgm:sp3d/>
-    <dgm:txPr/>
-    <dgm:style>
-      <a:lnRef idx="1">
-        <a:scrgbClr r="0" g="0" b="0"/>
-      </a:lnRef>
-      <a:fillRef idx="1">
-        <a:scrgbClr r="0" g="0" b="0"/>
-      </a:fillRef>
-      <a:effectRef idx="0">
-        <a:scrgbClr r="0" g="0" b="0"/>
-      </a:effectRef>
-      <a:fontRef idx="minor"/>
-    </dgm:style>
-  </dgm:styleLbl>
-  <dgm:styleLbl name="alignAccFollowNode1">
-    <dgm:scene3d>
-      <a:camera prst="orthographicFront"/>
-      <a:lightRig rig="threePt" dir="t"/>
-    </dgm:scene3d>
-    <dgm:sp3d/>
-    <dgm:txPr/>
-    <dgm:style>
-      <a:lnRef idx="1">
-        <a:scrgbClr r="0" g="0" b="0"/>
-      </a:lnRef>
-      <a:fillRef idx="1">
-        <a:scrgbClr r="0" g="0" b="0"/>
-      </a:fillRef>
-      <a:effectRef idx="0">
-        <a:scrgbClr r="0" g="0" b="0"/>
-      </a:effectRef>
-      <a:fontRef idx="minor"/>
-    </dgm:style>
-  </dgm:styleLbl>
-  <dgm:styleLbl name="bgAccFollowNode1">
-    <dgm:scene3d>
-      <a:camera prst="orthographicFront"/>
-      <a:lightRig rig="threePt" dir="t"/>
-    </dgm:scene3d>
-    <dgm:sp3d/>
-    <dgm:txPr/>
-    <dgm:style>
-      <a:lnRef idx="1">
-        <a:scrgbClr r="0" g="0" b="0"/>
-      </a:lnRef>
-      <a:fillRef idx="1">
-        <a:scrgbClr r="0" g="0" b="0"/>
-      </a:fillRef>
-      <a:effectRef idx="0">
-        <a:scrgbClr r="0" g="0" b="0"/>
-      </a:effectRef>
-      <a:fontRef idx="minor"/>
-    </dgm:style>
-  </dgm:styleLbl>
-  <dgm:styleLbl name="fgAcc0">
-    <dgm:scene3d>
-      <a:camera prst="orthographicFront"/>
-      <a:lightRig rig="threePt" dir="t"/>
-    </dgm:scene3d>
-    <dgm:sp3d/>
-    <dgm:txPr/>
-    <dgm:style>
-      <a:lnRef idx="1">
-        <a:scrgbClr r="0" g="0" b="0"/>
-      </a:lnRef>
-      <a:fillRef idx="1">
-        <a:scrgbClr r="0" g="0" b="0"/>
-      </a:fillRef>
-      <a:effectRef idx="0">
-        <a:scrgbClr r="0" g="0" b="0"/>
-      </a:effectRef>
-      <a:fontRef idx="minor"/>
-    </dgm:style>
-  </dgm:styleLbl>
-  <dgm:styleLbl name="fgAcc2">
-    <dgm:scene3d>
-      <a:camera prst="orthographicFront"/>
-      <a:lightRig rig="threePt" dir="t"/>
-    </dgm:scene3d>
-    <dgm:sp3d/>
-    <dgm:txPr/>
-    <dgm:style>
-      <a:lnRef idx="1">
-        <a:scrgbClr r="0" g="0" b="0"/>
-      </a:lnRef>
-      <a:fillRef idx="1">
-        <a:scrgbClr r="0" g="0" b="0"/>
-      </a:fillRef>
-      <a:effectRef idx="0">
-        <a:scrgbClr r="0" g="0" b="0"/>
-      </a:effectRef>
-      <a:fontRef idx="minor"/>
-    </dgm:style>
-  </dgm:styleLbl>
-  <dgm:styleLbl name="fgAcc3">
-    <dgm:scene3d>
-      <a:camera prst="orthographicFront"/>
-      <a:lightRig rig="threePt" dir="t"/>
-    </dgm:scene3d>
-    <dgm:sp3d/>
-    <dgm:txPr/>
-    <dgm:style>
-      <a:lnRef idx="1">
-        <a:scrgbClr r="0" g="0" b="0"/>
-      </a:lnRef>
-      <a:fillRef idx="1">
-        <a:scrgbClr r="0" g="0" b="0"/>
-      </a:fillRef>
-      <a:effectRef idx="0">
-        <a:scrgbClr r="0" g="0" b="0"/>
-      </a:effectRef>
-      <a:fontRef idx="minor"/>
-    </dgm:style>
-  </dgm:styleLbl>
-  <dgm:styleLbl name="fgAcc4">
-    <dgm:scene3d>
-      <a:camera prst="orthographicFront"/>
-      <a:lightRig rig="threePt" dir="t"/>
-    </dgm:scene3d>
-    <dgm:sp3d/>
-    <dgm:txPr/>
-    <dgm:style>
-      <a:lnRef idx="1">
-        <a:scrgbClr r="0" g="0" b="0"/>
-      </a:lnRef>
-      <a:fillRef idx="1">
-        <a:scrgbClr r="0" g="0" b="0"/>
-      </a:fillRef>
-      <a:effectRef idx="0">
-        <a:scrgbClr r="0" g="0" b="0"/>
-      </a:effectRef>
-      <a:fontRef idx="minor"/>
-    </dgm:style>
-  </dgm:styleLbl>
-  <dgm:styleLbl name="bgShp">
-    <dgm:scene3d>
-      <a:camera prst="orthographicFront"/>
-      <a:lightRig rig="threePt" dir="t"/>
-    </dgm:scene3d>
-    <dgm:sp3d/>
-    <dgm:txPr/>
-    <dgm:style>
-      <a:lnRef idx="0">
-        <a:scrgbClr r="0" g="0" b="0"/>
-      </a:lnRef>
-      <a:fillRef idx="1">
-        <a:scrgbClr r="0" g="0" b="0"/>
-      </a:fillRef>
-      <a:effectRef idx="1">
-        <a:scrgbClr r="0" g="0" b="0"/>
-      </a:effectRef>
-      <a:fontRef idx="minor"/>
-    </dgm:style>
-  </dgm:styleLbl>
-  <dgm:styleLbl name="dkBgShp">
-    <dgm:scene3d>
-      <a:camera prst="orthographicFront"/>
-      <a:lightRig rig="threePt" dir="t"/>
-    </dgm:scene3d>
-    <dgm:sp3d/>
-    <dgm:txPr/>
-    <dgm:style>
-      <a:lnRef idx="0">
-        <a:scrgbClr r="0" g="0" b="0"/>
-      </a:lnRef>
-      <a:fillRef idx="1">
-        <a:scrgbClr r="0" g="0" b="0"/>
-      </a:fillRef>
-      <a:effectRef idx="1">
-        <a:scrgbClr r="0" g="0" b="0"/>
-      </a:effectRef>
-      <a:fontRef idx="minor"/>
-    </dgm:style>
-  </dgm:styleLbl>
-  <dgm:styleLbl name="trBgShp">
-    <dgm:scene3d>
-      <a:camera prst="orthographicFront"/>
-      <a:lightRig rig="threePt" dir="t"/>
-    </dgm:scene3d>
-    <dgm:sp3d/>
-    <dgm:txPr/>
-    <dgm:style>
-      <a:lnRef idx="0">
-        <a:scrgbClr r="0" g="0" b="0"/>
-      </a:lnRef>
-      <a:fillRef idx="1">
-        <a:scrgbClr r="0" g="0" b="0"/>
-      </a:fillRef>
-      <a:effectRef idx="0">
-        <a:scrgbClr r="0" g="0" b="0"/>
-      </a:effectRef>
-      <a:fontRef idx="minor"/>
-    </dgm:style>
-  </dgm:styleLbl>
-  <dgm:styleLbl name="fgShp">
-    <dgm:scene3d>
-      <a:camera prst="orthographicFront"/>
-      <a:lightRig rig="flat" dir="t"/>
-    </dgm:scene3d>
-    <dgm:sp3d prstMaterial="dkEdge">
-      <a:bevelT w="8200" h="38100"/>
-    </dgm:sp3d>
-    <dgm:txPr/>
-    <dgm:style>
-      <a:lnRef idx="1">
-        <a:scrgbClr r="0" g="0" b="0"/>
-      </a:lnRef>
-      <a:fillRef idx="2">
-        <a:scrgbClr r="0" g="0" b="0"/>
-      </a:fillRef>
-      <a:effectRef idx="1">
-        <a:scrgbClr r="0" g="0" b="0"/>
-      </a:effectRef>
-      <a:fontRef idx="minor"/>
-    </dgm:style>
-  </dgm:styleLbl>
-  <dgm:styleLbl name="revTx">
-    <dgm:scene3d>
-      <a:camera prst="orthographicFront"/>
-      <a:lightRig rig="threePt" dir="t"/>
-    </dgm:scene3d>
-    <dgm:sp3d/>
-    <dgm:txPr/>
-    <dgm:style>
-      <a:lnRef idx="0">
-        <a:scrgbClr r="0" g="0" b="0"/>
-      </a:lnRef>
-      <a:fillRef idx="0">
-        <a:scrgbClr r="0" g="0" b="0"/>
-      </a:fillRef>
-      <a:effectRef idx="0">
-        <a:scrgbClr r="0" g="0" b="0"/>
-      </a:effectRef>
-      <a:fontRef idx="minor"/>
-    </dgm:style>
-  </dgm:styleLbl>
-</dgm:styleDef>
-</file>
-
-<file path=ppt/diagrams/quickStyle2.xml><?xml version="1.0" encoding="utf-8"?>
 <dgm:styleDef xmlns:dgm="http://schemas.openxmlformats.org/drawingml/2006/diagram" xmlns:a="http://schemas.openxmlformats.org/drawingml/2006/main" uniqueId="urn:microsoft.com/office/officeart/2005/8/quickstyle/simple1">
   <dgm:title val=""/>
   <dgm:desc val=""/>
@@ -8931,7 +6072,7 @@
           <a:p>
             <a:fld id="{9EA69430-0490-4C6B-BBDC-55AA27B0AF20}" type="slidenum">
               <a:rPr lang="fr-CA" smtClean="0"/>
-              <a:t>9</a:t>
+              <a:t>7</a:t>
             </a:fld>
             <a:endParaRPr lang="fr-CA"/>
           </a:p>
@@ -12331,678 +9472,7 @@
 </p:sld>
 </file>
 
-<file path=ppt/slides/slide10.xml><?xml version="1.0" encoding="utf-8"?>
-<p:sld xmlns:a="http://schemas.openxmlformats.org/drawingml/2006/main" xmlns:r="http://schemas.openxmlformats.org/officeDocument/2006/relationships" xmlns:p="http://schemas.openxmlformats.org/presentationml/2006/main">
-  <p:cSld>
-    <p:spTree>
-      <p:nvGrpSpPr>
-        <p:cNvPr id="1" name=""/>
-        <p:cNvGrpSpPr/>
-        <p:nvPr/>
-      </p:nvGrpSpPr>
-      <p:grpSpPr>
-        <a:xfrm>
-          <a:off x="0" y="0"/>
-          <a:ext cx="0" cy="0"/>
-          <a:chOff x="0" y="0"/>
-          <a:chExt cx="0" cy="0"/>
-        </a:xfrm>
-      </p:grpSpPr>
-      <p:pic>
-        <p:nvPicPr>
-          <p:cNvPr id="4" name="图片 3">
-            <a:extLst>
-              <a:ext uri="{FF2B5EF4-FFF2-40B4-BE49-F238E27FC236}">
-                <a16:creationId xmlns:a16="http://schemas.microsoft.com/office/drawing/2014/main" id="{5DB42684-AE6B-1412-CEA5-12AB30E5BDD3}"/>
-              </a:ext>
-            </a:extLst>
-          </p:cNvPr>
-          <p:cNvPicPr>
-            <a:picLocks noChangeAspect="1"/>
-          </p:cNvPicPr>
-          <p:nvPr/>
-        </p:nvPicPr>
-        <p:blipFill rotWithShape="1">
-          <a:blip r:embed="rId2"/>
-          <a:srcRect t="7165"/>
-          <a:stretch/>
-        </p:blipFill>
-        <p:spPr>
-          <a:xfrm>
-            <a:off x="0" y="1152656"/>
-            <a:ext cx="12192000" cy="5505626"/>
-          </a:xfrm>
-          <a:prstGeom prst="rect">
-            <a:avLst/>
-          </a:prstGeom>
-        </p:spPr>
-      </p:pic>
-      <p:sp>
-        <p:nvSpPr>
-          <p:cNvPr id="5" name="标题 4">
-            <a:extLst>
-              <a:ext uri="{FF2B5EF4-FFF2-40B4-BE49-F238E27FC236}">
-                <a16:creationId xmlns:a16="http://schemas.microsoft.com/office/drawing/2014/main" id="{90649757-D066-5276-9331-4F8A81FFF3FD}"/>
-              </a:ext>
-            </a:extLst>
-          </p:cNvPr>
-          <p:cNvSpPr>
-            <a:spLocks noGrp="1"/>
-          </p:cNvSpPr>
-          <p:nvPr>
-            <p:ph type="title"/>
-          </p:nvPr>
-        </p:nvSpPr>
-        <p:spPr/>
-        <p:txBody>
-          <a:bodyPr/>
-          <a:lstStyle/>
-          <a:p>
-            <a:r>
-              <a:rPr lang="fr-CA" dirty="0"/>
-              <a:t>Sigfox Geographical RCs</a:t>
-            </a:r>
-          </a:p>
-        </p:txBody>
-      </p:sp>
-    </p:spTree>
-    <p:extLst>
-      <p:ext uri="{BB962C8B-B14F-4D97-AF65-F5344CB8AC3E}">
-        <p14:creationId xmlns:p14="http://schemas.microsoft.com/office/powerpoint/2010/main" val="2412469338"/>
-      </p:ext>
-    </p:extLst>
-  </p:cSld>
-  <p:clrMapOvr>
-    <a:masterClrMapping/>
-  </p:clrMapOvr>
-</p:sld>
-</file>
-
-<file path=ppt/slides/slide11.xml><?xml version="1.0" encoding="utf-8"?>
-<p:sld xmlns:a="http://schemas.openxmlformats.org/drawingml/2006/main" xmlns:r="http://schemas.openxmlformats.org/officeDocument/2006/relationships" xmlns:p="http://schemas.openxmlformats.org/presentationml/2006/main">
-  <p:cSld>
-    <p:spTree>
-      <p:nvGrpSpPr>
-        <p:cNvPr id="1" name=""/>
-        <p:cNvGrpSpPr/>
-        <p:nvPr/>
-      </p:nvGrpSpPr>
-      <p:grpSpPr>
-        <a:xfrm>
-          <a:off x="0" y="0"/>
-          <a:ext cx="0" cy="0"/>
-          <a:chOff x="0" y="0"/>
-          <a:chExt cx="0" cy="0"/>
-        </a:xfrm>
-      </p:grpSpPr>
-      <p:sp>
-        <p:nvSpPr>
-          <p:cNvPr id="3" name="标题 2">
-            <a:extLst>
-              <a:ext uri="{FF2B5EF4-FFF2-40B4-BE49-F238E27FC236}">
-                <a16:creationId xmlns:a16="http://schemas.microsoft.com/office/drawing/2014/main" id="{42060328-8CC3-3A9C-18D8-5B56709D5630}"/>
-              </a:ext>
-            </a:extLst>
-          </p:cNvPr>
-          <p:cNvSpPr>
-            <a:spLocks noGrp="1"/>
-          </p:cNvSpPr>
-          <p:nvPr>
-            <p:ph type="title"/>
-          </p:nvPr>
-        </p:nvSpPr>
-        <p:spPr/>
-        <p:txBody>
-          <a:bodyPr/>
-          <a:lstStyle/>
-          <a:p>
-            <a:r>
-              <a:rPr lang="fr-CA" dirty="0">
-                <a:latin typeface="Times New Roman" panose="02020603050405020304" pitchFamily="18" charset="0"/>
-                <a:cs typeface="Times New Roman" panose="02020603050405020304" pitchFamily="18" charset="0"/>
-              </a:rPr>
-              <a:t>Reference</a:t>
-            </a:r>
-          </a:p>
-        </p:txBody>
-      </p:sp>
-      <p:sp>
-        <p:nvSpPr>
-          <p:cNvPr id="4" name="内容占位符 3">
-            <a:extLst>
-              <a:ext uri="{FF2B5EF4-FFF2-40B4-BE49-F238E27FC236}">
-                <a16:creationId xmlns:a16="http://schemas.microsoft.com/office/drawing/2014/main" id="{49D0F2FE-859F-4C79-5A11-6F1778E6A3CA}"/>
-              </a:ext>
-            </a:extLst>
-          </p:cNvPr>
-          <p:cNvSpPr>
-            <a:spLocks noGrp="1"/>
-          </p:cNvSpPr>
-          <p:nvPr>
-            <p:ph idx="1"/>
-          </p:nvPr>
-        </p:nvSpPr>
-        <p:spPr/>
-        <p:txBody>
-          <a:bodyPr/>
-          <a:lstStyle/>
-          <a:p>
-            <a:pPr marL="0" indent="0">
-              <a:buNone/>
-            </a:pPr>
-            <a:r>
-              <a:rPr lang="fr-CA" dirty="0">
-                <a:latin typeface="Times New Roman" panose="02020603050405020304" pitchFamily="18" charset="0"/>
-                <a:cs typeface="Times New Roman" panose="02020603050405020304" pitchFamily="18" charset="0"/>
-              </a:rPr>
-              <a:t>[1] Hui Chen, Hadi Sarieddeen, Tarig Ballal, Henk Wymeersch, Mohamed-Slim Alouini, and Tareq Y Al-Naffouri. A tutorial on terahertz-band localization for 6g communication systems. arXiv preprint arXiv:2110.08581, 2021.</a:t>
-            </a:r>
-          </a:p>
-          <a:p>
-            <a:pPr marL="0" indent="0">
-              <a:buNone/>
-            </a:pPr>
-            <a:r>
-              <a:rPr lang="fr-CA" dirty="0">
-                <a:latin typeface="Times New Roman" panose="02020603050405020304" pitchFamily="18" charset="0"/>
-                <a:cs typeface="Times New Roman" panose="02020603050405020304" pitchFamily="18" charset="0"/>
-              </a:rPr>
-              <a:t>[2] A. Shahmansoori, G. E. Garcia, G. Destino, G. Seco-Granados,</a:t>
-            </a:r>
-          </a:p>
-          <a:p>
-            <a:pPr marL="0" indent="0">
-              <a:buNone/>
-            </a:pPr>
-            <a:r>
-              <a:rPr lang="fr-CA" dirty="0">
-                <a:latin typeface="Times New Roman" panose="02020603050405020304" pitchFamily="18" charset="0"/>
-                <a:cs typeface="Times New Roman" panose="02020603050405020304" pitchFamily="18" charset="0"/>
-              </a:rPr>
-              <a:t>and H. Wymeersch, “Position and orientation estimation through</a:t>
-            </a:r>
-          </a:p>
-          <a:p>
-            <a:pPr marL="0" indent="0">
-              <a:buNone/>
-            </a:pPr>
-            <a:r>
-              <a:rPr lang="fr-CA" dirty="0">
-                <a:latin typeface="Times New Roman" panose="02020603050405020304" pitchFamily="18" charset="0"/>
-                <a:cs typeface="Times New Roman" panose="02020603050405020304" pitchFamily="18" charset="0"/>
-              </a:rPr>
-              <a:t>millimeter-wave MIMO in 5G systems,” IEEE Trans. Wireless Commun., vol. 17, no. 3, pp. 1822–1835, Dec. 2017.</a:t>
-            </a:r>
-          </a:p>
-        </p:txBody>
-      </p:sp>
-    </p:spTree>
-    <p:extLst>
-      <p:ext uri="{BB962C8B-B14F-4D97-AF65-F5344CB8AC3E}">
-        <p14:creationId xmlns:p14="http://schemas.microsoft.com/office/powerpoint/2010/main" val="1224187230"/>
-      </p:ext>
-    </p:extLst>
-  </p:cSld>
-  <p:clrMapOvr>
-    <a:masterClrMapping/>
-  </p:clrMapOvr>
-</p:sld>
-</file>
-
 <file path=ppt/slides/slide2.xml><?xml version="1.0" encoding="utf-8"?>
-<p:sld xmlns:a="http://schemas.openxmlformats.org/drawingml/2006/main" xmlns:r="http://schemas.openxmlformats.org/officeDocument/2006/relationships" xmlns:p="http://schemas.openxmlformats.org/presentationml/2006/main" show="0">
-  <p:cSld>
-    <p:spTree>
-      <p:nvGrpSpPr>
-        <p:cNvPr id="1" name=""/>
-        <p:cNvGrpSpPr/>
-        <p:nvPr/>
-      </p:nvGrpSpPr>
-      <p:grpSpPr>
-        <a:xfrm>
-          <a:off x="0" y="0"/>
-          <a:ext cx="0" cy="0"/>
-          <a:chOff x="0" y="0"/>
-          <a:chExt cx="0" cy="0"/>
-        </a:xfrm>
-      </p:grpSpPr>
-      <p:graphicFrame>
-        <p:nvGraphicFramePr>
-          <p:cNvPr id="2" name="图示 1">
-            <a:extLst>
-              <a:ext uri="{FF2B5EF4-FFF2-40B4-BE49-F238E27FC236}">
-                <a16:creationId xmlns:a16="http://schemas.microsoft.com/office/drawing/2014/main" id="{322479C0-F085-E3F3-BCF0-24702630C9F1}"/>
-              </a:ext>
-            </a:extLst>
-          </p:cNvPr>
-          <p:cNvGraphicFramePr/>
-          <p:nvPr>
-            <p:extLst>
-              <p:ext uri="{D42A27DB-BD31-4B8C-83A1-F6EECF244321}">
-                <p14:modId xmlns:p14="http://schemas.microsoft.com/office/powerpoint/2010/main" val="3701592608"/>
-              </p:ext>
-            </p:extLst>
-          </p:nvPr>
-        </p:nvGraphicFramePr>
-        <p:xfrm>
-          <a:off x="982372" y="1762855"/>
-          <a:ext cx="6583966" cy="4142109"/>
-        </p:xfrm>
-        <a:graphic>
-          <a:graphicData uri="http://schemas.openxmlformats.org/drawingml/2006/diagram">
-            <dgm:relIds xmlns:dgm="http://schemas.openxmlformats.org/drawingml/2006/diagram" xmlns:r="http://schemas.openxmlformats.org/officeDocument/2006/relationships" r:dm="rId2" r:lo="rId3" r:qs="rId4" r:cs="rId5"/>
-          </a:graphicData>
-        </a:graphic>
-      </p:graphicFrame>
-      <p:sp>
-        <p:nvSpPr>
-          <p:cNvPr id="3" name="标题 2">
-            <a:extLst>
-              <a:ext uri="{FF2B5EF4-FFF2-40B4-BE49-F238E27FC236}">
-                <a16:creationId xmlns:a16="http://schemas.microsoft.com/office/drawing/2014/main" id="{F5E01583-D826-1834-824A-FF90F95128C5}"/>
-              </a:ext>
-            </a:extLst>
-          </p:cNvPr>
-          <p:cNvSpPr>
-            <a:spLocks noGrp="1"/>
-          </p:cNvSpPr>
-          <p:nvPr>
-            <p:ph type="title"/>
-          </p:nvPr>
-        </p:nvSpPr>
-        <p:spPr/>
-        <p:txBody>
-          <a:bodyPr/>
-          <a:lstStyle/>
-          <a:p>
-            <a:r>
-              <a:rPr lang="fr-CA" dirty="0"/>
-              <a:t>System model</a:t>
-            </a:r>
-          </a:p>
-        </p:txBody>
-      </p:sp>
-      <p:pic>
-        <p:nvPicPr>
-          <p:cNvPr id="5" name="图形 4" descr="智能手机">
-            <a:extLst>
-              <a:ext uri="{FF2B5EF4-FFF2-40B4-BE49-F238E27FC236}">
-                <a16:creationId xmlns:a16="http://schemas.microsoft.com/office/drawing/2014/main" id="{69EA44BC-F5E6-BAB4-5FFF-5834E01F69B3}"/>
-              </a:ext>
-            </a:extLst>
-          </p:cNvPr>
-          <p:cNvPicPr>
-            <a:picLocks noChangeAspect="1"/>
-          </p:cNvPicPr>
-          <p:nvPr/>
-        </p:nvPicPr>
-        <p:blipFill>
-          <a:blip r:embed="rId7">
-            <a:extLst>
-              <a:ext uri="{28A0092B-C50C-407E-A947-70E740481C1C}">
-                <a14:useLocalDpi xmlns:a14="http://schemas.microsoft.com/office/drawing/2010/main" val="0"/>
-              </a:ext>
-              <a:ext uri="{96DAC541-7B7A-43D3-8B79-37D633B846F1}">
-                <asvg:svgBlip xmlns:asvg="http://schemas.microsoft.com/office/drawing/2016/SVG/main" r:embed="rId8"/>
-              </a:ext>
-            </a:extLst>
-          </a:blip>
-          <a:stretch>
-            <a:fillRect/>
-          </a:stretch>
-        </p:blipFill>
-        <p:spPr>
-          <a:xfrm>
-            <a:off x="10894380" y="3150806"/>
-            <a:ext cx="914400" cy="914400"/>
-          </a:xfrm>
-          <a:prstGeom prst="rect">
-            <a:avLst/>
-          </a:prstGeom>
-        </p:spPr>
-      </p:pic>
-      <p:pic>
-        <p:nvPicPr>
-          <p:cNvPr id="7" name="图形 6" descr="信号塔">
-            <a:extLst>
-              <a:ext uri="{FF2B5EF4-FFF2-40B4-BE49-F238E27FC236}">
-                <a16:creationId xmlns:a16="http://schemas.microsoft.com/office/drawing/2014/main" id="{665023D5-32F2-E05D-8D04-34E264E3AEB9}"/>
-              </a:ext>
-            </a:extLst>
-          </p:cNvPr>
-          <p:cNvPicPr>
-            <a:picLocks noChangeAspect="1"/>
-          </p:cNvPicPr>
-          <p:nvPr/>
-        </p:nvPicPr>
-        <p:blipFill>
-          <a:blip r:embed="rId9">
-            <a:extLst>
-              <a:ext uri="{28A0092B-C50C-407E-A947-70E740481C1C}">
-                <a14:useLocalDpi xmlns:a14="http://schemas.microsoft.com/office/drawing/2010/main" val="0"/>
-              </a:ext>
-              <a:ext uri="{96DAC541-7B7A-43D3-8B79-37D633B846F1}">
-                <asvg:svgBlip xmlns:asvg="http://schemas.microsoft.com/office/drawing/2016/SVG/main" r:embed="rId10"/>
-              </a:ext>
-            </a:extLst>
-          </a:blip>
-          <a:stretch>
-            <a:fillRect/>
-          </a:stretch>
-        </p:blipFill>
-        <p:spPr>
-          <a:xfrm>
-            <a:off x="8415198" y="3100588"/>
-            <a:ext cx="914400" cy="914400"/>
-          </a:xfrm>
-          <a:prstGeom prst="rect">
-            <a:avLst/>
-          </a:prstGeom>
-        </p:spPr>
-      </p:pic>
-      <p:pic>
-        <p:nvPicPr>
-          <p:cNvPr id="11" name="图形 10" descr="无线">
-            <a:extLst>
-              <a:ext uri="{FF2B5EF4-FFF2-40B4-BE49-F238E27FC236}">
-                <a16:creationId xmlns:a16="http://schemas.microsoft.com/office/drawing/2014/main" id="{A57531FB-EB77-5F56-A3D8-72B1F6DBDC55}"/>
-              </a:ext>
-            </a:extLst>
-          </p:cNvPr>
-          <p:cNvPicPr>
-            <a:picLocks noChangeAspect="1"/>
-          </p:cNvPicPr>
-          <p:nvPr/>
-        </p:nvPicPr>
-        <p:blipFill>
-          <a:blip r:embed="rId11">
-            <a:extLst>
-              <a:ext uri="{28A0092B-C50C-407E-A947-70E740481C1C}">
-                <a14:useLocalDpi xmlns:a14="http://schemas.microsoft.com/office/drawing/2010/main" val="0"/>
-              </a:ext>
-              <a:ext uri="{96DAC541-7B7A-43D3-8B79-37D633B846F1}">
-                <asvg:svgBlip xmlns:asvg="http://schemas.microsoft.com/office/drawing/2016/SVG/main" r:embed="rId12"/>
-              </a:ext>
-            </a:extLst>
-          </a:blip>
-          <a:stretch>
-            <a:fillRect/>
-          </a:stretch>
-        </p:blipFill>
-        <p:spPr>
-          <a:xfrm rot="7829474">
-            <a:off x="9764116" y="3179067"/>
-            <a:ext cx="857879" cy="857879"/>
-          </a:xfrm>
-          <a:prstGeom prst="rect">
-            <a:avLst/>
-          </a:prstGeom>
-        </p:spPr>
-      </p:pic>
-      <p:cxnSp>
-        <p:nvCxnSpPr>
-          <p:cNvPr id="13" name="直接箭头连接符 12">
-            <a:extLst>
-              <a:ext uri="{FF2B5EF4-FFF2-40B4-BE49-F238E27FC236}">
-                <a16:creationId xmlns:a16="http://schemas.microsoft.com/office/drawing/2014/main" id="{A6DC625E-664A-88EC-4CE8-DDB4D62BDEB3}"/>
-              </a:ext>
-            </a:extLst>
-          </p:cNvPr>
-          <p:cNvCxnSpPr/>
-          <p:nvPr/>
-        </p:nvCxnSpPr>
-        <p:spPr>
-          <a:xfrm>
-            <a:off x="8872398" y="3709115"/>
-            <a:ext cx="542058" cy="0"/>
-          </a:xfrm>
-          <a:prstGeom prst="straightConnector1">
-            <a:avLst/>
-          </a:prstGeom>
-          <a:ln w="12700">
-            <a:tailEnd type="triangle"/>
-          </a:ln>
-        </p:spPr>
-        <p:style>
-          <a:lnRef idx="1">
-            <a:schemeClr val="accent1"/>
-          </a:lnRef>
-          <a:fillRef idx="0">
-            <a:schemeClr val="accent1"/>
-          </a:fillRef>
-          <a:effectRef idx="0">
-            <a:schemeClr val="accent1"/>
-          </a:effectRef>
-          <a:fontRef idx="minor">
-            <a:schemeClr val="tx1"/>
-          </a:fontRef>
-        </p:style>
-      </p:cxnSp>
-      <p:cxnSp>
-        <p:nvCxnSpPr>
-          <p:cNvPr id="15" name="直接箭头连接符 14">
-            <a:extLst>
-              <a:ext uri="{FF2B5EF4-FFF2-40B4-BE49-F238E27FC236}">
-                <a16:creationId xmlns:a16="http://schemas.microsoft.com/office/drawing/2014/main" id="{69E6299D-4C0E-F9C7-7922-F06BFB4751C1}"/>
-              </a:ext>
-            </a:extLst>
-          </p:cNvPr>
-          <p:cNvCxnSpPr/>
-          <p:nvPr/>
-        </p:nvCxnSpPr>
-        <p:spPr>
-          <a:xfrm flipV="1">
-            <a:off x="8872398" y="2891307"/>
-            <a:ext cx="0" cy="811369"/>
-          </a:xfrm>
-          <a:prstGeom prst="straightConnector1">
-            <a:avLst/>
-          </a:prstGeom>
-          <a:ln w="12700">
-            <a:tailEnd type="triangle"/>
-          </a:ln>
-        </p:spPr>
-        <p:style>
-          <a:lnRef idx="1">
-            <a:schemeClr val="accent1"/>
-          </a:lnRef>
-          <a:fillRef idx="0">
-            <a:schemeClr val="accent1"/>
-          </a:fillRef>
-          <a:effectRef idx="0">
-            <a:schemeClr val="accent1"/>
-          </a:effectRef>
-          <a:fontRef idx="minor">
-            <a:schemeClr val="tx1"/>
-          </a:fontRef>
-        </p:style>
-      </p:cxnSp>
-      <p:cxnSp>
-        <p:nvCxnSpPr>
-          <p:cNvPr id="16" name="直接箭头连接符 15">
-            <a:extLst>
-              <a:ext uri="{FF2B5EF4-FFF2-40B4-BE49-F238E27FC236}">
-                <a16:creationId xmlns:a16="http://schemas.microsoft.com/office/drawing/2014/main" id="{437E29B5-AC35-C49B-5B62-42575AAF3954}"/>
-              </a:ext>
-            </a:extLst>
-          </p:cNvPr>
-          <p:cNvCxnSpPr/>
-          <p:nvPr/>
-        </p:nvCxnSpPr>
-        <p:spPr>
-          <a:xfrm>
-            <a:off x="11351580" y="3608006"/>
-            <a:ext cx="542058" cy="0"/>
-          </a:xfrm>
-          <a:prstGeom prst="straightConnector1">
-            <a:avLst/>
-          </a:prstGeom>
-          <a:ln w="12700">
-            <a:tailEnd type="triangle"/>
-          </a:ln>
-        </p:spPr>
-        <p:style>
-          <a:lnRef idx="1">
-            <a:schemeClr val="accent1"/>
-          </a:lnRef>
-          <a:fillRef idx="0">
-            <a:schemeClr val="accent1"/>
-          </a:fillRef>
-          <a:effectRef idx="0">
-            <a:schemeClr val="accent1"/>
-          </a:effectRef>
-          <a:fontRef idx="minor">
-            <a:schemeClr val="tx1"/>
-          </a:fontRef>
-        </p:style>
-      </p:cxnSp>
-      <p:cxnSp>
-        <p:nvCxnSpPr>
-          <p:cNvPr id="17" name="直接箭头连接符 16">
-            <a:extLst>
-              <a:ext uri="{FF2B5EF4-FFF2-40B4-BE49-F238E27FC236}">
-                <a16:creationId xmlns:a16="http://schemas.microsoft.com/office/drawing/2014/main" id="{6F6F73F9-C7F9-DF45-9E16-9599ABFB781F}"/>
-              </a:ext>
-            </a:extLst>
-          </p:cNvPr>
-          <p:cNvCxnSpPr/>
-          <p:nvPr/>
-        </p:nvCxnSpPr>
-        <p:spPr>
-          <a:xfrm flipV="1">
-            <a:off x="11351580" y="2790198"/>
-            <a:ext cx="0" cy="811369"/>
-          </a:xfrm>
-          <a:prstGeom prst="straightConnector1">
-            <a:avLst/>
-          </a:prstGeom>
-          <a:ln w="12700">
-            <a:tailEnd type="triangle"/>
-          </a:ln>
-        </p:spPr>
-        <p:style>
-          <a:lnRef idx="1">
-            <a:schemeClr val="accent1"/>
-          </a:lnRef>
-          <a:fillRef idx="0">
-            <a:schemeClr val="accent1"/>
-          </a:fillRef>
-          <a:effectRef idx="0">
-            <a:schemeClr val="accent1"/>
-          </a:effectRef>
-          <a:fontRef idx="minor">
-            <a:schemeClr val="tx1"/>
-          </a:fontRef>
-        </p:style>
-      </p:cxnSp>
-      <p:sp>
-        <p:nvSpPr>
-          <p:cNvPr id="18" name="矩形: 圆角 17">
-            <a:extLst>
-              <a:ext uri="{FF2B5EF4-FFF2-40B4-BE49-F238E27FC236}">
-                <a16:creationId xmlns:a16="http://schemas.microsoft.com/office/drawing/2014/main" id="{49B5657E-797E-BAC3-7CA6-2036DDDA8E77}"/>
-              </a:ext>
-            </a:extLst>
-          </p:cNvPr>
-          <p:cNvSpPr/>
-          <p:nvPr/>
-        </p:nvSpPr>
-        <p:spPr>
-          <a:xfrm>
-            <a:off x="9588320" y="3100588"/>
-            <a:ext cx="1047338" cy="964616"/>
-          </a:xfrm>
-          <a:prstGeom prst="roundRect">
-            <a:avLst/>
-          </a:prstGeom>
-          <a:noFill/>
-          <a:ln>
-            <a:solidFill>
-              <a:schemeClr val="tx1"/>
-            </a:solidFill>
-          </a:ln>
-        </p:spPr>
-        <p:style>
-          <a:lnRef idx="2">
-            <a:schemeClr val="accent1">
-              <a:shade val="50000"/>
-            </a:schemeClr>
-          </a:lnRef>
-          <a:fillRef idx="1">
-            <a:schemeClr val="accent1"/>
-          </a:fillRef>
-          <a:effectRef idx="0">
-            <a:schemeClr val="accent1"/>
-          </a:effectRef>
-          <a:fontRef idx="minor">
-            <a:schemeClr val="lt1"/>
-          </a:fontRef>
-        </p:style>
-        <p:txBody>
-          <a:bodyPr rtlCol="0" anchor="ctr"/>
-          <a:lstStyle/>
-          <a:p>
-            <a:pPr algn="ctr"/>
-            <a:endParaRPr lang="fr-CA"/>
-          </a:p>
-        </p:txBody>
-      </p:sp>
-      <p:sp>
-        <p:nvSpPr>
-          <p:cNvPr id="19" name="文本框 18">
-            <a:extLst>
-              <a:ext uri="{FF2B5EF4-FFF2-40B4-BE49-F238E27FC236}">
-                <a16:creationId xmlns:a16="http://schemas.microsoft.com/office/drawing/2014/main" id="{FEB9A1AE-22F4-8B34-E5EC-6A6D229B8870}"/>
-              </a:ext>
-            </a:extLst>
-          </p:cNvPr>
-          <p:cNvSpPr txBox="1"/>
-          <p:nvPr/>
-        </p:nvSpPr>
-        <p:spPr>
-          <a:xfrm>
-            <a:off x="9316075" y="4125393"/>
-            <a:ext cx="2035505" cy="369332"/>
-          </a:xfrm>
-          <a:prstGeom prst="rect">
-            <a:avLst/>
-          </a:prstGeom>
-          <a:noFill/>
-        </p:spPr>
-        <p:txBody>
-          <a:bodyPr wrap="square" rtlCol="0">
-            <a:spAutoFit/>
-          </a:bodyPr>
-          <a:lstStyle/>
-          <a:p>
-            <a:r>
-              <a:rPr lang="en-US" altLang="zh-CN" dirty="0">
-                <a:latin typeface="Times New Roman" panose="02020603050405020304" pitchFamily="18" charset="0"/>
-                <a:cs typeface="Times New Roman" panose="02020603050405020304" pitchFamily="18" charset="0"/>
-              </a:rPr>
-              <a:t>Channel model</a:t>
-            </a:r>
-            <a:endParaRPr lang="fr-CA" dirty="0">
-              <a:latin typeface="Times New Roman" panose="02020603050405020304" pitchFamily="18" charset="0"/>
-              <a:cs typeface="Times New Roman" panose="02020603050405020304" pitchFamily="18" charset="0"/>
-            </a:endParaRPr>
-          </a:p>
-        </p:txBody>
-      </p:sp>
-    </p:spTree>
-    <p:extLst>
-      <p:ext uri="{BB962C8B-B14F-4D97-AF65-F5344CB8AC3E}">
-        <p14:creationId xmlns:p14="http://schemas.microsoft.com/office/powerpoint/2010/main" val="11550642"/>
-      </p:ext>
-    </p:extLst>
-  </p:cSld>
-  <p:clrMapOvr>
-    <a:masterClrMapping/>
-  </p:clrMapOvr>
-</p:sld>
-</file>
-
-<file path=ppt/slides/slide3.xml><?xml version="1.0" encoding="utf-8"?>
 <p:sld xmlns:a="http://schemas.openxmlformats.org/drawingml/2006/main" xmlns:r="http://schemas.openxmlformats.org/officeDocument/2006/relationships" xmlns:p="http://schemas.openxmlformats.org/presentationml/2006/main">
   <p:cSld>
     <p:spTree>
@@ -14182,7 +10652,7 @@
 </p:sld>
 </file>
 
-<file path=ppt/slides/slide4.xml><?xml version="1.0" encoding="utf-8"?>
+<file path=ppt/slides/slide3.xml><?xml version="1.0" encoding="utf-8"?>
 <p:sld xmlns:a="http://schemas.openxmlformats.org/drawingml/2006/main" xmlns:r="http://schemas.openxmlformats.org/officeDocument/2006/relationships" xmlns:p="http://schemas.openxmlformats.org/presentationml/2006/main">
   <p:cSld>
     <p:spTree>
@@ -15662,7 +12132,7 @@
 </p:sld>
 </file>
 
-<file path=ppt/slides/slide5.xml><?xml version="1.0" encoding="utf-8"?>
+<file path=ppt/slides/slide4.xml><?xml version="1.0" encoding="utf-8"?>
 <p:sld xmlns:a="http://schemas.openxmlformats.org/drawingml/2006/main" xmlns:r="http://schemas.openxmlformats.org/officeDocument/2006/relationships" xmlns:p="http://schemas.openxmlformats.org/presentationml/2006/main">
   <p:cSld>
     <p:spTree>
@@ -15764,10 +12234,10 @@
         </p:nvGrpSpPr>
         <p:grpSpPr>
           <a:xfrm>
-            <a:off x="1557316" y="2672810"/>
-            <a:ext cx="1850263" cy="2714722"/>
-            <a:chOff x="411097" y="2479627"/>
-            <a:chExt cx="1850263" cy="2714722"/>
+            <a:off x="1517494" y="2724326"/>
+            <a:ext cx="4982649" cy="2431043"/>
+            <a:chOff x="838200" y="2479627"/>
+            <a:chExt cx="4982649" cy="2431043"/>
           </a:xfrm>
         </p:grpSpPr>
         <p:sp>
@@ -15834,8 +12304,8 @@
           </p:blipFill>
           <p:spPr>
             <a:xfrm>
-              <a:off x="760490" y="4312615"/>
-              <a:ext cx="1025914" cy="605078"/>
+              <a:off x="2570608" y="2645244"/>
+              <a:ext cx="3250241" cy="1916973"/>
             </a:xfrm>
             <a:prstGeom prst="rect">
               <a:avLst/>
@@ -16283,7 +12753,7 @@
           </p:nvSpPr>
           <p:spPr>
             <a:xfrm>
-              <a:off x="411097" y="4917350"/>
+              <a:off x="3300079" y="4633671"/>
               <a:ext cx="1724699" cy="276999"/>
             </a:xfrm>
             <a:prstGeom prst="rect">
@@ -16325,8 +12795,8 @@
           </p:nvSpPr>
           <p:spPr>
             <a:xfrm>
-              <a:off x="732082" y="3354053"/>
-              <a:ext cx="494496" cy="276999"/>
+              <a:off x="1399010" y="3379143"/>
+              <a:ext cx="494496" cy="224588"/>
             </a:xfrm>
             <a:prstGeom prst="ellipse">
               <a:avLst/>
@@ -16367,96 +12837,6 @@
             </a:p>
           </p:txBody>
         </p:sp>
-        <p:cxnSp>
-          <p:nvCxnSpPr>
-            <p:cNvPr id="33" name="连接符: 曲线 32">
-              <a:extLst>
-                <a:ext uri="{FF2B5EF4-FFF2-40B4-BE49-F238E27FC236}">
-                  <a16:creationId xmlns:a16="http://schemas.microsoft.com/office/drawing/2014/main" id="{16219DDB-1B5F-ECCB-ADE9-A58E10A88317}"/>
-                </a:ext>
-              </a:extLst>
-            </p:cNvPr>
-            <p:cNvCxnSpPr>
-              <a:cxnSpLocks/>
-              <a:stCxn id="30" idx="2"/>
-              <a:endCxn id="9" idx="1"/>
-            </p:cNvCxnSpPr>
-            <p:nvPr/>
-          </p:nvCxnSpPr>
-          <p:spPr>
-            <a:xfrm rot="10800000" flipH="1" flipV="1">
-              <a:off x="732082" y="3492552"/>
-              <a:ext cx="28408" cy="1122601"/>
-            </a:xfrm>
-            <a:prstGeom prst="curvedConnector3">
-              <a:avLst>
-                <a:gd name="adj1" fmla="val -804703"/>
-              </a:avLst>
-            </a:prstGeom>
-            <a:ln>
-              <a:prstDash val="lgDashDot"/>
-            </a:ln>
-          </p:spPr>
-          <p:style>
-            <a:lnRef idx="1">
-              <a:schemeClr val="accent2"/>
-            </a:lnRef>
-            <a:fillRef idx="0">
-              <a:schemeClr val="accent2"/>
-            </a:fillRef>
-            <a:effectRef idx="0">
-              <a:schemeClr val="accent2"/>
-            </a:effectRef>
-            <a:fontRef idx="minor">
-              <a:schemeClr val="tx1"/>
-            </a:fontRef>
-          </p:style>
-        </p:cxnSp>
-        <p:cxnSp>
-          <p:nvCxnSpPr>
-            <p:cNvPr id="39" name="连接符: 曲线 38">
-              <a:extLst>
-                <a:ext uri="{FF2B5EF4-FFF2-40B4-BE49-F238E27FC236}">
-                  <a16:creationId xmlns:a16="http://schemas.microsoft.com/office/drawing/2014/main" id="{41A79183-B62A-A98D-7836-43BD13FA0215}"/>
-                </a:ext>
-              </a:extLst>
-            </p:cNvPr>
-            <p:cNvCxnSpPr>
-              <a:cxnSpLocks/>
-              <a:stCxn id="30" idx="2"/>
-              <a:endCxn id="9" idx="1"/>
-            </p:cNvCxnSpPr>
-            <p:nvPr/>
-          </p:nvCxnSpPr>
-          <p:spPr>
-            <a:xfrm rot="10800000" flipH="1" flipV="1">
-              <a:off x="732082" y="3492552"/>
-              <a:ext cx="28408" cy="1122601"/>
-            </a:xfrm>
-            <a:prstGeom prst="curvedConnector3">
-              <a:avLst>
-                <a:gd name="adj1" fmla="val -804703"/>
-              </a:avLst>
-            </a:prstGeom>
-            <a:ln>
-              <a:tailEnd type="triangle"/>
-            </a:ln>
-          </p:spPr>
-          <p:style>
-            <a:lnRef idx="1">
-              <a:schemeClr val="accent2"/>
-            </a:lnRef>
-            <a:fillRef idx="0">
-              <a:schemeClr val="accent2"/>
-            </a:fillRef>
-            <a:effectRef idx="0">
-              <a:schemeClr val="accent2"/>
-            </a:effectRef>
-            <a:fontRef idx="minor">
-              <a:schemeClr val="tx1"/>
-            </a:fontRef>
-          </p:style>
-        </p:cxnSp>
       </p:grpSp>
       <p:sp>
         <p:nvSpPr>
@@ -16472,7 +12852,7 @@
         </p:nvSpPr>
         <p:spPr>
           <a:xfrm>
-            <a:off x="5233650" y="5184875"/>
+            <a:off x="9348450" y="5918038"/>
             <a:ext cx="1724699" cy="276999"/>
           </a:xfrm>
           <a:prstGeom prst="rect">
@@ -16522,8 +12902,8 @@
         </p:blipFill>
         <p:spPr>
           <a:xfrm>
-            <a:off x="4558758" y="4060814"/>
-            <a:ext cx="2026142" cy="1173827"/>
+            <a:off x="480986" y="1174983"/>
+            <a:ext cx="9380007" cy="5434222"/>
           </a:xfrm>
           <a:prstGeom prst="rect">
             <a:avLst/>
@@ -16552,8 +12932,157 @@
         </p:blipFill>
         <p:spPr>
           <a:xfrm>
-            <a:off x="4558758" y="2742277"/>
-            <a:ext cx="2168109" cy="1173825"/>
+            <a:off x="7668025" y="939962"/>
+            <a:ext cx="4091878" cy="2215363"/>
+          </a:xfrm>
+          <a:prstGeom prst="rect">
+            <a:avLst/>
+          </a:prstGeom>
+        </p:spPr>
+      </p:pic>
+      <p:cxnSp>
+        <p:nvCxnSpPr>
+          <p:cNvPr id="44" name="连接符: 曲线 43">
+            <a:extLst>
+              <a:ext uri="{FF2B5EF4-FFF2-40B4-BE49-F238E27FC236}">
+                <a16:creationId xmlns:a16="http://schemas.microsoft.com/office/drawing/2014/main" id="{1A08C188-C580-91A7-0BD7-E974772A7F25}"/>
+              </a:ext>
+            </a:extLst>
+          </p:cNvPr>
+          <p:cNvCxnSpPr>
+            <a:stCxn id="30" idx="6"/>
+          </p:cNvCxnSpPr>
+          <p:nvPr/>
+        </p:nvCxnSpPr>
+        <p:spPr>
+          <a:xfrm>
+            <a:off x="2572800" y="3736136"/>
+            <a:ext cx="901210" cy="217678"/>
+          </a:xfrm>
+          <a:prstGeom prst="curvedConnector3">
+            <a:avLst/>
+          </a:prstGeom>
+          <a:ln>
+            <a:solidFill>
+              <a:schemeClr val="accent2">
+                <a:lumMod val="75000"/>
+              </a:schemeClr>
+            </a:solidFill>
+            <a:tailEnd type="triangle"/>
+          </a:ln>
+        </p:spPr>
+        <p:style>
+          <a:lnRef idx="1">
+            <a:schemeClr val="accent2"/>
+          </a:lnRef>
+          <a:fillRef idx="0">
+            <a:schemeClr val="accent2"/>
+          </a:fillRef>
+          <a:effectRef idx="0">
+            <a:schemeClr val="accent2"/>
+          </a:effectRef>
+          <a:fontRef idx="minor">
+            <a:schemeClr val="tx1"/>
+          </a:fontRef>
+        </p:style>
+      </p:cxnSp>
+    </p:spTree>
+    <p:extLst>
+      <p:ext uri="{BB962C8B-B14F-4D97-AF65-F5344CB8AC3E}">
+        <p14:creationId xmlns:p14="http://schemas.microsoft.com/office/powerpoint/2010/main" val="1774507463"/>
+      </p:ext>
+    </p:extLst>
+  </p:cSld>
+  <p:clrMapOvr>
+    <a:masterClrMapping/>
+  </p:clrMapOvr>
+</p:sld>
+</file>
+
+<file path=ppt/slides/slide5.xml><?xml version="1.0" encoding="utf-8"?>
+<p:sld xmlns:a="http://schemas.openxmlformats.org/drawingml/2006/main" xmlns:r="http://schemas.openxmlformats.org/officeDocument/2006/relationships" xmlns:p="http://schemas.openxmlformats.org/presentationml/2006/main">
+  <p:cSld>
+    <p:spTree>
+      <p:nvGrpSpPr>
+        <p:cNvPr id="1" name=""/>
+        <p:cNvGrpSpPr/>
+        <p:nvPr/>
+      </p:nvGrpSpPr>
+      <p:grpSpPr>
+        <a:xfrm>
+          <a:off x="0" y="0"/>
+          <a:ext cx="0" cy="0"/>
+          <a:chOff x="0" y="0"/>
+          <a:chExt cx="0" cy="0"/>
+        </a:xfrm>
+      </p:grpSpPr>
+      <p:sp>
+        <p:nvSpPr>
+          <p:cNvPr id="2" name="标题 1">
+            <a:extLst>
+              <a:ext uri="{FF2B5EF4-FFF2-40B4-BE49-F238E27FC236}">
+                <a16:creationId xmlns:a16="http://schemas.microsoft.com/office/drawing/2014/main" id="{1026B352-D88A-D376-64BF-67F3C1CE5E05}"/>
+              </a:ext>
+            </a:extLst>
+          </p:cNvPr>
+          <p:cNvSpPr>
+            <a:spLocks noGrp="1"/>
+          </p:cNvSpPr>
+          <p:nvPr>
+            <p:ph type="title"/>
+          </p:nvPr>
+        </p:nvSpPr>
+        <p:spPr/>
+        <p:txBody>
+          <a:bodyPr/>
+          <a:lstStyle/>
+          <a:p>
+            <a:r>
+              <a:rPr lang="fr-CA" dirty="0"/>
+              <a:t>C</a:t>
+            </a:r>
+            <a:r>
+              <a:rPr lang="en-US" altLang="zh-CN" dirty="0" err="1"/>
+              <a:t>hannel</a:t>
+            </a:r>
+            <a:r>
+              <a:rPr lang="en-US" altLang="zh-CN" dirty="0"/>
+              <a:t> response</a:t>
+            </a:r>
+            <a:endParaRPr lang="fr-CA" dirty="0"/>
+          </a:p>
+        </p:txBody>
+      </p:sp>
+      <p:pic>
+        <p:nvPicPr>
+          <p:cNvPr id="4" name="图片 3">
+            <a:extLst>
+              <a:ext uri="{FF2B5EF4-FFF2-40B4-BE49-F238E27FC236}">
+                <a16:creationId xmlns:a16="http://schemas.microsoft.com/office/drawing/2014/main" id="{AD45AD9C-F489-B8C4-3074-DEFEEA44823B}"/>
+              </a:ext>
+            </a:extLst>
+          </p:cNvPr>
+          <p:cNvPicPr>
+            <a:picLocks noChangeAspect="1"/>
+          </p:cNvPicPr>
+          <p:nvPr/>
+        </p:nvPicPr>
+        <p:blipFill>
+          <a:blip r:embed="rId2">
+            <a:extLst>
+              <a:ext uri="{28A0092B-C50C-407E-A947-70E740481C1C}">
+                <a14:useLocalDpi xmlns:a14="http://schemas.microsoft.com/office/drawing/2010/main" val="0"/>
+              </a:ext>
+            </a:extLst>
+          </a:blip>
+          <a:stretch>
+            <a:fillRect/>
+          </a:stretch>
+        </p:blipFill>
+        <p:spPr>
+          <a:xfrm>
+            <a:off x="1589351" y="1692265"/>
+            <a:ext cx="8549657" cy="4800610"/>
           </a:xfrm>
           <a:prstGeom prst="rect">
             <a:avLst/>
@@ -16563,7 +13092,7 @@
     </p:spTree>
     <p:extLst>
       <p:ext uri="{BB962C8B-B14F-4D97-AF65-F5344CB8AC3E}">
-        <p14:creationId xmlns:p14="http://schemas.microsoft.com/office/powerpoint/2010/main" val="1774507463"/>
+        <p14:creationId xmlns:p14="http://schemas.microsoft.com/office/powerpoint/2010/main" val="2264260522"/>
       </p:ext>
     </p:extLst>
   </p:cSld>
@@ -16776,519 +13305,6 @@
           <a:chExt cx="0" cy="0"/>
         </a:xfrm>
       </p:grpSpPr>
-      <p:sp>
-        <p:nvSpPr>
-          <p:cNvPr id="2" name="标题 1">
-            <a:extLst>
-              <a:ext uri="{FF2B5EF4-FFF2-40B4-BE49-F238E27FC236}">
-                <a16:creationId xmlns:a16="http://schemas.microsoft.com/office/drawing/2014/main" id="{35E6CC85-11AA-66B6-865A-71E98599D83C}"/>
-              </a:ext>
-            </a:extLst>
-          </p:cNvPr>
-          <p:cNvSpPr>
-            <a:spLocks noGrp="1"/>
-          </p:cNvSpPr>
-          <p:nvPr>
-            <p:ph type="title"/>
-          </p:nvPr>
-        </p:nvSpPr>
-        <p:spPr/>
-        <p:txBody>
-          <a:bodyPr/>
-          <a:lstStyle/>
-          <a:p>
-            <a:r>
-              <a:rPr lang="fr-CA" dirty="0"/>
-              <a:t>Reveiver</a:t>
-            </a:r>
-          </a:p>
-        </p:txBody>
-      </p:sp>
-    </p:spTree>
-    <p:extLst>
-      <p:ext uri="{BB962C8B-B14F-4D97-AF65-F5344CB8AC3E}">
-        <p14:creationId xmlns:p14="http://schemas.microsoft.com/office/powerpoint/2010/main" val="1364422448"/>
-      </p:ext>
-    </p:extLst>
-  </p:cSld>
-  <p:clrMapOvr>
-    <a:masterClrMapping/>
-  </p:clrMapOvr>
-</p:sld>
-</file>
-
-<file path=ppt/slides/slide8.xml><?xml version="1.0" encoding="utf-8"?>
-<p:sld xmlns:a="http://schemas.openxmlformats.org/drawingml/2006/main" xmlns:r="http://schemas.openxmlformats.org/officeDocument/2006/relationships" xmlns:p="http://schemas.openxmlformats.org/presentationml/2006/main">
-  <p:cSld>
-    <p:spTree>
-      <p:nvGrpSpPr>
-        <p:cNvPr id="1" name=""/>
-        <p:cNvGrpSpPr/>
-        <p:nvPr/>
-      </p:nvGrpSpPr>
-      <p:grpSpPr>
-        <a:xfrm>
-          <a:off x="0" y="0"/>
-          <a:ext cx="0" cy="0"/>
-          <a:chOff x="0" y="0"/>
-          <a:chExt cx="0" cy="0"/>
-        </a:xfrm>
-      </p:grpSpPr>
-      <p:sp>
-        <p:nvSpPr>
-          <p:cNvPr id="2" name="标题 1">
-            <a:extLst>
-              <a:ext uri="{FF2B5EF4-FFF2-40B4-BE49-F238E27FC236}">
-                <a16:creationId xmlns:a16="http://schemas.microsoft.com/office/drawing/2014/main" id="{BFE4A929-EF32-805D-E1EA-D0EDA1BB5A38}"/>
-              </a:ext>
-            </a:extLst>
-          </p:cNvPr>
-          <p:cNvSpPr>
-            <a:spLocks noGrp="1"/>
-          </p:cNvSpPr>
-          <p:nvPr>
-            <p:ph type="title"/>
-          </p:nvPr>
-        </p:nvSpPr>
-        <p:spPr/>
-        <p:txBody>
-          <a:bodyPr/>
-          <a:lstStyle/>
-          <a:p>
-            <a:r>
-              <a:rPr lang="fr-CA" dirty="0"/>
-              <a:t>Signal model</a:t>
-            </a:r>
-          </a:p>
-        </p:txBody>
-      </p:sp>
-      <p:pic>
-        <p:nvPicPr>
-          <p:cNvPr id="4" name="图片 3">
-            <a:extLst>
-              <a:ext uri="{FF2B5EF4-FFF2-40B4-BE49-F238E27FC236}">
-                <a16:creationId xmlns:a16="http://schemas.microsoft.com/office/drawing/2014/main" id="{7BF9984E-1982-2776-BA38-B8BAAA03883F}"/>
-              </a:ext>
-            </a:extLst>
-          </p:cNvPr>
-          <p:cNvPicPr>
-            <a:picLocks noChangeAspect="1"/>
-          </p:cNvPicPr>
-          <p:nvPr/>
-        </p:nvPicPr>
-        <p:blipFill>
-          <a:blip r:embed="rId2"/>
-          <a:stretch>
-            <a:fillRect/>
-          </a:stretch>
-        </p:blipFill>
-        <p:spPr>
-          <a:xfrm>
-            <a:off x="2042225" y="4314422"/>
-            <a:ext cx="5982535" cy="562053"/>
-          </a:xfrm>
-          <a:prstGeom prst="rect">
-            <a:avLst/>
-          </a:prstGeom>
-        </p:spPr>
-      </p:pic>
-      <p:sp>
-        <p:nvSpPr>
-          <p:cNvPr id="3" name="文本框 2">
-            <a:extLst>
-              <a:ext uri="{FF2B5EF4-FFF2-40B4-BE49-F238E27FC236}">
-                <a16:creationId xmlns:a16="http://schemas.microsoft.com/office/drawing/2014/main" id="{DBB3B957-B60A-E396-B212-873AEDF09629}"/>
-              </a:ext>
-            </a:extLst>
-          </p:cNvPr>
-          <p:cNvSpPr txBox="1"/>
-          <p:nvPr/>
-        </p:nvSpPr>
-        <p:spPr>
-          <a:xfrm flipH="1">
-            <a:off x="838200" y="1690688"/>
-            <a:ext cx="4777419" cy="646331"/>
-          </a:xfrm>
-          <a:prstGeom prst="rect">
-            <a:avLst/>
-          </a:prstGeom>
-          <a:noFill/>
-        </p:spPr>
-        <p:txBody>
-          <a:bodyPr wrap="square" rtlCol="0">
-            <a:spAutoFit/>
-          </a:bodyPr>
-          <a:lstStyle/>
-          <a:p>
-            <a:r>
-              <a:rPr lang="fr-CA" dirty="0">
-                <a:latin typeface="Times New Roman" panose="02020603050405020304" pitchFamily="18" charset="0"/>
-                <a:cs typeface="Times New Roman" panose="02020603050405020304" pitchFamily="18" charset="0"/>
-              </a:rPr>
-              <a:t>Inverse fast fourier transform (IFFT)</a:t>
-            </a:r>
-          </a:p>
-          <a:p>
-            <a:r>
-              <a:rPr lang="fr-CA" dirty="0">
-                <a:latin typeface="Times New Roman" panose="02020603050405020304" pitchFamily="18" charset="0"/>
-                <a:cs typeface="Times New Roman" panose="02020603050405020304" pitchFamily="18" charset="0"/>
-              </a:rPr>
-              <a:t>Denoising</a:t>
-            </a:r>
-          </a:p>
-        </p:txBody>
-      </p:sp>
-      <p:sp>
-        <p:nvSpPr>
-          <p:cNvPr id="5" name="矩形: 圆角 4">
-            <a:extLst>
-              <a:ext uri="{FF2B5EF4-FFF2-40B4-BE49-F238E27FC236}">
-                <a16:creationId xmlns:a16="http://schemas.microsoft.com/office/drawing/2014/main" id="{3933BC14-9904-7210-6BCE-EB8CBAC0E6EC}"/>
-              </a:ext>
-            </a:extLst>
-          </p:cNvPr>
-          <p:cNvSpPr/>
-          <p:nvPr/>
-        </p:nvSpPr>
-        <p:spPr>
-          <a:xfrm>
-            <a:off x="3702668" y="3142444"/>
-            <a:ext cx="1036749" cy="405685"/>
-          </a:xfrm>
-          <a:prstGeom prst="roundRect">
-            <a:avLst/>
-          </a:prstGeom>
-        </p:spPr>
-        <p:style>
-          <a:lnRef idx="2">
-            <a:schemeClr val="accent1">
-              <a:shade val="50000"/>
-            </a:schemeClr>
-          </a:lnRef>
-          <a:fillRef idx="1">
-            <a:schemeClr val="accent1"/>
-          </a:fillRef>
-          <a:effectRef idx="0">
-            <a:schemeClr val="accent1"/>
-          </a:effectRef>
-          <a:fontRef idx="minor">
-            <a:schemeClr val="lt1"/>
-          </a:fontRef>
-        </p:style>
-        <p:txBody>
-          <a:bodyPr rtlCol="0" anchor="ctr"/>
-          <a:lstStyle/>
-          <a:p>
-            <a:pPr algn="ctr"/>
-            <a:r>
-              <a:rPr lang="fr-CA" dirty="0"/>
-              <a:t>Precode</a:t>
-            </a:r>
-          </a:p>
-        </p:txBody>
-      </p:sp>
-      <p:sp>
-        <p:nvSpPr>
-          <p:cNvPr id="9" name="矩形: 圆角 8">
-            <a:extLst>
-              <a:ext uri="{FF2B5EF4-FFF2-40B4-BE49-F238E27FC236}">
-                <a16:creationId xmlns:a16="http://schemas.microsoft.com/office/drawing/2014/main" id="{166AC449-EBDC-058C-9C9B-5EBE52167C96}"/>
-              </a:ext>
-            </a:extLst>
-          </p:cNvPr>
-          <p:cNvSpPr/>
-          <p:nvPr/>
-        </p:nvSpPr>
-        <p:spPr>
-          <a:xfrm>
-            <a:off x="5323259" y="3142444"/>
-            <a:ext cx="1036749" cy="405685"/>
-          </a:xfrm>
-          <a:prstGeom prst="roundRect">
-            <a:avLst/>
-          </a:prstGeom>
-        </p:spPr>
-        <p:style>
-          <a:lnRef idx="2">
-            <a:schemeClr val="accent1">
-              <a:shade val="50000"/>
-            </a:schemeClr>
-          </a:lnRef>
-          <a:fillRef idx="1">
-            <a:schemeClr val="accent1"/>
-          </a:fillRef>
-          <a:effectRef idx="0">
-            <a:schemeClr val="accent1"/>
-          </a:effectRef>
-          <a:fontRef idx="minor">
-            <a:schemeClr val="lt1"/>
-          </a:fontRef>
-        </p:style>
-        <p:txBody>
-          <a:bodyPr rtlCol="0" anchor="ctr"/>
-          <a:lstStyle/>
-          <a:p>
-            <a:pPr algn="ctr"/>
-            <a:r>
-              <a:rPr lang="fr-CA" dirty="0"/>
-              <a:t>Channel</a:t>
-            </a:r>
-          </a:p>
-        </p:txBody>
-      </p:sp>
-      <p:sp>
-        <p:nvSpPr>
-          <p:cNvPr id="11" name="矩形: 圆角 10">
-            <a:extLst>
-              <a:ext uri="{FF2B5EF4-FFF2-40B4-BE49-F238E27FC236}">
-                <a16:creationId xmlns:a16="http://schemas.microsoft.com/office/drawing/2014/main" id="{E2C8424D-BE01-3C40-913D-E93C7B729358}"/>
-              </a:ext>
-            </a:extLst>
-          </p:cNvPr>
-          <p:cNvSpPr/>
-          <p:nvPr/>
-        </p:nvSpPr>
-        <p:spPr>
-          <a:xfrm>
-            <a:off x="6943850" y="3142443"/>
-            <a:ext cx="1036749" cy="405685"/>
-          </a:xfrm>
-          <a:prstGeom prst="roundRect">
-            <a:avLst/>
-          </a:prstGeom>
-        </p:spPr>
-        <p:style>
-          <a:lnRef idx="2">
-            <a:schemeClr val="accent1">
-              <a:shade val="50000"/>
-            </a:schemeClr>
-          </a:lnRef>
-          <a:fillRef idx="1">
-            <a:schemeClr val="accent1"/>
-          </a:fillRef>
-          <a:effectRef idx="0">
-            <a:schemeClr val="accent1"/>
-          </a:effectRef>
-          <a:fontRef idx="minor">
-            <a:schemeClr val="lt1"/>
-          </a:fontRef>
-        </p:style>
-        <p:txBody>
-          <a:bodyPr rtlCol="0" anchor="ctr"/>
-          <a:lstStyle/>
-          <a:p>
-            <a:pPr algn="ctr"/>
-            <a:r>
-              <a:rPr lang="fr-CA" dirty="0"/>
-              <a:t>Decode</a:t>
-            </a:r>
-          </a:p>
-        </p:txBody>
-      </p:sp>
-      <p:cxnSp>
-        <p:nvCxnSpPr>
-          <p:cNvPr id="13" name="直接箭头连接符 12">
-            <a:extLst>
-              <a:ext uri="{FF2B5EF4-FFF2-40B4-BE49-F238E27FC236}">
-                <a16:creationId xmlns:a16="http://schemas.microsoft.com/office/drawing/2014/main" id="{923AC372-640F-D1B7-1F12-A924CDAC47F8}"/>
-              </a:ext>
-            </a:extLst>
-          </p:cNvPr>
-          <p:cNvCxnSpPr>
-            <a:stCxn id="5" idx="3"/>
-            <a:endCxn id="9" idx="1"/>
-          </p:cNvCxnSpPr>
-          <p:nvPr/>
-        </p:nvCxnSpPr>
-        <p:spPr>
-          <a:xfrm>
-            <a:off x="4739417" y="3345287"/>
-            <a:ext cx="583842" cy="0"/>
-          </a:xfrm>
-          <a:prstGeom prst="straightConnector1">
-            <a:avLst/>
-          </a:prstGeom>
-          <a:ln>
-            <a:tailEnd type="triangle"/>
-          </a:ln>
-        </p:spPr>
-        <p:style>
-          <a:lnRef idx="1">
-            <a:schemeClr val="accent1"/>
-          </a:lnRef>
-          <a:fillRef idx="0">
-            <a:schemeClr val="accent1"/>
-          </a:fillRef>
-          <a:effectRef idx="0">
-            <a:schemeClr val="accent1"/>
-          </a:effectRef>
-          <a:fontRef idx="minor">
-            <a:schemeClr val="tx1"/>
-          </a:fontRef>
-        </p:style>
-      </p:cxnSp>
-      <p:cxnSp>
-        <p:nvCxnSpPr>
-          <p:cNvPr id="15" name="直接箭头连接符 14">
-            <a:extLst>
-              <a:ext uri="{FF2B5EF4-FFF2-40B4-BE49-F238E27FC236}">
-                <a16:creationId xmlns:a16="http://schemas.microsoft.com/office/drawing/2014/main" id="{81333CDD-B90A-A12F-C81B-9F109E6D5721}"/>
-              </a:ext>
-            </a:extLst>
-          </p:cNvPr>
-          <p:cNvCxnSpPr>
-            <a:stCxn id="9" idx="3"/>
-            <a:endCxn id="11" idx="1"/>
-          </p:cNvCxnSpPr>
-          <p:nvPr/>
-        </p:nvCxnSpPr>
-        <p:spPr>
-          <a:xfrm flipV="1">
-            <a:off x="6360008" y="3345286"/>
-            <a:ext cx="583842" cy="1"/>
-          </a:xfrm>
-          <a:prstGeom prst="straightConnector1">
-            <a:avLst/>
-          </a:prstGeom>
-          <a:ln>
-            <a:tailEnd type="triangle"/>
-          </a:ln>
-        </p:spPr>
-        <p:style>
-          <a:lnRef idx="1">
-            <a:schemeClr val="accent1"/>
-          </a:lnRef>
-          <a:fillRef idx="0">
-            <a:schemeClr val="accent1"/>
-          </a:fillRef>
-          <a:effectRef idx="0">
-            <a:schemeClr val="accent1"/>
-          </a:effectRef>
-          <a:fontRef idx="minor">
-            <a:schemeClr val="tx1"/>
-          </a:fontRef>
-        </p:style>
-      </p:cxnSp>
-      <p:pic>
-        <p:nvPicPr>
-          <p:cNvPr id="1026" name="Picture 2" descr="Radio Wave or Sound Wave Icon Vector Isolated, Electric Signal Wave Icon,  Sound Wave Vector Icon Stock Vector - Illustration of electronic,  frequency: 171471461">
-            <a:extLst>
-              <a:ext uri="{FF2B5EF4-FFF2-40B4-BE49-F238E27FC236}">
-                <a16:creationId xmlns:a16="http://schemas.microsoft.com/office/drawing/2014/main" id="{1CEB3AF2-1013-BFAB-F8FE-7320FF7F878B}"/>
-              </a:ext>
-            </a:extLst>
-          </p:cNvPr>
-          <p:cNvPicPr>
-            <a:picLocks noChangeAspect="1" noChangeArrowheads="1"/>
-          </p:cNvPicPr>
-          <p:nvPr/>
-        </p:nvPicPr>
-        <p:blipFill>
-          <a:blip r:embed="rId3">
-            <a:extLst>
-              <a:ext uri="{28A0092B-C50C-407E-A947-70E740481C1C}">
-                <a14:useLocalDpi xmlns:a14="http://schemas.microsoft.com/office/drawing/2010/main" val="0"/>
-              </a:ext>
-            </a:extLst>
-          </a:blip>
-          <a:srcRect/>
-          <a:stretch>
-            <a:fillRect/>
-          </a:stretch>
-        </p:blipFill>
-        <p:spPr bwMode="auto">
-          <a:xfrm>
-            <a:off x="2534984" y="3055512"/>
-            <a:ext cx="583842" cy="583842"/>
-          </a:xfrm>
-          <a:prstGeom prst="rect">
-            <a:avLst/>
-          </a:prstGeom>
-          <a:noFill/>
-          <a:extLst>
-            <a:ext uri="{909E8E84-426E-40DD-AFC4-6F175D3DCCD1}">
-              <a14:hiddenFill xmlns:a14="http://schemas.microsoft.com/office/drawing/2010/main">
-                <a:solidFill>
-                  <a:srgbClr val="FFFFFF"/>
-                </a:solidFill>
-              </a14:hiddenFill>
-            </a:ext>
-          </a:extLst>
-        </p:spPr>
-      </p:pic>
-      <p:cxnSp>
-        <p:nvCxnSpPr>
-          <p:cNvPr id="22" name="直接箭头连接符 21">
-            <a:extLst>
-              <a:ext uri="{FF2B5EF4-FFF2-40B4-BE49-F238E27FC236}">
-                <a16:creationId xmlns:a16="http://schemas.microsoft.com/office/drawing/2014/main" id="{379EE6AB-DFD2-26D7-2DAF-8DEBD27D5C7F}"/>
-              </a:ext>
-            </a:extLst>
-          </p:cNvPr>
-          <p:cNvCxnSpPr>
-            <a:stCxn id="1026" idx="3"/>
-            <a:endCxn id="5" idx="1"/>
-          </p:cNvCxnSpPr>
-          <p:nvPr/>
-        </p:nvCxnSpPr>
-        <p:spPr>
-          <a:xfrm flipV="1">
-            <a:off x="3118826" y="3345287"/>
-            <a:ext cx="583842" cy="2146"/>
-          </a:xfrm>
-          <a:prstGeom prst="straightConnector1">
-            <a:avLst/>
-          </a:prstGeom>
-          <a:ln>
-            <a:tailEnd type="triangle"/>
-          </a:ln>
-        </p:spPr>
-        <p:style>
-          <a:lnRef idx="1">
-            <a:schemeClr val="accent1"/>
-          </a:lnRef>
-          <a:fillRef idx="0">
-            <a:schemeClr val="accent1"/>
-          </a:fillRef>
-          <a:effectRef idx="0">
-            <a:schemeClr val="accent1"/>
-          </a:effectRef>
-          <a:fontRef idx="minor">
-            <a:schemeClr val="tx1"/>
-          </a:fontRef>
-        </p:style>
-      </p:cxnSp>
-    </p:spTree>
-    <p:extLst>
-      <p:ext uri="{BB962C8B-B14F-4D97-AF65-F5344CB8AC3E}">
-        <p14:creationId xmlns:p14="http://schemas.microsoft.com/office/powerpoint/2010/main" val="1448830431"/>
-      </p:ext>
-    </p:extLst>
-  </p:cSld>
-  <p:clrMapOvr>
-    <a:masterClrMapping/>
-  </p:clrMapOvr>
-</p:sld>
-</file>
-
-<file path=ppt/slides/slide9.xml><?xml version="1.0" encoding="utf-8"?>
-<p:sld xmlns:a="http://schemas.openxmlformats.org/drawingml/2006/main" xmlns:r="http://schemas.openxmlformats.org/officeDocument/2006/relationships" xmlns:p="http://schemas.openxmlformats.org/presentationml/2006/main">
-  <p:cSld>
-    <p:spTree>
-      <p:nvGrpSpPr>
-        <p:cNvPr id="1" name=""/>
-        <p:cNvGrpSpPr/>
-        <p:nvPr/>
-      </p:nvGrpSpPr>
-      <p:grpSpPr>
-        <a:xfrm>
-          <a:off x="0" y="0"/>
-          <a:ext cx="0" cy="0"/>
-          <a:chOff x="0" y="0"/>
-          <a:chExt cx="0" cy="0"/>
-        </a:xfrm>
-      </p:grpSpPr>
       <p:pic>
         <p:nvPicPr>
           <p:cNvPr id="5" name="图片 4">
@@ -17398,6 +13414,224 @@
     <p:extLst>
       <p:ext uri="{BB962C8B-B14F-4D97-AF65-F5344CB8AC3E}">
         <p14:creationId xmlns:p14="http://schemas.microsoft.com/office/powerpoint/2010/main" val="4171656140"/>
+      </p:ext>
+    </p:extLst>
+  </p:cSld>
+  <p:clrMapOvr>
+    <a:masterClrMapping/>
+  </p:clrMapOvr>
+</p:sld>
+</file>
+
+<file path=ppt/slides/slide8.xml><?xml version="1.0" encoding="utf-8"?>
+<p:sld xmlns:a="http://schemas.openxmlformats.org/drawingml/2006/main" xmlns:r="http://schemas.openxmlformats.org/officeDocument/2006/relationships" xmlns:p="http://schemas.openxmlformats.org/presentationml/2006/main">
+  <p:cSld>
+    <p:spTree>
+      <p:nvGrpSpPr>
+        <p:cNvPr id="1" name=""/>
+        <p:cNvGrpSpPr/>
+        <p:nvPr/>
+      </p:nvGrpSpPr>
+      <p:grpSpPr>
+        <a:xfrm>
+          <a:off x="0" y="0"/>
+          <a:ext cx="0" cy="0"/>
+          <a:chOff x="0" y="0"/>
+          <a:chExt cx="0" cy="0"/>
+        </a:xfrm>
+      </p:grpSpPr>
+      <p:pic>
+        <p:nvPicPr>
+          <p:cNvPr id="4" name="图片 3">
+            <a:extLst>
+              <a:ext uri="{FF2B5EF4-FFF2-40B4-BE49-F238E27FC236}">
+                <a16:creationId xmlns:a16="http://schemas.microsoft.com/office/drawing/2014/main" id="{5DB42684-AE6B-1412-CEA5-12AB30E5BDD3}"/>
+              </a:ext>
+            </a:extLst>
+          </p:cNvPr>
+          <p:cNvPicPr>
+            <a:picLocks noChangeAspect="1"/>
+          </p:cNvPicPr>
+          <p:nvPr/>
+        </p:nvPicPr>
+        <p:blipFill rotWithShape="1">
+          <a:blip r:embed="rId2"/>
+          <a:srcRect t="7165"/>
+          <a:stretch/>
+        </p:blipFill>
+        <p:spPr>
+          <a:xfrm>
+            <a:off x="0" y="1152656"/>
+            <a:ext cx="12192000" cy="5505626"/>
+          </a:xfrm>
+          <a:prstGeom prst="rect">
+            <a:avLst/>
+          </a:prstGeom>
+        </p:spPr>
+      </p:pic>
+      <p:sp>
+        <p:nvSpPr>
+          <p:cNvPr id="5" name="标题 4">
+            <a:extLst>
+              <a:ext uri="{FF2B5EF4-FFF2-40B4-BE49-F238E27FC236}">
+                <a16:creationId xmlns:a16="http://schemas.microsoft.com/office/drawing/2014/main" id="{90649757-D066-5276-9331-4F8A81FFF3FD}"/>
+              </a:ext>
+            </a:extLst>
+          </p:cNvPr>
+          <p:cNvSpPr>
+            <a:spLocks noGrp="1"/>
+          </p:cNvSpPr>
+          <p:nvPr>
+            <p:ph type="title"/>
+          </p:nvPr>
+        </p:nvSpPr>
+        <p:spPr/>
+        <p:txBody>
+          <a:bodyPr/>
+          <a:lstStyle/>
+          <a:p>
+            <a:r>
+              <a:rPr lang="fr-CA" dirty="0"/>
+              <a:t>Sigfox Geographical RCs</a:t>
+            </a:r>
+          </a:p>
+        </p:txBody>
+      </p:sp>
+    </p:spTree>
+    <p:extLst>
+      <p:ext uri="{BB962C8B-B14F-4D97-AF65-F5344CB8AC3E}">
+        <p14:creationId xmlns:p14="http://schemas.microsoft.com/office/powerpoint/2010/main" val="2412469338"/>
+      </p:ext>
+    </p:extLst>
+  </p:cSld>
+  <p:clrMapOvr>
+    <a:masterClrMapping/>
+  </p:clrMapOvr>
+</p:sld>
+</file>
+
+<file path=ppt/slides/slide9.xml><?xml version="1.0" encoding="utf-8"?>
+<p:sld xmlns:a="http://schemas.openxmlformats.org/drawingml/2006/main" xmlns:r="http://schemas.openxmlformats.org/officeDocument/2006/relationships" xmlns:p="http://schemas.openxmlformats.org/presentationml/2006/main">
+  <p:cSld>
+    <p:spTree>
+      <p:nvGrpSpPr>
+        <p:cNvPr id="1" name=""/>
+        <p:cNvGrpSpPr/>
+        <p:nvPr/>
+      </p:nvGrpSpPr>
+      <p:grpSpPr>
+        <a:xfrm>
+          <a:off x="0" y="0"/>
+          <a:ext cx="0" cy="0"/>
+          <a:chOff x="0" y="0"/>
+          <a:chExt cx="0" cy="0"/>
+        </a:xfrm>
+      </p:grpSpPr>
+      <p:sp>
+        <p:nvSpPr>
+          <p:cNvPr id="3" name="标题 2">
+            <a:extLst>
+              <a:ext uri="{FF2B5EF4-FFF2-40B4-BE49-F238E27FC236}">
+                <a16:creationId xmlns:a16="http://schemas.microsoft.com/office/drawing/2014/main" id="{42060328-8CC3-3A9C-18D8-5B56709D5630}"/>
+              </a:ext>
+            </a:extLst>
+          </p:cNvPr>
+          <p:cNvSpPr>
+            <a:spLocks noGrp="1"/>
+          </p:cNvSpPr>
+          <p:nvPr>
+            <p:ph type="title"/>
+          </p:nvPr>
+        </p:nvSpPr>
+        <p:spPr/>
+        <p:txBody>
+          <a:bodyPr/>
+          <a:lstStyle/>
+          <a:p>
+            <a:r>
+              <a:rPr lang="fr-CA" dirty="0">
+                <a:latin typeface="Times New Roman" panose="02020603050405020304" pitchFamily="18" charset="0"/>
+                <a:cs typeface="Times New Roman" panose="02020603050405020304" pitchFamily="18" charset="0"/>
+              </a:rPr>
+              <a:t>Reference</a:t>
+            </a:r>
+          </a:p>
+        </p:txBody>
+      </p:sp>
+      <p:sp>
+        <p:nvSpPr>
+          <p:cNvPr id="4" name="内容占位符 3">
+            <a:extLst>
+              <a:ext uri="{FF2B5EF4-FFF2-40B4-BE49-F238E27FC236}">
+                <a16:creationId xmlns:a16="http://schemas.microsoft.com/office/drawing/2014/main" id="{49D0F2FE-859F-4C79-5A11-6F1778E6A3CA}"/>
+              </a:ext>
+            </a:extLst>
+          </p:cNvPr>
+          <p:cNvSpPr>
+            <a:spLocks noGrp="1"/>
+          </p:cNvSpPr>
+          <p:nvPr>
+            <p:ph idx="1"/>
+          </p:nvPr>
+        </p:nvSpPr>
+        <p:spPr/>
+        <p:txBody>
+          <a:bodyPr/>
+          <a:lstStyle/>
+          <a:p>
+            <a:pPr marL="0" indent="0">
+              <a:buNone/>
+            </a:pPr>
+            <a:r>
+              <a:rPr lang="fr-CA" dirty="0">
+                <a:latin typeface="Times New Roman" panose="02020603050405020304" pitchFamily="18" charset="0"/>
+                <a:cs typeface="Times New Roman" panose="02020603050405020304" pitchFamily="18" charset="0"/>
+              </a:rPr>
+              <a:t>[1] Hui Chen, Hadi Sarieddeen, Tarig Ballal, Henk Wymeersch, Mohamed-Slim Alouini, and Tareq Y Al-Naffouri. A tutorial on terahertz-band localization for 6g communication systems. arXiv preprint arXiv:2110.08581, 2021.</a:t>
+            </a:r>
+          </a:p>
+          <a:p>
+            <a:pPr marL="0" indent="0">
+              <a:buNone/>
+            </a:pPr>
+            <a:r>
+              <a:rPr lang="fr-CA" dirty="0">
+                <a:latin typeface="Times New Roman" panose="02020603050405020304" pitchFamily="18" charset="0"/>
+                <a:cs typeface="Times New Roman" panose="02020603050405020304" pitchFamily="18" charset="0"/>
+              </a:rPr>
+              <a:t>[2] A. Shahmansoori, G. E. Garcia, G. Destino, G. Seco-Granados,</a:t>
+            </a:r>
+          </a:p>
+          <a:p>
+            <a:pPr marL="0" indent="0">
+              <a:buNone/>
+            </a:pPr>
+            <a:r>
+              <a:rPr lang="fr-CA" dirty="0">
+                <a:latin typeface="Times New Roman" panose="02020603050405020304" pitchFamily="18" charset="0"/>
+                <a:cs typeface="Times New Roman" panose="02020603050405020304" pitchFamily="18" charset="0"/>
+              </a:rPr>
+              <a:t>and H. Wymeersch, “Position and orientation estimation through</a:t>
+            </a:r>
+          </a:p>
+          <a:p>
+            <a:pPr marL="0" indent="0">
+              <a:buNone/>
+            </a:pPr>
+            <a:r>
+              <a:rPr lang="fr-CA" dirty="0">
+                <a:latin typeface="Times New Roman" panose="02020603050405020304" pitchFamily="18" charset="0"/>
+                <a:cs typeface="Times New Roman" panose="02020603050405020304" pitchFamily="18" charset="0"/>
+              </a:rPr>
+              <a:t>millimeter-wave MIMO in 5G systems,” IEEE Trans. Wireless Commun., vol. 17, no. 3, pp. 1822–1835, Dec. 2017.</a:t>
+            </a:r>
+          </a:p>
+        </p:txBody>
+      </p:sp>
+    </p:spTree>
+    <p:extLst>
+      <p:ext uri="{BB962C8B-B14F-4D97-AF65-F5344CB8AC3E}">
+        <p14:creationId xmlns:p14="http://schemas.microsoft.com/office/powerpoint/2010/main" val="1224187230"/>
       </p:ext>
     </p:extLst>
   </p:cSld>
